--- a/Gender Detection System using FFT with ANN.pptx
+++ b/Gender Detection System using FFT with ANN.pptx
@@ -98,7 +98,7 @@
         <p:spPr>
           <a:xfrm>
             <a:off x="609480" y="273600"/>
-            <a:ext cx="10971720" cy="1144080"/>
+            <a:ext cx="10972440" cy="1144800"/>
           </a:xfrm>
           <a:prstGeom prst="rect">
             <a:avLst/>
@@ -127,7 +127,7 @@
         <p:spPr>
           <a:xfrm>
             <a:off x="609480" y="1604520"/>
-            <a:ext cx="10972080" cy="1896840"/>
+            <a:ext cx="10972440" cy="1896840"/>
           </a:xfrm>
           <a:prstGeom prst="rect">
             <a:avLst/>
@@ -157,7 +157,7 @@
         <p:spPr>
           <a:xfrm>
             <a:off x="609480" y="3682080"/>
-            <a:ext cx="10972080" cy="1896840"/>
+            <a:ext cx="10972440" cy="1896840"/>
           </a:xfrm>
           <a:prstGeom prst="rect">
             <a:avLst/>
@@ -209,7 +209,7 @@
         <p:spPr>
           <a:xfrm>
             <a:off x="609480" y="273600"/>
-            <a:ext cx="10971720" cy="1144080"/>
+            <a:ext cx="10972440" cy="1144800"/>
           </a:xfrm>
           <a:prstGeom prst="rect">
             <a:avLst/>
@@ -380,7 +380,7 @@
         <p:spPr>
           <a:xfrm>
             <a:off x="609480" y="273600"/>
-            <a:ext cx="10971720" cy="1144080"/>
+            <a:ext cx="10972440" cy="1144800"/>
           </a:xfrm>
           <a:prstGeom prst="rect">
             <a:avLst/>
@@ -409,7 +409,7 @@
         <p:spPr>
           <a:xfrm>
             <a:off x="609480" y="1604520"/>
-            <a:ext cx="3532680" cy="1896840"/>
+            <a:ext cx="3533040" cy="1896840"/>
           </a:xfrm>
           <a:prstGeom prst="rect">
             <a:avLst/>
@@ -438,8 +438,8 @@
         </p:nvSpPr>
         <p:spPr>
           <a:xfrm>
-            <a:off x="4319280" y="1604520"/>
-            <a:ext cx="3532680" cy="1896840"/>
+            <a:off x="4319640" y="1604520"/>
+            <a:ext cx="3533040" cy="1896840"/>
           </a:xfrm>
           <a:prstGeom prst="rect">
             <a:avLst/>
@@ -468,8 +468,8 @@
         </p:nvSpPr>
         <p:spPr>
           <a:xfrm>
-            <a:off x="8028720" y="1604520"/>
-            <a:ext cx="3532680" cy="1896840"/>
+            <a:off x="8029800" y="1604520"/>
+            <a:ext cx="3533040" cy="1896840"/>
           </a:xfrm>
           <a:prstGeom prst="rect">
             <a:avLst/>
@@ -499,7 +499,7 @@
         <p:spPr>
           <a:xfrm>
             <a:off x="609480" y="3682080"/>
-            <a:ext cx="3532680" cy="1896840"/>
+            <a:ext cx="3533040" cy="1896840"/>
           </a:xfrm>
           <a:prstGeom prst="rect">
             <a:avLst/>
@@ -528,8 +528,8 @@
         </p:nvSpPr>
         <p:spPr>
           <a:xfrm>
-            <a:off x="4319280" y="3682080"/>
-            <a:ext cx="3532680" cy="1896840"/>
+            <a:off x="4319640" y="3682080"/>
+            <a:ext cx="3533040" cy="1896840"/>
           </a:xfrm>
           <a:prstGeom prst="rect">
             <a:avLst/>
@@ -558,8 +558,8 @@
         </p:nvSpPr>
         <p:spPr>
           <a:xfrm>
-            <a:off x="8028720" y="3682080"/>
-            <a:ext cx="3532680" cy="1896840"/>
+            <a:off x="8029800" y="3682080"/>
+            <a:ext cx="3533040" cy="1896840"/>
           </a:xfrm>
           <a:prstGeom prst="rect">
             <a:avLst/>
@@ -633,7 +633,7 @@
         <p:spPr>
           <a:xfrm>
             <a:off x="609480" y="273600"/>
-            <a:ext cx="10971720" cy="1144080"/>
+            <a:ext cx="10972440" cy="1144800"/>
           </a:xfrm>
           <a:prstGeom prst="rect">
             <a:avLst/>
@@ -662,7 +662,7 @@
         <p:spPr>
           <a:xfrm>
             <a:off x="609480" y="1604520"/>
-            <a:ext cx="10972080" cy="3976920"/>
+            <a:ext cx="10972440" cy="3977280"/>
           </a:xfrm>
           <a:prstGeom prst="rect">
             <a:avLst/>
@@ -713,7 +713,7 @@
         <p:spPr>
           <a:xfrm>
             <a:off x="609480" y="273600"/>
-            <a:ext cx="10971720" cy="1144080"/>
+            <a:ext cx="10972440" cy="1144800"/>
           </a:xfrm>
           <a:prstGeom prst="rect">
             <a:avLst/>
@@ -742,7 +742,7 @@
         <p:spPr>
           <a:xfrm>
             <a:off x="609480" y="1604520"/>
-            <a:ext cx="10972080" cy="3976920"/>
+            <a:ext cx="10972440" cy="3977280"/>
           </a:xfrm>
           <a:prstGeom prst="rect">
             <a:avLst/>
@@ -794,7 +794,7 @@
         <p:spPr>
           <a:xfrm>
             <a:off x="609480" y="273600"/>
-            <a:ext cx="10971720" cy="1144080"/>
+            <a:ext cx="10972440" cy="1144800"/>
           </a:xfrm>
           <a:prstGeom prst="rect">
             <a:avLst/>
@@ -823,7 +823,7 @@
         <p:spPr>
           <a:xfrm>
             <a:off x="609480" y="1604520"/>
-            <a:ext cx="5354280" cy="3976920"/>
+            <a:ext cx="5354280" cy="3977280"/>
           </a:xfrm>
           <a:prstGeom prst="rect">
             <a:avLst/>
@@ -853,7 +853,7 @@
         <p:spPr>
           <a:xfrm>
             <a:off x="6231960" y="1604520"/>
-            <a:ext cx="5354280" cy="3976920"/>
+            <a:ext cx="5354280" cy="3977280"/>
           </a:xfrm>
           <a:prstGeom prst="rect">
             <a:avLst/>
@@ -905,7 +905,7 @@
         <p:spPr>
           <a:xfrm>
             <a:off x="609480" y="273600"/>
-            <a:ext cx="10971720" cy="1144080"/>
+            <a:ext cx="10972440" cy="1144800"/>
           </a:xfrm>
           <a:prstGeom prst="rect">
             <a:avLst/>
@@ -956,7 +956,7 @@
         <p:spPr>
           <a:xfrm>
             <a:off x="609480" y="273600"/>
-            <a:ext cx="10971720" cy="5304600"/>
+            <a:ext cx="10972440" cy="5307840"/>
           </a:xfrm>
           <a:prstGeom prst="rect">
             <a:avLst/>
@@ -1007,7 +1007,7 @@
         <p:spPr>
           <a:xfrm>
             <a:off x="609480" y="273600"/>
-            <a:ext cx="10971720" cy="1144080"/>
+            <a:ext cx="10972440" cy="1144800"/>
           </a:xfrm>
           <a:prstGeom prst="rect">
             <a:avLst/>
@@ -1066,7 +1066,7 @@
         <p:spPr>
           <a:xfrm>
             <a:off x="6231960" y="1604520"/>
-            <a:ext cx="5354280" cy="3976920"/>
+            <a:ext cx="5354280" cy="3977280"/>
           </a:xfrm>
           <a:prstGeom prst="rect">
             <a:avLst/>
@@ -1148,7 +1148,7 @@
         <p:spPr>
           <a:xfrm>
             <a:off x="609480" y="273600"/>
-            <a:ext cx="10971720" cy="1144080"/>
+            <a:ext cx="10972440" cy="1144800"/>
           </a:xfrm>
           <a:prstGeom prst="rect">
             <a:avLst/>
@@ -1177,7 +1177,7 @@
         <p:spPr>
           <a:xfrm>
             <a:off x="609480" y="1604520"/>
-            <a:ext cx="10972080" cy="3976920"/>
+            <a:ext cx="10972440" cy="3977280"/>
           </a:xfrm>
           <a:prstGeom prst="rect">
             <a:avLst/>
@@ -1228,7 +1228,7 @@
         <p:spPr>
           <a:xfrm>
             <a:off x="609480" y="273600"/>
-            <a:ext cx="10971720" cy="1144080"/>
+            <a:ext cx="10972440" cy="1144800"/>
           </a:xfrm>
           <a:prstGeom prst="rect">
             <a:avLst/>
@@ -1257,7 +1257,7 @@
         <p:spPr>
           <a:xfrm>
             <a:off x="609480" y="1604520"/>
-            <a:ext cx="5354280" cy="3976920"/>
+            <a:ext cx="5354280" cy="3977280"/>
           </a:xfrm>
           <a:prstGeom prst="rect">
             <a:avLst/>
@@ -1369,7 +1369,7 @@
         <p:spPr>
           <a:xfrm>
             <a:off x="609480" y="273600"/>
-            <a:ext cx="10971720" cy="1144080"/>
+            <a:ext cx="10972440" cy="1144800"/>
           </a:xfrm>
           <a:prstGeom prst="rect">
             <a:avLst/>
@@ -1458,7 +1458,7 @@
         <p:spPr>
           <a:xfrm>
             <a:off x="609480" y="3682080"/>
-            <a:ext cx="10972080" cy="1896840"/>
+            <a:ext cx="10972440" cy="1896840"/>
           </a:xfrm>
           <a:prstGeom prst="rect">
             <a:avLst/>
@@ -1510,7 +1510,7 @@
         <p:spPr>
           <a:xfrm>
             <a:off x="609480" y="273600"/>
-            <a:ext cx="10971720" cy="1144080"/>
+            <a:ext cx="10972440" cy="1144800"/>
           </a:xfrm>
           <a:prstGeom prst="rect">
             <a:avLst/>
@@ -1539,7 +1539,7 @@
         <p:spPr>
           <a:xfrm>
             <a:off x="609480" y="1604520"/>
-            <a:ext cx="10972080" cy="1896840"/>
+            <a:ext cx="10972440" cy="1896840"/>
           </a:xfrm>
           <a:prstGeom prst="rect">
             <a:avLst/>
@@ -1569,7 +1569,7 @@
         <p:spPr>
           <a:xfrm>
             <a:off x="609480" y="3682080"/>
-            <a:ext cx="10972080" cy="1896840"/>
+            <a:ext cx="10972440" cy="1896840"/>
           </a:xfrm>
           <a:prstGeom prst="rect">
             <a:avLst/>
@@ -1621,7 +1621,7 @@
         <p:spPr>
           <a:xfrm>
             <a:off x="609480" y="273600"/>
-            <a:ext cx="10971720" cy="1144080"/>
+            <a:ext cx="10972440" cy="1144800"/>
           </a:xfrm>
           <a:prstGeom prst="rect">
             <a:avLst/>
@@ -1792,7 +1792,7 @@
         <p:spPr>
           <a:xfrm>
             <a:off x="609480" y="273600"/>
-            <a:ext cx="10971720" cy="1144080"/>
+            <a:ext cx="10972440" cy="1144800"/>
           </a:xfrm>
           <a:prstGeom prst="rect">
             <a:avLst/>
@@ -1821,7 +1821,7 @@
         <p:spPr>
           <a:xfrm>
             <a:off x="609480" y="1604520"/>
-            <a:ext cx="3532680" cy="1896840"/>
+            <a:ext cx="3533040" cy="1896840"/>
           </a:xfrm>
           <a:prstGeom prst="rect">
             <a:avLst/>
@@ -1850,8 +1850,8 @@
         </p:nvSpPr>
         <p:spPr>
           <a:xfrm>
-            <a:off x="4319280" y="1604520"/>
-            <a:ext cx="3532680" cy="1896840"/>
+            <a:off x="4319640" y="1604520"/>
+            <a:ext cx="3533040" cy="1896840"/>
           </a:xfrm>
           <a:prstGeom prst="rect">
             <a:avLst/>
@@ -1880,8 +1880,8 @@
         </p:nvSpPr>
         <p:spPr>
           <a:xfrm>
-            <a:off x="8028720" y="1604520"/>
-            <a:ext cx="3532680" cy="1896840"/>
+            <a:off x="8029800" y="1604520"/>
+            <a:ext cx="3533040" cy="1896840"/>
           </a:xfrm>
           <a:prstGeom prst="rect">
             <a:avLst/>
@@ -1911,7 +1911,7 @@
         <p:spPr>
           <a:xfrm>
             <a:off x="609480" y="3682080"/>
-            <a:ext cx="3532680" cy="1896840"/>
+            <a:ext cx="3533040" cy="1896840"/>
           </a:xfrm>
           <a:prstGeom prst="rect">
             <a:avLst/>
@@ -1940,8 +1940,8 @@
         </p:nvSpPr>
         <p:spPr>
           <a:xfrm>
-            <a:off x="4319280" y="3682080"/>
-            <a:ext cx="3532680" cy="1896840"/>
+            <a:off x="4319640" y="3682080"/>
+            <a:ext cx="3533040" cy="1896840"/>
           </a:xfrm>
           <a:prstGeom prst="rect">
             <a:avLst/>
@@ -1970,8 +1970,8 @@
         </p:nvSpPr>
         <p:spPr>
           <a:xfrm>
-            <a:off x="8028720" y="3682080"/>
-            <a:ext cx="3532680" cy="1896840"/>
+            <a:off x="8029800" y="3682080"/>
+            <a:ext cx="3533040" cy="1896840"/>
           </a:xfrm>
           <a:prstGeom prst="rect">
             <a:avLst/>
@@ -2045,7 +2045,7 @@
         <p:spPr>
           <a:xfrm>
             <a:off x="609480" y="273600"/>
-            <a:ext cx="10971720" cy="1144080"/>
+            <a:ext cx="10972440" cy="1144800"/>
           </a:xfrm>
           <a:prstGeom prst="rect">
             <a:avLst/>
@@ -2074,7 +2074,7 @@
         <p:spPr>
           <a:xfrm>
             <a:off x="609480" y="1604520"/>
-            <a:ext cx="10972080" cy="3976920"/>
+            <a:ext cx="10972440" cy="3977280"/>
           </a:xfrm>
           <a:prstGeom prst="rect">
             <a:avLst/>
@@ -2125,7 +2125,7 @@
         <p:spPr>
           <a:xfrm>
             <a:off x="609480" y="273600"/>
-            <a:ext cx="10971720" cy="1144080"/>
+            <a:ext cx="10972440" cy="1144800"/>
           </a:xfrm>
           <a:prstGeom prst="rect">
             <a:avLst/>
@@ -2154,7 +2154,7 @@
         <p:spPr>
           <a:xfrm>
             <a:off x="609480" y="1604520"/>
-            <a:ext cx="10972080" cy="3976920"/>
+            <a:ext cx="10972440" cy="3977280"/>
           </a:xfrm>
           <a:prstGeom prst="rect">
             <a:avLst/>
@@ -2206,7 +2206,7 @@
         <p:spPr>
           <a:xfrm>
             <a:off x="609480" y="273600"/>
-            <a:ext cx="10971720" cy="1144080"/>
+            <a:ext cx="10972440" cy="1144800"/>
           </a:xfrm>
           <a:prstGeom prst="rect">
             <a:avLst/>
@@ -2235,7 +2235,7 @@
         <p:spPr>
           <a:xfrm>
             <a:off x="609480" y="1604520"/>
-            <a:ext cx="5354280" cy="3976920"/>
+            <a:ext cx="5354280" cy="3977280"/>
           </a:xfrm>
           <a:prstGeom prst="rect">
             <a:avLst/>
@@ -2265,7 +2265,7 @@
         <p:spPr>
           <a:xfrm>
             <a:off x="6231960" y="1604520"/>
-            <a:ext cx="5354280" cy="3976920"/>
+            <a:ext cx="5354280" cy="3977280"/>
           </a:xfrm>
           <a:prstGeom prst="rect">
             <a:avLst/>
@@ -2317,7 +2317,7 @@
         <p:spPr>
           <a:xfrm>
             <a:off x="609480" y="273600"/>
-            <a:ext cx="10971720" cy="1144080"/>
+            <a:ext cx="10972440" cy="1144800"/>
           </a:xfrm>
           <a:prstGeom prst="rect">
             <a:avLst/>
@@ -2368,7 +2368,7 @@
         <p:spPr>
           <a:xfrm>
             <a:off x="609480" y="273600"/>
-            <a:ext cx="10971720" cy="1144080"/>
+            <a:ext cx="10972440" cy="1144800"/>
           </a:xfrm>
           <a:prstGeom prst="rect">
             <a:avLst/>
@@ -2397,7 +2397,7 @@
         <p:spPr>
           <a:xfrm>
             <a:off x="609480" y="1604520"/>
-            <a:ext cx="10972080" cy="3976920"/>
+            <a:ext cx="10972440" cy="3977280"/>
           </a:xfrm>
           <a:prstGeom prst="rect">
             <a:avLst/>
@@ -2449,7 +2449,7 @@
         <p:spPr>
           <a:xfrm>
             <a:off x="609480" y="273600"/>
-            <a:ext cx="10971720" cy="5304600"/>
+            <a:ext cx="10972440" cy="5307840"/>
           </a:xfrm>
           <a:prstGeom prst="rect">
             <a:avLst/>
@@ -2500,7 +2500,7 @@
         <p:spPr>
           <a:xfrm>
             <a:off x="609480" y="273600"/>
-            <a:ext cx="10971720" cy="1144080"/>
+            <a:ext cx="10972440" cy="1144800"/>
           </a:xfrm>
           <a:prstGeom prst="rect">
             <a:avLst/>
@@ -2559,7 +2559,7 @@
         <p:spPr>
           <a:xfrm>
             <a:off x="6231960" y="1604520"/>
-            <a:ext cx="5354280" cy="3976920"/>
+            <a:ext cx="5354280" cy="3977280"/>
           </a:xfrm>
           <a:prstGeom prst="rect">
             <a:avLst/>
@@ -2641,7 +2641,7 @@
         <p:spPr>
           <a:xfrm>
             <a:off x="609480" y="273600"/>
-            <a:ext cx="10971720" cy="1144080"/>
+            <a:ext cx="10972440" cy="1144800"/>
           </a:xfrm>
           <a:prstGeom prst="rect">
             <a:avLst/>
@@ -2670,7 +2670,7 @@
         <p:spPr>
           <a:xfrm>
             <a:off x="609480" y="1604520"/>
-            <a:ext cx="5354280" cy="3976920"/>
+            <a:ext cx="5354280" cy="3977280"/>
           </a:xfrm>
           <a:prstGeom prst="rect">
             <a:avLst/>
@@ -2782,7 +2782,7 @@
         <p:spPr>
           <a:xfrm>
             <a:off x="609480" y="273600"/>
-            <a:ext cx="10971720" cy="1144080"/>
+            <a:ext cx="10972440" cy="1144800"/>
           </a:xfrm>
           <a:prstGeom prst="rect">
             <a:avLst/>
@@ -2871,7 +2871,7 @@
         <p:spPr>
           <a:xfrm>
             <a:off x="609480" y="3682080"/>
-            <a:ext cx="10972080" cy="1896840"/>
+            <a:ext cx="10972440" cy="1896840"/>
           </a:xfrm>
           <a:prstGeom prst="rect">
             <a:avLst/>
@@ -2923,7 +2923,7 @@
         <p:spPr>
           <a:xfrm>
             <a:off x="609480" y="273600"/>
-            <a:ext cx="10971720" cy="1144080"/>
+            <a:ext cx="10972440" cy="1144800"/>
           </a:xfrm>
           <a:prstGeom prst="rect">
             <a:avLst/>
@@ -2952,7 +2952,7 @@
         <p:spPr>
           <a:xfrm>
             <a:off x="609480" y="1604520"/>
-            <a:ext cx="10972080" cy="1896840"/>
+            <a:ext cx="10972440" cy="1896840"/>
           </a:xfrm>
           <a:prstGeom prst="rect">
             <a:avLst/>
@@ -2982,7 +2982,7 @@
         <p:spPr>
           <a:xfrm>
             <a:off x="609480" y="3682080"/>
-            <a:ext cx="10972080" cy="1896840"/>
+            <a:ext cx="10972440" cy="1896840"/>
           </a:xfrm>
           <a:prstGeom prst="rect">
             <a:avLst/>
@@ -3034,7 +3034,7 @@
         <p:spPr>
           <a:xfrm>
             <a:off x="609480" y="273600"/>
-            <a:ext cx="10971720" cy="1144080"/>
+            <a:ext cx="10972440" cy="1144800"/>
           </a:xfrm>
           <a:prstGeom prst="rect">
             <a:avLst/>
@@ -3205,7 +3205,7 @@
         <p:spPr>
           <a:xfrm>
             <a:off x="609480" y="273600"/>
-            <a:ext cx="10971720" cy="1144080"/>
+            <a:ext cx="10972440" cy="1144800"/>
           </a:xfrm>
           <a:prstGeom prst="rect">
             <a:avLst/>
@@ -3234,7 +3234,7 @@
         <p:spPr>
           <a:xfrm>
             <a:off x="609480" y="1604520"/>
-            <a:ext cx="3532680" cy="1896840"/>
+            <a:ext cx="3533040" cy="1896840"/>
           </a:xfrm>
           <a:prstGeom prst="rect">
             <a:avLst/>
@@ -3263,8 +3263,8 @@
         </p:nvSpPr>
         <p:spPr>
           <a:xfrm>
-            <a:off x="4319280" y="1604520"/>
-            <a:ext cx="3532680" cy="1896840"/>
+            <a:off x="4319640" y="1604520"/>
+            <a:ext cx="3533040" cy="1896840"/>
           </a:xfrm>
           <a:prstGeom prst="rect">
             <a:avLst/>
@@ -3293,8 +3293,8 @@
         </p:nvSpPr>
         <p:spPr>
           <a:xfrm>
-            <a:off x="8028720" y="1604520"/>
-            <a:ext cx="3532680" cy="1896840"/>
+            <a:off x="8029800" y="1604520"/>
+            <a:ext cx="3533040" cy="1896840"/>
           </a:xfrm>
           <a:prstGeom prst="rect">
             <a:avLst/>
@@ -3324,7 +3324,7 @@
         <p:spPr>
           <a:xfrm>
             <a:off x="609480" y="3682080"/>
-            <a:ext cx="3532680" cy="1896840"/>
+            <a:ext cx="3533040" cy="1896840"/>
           </a:xfrm>
           <a:prstGeom prst="rect">
             <a:avLst/>
@@ -3353,8 +3353,8 @@
         </p:nvSpPr>
         <p:spPr>
           <a:xfrm>
-            <a:off x="4319280" y="3682080"/>
-            <a:ext cx="3532680" cy="1896840"/>
+            <a:off x="4319640" y="3682080"/>
+            <a:ext cx="3533040" cy="1896840"/>
           </a:xfrm>
           <a:prstGeom prst="rect">
             <a:avLst/>
@@ -3383,8 +3383,8 @@
         </p:nvSpPr>
         <p:spPr>
           <a:xfrm>
-            <a:off x="8028720" y="3682080"/>
-            <a:ext cx="3532680" cy="1896840"/>
+            <a:off x="8029800" y="3682080"/>
+            <a:ext cx="3533040" cy="1896840"/>
           </a:xfrm>
           <a:prstGeom prst="rect">
             <a:avLst/>
@@ -3458,7 +3458,7 @@
         <p:spPr>
           <a:xfrm>
             <a:off x="609480" y="273600"/>
-            <a:ext cx="10971720" cy="1144080"/>
+            <a:ext cx="10972440" cy="1144800"/>
           </a:xfrm>
           <a:prstGeom prst="rect">
             <a:avLst/>
@@ -3487,7 +3487,7 @@
         <p:spPr>
           <a:xfrm>
             <a:off x="609480" y="1604520"/>
-            <a:ext cx="10972080" cy="3976920"/>
+            <a:ext cx="10972440" cy="3977280"/>
           </a:xfrm>
           <a:prstGeom prst="rect">
             <a:avLst/>
@@ -3538,7 +3538,7 @@
         <p:spPr>
           <a:xfrm>
             <a:off x="609480" y="273600"/>
-            <a:ext cx="10971720" cy="1144080"/>
+            <a:ext cx="10972440" cy="1144800"/>
           </a:xfrm>
           <a:prstGeom prst="rect">
             <a:avLst/>
@@ -3567,7 +3567,7 @@
         <p:spPr>
           <a:xfrm>
             <a:off x="609480" y="1604520"/>
-            <a:ext cx="10972080" cy="3976920"/>
+            <a:ext cx="10972440" cy="3977280"/>
           </a:xfrm>
           <a:prstGeom prst="rect">
             <a:avLst/>
@@ -3619,7 +3619,7 @@
         <p:spPr>
           <a:xfrm>
             <a:off x="609480" y="273600"/>
-            <a:ext cx="10971720" cy="1144080"/>
+            <a:ext cx="10972440" cy="1144800"/>
           </a:xfrm>
           <a:prstGeom prst="rect">
             <a:avLst/>
@@ -3648,7 +3648,7 @@
         <p:spPr>
           <a:xfrm>
             <a:off x="609480" y="1604520"/>
-            <a:ext cx="5354280" cy="3976920"/>
+            <a:ext cx="5354280" cy="3977280"/>
           </a:xfrm>
           <a:prstGeom prst="rect">
             <a:avLst/>
@@ -3678,7 +3678,7 @@
         <p:spPr>
           <a:xfrm>
             <a:off x="6231960" y="1604520"/>
-            <a:ext cx="5354280" cy="3976920"/>
+            <a:ext cx="5354280" cy="3977280"/>
           </a:xfrm>
           <a:prstGeom prst="rect">
             <a:avLst/>
@@ -3730,7 +3730,7 @@
         <p:spPr>
           <a:xfrm>
             <a:off x="609480" y="273600"/>
-            <a:ext cx="10971720" cy="1144080"/>
+            <a:ext cx="10972440" cy="1144800"/>
           </a:xfrm>
           <a:prstGeom prst="rect">
             <a:avLst/>
@@ -3759,7 +3759,7 @@
         <p:spPr>
           <a:xfrm>
             <a:off x="609480" y="1604520"/>
-            <a:ext cx="5354280" cy="3976920"/>
+            <a:ext cx="5354280" cy="3977280"/>
           </a:xfrm>
           <a:prstGeom prst="rect">
             <a:avLst/>
@@ -3789,7 +3789,7 @@
         <p:spPr>
           <a:xfrm>
             <a:off x="6231960" y="1604520"/>
-            <a:ext cx="5354280" cy="3976920"/>
+            <a:ext cx="5354280" cy="3977280"/>
           </a:xfrm>
           <a:prstGeom prst="rect">
             <a:avLst/>
@@ -3841,7 +3841,7 @@
         <p:spPr>
           <a:xfrm>
             <a:off x="609480" y="273600"/>
-            <a:ext cx="10971720" cy="1144080"/>
+            <a:ext cx="10972440" cy="1144800"/>
           </a:xfrm>
           <a:prstGeom prst="rect">
             <a:avLst/>
@@ -3892,7 +3892,7 @@
         <p:spPr>
           <a:xfrm>
             <a:off x="609480" y="273600"/>
-            <a:ext cx="10971720" cy="5304600"/>
+            <a:ext cx="10972440" cy="5307840"/>
           </a:xfrm>
           <a:prstGeom prst="rect">
             <a:avLst/>
@@ -3943,7 +3943,7 @@
         <p:spPr>
           <a:xfrm>
             <a:off x="609480" y="273600"/>
-            <a:ext cx="10971720" cy="1144080"/>
+            <a:ext cx="10972440" cy="1144800"/>
           </a:xfrm>
           <a:prstGeom prst="rect">
             <a:avLst/>
@@ -4002,7 +4002,7 @@
         <p:spPr>
           <a:xfrm>
             <a:off x="6231960" y="1604520"/>
-            <a:ext cx="5354280" cy="3976920"/>
+            <a:ext cx="5354280" cy="3977280"/>
           </a:xfrm>
           <a:prstGeom prst="rect">
             <a:avLst/>
@@ -4084,7 +4084,7 @@
         <p:spPr>
           <a:xfrm>
             <a:off x="609480" y="273600"/>
-            <a:ext cx="10971720" cy="1144080"/>
+            <a:ext cx="10972440" cy="1144800"/>
           </a:xfrm>
           <a:prstGeom prst="rect">
             <a:avLst/>
@@ -4113,7 +4113,7 @@
         <p:spPr>
           <a:xfrm>
             <a:off x="609480" y="1604520"/>
-            <a:ext cx="5354280" cy="3976920"/>
+            <a:ext cx="5354280" cy="3977280"/>
           </a:xfrm>
           <a:prstGeom prst="rect">
             <a:avLst/>
@@ -4225,7 +4225,7 @@
         <p:spPr>
           <a:xfrm>
             <a:off x="609480" y="273600"/>
-            <a:ext cx="10971720" cy="1144080"/>
+            <a:ext cx="10972440" cy="1144800"/>
           </a:xfrm>
           <a:prstGeom prst="rect">
             <a:avLst/>
@@ -4314,7 +4314,7 @@
         <p:spPr>
           <a:xfrm>
             <a:off x="609480" y="3682080"/>
-            <a:ext cx="10972080" cy="1896840"/>
+            <a:ext cx="10972440" cy="1896840"/>
           </a:xfrm>
           <a:prstGeom prst="rect">
             <a:avLst/>
@@ -4366,7 +4366,7 @@
         <p:spPr>
           <a:xfrm>
             <a:off x="609480" y="273600"/>
-            <a:ext cx="10971720" cy="1144080"/>
+            <a:ext cx="10972440" cy="1144800"/>
           </a:xfrm>
           <a:prstGeom prst="rect">
             <a:avLst/>
@@ -4395,7 +4395,7 @@
         <p:spPr>
           <a:xfrm>
             <a:off x="609480" y="1604520"/>
-            <a:ext cx="10972080" cy="1896840"/>
+            <a:ext cx="10972440" cy="1896840"/>
           </a:xfrm>
           <a:prstGeom prst="rect">
             <a:avLst/>
@@ -4425,7 +4425,7 @@
         <p:spPr>
           <a:xfrm>
             <a:off x="609480" y="3682080"/>
-            <a:ext cx="10972080" cy="1896840"/>
+            <a:ext cx="10972440" cy="1896840"/>
           </a:xfrm>
           <a:prstGeom prst="rect">
             <a:avLst/>
@@ -4477,7 +4477,7 @@
         <p:spPr>
           <a:xfrm>
             <a:off x="609480" y="273600"/>
-            <a:ext cx="10971720" cy="1144080"/>
+            <a:ext cx="10972440" cy="1144800"/>
           </a:xfrm>
           <a:prstGeom prst="rect">
             <a:avLst/>
@@ -4648,7 +4648,7 @@
         <p:spPr>
           <a:xfrm>
             <a:off x="609480" y="273600"/>
-            <a:ext cx="10971720" cy="1144080"/>
+            <a:ext cx="10972440" cy="1144800"/>
           </a:xfrm>
           <a:prstGeom prst="rect">
             <a:avLst/>
@@ -4677,7 +4677,7 @@
         <p:spPr>
           <a:xfrm>
             <a:off x="609480" y="1604520"/>
-            <a:ext cx="3532680" cy="1896840"/>
+            <a:ext cx="3533040" cy="1896840"/>
           </a:xfrm>
           <a:prstGeom prst="rect">
             <a:avLst/>
@@ -4706,8 +4706,8 @@
         </p:nvSpPr>
         <p:spPr>
           <a:xfrm>
-            <a:off x="4319280" y="1604520"/>
-            <a:ext cx="3532680" cy="1896840"/>
+            <a:off x="4319640" y="1604520"/>
+            <a:ext cx="3533040" cy="1896840"/>
           </a:xfrm>
           <a:prstGeom prst="rect">
             <a:avLst/>
@@ -4736,8 +4736,8 @@
         </p:nvSpPr>
         <p:spPr>
           <a:xfrm>
-            <a:off x="8028720" y="1604520"/>
-            <a:ext cx="3532680" cy="1896840"/>
+            <a:off x="8029800" y="1604520"/>
+            <a:ext cx="3533040" cy="1896840"/>
           </a:xfrm>
           <a:prstGeom prst="rect">
             <a:avLst/>
@@ -4767,7 +4767,7 @@
         <p:spPr>
           <a:xfrm>
             <a:off x="609480" y="3682080"/>
-            <a:ext cx="3532680" cy="1896840"/>
+            <a:ext cx="3533040" cy="1896840"/>
           </a:xfrm>
           <a:prstGeom prst="rect">
             <a:avLst/>
@@ -4796,8 +4796,8 @@
         </p:nvSpPr>
         <p:spPr>
           <a:xfrm>
-            <a:off x="4319280" y="3682080"/>
-            <a:ext cx="3532680" cy="1896840"/>
+            <a:off x="4319640" y="3682080"/>
+            <a:ext cx="3533040" cy="1896840"/>
           </a:xfrm>
           <a:prstGeom prst="rect">
             <a:avLst/>
@@ -4826,8 +4826,8 @@
         </p:nvSpPr>
         <p:spPr>
           <a:xfrm>
-            <a:off x="8028720" y="3682080"/>
-            <a:ext cx="3532680" cy="1896840"/>
+            <a:off x="8029800" y="3682080"/>
+            <a:ext cx="3533040" cy="1896840"/>
           </a:xfrm>
           <a:prstGeom prst="rect">
             <a:avLst/>
@@ -4879,7 +4879,7 @@
         <p:spPr>
           <a:xfrm>
             <a:off x="609480" y="273600"/>
-            <a:ext cx="10971720" cy="1144080"/>
+            <a:ext cx="10972440" cy="1144800"/>
           </a:xfrm>
           <a:prstGeom prst="rect">
             <a:avLst/>
@@ -4930,7 +4930,7 @@
         <p:spPr>
           <a:xfrm>
             <a:off x="609480" y="273600"/>
-            <a:ext cx="10971720" cy="5304600"/>
+            <a:ext cx="10972440" cy="5307840"/>
           </a:xfrm>
           <a:prstGeom prst="rect">
             <a:avLst/>
@@ -4981,7 +4981,7 @@
         <p:spPr>
           <a:xfrm>
             <a:off x="609480" y="273600"/>
-            <a:ext cx="10971720" cy="1144080"/>
+            <a:ext cx="10972440" cy="1144800"/>
           </a:xfrm>
           <a:prstGeom prst="rect">
             <a:avLst/>
@@ -5040,7 +5040,7 @@
         <p:spPr>
           <a:xfrm>
             <a:off x="6231960" y="1604520"/>
-            <a:ext cx="5354280" cy="3976920"/>
+            <a:ext cx="5354280" cy="3977280"/>
           </a:xfrm>
           <a:prstGeom prst="rect">
             <a:avLst/>
@@ -5122,7 +5122,7 @@
         <p:spPr>
           <a:xfrm>
             <a:off x="609480" y="273600"/>
-            <a:ext cx="10971720" cy="1144080"/>
+            <a:ext cx="10972440" cy="1144800"/>
           </a:xfrm>
           <a:prstGeom prst="rect">
             <a:avLst/>
@@ -5151,7 +5151,7 @@
         <p:spPr>
           <a:xfrm>
             <a:off x="609480" y="1604520"/>
-            <a:ext cx="5354280" cy="3976920"/>
+            <a:ext cx="5354280" cy="3977280"/>
           </a:xfrm>
           <a:prstGeom prst="rect">
             <a:avLst/>
@@ -5263,7 +5263,7 @@
         <p:spPr>
           <a:xfrm>
             <a:off x="609480" y="273600"/>
-            <a:ext cx="10971720" cy="1144080"/>
+            <a:ext cx="10972440" cy="1144800"/>
           </a:xfrm>
           <a:prstGeom prst="rect">
             <a:avLst/>
@@ -5352,7 +5352,7 @@
         <p:spPr>
           <a:xfrm>
             <a:off x="609480" y="3682080"/>
-            <a:ext cx="10972080" cy="1896840"/>
+            <a:ext cx="10972440" cy="1896840"/>
           </a:xfrm>
           <a:prstGeom prst="rect">
             <a:avLst/>
@@ -5669,7 +5669,7 @@
         <p:spPr>
           <a:xfrm>
             <a:off x="609480" y="273600"/>
-            <a:ext cx="10971720" cy="1144080"/>
+            <a:ext cx="10972440" cy="1144800"/>
           </a:xfrm>
           <a:prstGeom prst="rect">
             <a:avLst/>
@@ -5678,13 +5678,14 @@
         <p:txBody>
           <a:bodyPr lIns="0" rIns="0" tIns="0" bIns="0" anchor="ctr"/>
           <a:p>
+            <a:pPr algn="ctr"/>
             <a:r>
-              <a:rPr b="0" lang="en-IN" sz="1800" spc="-1" strike="noStrike">
+              <a:rPr b="0" lang="en-IN" sz="4400" spc="-1" strike="noStrike">
                 <a:latin typeface="Arial"/>
               </a:rPr>
               <a:t>Click to edit the title text format</a:t>
             </a:r>
-            <a:endParaRPr b="0" lang="en-IN" sz="1800" spc="-1" strike="noStrike">
+            <a:endParaRPr b="0" lang="en-IN" sz="4400" spc="-1" strike="noStrike">
               <a:latin typeface="Arial"/>
             </a:endParaRPr>
           </a:p>
@@ -5703,7 +5704,7 @@
         <p:spPr>
           <a:xfrm>
             <a:off x="609480" y="1604520"/>
-            <a:ext cx="10972080" cy="3976920"/>
+            <a:ext cx="10972440" cy="3977280"/>
           </a:xfrm>
           <a:prstGeom prst="rect">
             <a:avLst/>
@@ -5726,12 +5727,12 @@
               <a:buChar char=""/>
             </a:pPr>
             <a:r>
-              <a:rPr b="0" lang="en-IN" sz="1800" spc="-1" strike="noStrike">
+              <a:rPr b="0" lang="en-IN" sz="3200" spc="-1" strike="noStrike">
                 <a:latin typeface="Arial"/>
               </a:rPr>
               <a:t>Click to edit the outline text format</a:t>
             </a:r>
-            <a:endParaRPr b="0" lang="en-IN" sz="1800" spc="-1" strike="noStrike">
+            <a:endParaRPr b="0" lang="en-IN" sz="3200" spc="-1" strike="noStrike">
               <a:latin typeface="Arial"/>
             </a:endParaRPr>
           </a:p>
@@ -5748,12 +5749,12 @@
               <a:buChar char=""/>
             </a:pPr>
             <a:r>
-              <a:rPr b="0" lang="en-IN" sz="1800" spc="-1" strike="noStrike">
+              <a:rPr b="0" lang="en-IN" sz="2800" spc="-1" strike="noStrike">
                 <a:latin typeface="Arial"/>
               </a:rPr>
               <a:t>Second Outline Level</a:t>
             </a:r>
-            <a:endParaRPr b="0" lang="en-IN" sz="1800" spc="-1" strike="noStrike">
+            <a:endParaRPr b="0" lang="en-IN" sz="2800" spc="-1" strike="noStrike">
               <a:latin typeface="Arial"/>
             </a:endParaRPr>
           </a:p>
@@ -5770,12 +5771,12 @@
               <a:buChar char=""/>
             </a:pPr>
             <a:r>
-              <a:rPr b="0" lang="en-IN" sz="1800" spc="-1" strike="noStrike">
+              <a:rPr b="0" lang="en-IN" sz="2400" spc="-1" strike="noStrike">
                 <a:latin typeface="Arial"/>
               </a:rPr>
               <a:t>Third Outline Level</a:t>
             </a:r>
-            <a:endParaRPr b="0" lang="en-IN" sz="1800" spc="-1" strike="noStrike">
+            <a:endParaRPr b="0" lang="en-IN" sz="2400" spc="-1" strike="noStrike">
               <a:latin typeface="Arial"/>
             </a:endParaRPr>
           </a:p>
@@ -5792,12 +5793,12 @@
               <a:buChar char=""/>
             </a:pPr>
             <a:r>
-              <a:rPr b="0" lang="en-IN" sz="1800" spc="-1" strike="noStrike">
+              <a:rPr b="0" lang="en-IN" sz="2000" spc="-1" strike="noStrike">
                 <a:latin typeface="Arial"/>
               </a:rPr>
               <a:t>Fourth Outline Level</a:t>
             </a:r>
-            <a:endParaRPr b="0" lang="en-IN" sz="1800" spc="-1" strike="noStrike">
+            <a:endParaRPr b="0" lang="en-IN" sz="2000" spc="-1" strike="noStrike">
               <a:latin typeface="Arial"/>
             </a:endParaRPr>
           </a:p>
@@ -5814,12 +5815,12 @@
               <a:buChar char=""/>
             </a:pPr>
             <a:r>
-              <a:rPr b="0" lang="en-IN" sz="1800" spc="-1" strike="noStrike">
+              <a:rPr b="0" lang="en-IN" sz="2000" spc="-1" strike="noStrike">
                 <a:latin typeface="Arial"/>
               </a:rPr>
               <a:t>Fifth Outline Level</a:t>
             </a:r>
-            <a:endParaRPr b="0" lang="en-IN" sz="1800" spc="-1" strike="noStrike">
+            <a:endParaRPr b="0" lang="en-IN" sz="2000" spc="-1" strike="noStrike">
               <a:latin typeface="Arial"/>
             </a:endParaRPr>
           </a:p>
@@ -5836,12 +5837,12 @@
               <a:buChar char=""/>
             </a:pPr>
             <a:r>
-              <a:rPr b="0" lang="en-IN" sz="1800" spc="-1" strike="noStrike">
+              <a:rPr b="0" lang="en-IN" sz="2000" spc="-1" strike="noStrike">
                 <a:latin typeface="Arial"/>
               </a:rPr>
               <a:t>Sixth Outline Level</a:t>
             </a:r>
-            <a:endParaRPr b="0" lang="en-IN" sz="1800" spc="-1" strike="noStrike">
+            <a:endParaRPr b="0" lang="en-IN" sz="2000" spc="-1" strike="noStrike">
               <a:latin typeface="Arial"/>
             </a:endParaRPr>
           </a:p>
@@ -5858,12 +5859,12 @@
               <a:buChar char=""/>
             </a:pPr>
             <a:r>
-              <a:rPr b="0" lang="en-IN" sz="1800" spc="-1" strike="noStrike">
+              <a:rPr b="0" lang="en-IN" sz="2000" spc="-1" strike="noStrike">
                 <a:latin typeface="Arial"/>
               </a:rPr>
               <a:t>Seventh Outline Level</a:t>
             </a:r>
-            <a:endParaRPr b="0" lang="en-IN" sz="1800" spc="-1" strike="noStrike">
+            <a:endParaRPr b="0" lang="en-IN" sz="2000" spc="-1" strike="noStrike">
               <a:latin typeface="Arial"/>
             </a:endParaRPr>
           </a:p>
@@ -5926,7 +5927,7 @@
         <p:spPr>
           <a:xfrm>
             <a:off x="609480" y="273600"/>
-            <a:ext cx="10971720" cy="1144080"/>
+            <a:ext cx="10972080" cy="1144440"/>
           </a:xfrm>
           <a:prstGeom prst="rect">
             <a:avLst/>
@@ -6609,7 +6610,7 @@
         <p:spPr>
           <a:xfrm>
             <a:off x="1352520" y="792000"/>
-            <a:ext cx="9303480" cy="577440"/>
+            <a:ext cx="9301320" cy="575280"/>
           </a:xfrm>
           <a:prstGeom prst="rect">
             <a:avLst/>
@@ -6708,7 +6709,7 @@
         <p:spPr>
           <a:xfrm>
             <a:off x="5184000" y="3024000"/>
-            <a:ext cx="1157760" cy="364320"/>
+            <a:ext cx="1155600" cy="362160"/>
           </a:xfrm>
           <a:prstGeom prst="rect">
             <a:avLst/>
@@ -6757,7 +6758,7 @@
         <p:spPr>
           <a:xfrm>
             <a:off x="2338200" y="2198160"/>
-            <a:ext cx="8308080" cy="577440"/>
+            <a:ext cx="8305920" cy="575280"/>
           </a:xfrm>
           <a:prstGeom prst="rect">
             <a:avLst/>
@@ -6783,7 +6784,7 @@
         <p:spPr>
           <a:xfrm>
             <a:off x="1170720" y="4608720"/>
-            <a:ext cx="1133280" cy="364320"/>
+            <a:ext cx="1131120" cy="362160"/>
           </a:xfrm>
           <a:prstGeom prst="rect">
             <a:avLst/>
@@ -6832,7 +6833,7 @@
         <p:spPr>
           <a:xfrm>
             <a:off x="1152000" y="5035680"/>
-            <a:ext cx="4905000" cy="364320"/>
+            <a:ext cx="4902840" cy="362160"/>
           </a:xfrm>
           <a:prstGeom prst="rect">
             <a:avLst/>
@@ -6881,7 +6882,7 @@
         <p:spPr>
           <a:xfrm>
             <a:off x="1073160" y="6048000"/>
-            <a:ext cx="5334840" cy="364320"/>
+            <a:ext cx="5332680" cy="362160"/>
           </a:xfrm>
           <a:prstGeom prst="rect">
             <a:avLst/>
@@ -6923,14 +6924,14 @@
       </p:sp>
       <p:sp>
         <p:nvSpPr>
-          <p:cNvPr id="159" name="TextShape 7"/>
-          <p:cNvSpPr txBox="1"/>
+          <p:cNvPr id="159" name="CustomShape 7"/>
+          <p:cNvSpPr/>
           <p:nvPr/>
         </p:nvSpPr>
         <p:spPr>
           <a:xfrm>
-            <a:off x="1198440" y="5616000"/>
-            <a:ext cx="2329560" cy="346320"/>
+            <a:off x="1154160" y="5616000"/>
+            <a:ext cx="2661840" cy="344160"/>
           </a:xfrm>
           <a:prstGeom prst="rect">
             <a:avLst/>
@@ -6940,9 +6941,20 @@
             <a:noFill/>
           </a:ln>
         </p:spPr>
+        <p:style>
+          <a:lnRef idx="0"/>
+          <a:fillRef idx="0"/>
+          <a:effectRef idx="0"/>
+          <a:fontRef idx="minor"/>
+        </p:style>
         <p:txBody>
           <a:bodyPr lIns="90000" rIns="90000" tIns="45000" bIns="45000"/>
           <a:p>
+            <a:pPr>
+              <a:lnSpc>
+                <a:spcPct val="100000"/>
+              </a:lnSpc>
+            </a:pPr>
             <a:r>
               <a:rPr b="1" lang="en-IN" sz="1800" spc="-1" strike="noStrike">
                 <a:solidFill>
@@ -6951,7 +6963,7 @@
                 <a:latin typeface="Arial"/>
                 <a:ea typeface="DejaVu Sans"/>
               </a:rPr>
-              <a:t>Under guidence of :</a:t>
+              <a:t>Under guidance of :</a:t>
             </a:r>
             <a:endParaRPr b="0" lang="en-IN" sz="1800" spc="-1" strike="noStrike">
               <a:latin typeface="Arial"/>
@@ -6971,8 +6983,8 @@
         </p:blipFill>
         <p:spPr>
           <a:xfrm rot="21550200">
-            <a:off x="5264280" y="1595160"/>
-            <a:ext cx="1584000" cy="1189440"/>
+            <a:off x="5262120" y="1593360"/>
+            <a:ext cx="1581840" cy="1187280"/>
           </a:xfrm>
           <a:prstGeom prst="rect">
             <a:avLst/>
@@ -6984,14 +6996,14 @@
       </p:pic>
       <p:sp>
         <p:nvSpPr>
-          <p:cNvPr id="161" name="TextShape 8"/>
-          <p:cNvSpPr txBox="1"/>
+          <p:cNvPr id="161" name="CustomShape 8"/>
+          <p:cNvSpPr/>
           <p:nvPr/>
         </p:nvSpPr>
         <p:spPr>
           <a:xfrm>
-            <a:off x="2131920" y="3417840"/>
-            <a:ext cx="8308080" cy="542160"/>
+            <a:off x="1296000" y="3417840"/>
+            <a:ext cx="9141840" cy="540000"/>
           </a:xfrm>
           <a:prstGeom prst="rect">
             <a:avLst/>
@@ -7001,9 +7013,20 @@
             <a:noFill/>
           </a:ln>
         </p:spPr>
+        <p:style>
+          <a:lnRef idx="0"/>
+          <a:fillRef idx="0"/>
+          <a:effectRef idx="0"/>
+          <a:fontRef idx="minor"/>
+        </p:style>
         <p:txBody>
           <a:bodyPr lIns="90000" rIns="90000" tIns="45000" bIns="45000"/>
           <a:p>
+            <a:pPr>
+              <a:lnSpc>
+                <a:spcPct val="100000"/>
+              </a:lnSpc>
+            </a:pPr>
             <a:r>
               <a:rPr b="1" lang="en-IN" sz="3200" spc="-1" strike="noStrike">
                 <a:solidFill>
@@ -7079,14 +7102,14 @@
       </p:grpSpPr>
       <p:sp>
         <p:nvSpPr>
-          <p:cNvPr id="274" name="CustomShape 1"/>
+          <p:cNvPr id="261" name="CustomShape 1"/>
           <p:cNvSpPr/>
           <p:nvPr/>
         </p:nvSpPr>
         <p:spPr>
           <a:xfrm>
             <a:off x="845280" y="365760"/>
-            <a:ext cx="10514160" cy="1324080"/>
+            <a:ext cx="10512000" cy="1321920"/>
           </a:xfrm>
           <a:prstGeom prst="rect">
             <a:avLst/>
@@ -7118,7 +7141,7 @@
                 <a:latin typeface="Candara"/>
                 <a:ea typeface="DejaVu Sans"/>
               </a:rPr>
-              <a:t>Dataset Preprocessing</a:t>
+              <a:t>Training</a:t>
             </a:r>
             <a:endParaRPr b="0" lang="en-IN" sz="4400" spc="-1" strike="noStrike">
               <a:latin typeface="Arial"/>
@@ -7128,20 +7151,19 @@
       </p:sp>
       <p:sp>
         <p:nvSpPr>
-          <p:cNvPr id="275" name="CustomShape 2"/>
+          <p:cNvPr id="262" name="CustomShape 2"/>
           <p:cNvSpPr/>
           <p:nvPr/>
         </p:nvSpPr>
         <p:spPr>
           <a:xfrm>
-            <a:off x="2859120" y="3915000"/>
-            <a:ext cx="6193440" cy="1776240"/>
-          </a:xfrm>
-          <a:prstGeom prst="leftRightUpArrow">
+            <a:off x="4546080" y="2227680"/>
+            <a:ext cx="1212480" cy="480960"/>
+          </a:xfrm>
+          <a:prstGeom prst="leftRightArrow">
             <a:avLst>
-              <a:gd name="adj1" fmla="val 25000"/>
-              <a:gd name="adj2" fmla="val 25000"/>
-              <a:gd name="adj3" fmla="val 25000"/>
+              <a:gd name="adj1" fmla="val 50000"/>
+              <a:gd name="adj2" fmla="val 50000"/>
             </a:avLst>
           </a:prstGeom>
           <a:ln>
@@ -7165,14 +7187,14 @@
       </p:sp>
       <p:sp>
         <p:nvSpPr>
-          <p:cNvPr id="276" name="CustomShape 3"/>
+          <p:cNvPr id="263" name="CustomShape 3"/>
           <p:cNvSpPr/>
           <p:nvPr/>
         </p:nvSpPr>
         <p:spPr>
           <a:xfrm>
-            <a:off x="4477320" y="3322800"/>
-            <a:ext cx="2956680" cy="363600"/>
+            <a:off x="821160" y="2227680"/>
+            <a:ext cx="2383200" cy="361440"/>
           </a:xfrm>
           <a:prstGeom prst="rect">
             <a:avLst/>
@@ -7204,7 +7226,7 @@
                 <a:latin typeface="Candara"/>
                 <a:ea typeface="DejaVu Sans"/>
               </a:rPr>
-              <a:t>Taking Care of Nonvalue</a:t>
+              <a:t>Pre Processed Data</a:t>
             </a:r>
             <a:endParaRPr b="0" lang="en-IN" sz="1800" spc="-1" strike="noStrike">
               <a:latin typeface="Arial"/>
@@ -7214,14 +7236,14 @@
       </p:sp>
       <p:sp>
         <p:nvSpPr>
-          <p:cNvPr id="277" name="CustomShape 4"/>
+          <p:cNvPr id="264" name="CustomShape 4"/>
           <p:cNvSpPr/>
           <p:nvPr/>
         </p:nvSpPr>
         <p:spPr>
           <a:xfrm>
-            <a:off x="1064520" y="5022720"/>
-            <a:ext cx="1922040" cy="363600"/>
+            <a:off x="6963120" y="2285640"/>
+            <a:ext cx="1651680" cy="361440"/>
           </a:xfrm>
           <a:prstGeom prst="rect">
             <a:avLst/>
@@ -7253,7 +7275,7 @@
                 <a:latin typeface="Candara"/>
                 <a:ea typeface="DejaVu Sans"/>
               </a:rPr>
-              <a:t>Label Encoding</a:t>
+              <a:t>ANN Training</a:t>
             </a:r>
             <a:endParaRPr b="0" lang="en-IN" sz="1800" spc="-1" strike="noStrike">
               <a:latin typeface="Arial"/>
@@ -7263,14 +7285,50 @@
       </p:sp>
       <p:sp>
         <p:nvSpPr>
-          <p:cNvPr id="278" name="CustomShape 5"/>
+          <p:cNvPr id="265" name="CustomShape 5"/>
           <p:cNvSpPr/>
           <p:nvPr/>
         </p:nvSpPr>
         <p:spPr>
-          <a:xfrm>
-            <a:off x="9015840" y="5022720"/>
-            <a:ext cx="3072600" cy="363600"/>
+          <a:xfrm rot="5400000">
+            <a:off x="7444440" y="3495960"/>
+            <a:ext cx="974880" cy="480960"/>
+          </a:xfrm>
+          <a:prstGeom prst="rightArrow">
+            <a:avLst>
+              <a:gd name="adj1" fmla="val 50000"/>
+              <a:gd name="adj2" fmla="val 50000"/>
+            </a:avLst>
+          </a:prstGeom>
+          <a:ln>
+            <a:round/>
+          </a:ln>
+        </p:spPr>
+        <p:style>
+          <a:lnRef idx="2">
+            <a:schemeClr val="accent1">
+              <a:shade val="50000"/>
+            </a:schemeClr>
+          </a:lnRef>
+          <a:fillRef idx="1">
+            <a:schemeClr val="accent1"/>
+          </a:fillRef>
+          <a:effectRef idx="0">
+            <a:schemeClr val="accent1"/>
+          </a:effectRef>
+          <a:fontRef idx="minor"/>
+        </p:style>
+      </p:sp>
+      <p:sp>
+        <p:nvSpPr>
+          <p:cNvPr id="266" name="CustomShape 6"/>
+          <p:cNvSpPr/>
+          <p:nvPr/>
+        </p:nvSpPr>
+        <p:spPr>
+          <a:xfrm>
+            <a:off x="6305400" y="4821480"/>
+            <a:ext cx="3730320" cy="361440"/>
           </a:xfrm>
           <a:prstGeom prst="rect">
             <a:avLst/>
@@ -7302,7 +7360,92 @@
                 <a:latin typeface="Candara"/>
                 <a:ea typeface="DejaVu Sans"/>
               </a:rPr>
-              <a:t>Feature Scaling(Min Max)</a:t>
+              <a:t>Optimization/Parameter Tuning</a:t>
+            </a:r>
+            <a:endParaRPr b="0" lang="en-IN" sz="1800" spc="-1" strike="noStrike">
+              <a:latin typeface="Arial"/>
+            </a:endParaRPr>
+          </a:p>
+        </p:txBody>
+      </p:sp>
+      <p:sp>
+        <p:nvSpPr>
+          <p:cNvPr id="267" name="CustomShape 7"/>
+          <p:cNvSpPr/>
+          <p:nvPr/>
+        </p:nvSpPr>
+        <p:spPr>
+          <a:xfrm rot="10800000">
+            <a:off x="11873880" y="8200440"/>
+            <a:ext cx="974880" cy="480960"/>
+          </a:xfrm>
+          <a:prstGeom prst="rightArrow">
+            <a:avLst>
+              <a:gd name="adj1" fmla="val 50000"/>
+              <a:gd name="adj2" fmla="val 50000"/>
+            </a:avLst>
+          </a:prstGeom>
+          <a:ln>
+            <a:round/>
+          </a:ln>
+        </p:spPr>
+        <p:style>
+          <a:lnRef idx="2">
+            <a:schemeClr val="accent1">
+              <a:shade val="50000"/>
+            </a:schemeClr>
+          </a:lnRef>
+          <a:fillRef idx="1">
+            <a:schemeClr val="accent1"/>
+          </a:fillRef>
+          <a:effectRef idx="0">
+            <a:schemeClr val="accent1"/>
+          </a:effectRef>
+          <a:fontRef idx="minor"/>
+        </p:style>
+      </p:sp>
+      <p:sp>
+        <p:nvSpPr>
+          <p:cNvPr id="268" name="CustomShape 8"/>
+          <p:cNvSpPr/>
+          <p:nvPr/>
+        </p:nvSpPr>
+        <p:spPr>
+          <a:xfrm>
+            <a:off x="2941200" y="4924800"/>
+            <a:ext cx="1680480" cy="361440"/>
+          </a:xfrm>
+          <a:prstGeom prst="rect">
+            <a:avLst/>
+          </a:prstGeom>
+          <a:noFill/>
+          <a:ln>
+            <a:noFill/>
+          </a:ln>
+        </p:spPr>
+        <p:style>
+          <a:lnRef idx="0"/>
+          <a:fillRef idx="0"/>
+          <a:effectRef idx="0"/>
+          <a:fontRef idx="minor"/>
+        </p:style>
+        <p:txBody>
+          <a:bodyPr wrap="none" lIns="90000" rIns="90000" tIns="45000" bIns="45000"/>
+          <a:p>
+            <a:pPr>
+              <a:lnSpc>
+                <a:spcPct val="100000"/>
+              </a:lnSpc>
+            </a:pPr>
+            <a:r>
+              <a:rPr b="0" lang="en-IN" sz="1800" spc="-1" strike="noStrike">
+                <a:solidFill>
+                  <a:srgbClr val="ffffff"/>
+                </a:solidFill>
+                <a:latin typeface="Candara"/>
+                <a:ea typeface="DejaVu Sans"/>
+              </a:rPr>
+              <a:t>Final Training</a:t>
             </a:r>
             <a:endParaRPr b="0" lang="en-IN" sz="1800" spc="-1" strike="noStrike">
               <a:latin typeface="Arial"/>
@@ -7323,10 +7466,10 @@
   <p:timing>
     <p:tnLst>
       <p:par>
-        <p:cTn id="39" dur="indefinite" restart="never" nodeType="tmRoot">
+        <p:cTn id="19" dur="indefinite" restart="never" nodeType="tmRoot">
           <p:childTnLst>
             <p:seq>
-              <p:cTn id="40" dur="indefinite" nodeType="mainSeq"/>
+              <p:cTn id="20" dur="indefinite" nodeType="mainSeq"/>
               <p:prevCondLst>
                 <p:cond delay="0" evt="onPrev">
                   <p:tgtEl>
@@ -7369,14 +7512,14 @@
       </p:grpSpPr>
       <p:sp>
         <p:nvSpPr>
-          <p:cNvPr id="279" name="CustomShape 1"/>
+          <p:cNvPr id="269" name="CustomShape 1"/>
           <p:cNvSpPr/>
           <p:nvPr/>
         </p:nvSpPr>
         <p:spPr>
           <a:xfrm>
             <a:off x="845280" y="365760"/>
-            <a:ext cx="10514160" cy="1324080"/>
+            <a:ext cx="10512000" cy="1321920"/>
           </a:xfrm>
           <a:prstGeom prst="rect">
             <a:avLst/>
@@ -7405,10 +7548,10 @@
                 <a:solidFill>
                   <a:srgbClr val="ffffff"/>
                 </a:solidFill>
-                <a:latin typeface="Candara"/>
+                <a:latin typeface="Times New Roman"/>
                 <a:ea typeface="DejaVu Sans"/>
               </a:rPr>
-              <a:t>Training</a:t>
+              <a:t>ANN:- Artificial Neural Networks</a:t>
             </a:r>
             <a:endParaRPr b="0" lang="en-IN" sz="4400" spc="-1" strike="noStrike">
               <a:latin typeface="Arial"/>
@@ -7416,52 +7559,39 @@
           </a:p>
         </p:txBody>
       </p:sp>
-      <p:sp>
-        <p:nvSpPr>
-          <p:cNvPr id="280" name="CustomShape 2"/>
+      <p:pic>
+        <p:nvPicPr>
+          <p:cNvPr id="270" name="Picture 2" descr=""/>
+          <p:cNvPicPr/>
+          <p:nvPr/>
+        </p:nvPicPr>
+        <p:blipFill>
+          <a:blip r:embed="rId1"/>
+          <a:stretch/>
+        </p:blipFill>
+        <p:spPr>
+          <a:xfrm>
+            <a:off x="2859120" y="2746440"/>
+            <a:ext cx="5521320" cy="2852280"/>
+          </a:xfrm>
+          <a:prstGeom prst="rect">
+            <a:avLst/>
+          </a:prstGeom>
+          <a:ln>
+            <a:noFill/>
+          </a:ln>
+        </p:spPr>
+      </p:pic>
+      <p:sp>
+        <p:nvSpPr>
+          <p:cNvPr id="271" name="CustomShape 2"/>
           <p:cNvSpPr/>
           <p:nvPr/>
         </p:nvSpPr>
         <p:spPr>
           <a:xfrm>
-            <a:off x="4546080" y="2227680"/>
-            <a:ext cx="1214640" cy="483120"/>
-          </a:xfrm>
-          <a:prstGeom prst="leftRightArrow">
-            <a:avLst>
-              <a:gd name="adj1" fmla="val 50000"/>
-              <a:gd name="adj2" fmla="val 50000"/>
-            </a:avLst>
-          </a:prstGeom>
-          <a:ln>
-            <a:round/>
-          </a:ln>
-        </p:spPr>
-        <p:style>
-          <a:lnRef idx="2">
-            <a:schemeClr val="accent1">
-              <a:shade val="50000"/>
-            </a:schemeClr>
-          </a:lnRef>
-          <a:fillRef idx="1">
-            <a:schemeClr val="accent1"/>
-          </a:fillRef>
-          <a:effectRef idx="0">
-            <a:schemeClr val="accent1"/>
-          </a:effectRef>
-          <a:fontRef idx="minor"/>
-        </p:style>
-      </p:sp>
-      <p:sp>
-        <p:nvSpPr>
-          <p:cNvPr id="281" name="CustomShape 3"/>
-          <p:cNvSpPr/>
-          <p:nvPr/>
-        </p:nvSpPr>
-        <p:spPr>
-          <a:xfrm>
-            <a:off x="821160" y="2227680"/>
-            <a:ext cx="2385360" cy="363600"/>
+            <a:off x="1524600" y="2356920"/>
+            <a:ext cx="1640880" cy="361440"/>
           </a:xfrm>
           <a:prstGeom prst="rect">
             <a:avLst/>
@@ -7493,226 +7623,7 @@
                 <a:latin typeface="Candara"/>
                 <a:ea typeface="DejaVu Sans"/>
               </a:rPr>
-              <a:t>Pre Processed Data</a:t>
-            </a:r>
-            <a:endParaRPr b="0" lang="en-IN" sz="1800" spc="-1" strike="noStrike">
-              <a:latin typeface="Arial"/>
-            </a:endParaRPr>
-          </a:p>
-        </p:txBody>
-      </p:sp>
-      <p:sp>
-        <p:nvSpPr>
-          <p:cNvPr id="282" name="CustomShape 4"/>
-          <p:cNvSpPr/>
-          <p:nvPr/>
-        </p:nvSpPr>
-        <p:spPr>
-          <a:xfrm>
-            <a:off x="6963120" y="2285640"/>
-            <a:ext cx="1653840" cy="363600"/>
-          </a:xfrm>
-          <a:prstGeom prst="rect">
-            <a:avLst/>
-          </a:prstGeom>
-          <a:noFill/>
-          <a:ln>
-            <a:noFill/>
-          </a:ln>
-        </p:spPr>
-        <p:style>
-          <a:lnRef idx="0"/>
-          <a:fillRef idx="0"/>
-          <a:effectRef idx="0"/>
-          <a:fontRef idx="minor"/>
-        </p:style>
-        <p:txBody>
-          <a:bodyPr wrap="none" lIns="90000" rIns="90000" tIns="45000" bIns="45000"/>
-          <a:p>
-            <a:pPr>
-              <a:lnSpc>
-                <a:spcPct val="100000"/>
-              </a:lnSpc>
-            </a:pPr>
-            <a:r>
-              <a:rPr b="0" lang="en-IN" sz="1800" spc="-1" strike="noStrike">
-                <a:solidFill>
-                  <a:srgbClr val="ffffff"/>
-                </a:solidFill>
-                <a:latin typeface="Candara"/>
-                <a:ea typeface="DejaVu Sans"/>
-              </a:rPr>
-              <a:t>ANN Training</a:t>
-            </a:r>
-            <a:endParaRPr b="0" lang="en-IN" sz="1800" spc="-1" strike="noStrike">
-              <a:latin typeface="Arial"/>
-            </a:endParaRPr>
-          </a:p>
-        </p:txBody>
-      </p:sp>
-      <p:sp>
-        <p:nvSpPr>
-          <p:cNvPr id="283" name="CustomShape 5"/>
-          <p:cNvSpPr/>
-          <p:nvPr/>
-        </p:nvSpPr>
-        <p:spPr>
-          <a:xfrm rot="5400000">
-            <a:off x="7442280" y="3495960"/>
-            <a:ext cx="977040" cy="483120"/>
-          </a:xfrm>
-          <a:prstGeom prst="rightArrow">
-            <a:avLst>
-              <a:gd name="adj1" fmla="val 50000"/>
-              <a:gd name="adj2" fmla="val 50000"/>
-            </a:avLst>
-          </a:prstGeom>
-          <a:ln>
-            <a:round/>
-          </a:ln>
-        </p:spPr>
-        <p:style>
-          <a:lnRef idx="2">
-            <a:schemeClr val="accent1">
-              <a:shade val="50000"/>
-            </a:schemeClr>
-          </a:lnRef>
-          <a:fillRef idx="1">
-            <a:schemeClr val="accent1"/>
-          </a:fillRef>
-          <a:effectRef idx="0">
-            <a:schemeClr val="accent1"/>
-          </a:effectRef>
-          <a:fontRef idx="minor"/>
-        </p:style>
-      </p:sp>
-      <p:sp>
-        <p:nvSpPr>
-          <p:cNvPr id="284" name="CustomShape 6"/>
-          <p:cNvSpPr/>
-          <p:nvPr/>
-        </p:nvSpPr>
-        <p:spPr>
-          <a:xfrm>
-            <a:off x="6305400" y="4821480"/>
-            <a:ext cx="3732480" cy="363600"/>
-          </a:xfrm>
-          <a:prstGeom prst="rect">
-            <a:avLst/>
-          </a:prstGeom>
-          <a:noFill/>
-          <a:ln>
-            <a:noFill/>
-          </a:ln>
-        </p:spPr>
-        <p:style>
-          <a:lnRef idx="0"/>
-          <a:fillRef idx="0"/>
-          <a:effectRef idx="0"/>
-          <a:fontRef idx="minor"/>
-        </p:style>
-        <p:txBody>
-          <a:bodyPr wrap="none" lIns="90000" rIns="90000" tIns="45000" bIns="45000"/>
-          <a:p>
-            <a:pPr>
-              <a:lnSpc>
-                <a:spcPct val="100000"/>
-              </a:lnSpc>
-            </a:pPr>
-            <a:r>
-              <a:rPr b="0" lang="en-IN" sz="1800" spc="-1" strike="noStrike">
-                <a:solidFill>
-                  <a:srgbClr val="ffffff"/>
-                </a:solidFill>
-                <a:latin typeface="Candara"/>
-                <a:ea typeface="DejaVu Sans"/>
-              </a:rPr>
-              <a:t>Optimization/Parameter Tuning</a:t>
-            </a:r>
-            <a:endParaRPr b="0" lang="en-IN" sz="1800" spc="-1" strike="noStrike">
-              <a:latin typeface="Arial"/>
-            </a:endParaRPr>
-          </a:p>
-        </p:txBody>
-      </p:sp>
-      <p:sp>
-        <p:nvSpPr>
-          <p:cNvPr id="285" name="CustomShape 7"/>
-          <p:cNvSpPr/>
-          <p:nvPr/>
-        </p:nvSpPr>
-        <p:spPr>
-          <a:xfrm rot="10800000">
-            <a:off x="6931440" y="5832360"/>
-            <a:ext cx="977040" cy="483120"/>
-          </a:xfrm>
-          <a:prstGeom prst="rightArrow">
-            <a:avLst>
-              <a:gd name="adj1" fmla="val 50000"/>
-              <a:gd name="adj2" fmla="val 50000"/>
-            </a:avLst>
-          </a:prstGeom>
-          <a:ln>
-            <a:round/>
-          </a:ln>
-        </p:spPr>
-        <p:style>
-          <a:lnRef idx="2">
-            <a:schemeClr val="accent1">
-              <a:shade val="50000"/>
-            </a:schemeClr>
-          </a:lnRef>
-          <a:fillRef idx="1">
-            <a:schemeClr val="accent1"/>
-          </a:fillRef>
-          <a:effectRef idx="0">
-            <a:schemeClr val="accent1"/>
-          </a:effectRef>
-          <a:fontRef idx="minor"/>
-        </p:style>
-      </p:sp>
-      <p:sp>
-        <p:nvSpPr>
-          <p:cNvPr id="286" name="CustomShape 8"/>
-          <p:cNvSpPr/>
-          <p:nvPr/>
-        </p:nvSpPr>
-        <p:spPr>
-          <a:xfrm>
-            <a:off x="2941200" y="4924800"/>
-            <a:ext cx="1682640" cy="363600"/>
-          </a:xfrm>
-          <a:prstGeom prst="rect">
-            <a:avLst/>
-          </a:prstGeom>
-          <a:noFill/>
-          <a:ln>
-            <a:noFill/>
-          </a:ln>
-        </p:spPr>
-        <p:style>
-          <a:lnRef idx="0"/>
-          <a:fillRef idx="0"/>
-          <a:effectRef idx="0"/>
-          <a:fontRef idx="minor"/>
-        </p:style>
-        <p:txBody>
-          <a:bodyPr wrap="none" lIns="90000" rIns="90000" tIns="45000" bIns="45000"/>
-          <a:p>
-            <a:pPr>
-              <a:lnSpc>
-                <a:spcPct val="100000"/>
-              </a:lnSpc>
-            </a:pPr>
-            <a:r>
-              <a:rPr b="0" lang="en-IN" sz="1800" spc="-1" strike="noStrike">
-                <a:solidFill>
-                  <a:srgbClr val="ffffff"/>
-                </a:solidFill>
-                <a:latin typeface="Candara"/>
-                <a:ea typeface="DejaVu Sans"/>
-              </a:rPr>
-              <a:t>Final Training</a:t>
+              <a:t>Perceptron:- </a:t>
             </a:r>
             <a:endParaRPr b="0" lang="en-IN" sz="1800" spc="-1" strike="noStrike">
               <a:latin typeface="Arial"/>
@@ -7733,10 +7644,10 @@
   <p:timing>
     <p:tnLst>
       <p:par>
-        <p:cTn id="41" dur="indefinite" restart="never" nodeType="tmRoot">
+        <p:cTn id="21" dur="indefinite" restart="never" nodeType="tmRoot">
           <p:childTnLst>
             <p:seq>
-              <p:cTn id="42" dur="indefinite" nodeType="mainSeq"/>
+              <p:cTn id="22" dur="indefinite" nodeType="mainSeq"/>
               <p:prevCondLst>
                 <p:cond delay="0" evt="onPrev">
                   <p:tgtEl>
@@ -7779,14 +7690,14 @@
       </p:grpSpPr>
       <p:sp>
         <p:nvSpPr>
-          <p:cNvPr id="287" name="CustomShape 1"/>
+          <p:cNvPr id="272" name="CustomShape 1"/>
           <p:cNvSpPr/>
           <p:nvPr/>
         </p:nvSpPr>
         <p:spPr>
           <a:xfrm>
             <a:off x="845280" y="365760"/>
-            <a:ext cx="10514160" cy="1324080"/>
+            <a:ext cx="10512000" cy="1321920"/>
           </a:xfrm>
           <a:prstGeom prst="rect">
             <a:avLst/>
@@ -7818,7 +7729,7 @@
                 <a:latin typeface="Times New Roman"/>
                 <a:ea typeface="DejaVu Sans"/>
               </a:rPr>
-              <a:t>ANN:- Artificial Neural Networks</a:t>
+              <a:t>Neural Networks:-</a:t>
             </a:r>
             <a:endParaRPr b="0" lang="en-IN" sz="4400" spc="-1" strike="noStrike">
               <a:latin typeface="Arial"/>
@@ -7828,7 +7739,7 @@
       </p:sp>
       <p:pic>
         <p:nvPicPr>
-          <p:cNvPr id="288" name="Picture 2" descr=""/>
+          <p:cNvPr id="273" name="Picture 2" descr=""/>
           <p:cNvPicPr/>
           <p:nvPr/>
         </p:nvPicPr>
@@ -7838,8 +7749,8 @@
         </p:blipFill>
         <p:spPr>
           <a:xfrm>
-            <a:off x="2859120" y="2746440"/>
-            <a:ext cx="5523480" cy="2854440"/>
+            <a:off x="1790280" y="2066760"/>
+            <a:ext cx="7517520" cy="3879360"/>
           </a:xfrm>
           <a:prstGeom prst="rect">
             <a:avLst/>
@@ -7849,55 +7760,6 @@
           </a:ln>
         </p:spPr>
       </p:pic>
-      <p:sp>
-        <p:nvSpPr>
-          <p:cNvPr id="289" name="CustomShape 2"/>
-          <p:cNvSpPr/>
-          <p:nvPr/>
-        </p:nvSpPr>
-        <p:spPr>
-          <a:xfrm>
-            <a:off x="1524600" y="2356920"/>
-            <a:ext cx="1643040" cy="363600"/>
-          </a:xfrm>
-          <a:prstGeom prst="rect">
-            <a:avLst/>
-          </a:prstGeom>
-          <a:noFill/>
-          <a:ln>
-            <a:noFill/>
-          </a:ln>
-        </p:spPr>
-        <p:style>
-          <a:lnRef idx="0"/>
-          <a:fillRef idx="0"/>
-          <a:effectRef idx="0"/>
-          <a:fontRef idx="minor"/>
-        </p:style>
-        <p:txBody>
-          <a:bodyPr wrap="none" lIns="90000" rIns="90000" tIns="45000" bIns="45000"/>
-          <a:p>
-            <a:pPr>
-              <a:lnSpc>
-                <a:spcPct val="100000"/>
-              </a:lnSpc>
-            </a:pPr>
-            <a:r>
-              <a:rPr b="0" lang="en-IN" sz="1800" spc="-1" strike="noStrike">
-                <a:solidFill>
-                  <a:srgbClr val="ffffff"/>
-                </a:solidFill>
-                <a:latin typeface="Candara"/>
-                <a:ea typeface="DejaVu Sans"/>
-              </a:rPr>
-              <a:t>Perceptron:- </a:t>
-            </a:r>
-            <a:endParaRPr b="0" lang="en-IN" sz="1800" spc="-1" strike="noStrike">
-              <a:latin typeface="Arial"/>
-            </a:endParaRPr>
-          </a:p>
-        </p:txBody>
-      </p:sp>
     </p:spTree>
   </p:cSld>
   <mc:AlternateContent>
@@ -7911,10 +7773,10 @@
   <p:timing>
     <p:tnLst>
       <p:par>
-        <p:cTn id="43" dur="indefinite" restart="never" nodeType="tmRoot">
+        <p:cTn id="23" dur="indefinite" restart="never" nodeType="tmRoot">
           <p:childTnLst>
             <p:seq>
-              <p:cTn id="44" dur="indefinite" nodeType="mainSeq"/>
+              <p:cTn id="24" dur="indefinite" nodeType="mainSeq"/>
               <p:prevCondLst>
                 <p:cond delay="0" evt="onPrev">
                   <p:tgtEl>
@@ -7957,14 +7819,14 @@
       </p:grpSpPr>
       <p:sp>
         <p:nvSpPr>
-          <p:cNvPr id="290" name="CustomShape 1"/>
+          <p:cNvPr id="274" name="CustomShape 1"/>
           <p:cNvSpPr/>
           <p:nvPr/>
         </p:nvSpPr>
         <p:spPr>
           <a:xfrm>
-            <a:off x="845280" y="365760"/>
-            <a:ext cx="10514160" cy="1324080"/>
+            <a:off x="609480" y="273600"/>
+            <a:ext cx="10969560" cy="1141920"/>
           </a:xfrm>
           <a:prstGeom prst="rect">
             <a:avLst/>
@@ -7981,7 +7843,7 @@
           <a:fontRef idx="minor"/>
         </p:style>
         <p:txBody>
-          <a:bodyPr lIns="90000" rIns="90000" tIns="45000" bIns="45000" anchor="ctr"/>
+          <a:bodyPr lIns="0" rIns="0" tIns="0" bIns="0" anchor="ctr"/>
           <a:p>
             <a:pPr>
               <a:lnSpc>
@@ -7991,12 +7853,12 @@
             <a:r>
               <a:rPr b="0" lang="en-IN" sz="4400" spc="-1" strike="noStrike">
                 <a:solidFill>
-                  <a:srgbClr val="ffffff"/>
+                  <a:srgbClr val="f2f2f2"/>
                 </a:solidFill>
-                <a:latin typeface="Times New Roman"/>
+                <a:latin typeface="Arial"/>
                 <a:ea typeface="DejaVu Sans"/>
               </a:rPr>
-              <a:t>Neural Networks:-</a:t>
+              <a:t>BENEFITS OF USING ANN</a:t>
             </a:r>
             <a:endParaRPr b="0" lang="en-IN" sz="4400" spc="-1" strike="noStrike">
               <a:latin typeface="Arial"/>
@@ -8006,7 +7868,7 @@
       </p:sp>
       <p:pic>
         <p:nvPicPr>
-          <p:cNvPr id="291" name="Picture 2" descr=""/>
+          <p:cNvPr id="275" name="Picture 2" descr=""/>
           <p:cNvPicPr/>
           <p:nvPr/>
         </p:nvPicPr>
@@ -8016,8 +7878,8 @@
         </p:blipFill>
         <p:spPr>
           <a:xfrm>
-            <a:off x="1790280" y="2066760"/>
-            <a:ext cx="7519680" cy="3881520"/>
+            <a:off x="1652040" y="1514880"/>
+            <a:ext cx="7229880" cy="4878720"/>
           </a:xfrm>
           <a:prstGeom prst="rect">
             <a:avLst/>
@@ -8040,10 +7902,10 @@
   <p:timing>
     <p:tnLst>
       <p:par>
-        <p:cTn id="45" dur="indefinite" restart="never" nodeType="tmRoot">
+        <p:cTn id="25" dur="indefinite" restart="never" nodeType="tmRoot">
           <p:childTnLst>
             <p:seq>
-              <p:cTn id="46" dur="indefinite" nodeType="mainSeq"/>
+              <p:cTn id="26" dur="indefinite" nodeType="mainSeq"/>
               <p:prevCondLst>
                 <p:cond delay="0" evt="onPrev">
                   <p:tgtEl>
@@ -8084,58 +7946,9 @@
           <a:chExt cx="0" cy="0"/>
         </a:xfrm>
       </p:grpSpPr>
-      <p:sp>
-        <p:nvSpPr>
-          <p:cNvPr id="292" name="CustomShape 1"/>
-          <p:cNvSpPr/>
-          <p:nvPr/>
-        </p:nvSpPr>
-        <p:spPr>
-          <a:xfrm>
-            <a:off x="609480" y="273600"/>
-            <a:ext cx="10971720" cy="1144080"/>
-          </a:xfrm>
-          <a:prstGeom prst="rect">
-            <a:avLst/>
-          </a:prstGeom>
-          <a:noFill/>
-          <a:ln>
-            <a:noFill/>
-          </a:ln>
-        </p:spPr>
-        <p:style>
-          <a:lnRef idx="0"/>
-          <a:fillRef idx="0"/>
-          <a:effectRef idx="0"/>
-          <a:fontRef idx="minor"/>
-        </p:style>
-        <p:txBody>
-          <a:bodyPr lIns="0" rIns="0" tIns="0" bIns="0" anchor="ctr"/>
-          <a:p>
-            <a:pPr>
-              <a:lnSpc>
-                <a:spcPct val="90000"/>
-              </a:lnSpc>
-            </a:pPr>
-            <a:r>
-              <a:rPr b="0" lang="en-IN" sz="4400" spc="-1" strike="noStrike">
-                <a:solidFill>
-                  <a:srgbClr val="f2f2f2"/>
-                </a:solidFill>
-                <a:latin typeface="Arial"/>
-                <a:ea typeface="DejaVu Sans"/>
-              </a:rPr>
-              <a:t>BENEFITS OF USING ANN</a:t>
-            </a:r>
-            <a:endParaRPr b="0" lang="en-IN" sz="4400" spc="-1" strike="noStrike">
-              <a:latin typeface="Arial"/>
-            </a:endParaRPr>
-          </a:p>
-        </p:txBody>
-      </p:sp>
       <p:pic>
         <p:nvPicPr>
-          <p:cNvPr id="293" name="Picture 2" descr=""/>
+          <p:cNvPr id="276" name="Picture 4" descr=""/>
           <p:cNvPicPr/>
           <p:nvPr/>
         </p:nvPicPr>
@@ -8145,8 +7958,8 @@
         </p:blipFill>
         <p:spPr>
           <a:xfrm>
-            <a:off x="1652040" y="1514880"/>
-            <a:ext cx="7232040" cy="4880880"/>
+            <a:off x="1642320" y="447120"/>
+            <a:ext cx="8904240" cy="5960520"/>
           </a:xfrm>
           <a:prstGeom prst="rect">
             <a:avLst/>
@@ -8166,6 +7979,33 @@
       <p:transition spd="slow"/>
     </mc:Fallback>
   </mc:AlternateContent>
+  <p:timing>
+    <p:tnLst>
+      <p:par>
+        <p:cTn id="27" dur="indefinite" restart="never" nodeType="tmRoot">
+          <p:childTnLst>
+            <p:seq>
+              <p:cTn id="28" dur="indefinite" nodeType="mainSeq"/>
+              <p:prevCondLst>
+                <p:cond delay="0" evt="onPrev">
+                  <p:tgtEl>
+                    <p:sldTgt/>
+                  </p:tgtEl>
+                </p:cond>
+              </p:prevCondLst>
+              <p:nextCondLst>
+                <p:cond delay="0" evt="onNext">
+                  <p:tgtEl>
+                    <p:sldTgt/>
+                  </p:tgtEl>
+                </p:cond>
+              </p:nextCondLst>
+            </p:seq>
+          </p:childTnLst>
+        </p:cTn>
+      </p:par>
+    </p:tnLst>
+  </p:timing>
 </p:sld>
 </file>
 
@@ -8188,7 +8028,7 @@
       </p:grpSpPr>
       <p:pic>
         <p:nvPicPr>
-          <p:cNvPr id="294" name="Picture 4" descr=""/>
+          <p:cNvPr id="277" name="Picture 4" descr=""/>
           <p:cNvPicPr/>
           <p:nvPr/>
         </p:nvPicPr>
@@ -8198,8 +8038,8 @@
         </p:blipFill>
         <p:spPr>
           <a:xfrm>
-            <a:off x="1642320" y="447120"/>
-            <a:ext cx="8906400" cy="5962680"/>
+            <a:off x="1594800" y="90000"/>
+            <a:ext cx="8999640" cy="6675120"/>
           </a:xfrm>
           <a:prstGeom prst="rect">
             <a:avLst/>
@@ -8219,6 +8059,33 @@
       <p:transition spd="slow"/>
     </mc:Fallback>
   </mc:AlternateContent>
+  <p:timing>
+    <p:tnLst>
+      <p:par>
+        <p:cTn id="29" dur="indefinite" restart="never" nodeType="tmRoot">
+          <p:childTnLst>
+            <p:seq>
+              <p:cTn id="30" dur="indefinite" nodeType="mainSeq"/>
+              <p:prevCondLst>
+                <p:cond delay="0" evt="onPrev">
+                  <p:tgtEl>
+                    <p:sldTgt/>
+                  </p:tgtEl>
+                </p:cond>
+              </p:prevCondLst>
+              <p:nextCondLst>
+                <p:cond delay="0" evt="onNext">
+                  <p:tgtEl>
+                    <p:sldTgt/>
+                  </p:tgtEl>
+                </p:cond>
+              </p:nextCondLst>
+            </p:seq>
+          </p:childTnLst>
+        </p:cTn>
+      </p:par>
+    </p:tnLst>
+  </p:timing>
 </p:sld>
 </file>
 
@@ -8241,7 +8108,7 @@
       </p:grpSpPr>
       <p:pic>
         <p:nvPicPr>
-          <p:cNvPr id="295" name="Picture 4" descr=""/>
+          <p:cNvPr id="278" name="Picture 3" descr=""/>
           <p:cNvPicPr/>
           <p:nvPr/>
         </p:nvPicPr>
@@ -8251,8 +8118,8 @@
         </p:blipFill>
         <p:spPr>
           <a:xfrm>
-            <a:off x="1594800" y="90000"/>
-            <a:ext cx="9001800" cy="6677280"/>
+            <a:off x="1853280" y="300240"/>
+            <a:ext cx="8373240" cy="6159240"/>
           </a:xfrm>
           <a:prstGeom prst="rect">
             <a:avLst/>
@@ -8272,6 +8139,33 @@
       <p:transition spd="slow"/>
     </mc:Fallback>
   </mc:AlternateContent>
+  <p:timing>
+    <p:tnLst>
+      <p:par>
+        <p:cTn id="31" dur="indefinite" restart="never" nodeType="tmRoot">
+          <p:childTnLst>
+            <p:seq>
+              <p:cTn id="32" dur="indefinite" nodeType="mainSeq"/>
+              <p:prevCondLst>
+                <p:cond delay="0" evt="onPrev">
+                  <p:tgtEl>
+                    <p:sldTgt/>
+                  </p:tgtEl>
+                </p:cond>
+              </p:prevCondLst>
+              <p:nextCondLst>
+                <p:cond delay="0" evt="onNext">
+                  <p:tgtEl>
+                    <p:sldTgt/>
+                  </p:tgtEl>
+                </p:cond>
+              </p:nextCondLst>
+            </p:seq>
+          </p:childTnLst>
+        </p:cTn>
+      </p:par>
+    </p:tnLst>
+  </p:timing>
 </p:sld>
 </file>
 
@@ -8294,7 +8188,7 @@
       </p:grpSpPr>
       <p:pic>
         <p:nvPicPr>
-          <p:cNvPr id="296" name="Picture 3" descr=""/>
+          <p:cNvPr id="279" name="Picture 3" descr=""/>
           <p:cNvPicPr/>
           <p:nvPr/>
         </p:nvPicPr>
@@ -8304,8 +8198,8 @@
         </p:blipFill>
         <p:spPr>
           <a:xfrm>
-            <a:off x="1853280" y="300240"/>
-            <a:ext cx="8375400" cy="6161400"/>
+            <a:off x="1912320" y="313920"/>
+            <a:ext cx="8364240" cy="6268320"/>
           </a:xfrm>
           <a:prstGeom prst="rect">
             <a:avLst/>
@@ -8325,6 +8219,33 @@
       <p:transition spd="slow"/>
     </mc:Fallback>
   </mc:AlternateContent>
+  <p:timing>
+    <p:tnLst>
+      <p:par>
+        <p:cTn id="33" dur="indefinite" restart="never" nodeType="tmRoot">
+          <p:childTnLst>
+            <p:seq>
+              <p:cTn id="34" dur="indefinite" nodeType="mainSeq"/>
+              <p:prevCondLst>
+                <p:cond delay="0" evt="onPrev">
+                  <p:tgtEl>
+                    <p:sldTgt/>
+                  </p:tgtEl>
+                </p:cond>
+              </p:prevCondLst>
+              <p:nextCondLst>
+                <p:cond delay="0" evt="onNext">
+                  <p:tgtEl>
+                    <p:sldTgt/>
+                  </p:tgtEl>
+                </p:cond>
+              </p:nextCondLst>
+            </p:seq>
+          </p:childTnLst>
+        </p:cTn>
+      </p:par>
+    </p:tnLst>
+  </p:timing>
 </p:sld>
 </file>
 
@@ -8347,7 +8268,7 @@
       </p:grpSpPr>
       <p:pic>
         <p:nvPicPr>
-          <p:cNvPr id="297" name="Picture 3" descr=""/>
+          <p:cNvPr id="280" name="Picture 3" descr=""/>
           <p:cNvPicPr/>
           <p:nvPr/>
         </p:nvPicPr>
@@ -8357,8 +8278,8 @@
         </p:blipFill>
         <p:spPr>
           <a:xfrm>
-            <a:off x="1912320" y="313920"/>
-            <a:ext cx="8366400" cy="6270480"/>
+            <a:off x="0" y="1800"/>
+            <a:ext cx="12189240" cy="6851880"/>
           </a:xfrm>
           <a:prstGeom prst="rect">
             <a:avLst/>
@@ -8378,6 +8299,33 @@
       <p:transition spd="slow"/>
     </mc:Fallback>
   </mc:AlternateContent>
+  <p:timing>
+    <p:tnLst>
+      <p:par>
+        <p:cTn id="35" dur="indefinite" restart="never" nodeType="tmRoot">
+          <p:childTnLst>
+            <p:seq>
+              <p:cTn id="36" dur="indefinite" nodeType="mainSeq"/>
+              <p:prevCondLst>
+                <p:cond delay="0" evt="onPrev">
+                  <p:tgtEl>
+                    <p:sldTgt/>
+                  </p:tgtEl>
+                </p:cond>
+              </p:prevCondLst>
+              <p:nextCondLst>
+                <p:cond delay="0" evt="onNext">
+                  <p:tgtEl>
+                    <p:sldTgt/>
+                  </p:tgtEl>
+                </p:cond>
+              </p:nextCondLst>
+            </p:seq>
+          </p:childTnLst>
+        </p:cTn>
+      </p:par>
+    </p:tnLst>
+  </p:timing>
 </p:sld>
 </file>
 
@@ -8400,7 +8348,7 @@
       </p:grpSpPr>
       <p:pic>
         <p:nvPicPr>
-          <p:cNvPr id="298" name="Picture 3" descr=""/>
+          <p:cNvPr id="281" name="Picture 3" descr=""/>
           <p:cNvPicPr/>
           <p:nvPr/>
         </p:nvPicPr>
@@ -8411,7 +8359,7 @@
         <p:spPr>
           <a:xfrm>
             <a:off x="0" y="1800"/>
-            <a:ext cx="12191400" cy="6854040"/>
+            <a:ext cx="12189240" cy="6851880"/>
           </a:xfrm>
           <a:prstGeom prst="rect">
             <a:avLst/>
@@ -8431,6 +8379,33 @@
       <p:transition spd="slow"/>
     </mc:Fallback>
   </mc:AlternateContent>
+  <p:timing>
+    <p:tnLst>
+      <p:par>
+        <p:cTn id="37" dur="indefinite" restart="never" nodeType="tmRoot">
+          <p:childTnLst>
+            <p:seq>
+              <p:cTn id="38" dur="indefinite" nodeType="mainSeq"/>
+              <p:prevCondLst>
+                <p:cond delay="0" evt="onPrev">
+                  <p:tgtEl>
+                    <p:sldTgt/>
+                  </p:tgtEl>
+                </p:cond>
+              </p:prevCondLst>
+              <p:nextCondLst>
+                <p:cond delay="0" evt="onNext">
+                  <p:tgtEl>
+                    <p:sldTgt/>
+                  </p:tgtEl>
+                </p:cond>
+              </p:nextCondLst>
+            </p:seq>
+          </p:childTnLst>
+        </p:cTn>
+      </p:par>
+    </p:tnLst>
+  </p:timing>
 </p:sld>
 </file>
 
@@ -8460,7 +8435,7 @@
         <p:spPr>
           <a:xfrm>
             <a:off x="838080" y="274680"/>
-            <a:ext cx="10816560" cy="1324080"/>
+            <a:ext cx="10814400" cy="1321920"/>
           </a:xfrm>
           <a:prstGeom prst="rect">
             <a:avLst/>
@@ -8531,7 +8506,7 @@
         <p:spPr>
           <a:xfrm>
             <a:off x="701640" y="2647800"/>
-            <a:ext cx="3965400" cy="2769840"/>
+            <a:ext cx="3963240" cy="2767680"/>
           </a:xfrm>
           <a:prstGeom prst="rect">
             <a:avLst/>
@@ -8550,7 +8525,7 @@
         <p:spPr>
           <a:xfrm>
             <a:off x="4885920" y="3903120"/>
-            <a:ext cx="977760" cy="483840"/>
+            <a:ext cx="975600" cy="481680"/>
           </a:xfrm>
           <a:prstGeom prst="rightArrow">
             <a:avLst>
@@ -8586,7 +8561,7 @@
         <p:spPr>
           <a:xfrm>
             <a:off x="6085440" y="3961080"/>
-            <a:ext cx="660960" cy="364320"/>
+            <a:ext cx="658800" cy="362160"/>
           </a:xfrm>
           <a:prstGeom prst="rect">
             <a:avLst/>
@@ -8635,7 +8610,7 @@
         <p:spPr>
           <a:xfrm>
             <a:off x="6750360" y="3903120"/>
-            <a:ext cx="977760" cy="483840"/>
+            <a:ext cx="975600" cy="481680"/>
           </a:xfrm>
           <a:prstGeom prst="rightArrow">
             <a:avLst>
@@ -8670,13 +8645,13 @@
         </p:nvPicPr>
         <p:blipFill>
           <a:blip r:embed="rId2"/>
-          <a:srcRect l="59544" t="0" r="0" b="0"/>
+          <a:srcRect l="59472" t="0" r="0" b="0"/>
           <a:stretch/>
         </p:blipFill>
         <p:spPr>
           <a:xfrm>
             <a:off x="8256960" y="2647800"/>
-            <a:ext cx="3288240" cy="2769840"/>
+            <a:ext cx="3286080" cy="2767680"/>
           </a:xfrm>
           <a:prstGeom prst="rect">
             <a:avLst/>
@@ -8745,7 +8720,7 @@
       </p:grpSpPr>
       <p:pic>
         <p:nvPicPr>
-          <p:cNvPr id="299" name="Picture 3" descr=""/>
+          <p:cNvPr id="282" name="Picture 3" descr=""/>
           <p:cNvPicPr/>
           <p:nvPr/>
         </p:nvPicPr>
@@ -8756,7 +8731,7 @@
         <p:spPr>
           <a:xfrm>
             <a:off x="0" y="1800"/>
-            <a:ext cx="12191400" cy="6854040"/>
+            <a:ext cx="12189240" cy="6851880"/>
           </a:xfrm>
           <a:prstGeom prst="rect">
             <a:avLst/>
@@ -8776,6 +8751,33 @@
       <p:transition spd="slow"/>
     </mc:Fallback>
   </mc:AlternateContent>
+  <p:timing>
+    <p:tnLst>
+      <p:par>
+        <p:cTn id="39" dur="indefinite" restart="never" nodeType="tmRoot">
+          <p:childTnLst>
+            <p:seq>
+              <p:cTn id="40" dur="indefinite" nodeType="mainSeq"/>
+              <p:prevCondLst>
+                <p:cond delay="0" evt="onPrev">
+                  <p:tgtEl>
+                    <p:sldTgt/>
+                  </p:tgtEl>
+                </p:cond>
+              </p:prevCondLst>
+              <p:nextCondLst>
+                <p:cond delay="0" evt="onNext">
+                  <p:tgtEl>
+                    <p:sldTgt/>
+                  </p:tgtEl>
+                </p:cond>
+              </p:nextCondLst>
+            </p:seq>
+          </p:childTnLst>
+        </p:cTn>
+      </p:par>
+    </p:tnLst>
+  </p:timing>
 </p:sld>
 </file>
 
@@ -8796,9 +8798,61 @@
           <a:chExt cx="0" cy="0"/>
         </a:xfrm>
       </p:grpSpPr>
+      <p:sp>
+        <p:nvSpPr>
+          <p:cNvPr id="283" name="CustomShape 1"/>
+          <p:cNvSpPr/>
+          <p:nvPr/>
+        </p:nvSpPr>
+        <p:spPr>
+          <a:xfrm>
+            <a:off x="609480" y="273600"/>
+            <a:ext cx="10969560" cy="1141920"/>
+          </a:xfrm>
+          <a:prstGeom prst="rect">
+            <a:avLst/>
+          </a:prstGeom>
+          <a:noFill/>
+          <a:ln>
+            <a:noFill/>
+          </a:ln>
+        </p:spPr>
+        <p:style>
+          <a:lnRef idx="0"/>
+          <a:fillRef idx="0"/>
+          <a:effectRef idx="0"/>
+          <a:fontRef idx="minor"/>
+        </p:style>
+      </p:sp>
+      <p:sp>
+        <p:nvSpPr>
+          <p:cNvPr id="284" name="CustomShape 2"/>
+          <p:cNvSpPr/>
+          <p:nvPr/>
+        </p:nvSpPr>
+        <p:spPr>
+          <a:xfrm>
+            <a:off x="609480" y="1604520"/>
+            <a:ext cx="10969560" cy="3974400"/>
+          </a:xfrm>
+          <a:prstGeom prst="rect">
+            <a:avLst/>
+          </a:prstGeom>
+          <a:noFill/>
+          <a:ln>
+            <a:noFill/>
+          </a:ln>
+        </p:spPr>
+        <p:style>
+          <a:lnRef idx="0"/>
+          <a:fillRef idx="0"/>
+          <a:effectRef idx="0"/>
+          <a:fontRef idx="minor"/>
+        </p:style>
+      </p:sp>
       <p:pic>
         <p:nvPicPr>
-          <p:cNvPr id="300" name="Picture 3" descr=""/>
+          <p:cNvPr id="285" name="Picture 3" descr=""/>
           <p:cNvPicPr/>
           <p:nvPr/>
         </p:nvPicPr>
@@ -8809,7 +8863,7 @@
         <p:spPr>
           <a:xfrm>
             <a:off x="0" y="1800"/>
-            <a:ext cx="12191400" cy="6854040"/>
+            <a:ext cx="12189240" cy="6851880"/>
           </a:xfrm>
           <a:prstGeom prst="rect">
             <a:avLst/>
@@ -8829,6 +8883,33 @@
       <p:transition spd="slow"/>
     </mc:Fallback>
   </mc:AlternateContent>
+  <p:timing>
+    <p:tnLst>
+      <p:par>
+        <p:cTn id="41" dur="indefinite" restart="never" nodeType="tmRoot">
+          <p:childTnLst>
+            <p:seq>
+              <p:cTn id="42" dur="indefinite" nodeType="mainSeq"/>
+              <p:prevCondLst>
+                <p:cond delay="0" evt="onPrev">
+                  <p:tgtEl>
+                    <p:sldTgt/>
+                  </p:tgtEl>
+                </p:cond>
+              </p:prevCondLst>
+              <p:nextCondLst>
+                <p:cond delay="0" evt="onNext">
+                  <p:tgtEl>
+                    <p:sldTgt/>
+                  </p:tgtEl>
+                </p:cond>
+              </p:nextCondLst>
+            </p:seq>
+          </p:childTnLst>
+        </p:cTn>
+      </p:par>
+    </p:tnLst>
+  </p:timing>
 </p:sld>
 </file>
 
@@ -8849,61 +8930,9 @@
           <a:chExt cx="0" cy="0"/>
         </a:xfrm>
       </p:grpSpPr>
-      <p:sp>
-        <p:nvSpPr>
-          <p:cNvPr id="301" name="CustomShape 1"/>
-          <p:cNvSpPr/>
-          <p:nvPr/>
-        </p:nvSpPr>
-        <p:spPr>
-          <a:xfrm>
-            <a:off x="609480" y="273600"/>
-            <a:ext cx="10971720" cy="1144080"/>
-          </a:xfrm>
-          <a:prstGeom prst="rect">
-            <a:avLst/>
-          </a:prstGeom>
-          <a:noFill/>
-          <a:ln>
-            <a:noFill/>
-          </a:ln>
-        </p:spPr>
-        <p:style>
-          <a:lnRef idx="0"/>
-          <a:fillRef idx="0"/>
-          <a:effectRef idx="0"/>
-          <a:fontRef idx="minor"/>
-        </p:style>
-      </p:sp>
-      <p:sp>
-        <p:nvSpPr>
-          <p:cNvPr id="302" name="CustomShape 2"/>
-          <p:cNvSpPr/>
-          <p:nvPr/>
-        </p:nvSpPr>
-        <p:spPr>
-          <a:xfrm>
-            <a:off x="609480" y="1604520"/>
-            <a:ext cx="10971720" cy="3976560"/>
-          </a:xfrm>
-          <a:prstGeom prst="rect">
-            <a:avLst/>
-          </a:prstGeom>
-          <a:noFill/>
-          <a:ln>
-            <a:noFill/>
-          </a:ln>
-        </p:spPr>
-        <p:style>
-          <a:lnRef idx="0"/>
-          <a:fillRef idx="0"/>
-          <a:effectRef idx="0"/>
-          <a:fontRef idx="minor"/>
-        </p:style>
-      </p:sp>
       <p:pic>
         <p:nvPicPr>
-          <p:cNvPr id="303" name="Picture 3" descr=""/>
+          <p:cNvPr id="286" name="Picture 3" descr=""/>
           <p:cNvPicPr/>
           <p:nvPr/>
         </p:nvPicPr>
@@ -8914,7 +8943,7 @@
         <p:spPr>
           <a:xfrm>
             <a:off x="0" y="1800"/>
-            <a:ext cx="12191400" cy="6854040"/>
+            <a:ext cx="12189240" cy="6851880"/>
           </a:xfrm>
           <a:prstGeom prst="rect">
             <a:avLst/>
@@ -8934,6 +8963,33 @@
       <p:transition spd="slow"/>
     </mc:Fallback>
   </mc:AlternateContent>
+  <p:timing>
+    <p:tnLst>
+      <p:par>
+        <p:cTn id="43" dur="indefinite" restart="never" nodeType="tmRoot">
+          <p:childTnLst>
+            <p:seq>
+              <p:cTn id="44" dur="indefinite" nodeType="mainSeq"/>
+              <p:prevCondLst>
+                <p:cond delay="0" evt="onPrev">
+                  <p:tgtEl>
+                    <p:sldTgt/>
+                  </p:tgtEl>
+                </p:cond>
+              </p:prevCondLst>
+              <p:nextCondLst>
+                <p:cond delay="0" evt="onNext">
+                  <p:tgtEl>
+                    <p:sldTgt/>
+                  </p:tgtEl>
+                </p:cond>
+              </p:nextCondLst>
+            </p:seq>
+          </p:childTnLst>
+        </p:cTn>
+      </p:par>
+    </p:tnLst>
+  </p:timing>
 </p:sld>
 </file>
 
@@ -8956,7 +9012,7 @@
       </p:grpSpPr>
       <p:pic>
         <p:nvPicPr>
-          <p:cNvPr id="304" name="Picture 3" descr=""/>
+          <p:cNvPr id="287" name="Picture 3" descr=""/>
           <p:cNvPicPr/>
           <p:nvPr/>
         </p:nvPicPr>
@@ -8967,7 +9023,7 @@
         <p:spPr>
           <a:xfrm>
             <a:off x="0" y="1800"/>
-            <a:ext cx="12191400" cy="6854040"/>
+            <a:ext cx="12189240" cy="6851880"/>
           </a:xfrm>
           <a:prstGeom prst="rect">
             <a:avLst/>
@@ -8987,6 +9043,33 @@
       <p:transition spd="slow"/>
     </mc:Fallback>
   </mc:AlternateContent>
+  <p:timing>
+    <p:tnLst>
+      <p:par>
+        <p:cTn id="45" dur="indefinite" restart="never" nodeType="tmRoot">
+          <p:childTnLst>
+            <p:seq>
+              <p:cTn id="46" dur="indefinite" nodeType="mainSeq"/>
+              <p:prevCondLst>
+                <p:cond delay="0" evt="onPrev">
+                  <p:tgtEl>
+                    <p:sldTgt/>
+                  </p:tgtEl>
+                </p:cond>
+              </p:prevCondLst>
+              <p:nextCondLst>
+                <p:cond delay="0" evt="onNext">
+                  <p:tgtEl>
+                    <p:sldTgt/>
+                  </p:tgtEl>
+                </p:cond>
+              </p:nextCondLst>
+            </p:seq>
+          </p:childTnLst>
+        </p:cTn>
+      </p:par>
+    </p:tnLst>
+  </p:timing>
 </p:sld>
 </file>
 
@@ -9007,69 +9090,16 @@
           <a:chExt cx="0" cy="0"/>
         </a:xfrm>
       </p:grpSpPr>
-      <p:pic>
-        <p:nvPicPr>
-          <p:cNvPr id="305" name="Picture 3" descr=""/>
-          <p:cNvPicPr/>
-          <p:nvPr/>
-        </p:nvPicPr>
-        <p:blipFill>
-          <a:blip r:embed="rId1"/>
-          <a:stretch/>
-        </p:blipFill>
-        <p:spPr>
-          <a:xfrm>
-            <a:off x="0" y="1800"/>
-            <a:ext cx="12191400" cy="6854040"/>
-          </a:xfrm>
-          <a:prstGeom prst="rect">
-            <a:avLst/>
-          </a:prstGeom>
-          <a:ln>
-            <a:noFill/>
-          </a:ln>
-        </p:spPr>
-      </p:pic>
-    </p:spTree>
-  </p:cSld>
-  <mc:AlternateContent>
-    <mc:Choice Requires="p14">
-      <p:transition spd="slow" p14:dur="2000"/>
-    </mc:Choice>
-    <mc:Fallback>
-      <p:transition spd="slow"/>
-    </mc:Fallback>
-  </mc:AlternateContent>
-</p:sld>
-</file>
-
-<file path=ppt/slides/slide25.xml><?xml version="1.0" encoding="utf-8"?>
-<p:sld xmlns:a="http://schemas.openxmlformats.org/drawingml/2006/main" xmlns:p="http://schemas.openxmlformats.org/presentationml/2006/main" xmlns:r="http://schemas.openxmlformats.org/officeDocument/2006/relationships" xmlns:p14="http://schemas.microsoft.com/office/powerpoint/2010/main" xmlns:p15="http://schemas.microsoft.com/office/powerpoint/2012/main" xmlns:mc="http://schemas.openxmlformats.org/markup-compatibility/2006">
-  <p:cSld>
-    <p:spTree>
-      <p:nvGrpSpPr>
-        <p:cNvPr id="1" name=""/>
-        <p:cNvGrpSpPr/>
-        <p:nvPr/>
-      </p:nvGrpSpPr>
-      <p:grpSpPr>
-        <a:xfrm>
-          <a:off x="0" y="0"/>
-          <a:ext cx="0" cy="0"/>
-          <a:chOff x="0" y="0"/>
-          <a:chExt cx="0" cy="0"/>
-        </a:xfrm>
-      </p:grpSpPr>
-      <p:sp>
-        <p:nvSpPr>
-          <p:cNvPr id="306" name="CustomShape 1"/>
+      <p:sp>
+        <p:nvSpPr>
+          <p:cNvPr id="288" name="CustomShape 1"/>
           <p:cNvSpPr/>
           <p:nvPr/>
         </p:nvSpPr>
         <p:spPr>
           <a:xfrm>
             <a:off x="845280" y="365760"/>
-            <a:ext cx="10514160" cy="1324080"/>
+            <a:ext cx="10512000" cy="1321920"/>
           </a:xfrm>
           <a:prstGeom prst="rect">
             <a:avLst/>
@@ -9111,14 +9141,14 @@
       </p:sp>
       <p:sp>
         <p:nvSpPr>
-          <p:cNvPr id="307" name="CustomShape 2"/>
+          <p:cNvPr id="289" name="CustomShape 2"/>
           <p:cNvSpPr/>
           <p:nvPr/>
         </p:nvSpPr>
         <p:spPr>
           <a:xfrm>
             <a:off x="881280" y="1906200"/>
-            <a:ext cx="1918800" cy="363600"/>
+            <a:ext cx="1916640" cy="361440"/>
           </a:xfrm>
           <a:prstGeom prst="rect">
             <a:avLst/>
@@ -9160,7 +9190,7 @@
       </p:sp>
       <p:pic>
         <p:nvPicPr>
-          <p:cNvPr id="308" name="Picture 3" descr=""/>
+          <p:cNvPr id="290" name="Picture 3" descr=""/>
           <p:cNvPicPr/>
           <p:nvPr/>
         </p:nvPicPr>
@@ -9171,7 +9201,7 @@
         <p:spPr>
           <a:xfrm>
             <a:off x="3024000" y="1584000"/>
-            <a:ext cx="8614440" cy="4387680"/>
+            <a:ext cx="8612280" cy="4385520"/>
           </a:xfrm>
           <a:prstGeom prst="rect">
             <a:avLst/>
@@ -9221,7 +9251,7 @@
 </p:sld>
 </file>
 
-<file path=ppt/slides/slide26.xml><?xml version="1.0" encoding="utf-8"?>
+<file path=ppt/slides/slide25.xml><?xml version="1.0" encoding="utf-8"?>
 <p:sld xmlns:a="http://schemas.openxmlformats.org/drawingml/2006/main" xmlns:p="http://schemas.openxmlformats.org/presentationml/2006/main" xmlns:r="http://schemas.openxmlformats.org/officeDocument/2006/relationships" xmlns:p14="http://schemas.microsoft.com/office/powerpoint/2010/main" xmlns:p15="http://schemas.microsoft.com/office/powerpoint/2012/main" xmlns:mc="http://schemas.openxmlformats.org/markup-compatibility/2006">
   <p:cSld>
     <p:spTree>
@@ -9240,14 +9270,14 @@
       </p:grpSpPr>
       <p:sp>
         <p:nvSpPr>
-          <p:cNvPr id="309" name="CustomShape 1"/>
+          <p:cNvPr id="291" name="CustomShape 1"/>
           <p:cNvSpPr/>
           <p:nvPr/>
         </p:nvSpPr>
         <p:spPr>
           <a:xfrm>
             <a:off x="845280" y="365760"/>
-            <a:ext cx="10514160" cy="1324080"/>
+            <a:ext cx="10512000" cy="1321920"/>
           </a:xfrm>
           <a:prstGeom prst="rect">
             <a:avLst/>
@@ -9289,7 +9319,7 @@
       </p:sp>
       <p:pic>
         <p:nvPicPr>
-          <p:cNvPr id="310" name="Picture 2" descr=""/>
+          <p:cNvPr id="292" name="Picture 2" descr=""/>
           <p:cNvPicPr/>
           <p:nvPr/>
         </p:nvPicPr>
@@ -9300,7 +9330,7 @@
         <p:spPr>
           <a:xfrm>
             <a:off x="845280" y="1506600"/>
-            <a:ext cx="7653600" cy="5087520"/>
+            <a:ext cx="7651440" cy="5085360"/>
           </a:xfrm>
           <a:prstGeom prst="rect">
             <a:avLst/>
@@ -9312,14 +9342,14 @@
       </p:pic>
       <p:sp>
         <p:nvSpPr>
-          <p:cNvPr id="311" name="CustomShape 2"/>
+          <p:cNvPr id="293" name="CustomShape 2"/>
           <p:cNvSpPr/>
           <p:nvPr/>
         </p:nvSpPr>
         <p:spPr>
           <a:xfrm>
             <a:off x="6853320" y="843840"/>
-            <a:ext cx="3292200" cy="363600"/>
+            <a:ext cx="3290040" cy="361440"/>
           </a:xfrm>
           <a:prstGeom prst="rect">
             <a:avLst/>
@@ -9361,14 +9391,14 @@
       </p:sp>
       <p:sp>
         <p:nvSpPr>
-          <p:cNvPr id="312" name="CustomShape 3"/>
+          <p:cNvPr id="294" name="CustomShape 3"/>
           <p:cNvSpPr/>
           <p:nvPr/>
         </p:nvSpPr>
         <p:spPr>
           <a:xfrm flipV="1">
-            <a:off x="6452280" y="2999160"/>
-            <a:ext cx="2587320" cy="2316600"/>
+            <a:off x="6452280" y="2997000"/>
+            <a:ext cx="2585160" cy="2314440"/>
           </a:xfrm>
           <a:custGeom>
             <a:avLst/>
@@ -9410,14 +9440,14 @@
       </p:sp>
       <p:sp>
         <p:nvSpPr>
-          <p:cNvPr id="313" name="CustomShape 4"/>
+          <p:cNvPr id="295" name="CustomShape 4"/>
           <p:cNvSpPr/>
           <p:nvPr/>
         </p:nvSpPr>
         <p:spPr>
           <a:xfrm>
             <a:off x="8889840" y="2816280"/>
-            <a:ext cx="2261880" cy="363600"/>
+            <a:ext cx="2259720" cy="361440"/>
           </a:xfrm>
           <a:prstGeom prst="rect">
             <a:avLst/>
@@ -9497,7 +9527,7 @@
 </p:sld>
 </file>
 
-<file path=ppt/slides/slide27.xml><?xml version="1.0" encoding="utf-8"?>
+<file path=ppt/slides/slide26.xml><?xml version="1.0" encoding="utf-8"?>
 <p:sld xmlns:a="http://schemas.openxmlformats.org/drawingml/2006/main" xmlns:p="http://schemas.openxmlformats.org/presentationml/2006/main" xmlns:r="http://schemas.openxmlformats.org/officeDocument/2006/relationships" xmlns:p14="http://schemas.microsoft.com/office/powerpoint/2010/main" xmlns:p15="http://schemas.microsoft.com/office/powerpoint/2012/main" xmlns:mc="http://schemas.openxmlformats.org/markup-compatibility/2006">
   <p:cSld>
     <p:spTree>
@@ -9516,14 +9546,14 @@
       </p:grpSpPr>
       <p:sp>
         <p:nvSpPr>
-          <p:cNvPr id="314" name="CustomShape 1"/>
+          <p:cNvPr id="296" name="CustomShape 1"/>
           <p:cNvSpPr/>
           <p:nvPr/>
         </p:nvSpPr>
         <p:spPr>
           <a:xfrm>
             <a:off x="845280" y="365760"/>
-            <a:ext cx="10514160" cy="1324080"/>
+            <a:ext cx="10512000" cy="1321920"/>
           </a:xfrm>
           <a:prstGeom prst="rect">
             <a:avLst/>
@@ -9565,7 +9595,7 @@
       </p:sp>
       <p:pic>
         <p:nvPicPr>
-          <p:cNvPr id="315" name="Picture 2" descr=""/>
+          <p:cNvPr id="297" name="Picture 2" descr=""/>
           <p:cNvPicPr/>
           <p:nvPr/>
         </p:nvPicPr>
@@ -9576,7 +9606,7 @@
         <p:spPr>
           <a:xfrm>
             <a:off x="1190880" y="2306880"/>
-            <a:ext cx="8260920" cy="4081320"/>
+            <a:ext cx="8258760" cy="4079160"/>
           </a:xfrm>
           <a:prstGeom prst="rect">
             <a:avLst/>
@@ -9588,14 +9618,14 @@
       </p:pic>
       <p:sp>
         <p:nvSpPr>
-          <p:cNvPr id="316" name="CustomShape 2"/>
+          <p:cNvPr id="298" name="CustomShape 2"/>
           <p:cNvSpPr/>
           <p:nvPr/>
         </p:nvSpPr>
         <p:spPr>
           <a:xfrm flipV="1">
-            <a:off x="3348360" y="2059200"/>
-            <a:ext cx="1428120" cy="1350720"/>
+            <a:off x="3348360" y="2057040"/>
+            <a:ext cx="1425960" cy="1348560"/>
           </a:xfrm>
           <a:custGeom>
             <a:avLst/>
@@ -9637,14 +9667,14 @@
       </p:sp>
       <p:sp>
         <p:nvSpPr>
-          <p:cNvPr id="317" name="CustomShape 3"/>
+          <p:cNvPr id="299" name="CustomShape 3"/>
           <p:cNvSpPr/>
           <p:nvPr/>
         </p:nvSpPr>
         <p:spPr>
           <a:xfrm flipV="1">
-            <a:off x="4662000" y="2123640"/>
-            <a:ext cx="204480" cy="1312200"/>
+            <a:off x="4662000" y="2121480"/>
+            <a:ext cx="202320" cy="1310040"/>
           </a:xfrm>
           <a:custGeom>
             <a:avLst/>
@@ -9686,14 +9716,14 @@
       </p:sp>
       <p:sp>
         <p:nvSpPr>
-          <p:cNvPr id="318" name="CustomShape 4"/>
+          <p:cNvPr id="300" name="CustomShape 4"/>
           <p:cNvSpPr/>
           <p:nvPr/>
         </p:nvSpPr>
         <p:spPr>
           <a:xfrm>
             <a:off x="4795200" y="1691280"/>
-            <a:ext cx="1157040" cy="363600"/>
+            <a:ext cx="1154880" cy="361440"/>
           </a:xfrm>
           <a:prstGeom prst="rect">
             <a:avLst/>
@@ -9773,7 +9803,7 @@
 </p:sld>
 </file>
 
-<file path=ppt/slides/slide28.xml><?xml version="1.0" encoding="utf-8"?>
+<file path=ppt/slides/slide27.xml><?xml version="1.0" encoding="utf-8"?>
 <p:sld xmlns:a="http://schemas.openxmlformats.org/drawingml/2006/main" xmlns:p="http://schemas.openxmlformats.org/presentationml/2006/main" xmlns:r="http://schemas.openxmlformats.org/officeDocument/2006/relationships" xmlns:p14="http://schemas.microsoft.com/office/powerpoint/2010/main" xmlns:p15="http://schemas.microsoft.com/office/powerpoint/2012/main" xmlns:mc="http://schemas.openxmlformats.org/markup-compatibility/2006">
   <p:cSld>
     <p:spTree>
@@ -9792,14 +9822,14 @@
       </p:grpSpPr>
       <p:sp>
         <p:nvSpPr>
-          <p:cNvPr id="319" name="CustomShape 1"/>
+          <p:cNvPr id="301" name="CustomShape 1"/>
           <p:cNvSpPr/>
           <p:nvPr/>
         </p:nvSpPr>
         <p:spPr>
           <a:xfrm>
             <a:off x="845280" y="365760"/>
-            <a:ext cx="10514160" cy="1324080"/>
+            <a:ext cx="10512000" cy="1321920"/>
           </a:xfrm>
           <a:prstGeom prst="rect">
             <a:avLst/>
@@ -9841,7 +9871,7 @@
       </p:sp>
       <p:pic>
         <p:nvPicPr>
-          <p:cNvPr id="320" name="Picture 2" descr=""/>
+          <p:cNvPr id="302" name="Picture 2" descr=""/>
           <p:cNvPicPr/>
           <p:nvPr/>
         </p:nvPicPr>
@@ -9852,7 +9882,7 @@
         <p:spPr>
           <a:xfrm>
             <a:off x="1004400" y="2663640"/>
-            <a:ext cx="8086320" cy="3995280"/>
+            <a:ext cx="8084160" cy="3993120"/>
           </a:xfrm>
           <a:prstGeom prst="rect">
             <a:avLst/>
@@ -9864,14 +9894,14 @@
       </p:pic>
       <p:sp>
         <p:nvSpPr>
-          <p:cNvPr id="321" name="CustomShape 2"/>
+          <p:cNvPr id="303" name="CustomShape 2"/>
           <p:cNvSpPr/>
           <p:nvPr/>
         </p:nvSpPr>
         <p:spPr>
           <a:xfrm flipV="1">
-            <a:off x="1609920" y="2252520"/>
-            <a:ext cx="1260720" cy="1028880"/>
+            <a:off x="1609920" y="2250360"/>
+            <a:ext cx="1258560" cy="1026720"/>
           </a:xfrm>
           <a:custGeom>
             <a:avLst/>
@@ -9913,14 +9943,14 @@
       </p:sp>
       <p:sp>
         <p:nvSpPr>
-          <p:cNvPr id="322" name="CustomShape 3"/>
+          <p:cNvPr id="304" name="CustomShape 3"/>
           <p:cNvSpPr/>
           <p:nvPr/>
         </p:nvSpPr>
         <p:spPr>
           <a:xfrm flipV="1">
-            <a:off x="1751400" y="2342520"/>
-            <a:ext cx="1183320" cy="1338120"/>
+            <a:off x="1751400" y="2340360"/>
+            <a:ext cx="1181160" cy="1335960"/>
           </a:xfrm>
           <a:custGeom>
             <a:avLst/>
@@ -9962,14 +9992,14 @@
       </p:sp>
       <p:sp>
         <p:nvSpPr>
-          <p:cNvPr id="323" name="CustomShape 4"/>
+          <p:cNvPr id="305" name="CustomShape 4"/>
           <p:cNvSpPr/>
           <p:nvPr/>
         </p:nvSpPr>
         <p:spPr>
           <a:xfrm>
             <a:off x="2593440" y="1989360"/>
-            <a:ext cx="3869640" cy="363600"/>
+            <a:ext cx="3867480" cy="361440"/>
           </a:xfrm>
           <a:prstGeom prst="rect">
             <a:avLst/>
@@ -10049,7 +10079,7 @@
 </p:sld>
 </file>
 
-<file path=ppt/slides/slide29.xml><?xml version="1.0" encoding="utf-8"?>
+<file path=ppt/slides/slide28.xml><?xml version="1.0" encoding="utf-8"?>
 <p:sld xmlns:a="http://schemas.openxmlformats.org/drawingml/2006/main" xmlns:p="http://schemas.openxmlformats.org/presentationml/2006/main" xmlns:r="http://schemas.openxmlformats.org/officeDocument/2006/relationships" xmlns:p14="http://schemas.microsoft.com/office/powerpoint/2010/main" xmlns:p15="http://schemas.microsoft.com/office/powerpoint/2012/main" xmlns:mc="http://schemas.openxmlformats.org/markup-compatibility/2006">
   <p:cSld>
     <p:spTree>
@@ -10068,14 +10098,14 @@
       </p:grpSpPr>
       <p:sp>
         <p:nvSpPr>
-          <p:cNvPr id="324" name="CustomShape 1"/>
+          <p:cNvPr id="306" name="CustomShape 1"/>
           <p:cNvSpPr/>
           <p:nvPr/>
         </p:nvSpPr>
         <p:spPr>
           <a:xfrm>
             <a:off x="845280" y="365760"/>
-            <a:ext cx="10514160" cy="1324080"/>
+            <a:ext cx="10512000" cy="1321920"/>
           </a:xfrm>
           <a:prstGeom prst="rect">
             <a:avLst/>
@@ -10117,7 +10147,7 @@
       </p:sp>
       <p:pic>
         <p:nvPicPr>
-          <p:cNvPr id="325" name="Content Placeholder 3" descr=""/>
+          <p:cNvPr id="307" name="Content Placeholder 3" descr=""/>
           <p:cNvPicPr/>
           <p:nvPr/>
         </p:nvPicPr>
@@ -10128,7 +10158,7 @@
         <p:spPr>
           <a:xfrm>
             <a:off x="1970640" y="1828800"/>
-            <a:ext cx="8949240" cy="4349880"/>
+            <a:ext cx="8947080" cy="4347720"/>
           </a:xfrm>
           <a:prstGeom prst="rect">
             <a:avLst/>
@@ -10140,14 +10170,14 @@
       </p:pic>
       <p:sp>
         <p:nvSpPr>
-          <p:cNvPr id="326" name="CustomShape 2"/>
+          <p:cNvPr id="308" name="CustomShape 2"/>
           <p:cNvSpPr/>
           <p:nvPr/>
         </p:nvSpPr>
         <p:spPr>
           <a:xfrm flipV="1">
-            <a:off x="6632640" y="3346920"/>
-            <a:ext cx="835560" cy="153000"/>
+            <a:off x="6632640" y="3344760"/>
+            <a:ext cx="833400" cy="150840"/>
           </a:xfrm>
           <a:custGeom>
             <a:avLst/>
@@ -10189,14 +10219,14 @@
       </p:sp>
       <p:sp>
         <p:nvSpPr>
-          <p:cNvPr id="327" name="CustomShape 3"/>
+          <p:cNvPr id="309" name="CustomShape 3"/>
           <p:cNvSpPr/>
           <p:nvPr/>
         </p:nvSpPr>
         <p:spPr>
           <a:xfrm>
             <a:off x="5784480" y="2841840"/>
-            <a:ext cx="4336200" cy="363600"/>
+            <a:ext cx="4334040" cy="361440"/>
           </a:xfrm>
           <a:prstGeom prst="rect">
             <a:avLst/>
@@ -10260,6 +10290,364 @@
           <p:childTnLst>
             <p:seq>
               <p:cTn id="56" dur="indefinite" nodeType="mainSeq"/>
+              <p:prevCondLst>
+                <p:cond delay="0" evt="onPrev">
+                  <p:tgtEl>
+                    <p:sldTgt/>
+                  </p:tgtEl>
+                </p:cond>
+              </p:prevCondLst>
+              <p:nextCondLst>
+                <p:cond delay="0" evt="onNext">
+                  <p:tgtEl>
+                    <p:sldTgt/>
+                  </p:tgtEl>
+                </p:cond>
+              </p:nextCondLst>
+            </p:seq>
+          </p:childTnLst>
+        </p:cTn>
+      </p:par>
+    </p:tnLst>
+  </p:timing>
+</p:sld>
+</file>
+
+<file path=ppt/slides/slide29.xml><?xml version="1.0" encoding="utf-8"?>
+<p:sld xmlns:a="http://schemas.openxmlformats.org/drawingml/2006/main" xmlns:p="http://schemas.openxmlformats.org/presentationml/2006/main" xmlns:r="http://schemas.openxmlformats.org/officeDocument/2006/relationships" xmlns:p14="http://schemas.microsoft.com/office/powerpoint/2010/main" xmlns:p15="http://schemas.microsoft.com/office/powerpoint/2012/main" xmlns:mc="http://schemas.openxmlformats.org/markup-compatibility/2006">
+  <p:cSld>
+    <p:spTree>
+      <p:nvGrpSpPr>
+        <p:cNvPr id="1" name=""/>
+        <p:cNvGrpSpPr/>
+        <p:nvPr/>
+      </p:nvGrpSpPr>
+      <p:grpSpPr>
+        <a:xfrm>
+          <a:off x="0" y="0"/>
+          <a:ext cx="0" cy="0"/>
+          <a:chOff x="0" y="0"/>
+          <a:chExt cx="0" cy="0"/>
+        </a:xfrm>
+      </p:grpSpPr>
+      <p:sp>
+        <p:nvSpPr>
+          <p:cNvPr id="310" name="CustomShape 1"/>
+          <p:cNvSpPr/>
+          <p:nvPr/>
+        </p:nvSpPr>
+        <p:spPr>
+          <a:xfrm>
+            <a:off x="845280" y="365760"/>
+            <a:ext cx="10512000" cy="1321920"/>
+          </a:xfrm>
+          <a:prstGeom prst="rect">
+            <a:avLst/>
+          </a:prstGeom>
+          <a:noFill/>
+          <a:ln>
+            <a:noFill/>
+          </a:ln>
+        </p:spPr>
+        <p:style>
+          <a:lnRef idx="0"/>
+          <a:fillRef idx="0"/>
+          <a:effectRef idx="0"/>
+          <a:fontRef idx="minor"/>
+        </p:style>
+        <p:txBody>
+          <a:bodyPr lIns="90000" rIns="90000" tIns="45000" bIns="45000" anchor="ctr"/>
+          <a:p>
+            <a:pPr>
+              <a:lnSpc>
+                <a:spcPct val="90000"/>
+              </a:lnSpc>
+            </a:pPr>
+            <a:r>
+              <a:rPr b="0" lang="en-IN" sz="4400" spc="-1" strike="noStrike">
+                <a:solidFill>
+                  <a:srgbClr val="ffffff"/>
+                </a:solidFill>
+                <a:latin typeface="Times New Roman"/>
+                <a:ea typeface="DejaVu Sans"/>
+              </a:rPr>
+              <a:t>	</a:t>
+            </a:r>
+            <a:r>
+              <a:rPr b="0" lang="en-IN" sz="4400" spc="-1" strike="noStrike">
+                <a:solidFill>
+                  <a:srgbClr val="ffffff"/>
+                </a:solidFill>
+                <a:latin typeface="Times New Roman"/>
+                <a:ea typeface="DejaVu Sans"/>
+              </a:rPr>
+              <a:t>New Predictions</a:t>
+            </a:r>
+            <a:endParaRPr b="0" lang="en-IN" sz="4400" spc="-1" strike="noStrike">
+              <a:latin typeface="Arial"/>
+            </a:endParaRPr>
+          </a:p>
+        </p:txBody>
+      </p:sp>
+      <p:sp>
+        <p:nvSpPr>
+          <p:cNvPr id="311" name="CustomShape 2"/>
+          <p:cNvSpPr/>
+          <p:nvPr/>
+        </p:nvSpPr>
+        <p:spPr>
+          <a:xfrm>
+            <a:off x="669600" y="2820600"/>
+            <a:ext cx="2688120" cy="2057040"/>
+          </a:xfrm>
+          <a:prstGeom prst="ellipse">
+            <a:avLst/>
+          </a:prstGeom>
+          <a:ln>
+            <a:round/>
+          </a:ln>
+        </p:spPr>
+        <p:style>
+          <a:lnRef idx="2">
+            <a:schemeClr val="accent1">
+              <a:shade val="50000"/>
+            </a:schemeClr>
+          </a:lnRef>
+          <a:fillRef idx="1">
+            <a:schemeClr val="accent1"/>
+          </a:fillRef>
+          <a:effectRef idx="0">
+            <a:schemeClr val="accent1"/>
+          </a:effectRef>
+          <a:fontRef idx="minor"/>
+        </p:style>
+        <p:txBody>
+          <a:bodyPr lIns="90000" rIns="90000" tIns="45000" bIns="45000" anchor="ctr"/>
+          <a:p>
+            <a:pPr algn="ctr">
+              <a:lnSpc>
+                <a:spcPct val="100000"/>
+              </a:lnSpc>
+            </a:pPr>
+            <a:r>
+              <a:rPr b="0" lang="en-IN" sz="1800" spc="-1" strike="noStrike">
+                <a:solidFill>
+                  <a:srgbClr val="ffffff"/>
+                </a:solidFill>
+                <a:latin typeface="Candara"/>
+                <a:ea typeface="DejaVu Sans"/>
+              </a:rPr>
+              <a:t>Input data in proper format</a:t>
+            </a:r>
+            <a:endParaRPr b="0" lang="en-IN" sz="1800" spc="-1" strike="noStrike">
+              <a:latin typeface="Arial"/>
+            </a:endParaRPr>
+          </a:p>
+        </p:txBody>
+      </p:sp>
+      <p:sp>
+        <p:nvSpPr>
+          <p:cNvPr id="312" name="CustomShape 3"/>
+          <p:cNvSpPr/>
+          <p:nvPr/>
+        </p:nvSpPr>
+        <p:spPr>
+          <a:xfrm>
+            <a:off x="3735000" y="3608640"/>
+            <a:ext cx="974880" cy="480960"/>
+          </a:xfrm>
+          <a:prstGeom prst="rightArrow">
+            <a:avLst>
+              <a:gd name="adj1" fmla="val 50000"/>
+              <a:gd name="adj2" fmla="val 50000"/>
+            </a:avLst>
+          </a:prstGeom>
+          <a:ln>
+            <a:round/>
+          </a:ln>
+        </p:spPr>
+        <p:style>
+          <a:lnRef idx="2">
+            <a:schemeClr val="accent1">
+              <a:shade val="50000"/>
+            </a:schemeClr>
+          </a:lnRef>
+          <a:fillRef idx="1">
+            <a:schemeClr val="accent1"/>
+          </a:fillRef>
+          <a:effectRef idx="0">
+            <a:schemeClr val="accent1"/>
+          </a:effectRef>
+          <a:fontRef idx="minor"/>
+        </p:style>
+      </p:sp>
+      <p:sp>
+        <p:nvSpPr>
+          <p:cNvPr id="313" name="CustomShape 4"/>
+          <p:cNvSpPr/>
+          <p:nvPr/>
+        </p:nvSpPr>
+        <p:spPr>
+          <a:xfrm>
+            <a:off x="5188680" y="2820600"/>
+            <a:ext cx="2161800" cy="1941120"/>
+          </a:xfrm>
+          <a:prstGeom prst="roundRect">
+            <a:avLst>
+              <a:gd name="adj" fmla="val 16667"/>
+            </a:avLst>
+          </a:prstGeom>
+          <a:ln>
+            <a:round/>
+          </a:ln>
+        </p:spPr>
+        <p:style>
+          <a:lnRef idx="2">
+            <a:schemeClr val="accent1">
+              <a:shade val="50000"/>
+            </a:schemeClr>
+          </a:lnRef>
+          <a:fillRef idx="1">
+            <a:schemeClr val="accent1"/>
+          </a:fillRef>
+          <a:effectRef idx="0">
+            <a:schemeClr val="accent1"/>
+          </a:effectRef>
+          <a:fontRef idx="minor"/>
+        </p:style>
+        <p:txBody>
+          <a:bodyPr lIns="90000" rIns="90000" tIns="45000" bIns="45000" anchor="ctr"/>
+          <a:p>
+            <a:pPr algn="ctr">
+              <a:lnSpc>
+                <a:spcPct val="100000"/>
+              </a:lnSpc>
+            </a:pPr>
+            <a:r>
+              <a:rPr b="0" lang="en-IN" sz="1800" spc="-1" strike="noStrike">
+                <a:solidFill>
+                  <a:srgbClr val="ffffff"/>
+                </a:solidFill>
+                <a:latin typeface="Candara"/>
+                <a:ea typeface="DejaVu Sans"/>
+              </a:rPr>
+              <a:t>Trained Classifier</a:t>
+            </a:r>
+            <a:endParaRPr b="0" lang="en-IN" sz="1800" spc="-1" strike="noStrike">
+              <a:latin typeface="Arial"/>
+            </a:endParaRPr>
+          </a:p>
+        </p:txBody>
+      </p:sp>
+      <p:sp>
+        <p:nvSpPr>
+          <p:cNvPr id="314" name="CustomShape 5"/>
+          <p:cNvSpPr/>
+          <p:nvPr/>
+        </p:nvSpPr>
+        <p:spPr>
+          <a:xfrm>
+            <a:off x="7727400" y="3608640"/>
+            <a:ext cx="974880" cy="480960"/>
+          </a:xfrm>
+          <a:prstGeom prst="rightArrow">
+            <a:avLst>
+              <a:gd name="adj1" fmla="val 50000"/>
+              <a:gd name="adj2" fmla="val 50000"/>
+            </a:avLst>
+          </a:prstGeom>
+          <a:ln>
+            <a:round/>
+          </a:ln>
+        </p:spPr>
+        <p:style>
+          <a:lnRef idx="2">
+            <a:schemeClr val="accent1">
+              <a:shade val="50000"/>
+            </a:schemeClr>
+          </a:lnRef>
+          <a:fillRef idx="1">
+            <a:schemeClr val="accent1"/>
+          </a:fillRef>
+          <a:effectRef idx="0">
+            <a:schemeClr val="accent1"/>
+          </a:effectRef>
+          <a:fontRef idx="minor"/>
+        </p:style>
+      </p:sp>
+      <p:sp>
+        <p:nvSpPr>
+          <p:cNvPr id="315" name="CustomShape 6"/>
+          <p:cNvSpPr/>
+          <p:nvPr/>
+        </p:nvSpPr>
+        <p:spPr>
+          <a:xfrm>
+            <a:off x="9079200" y="2717280"/>
+            <a:ext cx="2278080" cy="2314440"/>
+          </a:xfrm>
+          <a:prstGeom prst="ellipse">
+            <a:avLst/>
+          </a:prstGeom>
+          <a:ln>
+            <a:round/>
+          </a:ln>
+        </p:spPr>
+        <p:style>
+          <a:lnRef idx="2">
+            <a:schemeClr val="accent1">
+              <a:shade val="50000"/>
+            </a:schemeClr>
+          </a:lnRef>
+          <a:fillRef idx="1">
+            <a:schemeClr val="accent1"/>
+          </a:fillRef>
+          <a:effectRef idx="0">
+            <a:schemeClr val="accent1"/>
+          </a:effectRef>
+          <a:fontRef idx="minor"/>
+        </p:style>
+        <p:txBody>
+          <a:bodyPr lIns="90000" rIns="90000" tIns="45000" bIns="45000" anchor="ctr"/>
+          <a:p>
+            <a:pPr algn="ctr">
+              <a:lnSpc>
+                <a:spcPct val="100000"/>
+              </a:lnSpc>
+            </a:pPr>
+            <a:r>
+              <a:rPr b="0" lang="en-IN" sz="1800" spc="-1" strike="noStrike">
+                <a:solidFill>
+                  <a:srgbClr val="ffffff"/>
+                </a:solidFill>
+                <a:latin typeface="Candara"/>
+                <a:ea typeface="DejaVu Sans"/>
+              </a:rPr>
+              <a:t>Predicted / labeled output</a:t>
+            </a:r>
+            <a:endParaRPr b="0" lang="en-IN" sz="1800" spc="-1" strike="noStrike">
+              <a:latin typeface="Arial"/>
+            </a:endParaRPr>
+          </a:p>
+        </p:txBody>
+      </p:sp>
+    </p:spTree>
+  </p:cSld>
+  <mc:AlternateContent>
+    <mc:Choice Requires="p14">
+      <p:transition spd="slow" p14:dur="2000"/>
+    </mc:Choice>
+    <mc:Fallback>
+      <p:transition spd="slow"/>
+    </mc:Fallback>
+  </mc:AlternateContent>
+  <p:timing>
+    <p:tnLst>
+      <p:par>
+        <p:cTn id="57" dur="indefinite" restart="never" nodeType="tmRoot">
+          <p:childTnLst>
+            <p:seq>
+              <p:cTn id="58" dur="indefinite" nodeType="mainSeq"/>
               <p:prevCondLst>
                 <p:cond delay="0" evt="onPrev">
                   <p:tgtEl>
@@ -10313,7 +10701,7 @@
         <p:spPr>
           <a:xfrm>
             <a:off x="2707560" y="2149920"/>
-            <a:ext cx="6295320" cy="3542760"/>
+            <a:ext cx="6293160" cy="3540600"/>
           </a:xfrm>
           <a:prstGeom prst="rect">
             <a:avLst/>
@@ -10332,7 +10720,7 @@
         <p:spPr>
           <a:xfrm>
             <a:off x="1195200" y="1159920"/>
-            <a:ext cx="1460880" cy="577440"/>
+            <a:ext cx="1458720" cy="575280"/>
           </a:xfrm>
           <a:prstGeom prst="rect">
             <a:avLst/>
@@ -10429,307 +10817,70 @@
           <a:chExt cx="0" cy="0"/>
         </a:xfrm>
       </p:grpSpPr>
-      <p:sp>
-        <p:nvSpPr>
-          <p:cNvPr id="328" name="CustomShape 1"/>
-          <p:cNvSpPr/>
+      <p:pic>
+        <p:nvPicPr>
+          <p:cNvPr id="316" name="" descr=""/>
+          <p:cNvPicPr/>
           <p:nvPr/>
-        </p:nvSpPr>
-        <p:spPr>
-          <a:xfrm>
-            <a:off x="845280" y="365760"/>
-            <a:ext cx="10514160" cy="1324080"/>
-          </a:xfrm>
-          <a:prstGeom prst="rect">
-            <a:avLst/>
-          </a:prstGeom>
-          <a:noFill/>
+        </p:nvPicPr>
+        <p:blipFill>
+          <a:blip r:embed="rId1"/>
+          <a:stretch/>
+        </p:blipFill>
+        <p:spPr>
+          <a:xfrm>
+            <a:off x="1487520" y="720000"/>
+            <a:ext cx="9312120" cy="5217120"/>
+          </a:xfrm>
+          <a:prstGeom prst="rect">
+            <a:avLst/>
+          </a:prstGeom>
           <a:ln>
             <a:noFill/>
           </a:ln>
         </p:spPr>
-        <p:style>
-          <a:lnRef idx="0"/>
-          <a:fillRef idx="0"/>
-          <a:effectRef idx="0"/>
-          <a:fontRef idx="minor"/>
-        </p:style>
-        <p:txBody>
-          <a:bodyPr lIns="90000" rIns="90000" tIns="45000" bIns="45000" anchor="ctr"/>
-          <a:p>
-            <a:pPr>
-              <a:lnSpc>
-                <a:spcPct val="90000"/>
-              </a:lnSpc>
-            </a:pPr>
-            <a:r>
-              <a:rPr b="0" lang="en-IN" sz="4400" spc="-1" strike="noStrike">
-                <a:solidFill>
-                  <a:srgbClr val="ffffff"/>
-                </a:solidFill>
-                <a:latin typeface="Times New Roman"/>
-                <a:ea typeface="DejaVu Sans"/>
-              </a:rPr>
-              <a:t>	</a:t>
-            </a:r>
-            <a:r>
-              <a:rPr b="0" lang="en-IN" sz="4400" spc="-1" strike="noStrike">
-                <a:solidFill>
-                  <a:srgbClr val="ffffff"/>
-                </a:solidFill>
-                <a:latin typeface="Times New Roman"/>
-                <a:ea typeface="DejaVu Sans"/>
-              </a:rPr>
-              <a:t>New Predictions</a:t>
-            </a:r>
-            <a:endParaRPr b="0" lang="en-IN" sz="4400" spc="-1" strike="noStrike">
-              <a:latin typeface="Arial"/>
-            </a:endParaRPr>
-          </a:p>
-        </p:txBody>
-      </p:sp>
-      <p:sp>
-        <p:nvSpPr>
-          <p:cNvPr id="329" name="CustomShape 2"/>
-          <p:cNvSpPr/>
+      </p:pic>
+      <p:graphicFrame>
+        <p:nvGraphicFramePr>
+          <p:cNvPr id="317" name="Object 1"/>
+          <p:cNvGraphicFramePr/>
           <p:nvPr/>
-        </p:nvSpPr>
-        <p:spPr>
-          <a:xfrm>
-            <a:off x="669600" y="2820600"/>
-            <a:ext cx="2690280" cy="2059200"/>
-          </a:xfrm>
-          <a:prstGeom prst="ellipse">
-            <a:avLst/>
-          </a:prstGeom>
-          <a:ln>
-            <a:round/>
-          </a:ln>
-        </p:spPr>
-        <p:style>
-          <a:lnRef idx="2">
-            <a:schemeClr val="accent1">
-              <a:shade val="50000"/>
-            </a:schemeClr>
-          </a:lnRef>
-          <a:fillRef idx="1">
-            <a:schemeClr val="accent1"/>
-          </a:fillRef>
-          <a:effectRef idx="0">
-            <a:schemeClr val="accent1"/>
-          </a:effectRef>
-          <a:fontRef idx="minor"/>
-        </p:style>
-        <p:txBody>
-          <a:bodyPr lIns="90000" rIns="90000" tIns="45000" bIns="45000" anchor="ctr"/>
-          <a:p>
-            <a:pPr algn="ctr">
-              <a:lnSpc>
-                <a:spcPct val="100000"/>
-              </a:lnSpc>
-            </a:pPr>
-            <a:r>
-              <a:rPr b="0" lang="en-IN" sz="1800" spc="-1" strike="noStrike">
-                <a:solidFill>
-                  <a:srgbClr val="ffffff"/>
-                </a:solidFill>
-                <a:latin typeface="Candara"/>
-                <a:ea typeface="DejaVu Sans"/>
-              </a:rPr>
-              <a:t>Input data in proper format</a:t>
-            </a:r>
-            <a:endParaRPr b="0" lang="en-IN" sz="1800" spc="-1" strike="noStrike">
-              <a:latin typeface="Arial"/>
-            </a:endParaRPr>
-          </a:p>
-        </p:txBody>
-      </p:sp>
-      <p:sp>
-        <p:nvSpPr>
-          <p:cNvPr id="330" name="CustomShape 3"/>
-          <p:cNvSpPr/>
-          <p:nvPr/>
-        </p:nvSpPr>
-        <p:spPr>
-          <a:xfrm>
-            <a:off x="3735000" y="3608640"/>
-            <a:ext cx="977040" cy="483120"/>
-          </a:xfrm>
-          <a:prstGeom prst="rightArrow">
-            <a:avLst>
-              <a:gd name="adj1" fmla="val 50000"/>
-              <a:gd name="adj2" fmla="val 50000"/>
-            </a:avLst>
-          </a:prstGeom>
-          <a:ln>
-            <a:round/>
-          </a:ln>
-        </p:spPr>
-        <p:style>
-          <a:lnRef idx="2">
-            <a:schemeClr val="accent1">
-              <a:shade val="50000"/>
-            </a:schemeClr>
-          </a:lnRef>
-          <a:fillRef idx="1">
-            <a:schemeClr val="accent1"/>
-          </a:fillRef>
-          <a:effectRef idx="0">
-            <a:schemeClr val="accent1"/>
-          </a:effectRef>
-          <a:fontRef idx="minor"/>
-        </p:style>
-      </p:sp>
-      <p:sp>
-        <p:nvSpPr>
-          <p:cNvPr id="331" name="CustomShape 4"/>
-          <p:cNvSpPr/>
-          <p:nvPr/>
-        </p:nvSpPr>
-        <p:spPr>
-          <a:xfrm>
-            <a:off x="5188680" y="2820600"/>
-            <a:ext cx="2163960" cy="1943280"/>
-          </a:xfrm>
-          <a:prstGeom prst="roundRect">
-            <a:avLst>
-              <a:gd name="adj" fmla="val 16667"/>
-            </a:avLst>
-          </a:prstGeom>
-          <a:ln>
-            <a:round/>
-          </a:ln>
-        </p:spPr>
-        <p:style>
-          <a:lnRef idx="2">
-            <a:schemeClr val="accent1">
-              <a:shade val="50000"/>
-            </a:schemeClr>
-          </a:lnRef>
-          <a:fillRef idx="1">
-            <a:schemeClr val="accent1"/>
-          </a:fillRef>
-          <a:effectRef idx="0">
-            <a:schemeClr val="accent1"/>
-          </a:effectRef>
-          <a:fontRef idx="minor"/>
-        </p:style>
-        <p:txBody>
-          <a:bodyPr lIns="90000" rIns="90000" tIns="45000" bIns="45000" anchor="ctr"/>
-          <a:p>
-            <a:pPr algn="ctr">
-              <a:lnSpc>
-                <a:spcPct val="100000"/>
-              </a:lnSpc>
-            </a:pPr>
-            <a:r>
-              <a:rPr b="0" lang="en-IN" sz="1800" spc="-1" strike="noStrike">
-                <a:solidFill>
-                  <a:srgbClr val="ffffff"/>
-                </a:solidFill>
-                <a:latin typeface="Candara"/>
-                <a:ea typeface="DejaVu Sans"/>
-              </a:rPr>
-              <a:t>Trained Classifier</a:t>
-            </a:r>
-            <a:endParaRPr b="0" lang="en-IN" sz="1800" spc="-1" strike="noStrike">
-              <a:latin typeface="Arial"/>
-            </a:endParaRPr>
-          </a:p>
-        </p:txBody>
-      </p:sp>
-      <p:sp>
-        <p:nvSpPr>
-          <p:cNvPr id="332" name="CustomShape 5"/>
-          <p:cNvSpPr/>
-          <p:nvPr/>
-        </p:nvSpPr>
-        <p:spPr>
-          <a:xfrm>
-            <a:off x="7727400" y="3608640"/>
-            <a:ext cx="977040" cy="483120"/>
-          </a:xfrm>
-          <a:prstGeom prst="rightArrow">
-            <a:avLst>
-              <a:gd name="adj1" fmla="val 50000"/>
-              <a:gd name="adj2" fmla="val 50000"/>
-            </a:avLst>
-          </a:prstGeom>
-          <a:ln>
-            <a:round/>
-          </a:ln>
-        </p:spPr>
-        <p:style>
-          <a:lnRef idx="2">
-            <a:schemeClr val="accent1">
-              <a:shade val="50000"/>
-            </a:schemeClr>
-          </a:lnRef>
-          <a:fillRef idx="1">
-            <a:schemeClr val="accent1"/>
-          </a:fillRef>
-          <a:effectRef idx="0">
-            <a:schemeClr val="accent1"/>
-          </a:effectRef>
-          <a:fontRef idx="minor"/>
-        </p:style>
-      </p:sp>
-      <p:sp>
-        <p:nvSpPr>
-          <p:cNvPr id="333" name="CustomShape 6"/>
-          <p:cNvSpPr/>
-          <p:nvPr/>
-        </p:nvSpPr>
-        <p:spPr>
-          <a:xfrm>
-            <a:off x="9079200" y="2717280"/>
-            <a:ext cx="2280240" cy="2316600"/>
-          </a:xfrm>
-          <a:prstGeom prst="ellipse">
-            <a:avLst/>
-          </a:prstGeom>
-          <a:ln>
-            <a:round/>
-          </a:ln>
-        </p:spPr>
-        <p:style>
-          <a:lnRef idx="2">
-            <a:schemeClr val="accent1">
-              <a:shade val="50000"/>
-            </a:schemeClr>
-          </a:lnRef>
-          <a:fillRef idx="1">
-            <a:schemeClr val="accent1"/>
-          </a:fillRef>
-          <a:effectRef idx="0">
-            <a:schemeClr val="accent1"/>
-          </a:effectRef>
-          <a:fontRef idx="minor"/>
-        </p:style>
-        <p:txBody>
-          <a:bodyPr lIns="90000" rIns="90000" tIns="45000" bIns="45000" anchor="ctr"/>
-          <a:p>
-            <a:pPr algn="ctr">
-              <a:lnSpc>
-                <a:spcPct val="100000"/>
-              </a:lnSpc>
-            </a:pPr>
-            <a:r>
-              <a:rPr b="0" lang="en-IN" sz="1800" spc="-1" strike="noStrike">
-                <a:solidFill>
-                  <a:srgbClr val="ffffff"/>
-                </a:solidFill>
-                <a:latin typeface="Candara"/>
-                <a:ea typeface="DejaVu Sans"/>
-              </a:rPr>
-              <a:t>Predicted / labeled output</a:t>
-            </a:r>
-            <a:endParaRPr b="0" lang="en-IN" sz="1800" spc="-1" strike="noStrike">
-              <a:latin typeface="Arial"/>
-            </a:endParaRPr>
-          </a:p>
-        </p:txBody>
-      </p:sp>
+        </p:nvGraphicFramePr>
+        <p:xfrm>
+          <a:off x="3096000" y="2160"/>
+          <a:ext cx="6118920" cy="1077480"/>
+        </p:xfrm>
+        <a:graphic>
+          <a:graphicData uri="http://schemas.openxmlformats.org/presentationml/2006/ole">
+            <p:oleObj progId="Word.Document.12" r:id="rId2" spid="">
+              <p:embed/>
+              <p:pic>
+                <p:nvPicPr>
+                  <p:cNvPr id="318" name="" descr=""/>
+                  <p:cNvPicPr/>
+                  <p:nvPr/>
+                </p:nvPicPr>
+                <p:blipFill>
+                  <a:blip r:embed="rId3"/>
+                  <a:stretch/>
+                </p:blipFill>
+                <p:spPr>
+                  <a:xfrm>
+                    <a:off x="3096000" y="2160"/>
+                    <a:ext cx="6118920" cy="1077480"/>
+                  </a:xfrm>
+                  <a:prstGeom prst="rect">
+                    <a:avLst/>
+                  </a:prstGeom>
+                  <a:ln>
+                    <a:noFill/>
+                  </a:ln>
+                </p:spPr>
+              </p:pic>
+            </p:oleObj>
+          </a:graphicData>
+        </a:graphic>
+      </p:graphicFrame>
     </p:spTree>
   </p:cSld>
   <mc:AlternateContent>
@@ -10743,10 +10894,10 @@
   <p:timing>
     <p:tnLst>
       <p:par>
-        <p:cTn id="57" dur="indefinite" restart="never" nodeType="tmRoot">
+        <p:cTn id="59" dur="indefinite" restart="never" nodeType="tmRoot">
           <p:childTnLst>
             <p:seq>
-              <p:cTn id="58" dur="indefinite" nodeType="mainSeq"/>
+              <p:cTn id="60" dur="indefinite" nodeType="mainSeq"/>
               <p:prevCondLst>
                 <p:cond delay="0" evt="onPrev">
                   <p:tgtEl>
@@ -10789,14 +10940,14 @@
       </p:grpSpPr>
       <p:sp>
         <p:nvSpPr>
-          <p:cNvPr id="334" name="CustomShape 1"/>
+          <p:cNvPr id="319" name="CustomShape 1"/>
           <p:cNvSpPr/>
           <p:nvPr/>
         </p:nvSpPr>
         <p:spPr>
           <a:xfrm>
             <a:off x="3056760" y="545760"/>
-            <a:ext cx="3027600" cy="577440"/>
+            <a:ext cx="3025440" cy="575280"/>
           </a:xfrm>
           <a:prstGeom prst="rect">
             <a:avLst/>
@@ -10838,14 +10989,14 @@
       </p:sp>
       <p:sp>
         <p:nvSpPr>
-          <p:cNvPr id="335" name="CustomShape 2"/>
+          <p:cNvPr id="320" name="CustomShape 2"/>
           <p:cNvSpPr/>
           <p:nvPr/>
         </p:nvSpPr>
         <p:spPr>
           <a:xfrm>
             <a:off x="2162880" y="3179880"/>
-            <a:ext cx="6562440" cy="1187280"/>
+            <a:ext cx="6560280" cy="1185120"/>
           </a:xfrm>
           <a:prstGeom prst="rect">
             <a:avLst/>
@@ -10864,7 +11015,7 @@
         <p:txBody>
           <a:bodyPr wrap="none" lIns="90000" rIns="90000" tIns="45000" bIns="45000"/>
           <a:p>
-            <a:pPr marL="285840" indent="-285120">
+            <a:pPr marL="285840" indent="-282960">
               <a:lnSpc>
                 <a:spcPct val="100000"/>
               </a:lnSpc>
@@ -10889,7 +11040,7 @@
             </a:endParaRPr>
           </a:p>
           <a:p>
-            <a:pPr marL="285840" indent="-285120">
+            <a:pPr marL="285840" indent="-282960">
               <a:lnSpc>
                 <a:spcPct val="100000"/>
               </a:lnSpc>
@@ -10914,7 +11065,7 @@
             </a:endParaRPr>
           </a:p>
           <a:p>
-            <a:pPr marL="285840" indent="-285120">
+            <a:pPr marL="285840" indent="-282960">
               <a:lnSpc>
                 <a:spcPct val="100000"/>
               </a:lnSpc>
@@ -10939,7 +11090,7 @@
             </a:endParaRPr>
           </a:p>
           <a:p>
-            <a:pPr marL="285840" indent="-285120">
+            <a:pPr marL="285840" indent="-282960">
               <a:lnSpc>
                 <a:spcPct val="100000"/>
               </a:lnSpc>
@@ -10967,14 +11118,14 @@
       </p:sp>
       <p:sp>
         <p:nvSpPr>
-          <p:cNvPr id="336" name="CustomShape 3"/>
+          <p:cNvPr id="321" name="CustomShape 3"/>
           <p:cNvSpPr/>
           <p:nvPr/>
         </p:nvSpPr>
         <p:spPr>
           <a:xfrm>
             <a:off x="893880" y="2047320"/>
-            <a:ext cx="6180840" cy="364320"/>
+            <a:ext cx="6178680" cy="362160"/>
           </a:xfrm>
           <a:prstGeom prst="rect">
             <a:avLst/>
@@ -11027,10 +11178,10 @@
   <p:timing>
     <p:tnLst>
       <p:par>
-        <p:cTn id="59" dur="indefinite" restart="never" nodeType="tmRoot">
+        <p:cTn id="61" dur="indefinite" restart="never" nodeType="tmRoot">
           <p:childTnLst>
             <p:seq>
-              <p:cTn id="60" dur="indefinite" nodeType="mainSeq"/>
+              <p:cTn id="62" dur="indefinite" nodeType="mainSeq"/>
               <p:prevCondLst>
                 <p:cond delay="0" evt="onPrev">
                   <p:tgtEl>
@@ -11073,14 +11224,14 @@
       </p:grpSpPr>
       <p:sp>
         <p:nvSpPr>
-          <p:cNvPr id="337" name="CustomShape 1"/>
+          <p:cNvPr id="322" name="CustomShape 1"/>
           <p:cNvSpPr/>
           <p:nvPr/>
         </p:nvSpPr>
         <p:spPr>
           <a:xfrm>
             <a:off x="4009680" y="2967480"/>
-            <a:ext cx="4172040" cy="914400"/>
+            <a:ext cx="4169880" cy="912240"/>
           </a:xfrm>
           <a:prstGeom prst="rect">
             <a:avLst/>
@@ -11122,14 +11273,14 @@
       </p:sp>
       <p:sp>
         <p:nvSpPr>
-          <p:cNvPr id="338" name="CustomShape 2"/>
+          <p:cNvPr id="323" name="CustomShape 2"/>
           <p:cNvSpPr/>
           <p:nvPr/>
         </p:nvSpPr>
         <p:spPr>
           <a:xfrm>
             <a:off x="3945600" y="2967480"/>
-            <a:ext cx="4299840" cy="914400"/>
+            <a:ext cx="4297680" cy="912240"/>
           </a:xfrm>
           <a:prstGeom prst="rect">
             <a:avLst/>
@@ -11154,7 +11305,7 @@
               </a:lnSpc>
             </a:pPr>
             <a:r>
-              <a:rPr b="1" lang="en-IN" sz="5400" spc="46" strike="noStrike">
+              <a:rPr b="1" lang="en-IN" sz="5400" spc="29" strike="noStrike">
                 <a:solidFill>
                   <a:srgbClr val="fefefd"/>
                 </a:solidFill>
@@ -11164,588 +11315,6 @@
               <a:t>THANK YOU</a:t>
             </a:r>
             <a:endParaRPr b="0" lang="en-IN" sz="5400" spc="-1" strike="noStrike">
-              <a:latin typeface="Arial"/>
-            </a:endParaRPr>
-          </a:p>
-        </p:txBody>
-      </p:sp>
-    </p:spTree>
-  </p:cSld>
-  <mc:AlternateContent>
-    <mc:Choice Requires="p14">
-      <p:transition spd="slow" p14:dur="2000"/>
-    </mc:Choice>
-    <mc:Fallback>
-      <p:transition spd="slow"/>
-    </mc:Fallback>
-  </mc:AlternateContent>
-</p:sld>
-</file>
-
-<file path=ppt/slides/slide4.xml><?xml version="1.0" encoding="utf-8"?>
-<p:sld xmlns:a="http://schemas.openxmlformats.org/drawingml/2006/main" xmlns:p="http://schemas.openxmlformats.org/presentationml/2006/main" xmlns:r="http://schemas.openxmlformats.org/officeDocument/2006/relationships" xmlns:p14="http://schemas.microsoft.com/office/powerpoint/2010/main" xmlns:p15="http://schemas.microsoft.com/office/powerpoint/2012/main" xmlns:mc="http://schemas.openxmlformats.org/markup-compatibility/2006">
-  <p:cSld>
-    <p:spTree>
-      <p:nvGrpSpPr>
-        <p:cNvPr id="1" name=""/>
-        <p:cNvGrpSpPr/>
-        <p:nvPr/>
-      </p:nvGrpSpPr>
-      <p:grpSpPr>
-        <a:xfrm>
-          <a:off x="0" y="0"/>
-          <a:ext cx="0" cy="0"/>
-          <a:chOff x="0" y="0"/>
-          <a:chExt cx="0" cy="0"/>
-        </a:xfrm>
-      </p:grpSpPr>
-      <p:sp>
-        <p:nvSpPr>
-          <p:cNvPr id="171" name="CustomShape 1"/>
-          <p:cNvSpPr/>
-          <p:nvPr/>
-        </p:nvSpPr>
-        <p:spPr>
-          <a:xfrm>
-            <a:off x="1424880" y="859680"/>
-            <a:ext cx="3928320" cy="821160"/>
-          </a:xfrm>
-          <a:prstGeom prst="rect">
-            <a:avLst/>
-          </a:prstGeom>
-          <a:noFill/>
-          <a:ln>
-            <a:noFill/>
-          </a:ln>
-        </p:spPr>
-        <p:style>
-          <a:lnRef idx="0"/>
-          <a:fillRef idx="0"/>
-          <a:effectRef idx="0"/>
-          <a:fontRef idx="minor"/>
-        </p:style>
-        <p:txBody>
-          <a:bodyPr wrap="none" lIns="90000" rIns="90000" tIns="45000" bIns="45000"/>
-          <a:p>
-            <a:pPr>
-              <a:lnSpc>
-                <a:spcPct val="100000"/>
-              </a:lnSpc>
-            </a:pPr>
-            <a:r>
-              <a:rPr b="0" lang="en-IN" sz="4800" spc="-1" strike="noStrike">
-                <a:solidFill>
-                  <a:srgbClr val="ffffff"/>
-                </a:solidFill>
-                <a:latin typeface="Times New Roman"/>
-                <a:ea typeface="DejaVu Sans"/>
-              </a:rPr>
-              <a:t>MOTIVATION</a:t>
-            </a:r>
-            <a:endParaRPr b="0" lang="en-IN" sz="4800" spc="-1" strike="noStrike">
-              <a:latin typeface="Arial"/>
-            </a:endParaRPr>
-          </a:p>
-        </p:txBody>
-      </p:sp>
-      <p:sp>
-        <p:nvSpPr>
-          <p:cNvPr id="172" name="CustomShape 2"/>
-          <p:cNvSpPr/>
-          <p:nvPr/>
-        </p:nvSpPr>
-        <p:spPr>
-          <a:xfrm>
-            <a:off x="786960" y="2306520"/>
-            <a:ext cx="2792880" cy="455760"/>
-          </a:xfrm>
-          <a:prstGeom prst="rect">
-            <a:avLst/>
-          </a:prstGeom>
-          <a:noFill/>
-          <a:ln>
-            <a:noFill/>
-          </a:ln>
-        </p:spPr>
-        <p:style>
-          <a:lnRef idx="0"/>
-          <a:fillRef idx="0"/>
-          <a:effectRef idx="0"/>
-          <a:fontRef idx="minor"/>
-        </p:style>
-        <p:txBody>
-          <a:bodyPr wrap="none" lIns="90000" rIns="90000" tIns="45000" bIns="45000"/>
-          <a:p>
-            <a:pPr>
-              <a:lnSpc>
-                <a:spcPct val="100000"/>
-              </a:lnSpc>
-            </a:pPr>
-            <a:r>
-              <a:rPr b="0" lang="en-IN" sz="2400" spc="-1" strike="noStrike">
-                <a:solidFill>
-                  <a:srgbClr val="ffffff"/>
-                </a:solidFill>
-                <a:latin typeface="Times New Roman"/>
-                <a:ea typeface="DejaVu Sans"/>
-              </a:rPr>
-              <a:t>The cocktail problem</a:t>
-            </a:r>
-            <a:endParaRPr b="0" lang="en-IN" sz="2400" spc="-1" strike="noStrike">
-              <a:latin typeface="Arial"/>
-            </a:endParaRPr>
-          </a:p>
-        </p:txBody>
-      </p:sp>
-      <p:pic>
-        <p:nvPicPr>
-          <p:cNvPr id="173" name="Picture 1" descr="">
-            <a:hlinkClick r:id="" action="ppaction://media"/>
-          </p:cNvPr>
-          <p:cNvPicPr/>
-          <p:nvPr>
-            <a:videoFile r:link="rId1"/>
-            <p:extLst>
-              <p:ext uri="{DAA4B4D4-6D71-4841-9C94-3DE7FCFB9230}">
-                <p14:media r:embed="rId2"/>
-              </p:ext>
-            </p:extLst>
-          </p:nvPr>
-        </p:nvPicPr>
-        <p:blipFill>
-          <a:blip r:embed="rId3"/>
-        </p:blipFill>
-        <p:spPr>
-          <a:xfrm>
-            <a:off x="1100880" y="3383640"/>
-            <a:ext cx="608760" cy="608760"/>
-          </a:xfrm>
-          <a:prstGeom prst="rect">
-            <a:avLst/>
-          </a:prstGeom>
-          <a:ln>
-            <a:noFill/>
-          </a:ln>
-        </p:spPr>
-      </p:pic>
-      <p:pic>
-        <p:nvPicPr>
-          <p:cNvPr id="174" name="Picture 2" descr="">
-            <a:hlinkClick r:id="" action="ppaction://media"/>
-          </p:cNvPr>
-          <p:cNvPicPr/>
-          <p:nvPr>
-            <a:videoFile r:link="rId4"/>
-            <p:extLst>
-              <p:ext uri="{DAA4B4D4-6D71-4841-9C94-3DE7FCFB9230}">
-                <p14:media r:embed="rId5"/>
-              </p:ext>
-            </p:extLst>
-          </p:nvPr>
-        </p:nvPicPr>
-        <p:blipFill>
-          <a:blip r:embed="rId6"/>
-        </p:blipFill>
-        <p:spPr>
-          <a:xfrm>
-            <a:off x="3389400" y="3383640"/>
-            <a:ext cx="608760" cy="608760"/>
-          </a:xfrm>
-          <a:prstGeom prst="rect">
-            <a:avLst/>
-          </a:prstGeom>
-          <a:ln>
-            <a:noFill/>
-          </a:ln>
-        </p:spPr>
-      </p:pic>
-      <p:pic>
-        <p:nvPicPr>
-          <p:cNvPr id="175" name="Picture 3" descr="">
-            <a:hlinkClick r:id="" action="ppaction://media"/>
-          </p:cNvPr>
-          <p:cNvPicPr/>
-          <p:nvPr>
-            <a:videoFile r:link="rId7"/>
-            <p:extLst>
-              <p:ext uri="{DAA4B4D4-6D71-4841-9C94-3DE7FCFB9230}">
-                <p14:media r:embed="rId8"/>
-              </p:ext>
-            </p:extLst>
-          </p:nvPr>
-        </p:nvPicPr>
-        <p:blipFill>
-          <a:blip r:embed="rId9"/>
-        </p:blipFill>
-        <p:spPr>
-          <a:xfrm>
-            <a:off x="5678280" y="3383640"/>
-            <a:ext cx="608760" cy="608760"/>
-          </a:xfrm>
-          <a:prstGeom prst="rect">
-            <a:avLst/>
-          </a:prstGeom>
-          <a:ln>
-            <a:noFill/>
-          </a:ln>
-        </p:spPr>
-      </p:pic>
-      <p:pic>
-        <p:nvPicPr>
-          <p:cNvPr id="176" name="Picture 4" descr="">
-            <a:hlinkClick r:id="" action="ppaction://media"/>
-          </p:cNvPr>
-          <p:cNvPicPr/>
-          <p:nvPr>
-            <a:videoFile r:link="rId10"/>
-            <p:extLst>
-              <p:ext uri="{DAA4B4D4-6D71-4841-9C94-3DE7FCFB9230}">
-                <p14:media r:embed="rId11"/>
-              </p:ext>
-            </p:extLst>
-          </p:nvPr>
-        </p:nvPicPr>
-        <p:blipFill>
-          <a:blip r:embed="rId12"/>
-        </p:blipFill>
-        <p:spPr>
-          <a:xfrm>
-            <a:off x="7966800" y="3383640"/>
-            <a:ext cx="608760" cy="608760"/>
-          </a:xfrm>
-          <a:prstGeom prst="rect">
-            <a:avLst/>
-          </a:prstGeom>
-          <a:ln>
-            <a:noFill/>
-          </a:ln>
-        </p:spPr>
-      </p:pic>
-      <p:sp>
-        <p:nvSpPr>
-          <p:cNvPr id="177" name="CustomShape 3"/>
-          <p:cNvSpPr/>
-          <p:nvPr/>
-        </p:nvSpPr>
-        <p:spPr>
-          <a:xfrm>
-            <a:off x="1405800" y="4217040"/>
-            <a:ext cx="913680" cy="913680"/>
-          </a:xfrm>
-          <a:custGeom>
-            <a:avLst/>
-            <a:gdLst/>
-            <a:ahLst/>
-            <a:rect l="l" t="t" r="r" b="b"/>
-            <a:pathLst>
-              <a:path w="21600" h="21600">
-                <a:moveTo>
-                  <a:pt x="0" y="0"/>
-                </a:moveTo>
-                <a:lnTo>
-                  <a:pt x="21600" y="21600"/>
-                </a:lnTo>
-              </a:path>
-            </a:pathLst>
-          </a:custGeom>
-          <a:noFill/>
-          <a:ln>
-            <a:solidFill>
-              <a:srgbClr val="a90000"/>
-            </a:solidFill>
-            <a:round/>
-            <a:tailEnd len="med" type="triangle" w="med"/>
-          </a:ln>
-        </p:spPr>
-        <p:style>
-          <a:lnRef idx="1">
-            <a:schemeClr val="accent1"/>
-          </a:lnRef>
-          <a:fillRef idx="0">
-            <a:schemeClr val="accent1"/>
-          </a:fillRef>
-          <a:effectRef idx="0">
-            <a:schemeClr val="accent1"/>
-          </a:effectRef>
-          <a:fontRef idx="minor"/>
-        </p:style>
-      </p:sp>
-      <p:sp>
-        <p:nvSpPr>
-          <p:cNvPr id="178" name="CustomShape 4"/>
-          <p:cNvSpPr/>
-          <p:nvPr/>
-        </p:nvSpPr>
-        <p:spPr>
-          <a:xfrm flipH="1">
-            <a:off x="2974320" y="4217040"/>
-            <a:ext cx="613800" cy="777240"/>
-          </a:xfrm>
-          <a:custGeom>
-            <a:avLst/>
-            <a:gdLst/>
-            <a:ahLst/>
-            <a:rect l="l" t="t" r="r" b="b"/>
-            <a:pathLst>
-              <a:path w="21600" h="21600">
-                <a:moveTo>
-                  <a:pt x="0" y="0"/>
-                </a:moveTo>
-                <a:lnTo>
-                  <a:pt x="21600" y="21600"/>
-                </a:lnTo>
-              </a:path>
-            </a:pathLst>
-          </a:custGeom>
-          <a:noFill/>
-          <a:ln>
-            <a:solidFill>
-              <a:srgbClr val="a90000"/>
-            </a:solidFill>
-            <a:round/>
-            <a:tailEnd len="med" type="triangle" w="med"/>
-          </a:ln>
-        </p:spPr>
-        <p:style>
-          <a:lnRef idx="1">
-            <a:schemeClr val="accent1"/>
-          </a:lnRef>
-          <a:fillRef idx="0">
-            <a:schemeClr val="accent1"/>
-          </a:fillRef>
-          <a:effectRef idx="0">
-            <a:schemeClr val="accent1"/>
-          </a:effectRef>
-          <a:fontRef idx="minor"/>
-        </p:style>
-      </p:sp>
-      <p:sp>
-        <p:nvSpPr>
-          <p:cNvPr id="179" name="CustomShape 5"/>
-          <p:cNvSpPr/>
-          <p:nvPr/>
-        </p:nvSpPr>
-        <p:spPr>
-          <a:xfrm>
-            <a:off x="5982840" y="4326480"/>
-            <a:ext cx="913680" cy="913680"/>
-          </a:xfrm>
-          <a:custGeom>
-            <a:avLst/>
-            <a:gdLst/>
-            <a:ahLst/>
-            <a:rect l="l" t="t" r="r" b="b"/>
-            <a:pathLst>
-              <a:path w="21600" h="21600">
-                <a:moveTo>
-                  <a:pt x="0" y="0"/>
-                </a:moveTo>
-                <a:lnTo>
-                  <a:pt x="21600" y="21600"/>
-                </a:lnTo>
-              </a:path>
-            </a:pathLst>
-          </a:custGeom>
-          <a:noFill/>
-          <a:ln>
-            <a:solidFill>
-              <a:srgbClr val="a90000"/>
-            </a:solidFill>
-            <a:round/>
-            <a:tailEnd len="med" type="triangle" w="med"/>
-          </a:ln>
-        </p:spPr>
-        <p:style>
-          <a:lnRef idx="1">
-            <a:schemeClr val="accent1"/>
-          </a:lnRef>
-          <a:fillRef idx="0">
-            <a:schemeClr val="accent1"/>
-          </a:fillRef>
-          <a:effectRef idx="0">
-            <a:schemeClr val="accent1"/>
-          </a:effectRef>
-          <a:fontRef idx="minor"/>
-        </p:style>
-      </p:sp>
-      <p:sp>
-        <p:nvSpPr>
-          <p:cNvPr id="180" name="CustomShape 6"/>
-          <p:cNvSpPr/>
-          <p:nvPr/>
-        </p:nvSpPr>
-        <p:spPr>
-          <a:xfrm flipH="1">
-            <a:off x="7560000" y="4217040"/>
-            <a:ext cx="709920" cy="913680"/>
-          </a:xfrm>
-          <a:custGeom>
-            <a:avLst/>
-            <a:gdLst/>
-            <a:ahLst/>
-            <a:rect l="l" t="t" r="r" b="b"/>
-            <a:pathLst>
-              <a:path w="21600" h="21600">
-                <a:moveTo>
-                  <a:pt x="0" y="0"/>
-                </a:moveTo>
-                <a:lnTo>
-                  <a:pt x="21600" y="21600"/>
-                </a:lnTo>
-              </a:path>
-            </a:pathLst>
-          </a:custGeom>
-          <a:noFill/>
-          <a:ln>
-            <a:solidFill>
-              <a:srgbClr val="a90000"/>
-            </a:solidFill>
-            <a:round/>
-            <a:tailEnd len="med" type="triangle" w="med"/>
-          </a:ln>
-        </p:spPr>
-        <p:style>
-          <a:lnRef idx="1">
-            <a:schemeClr val="accent1"/>
-          </a:lnRef>
-          <a:fillRef idx="0">
-            <a:schemeClr val="accent1"/>
-          </a:fillRef>
-          <a:effectRef idx="0">
-            <a:schemeClr val="accent1"/>
-          </a:effectRef>
-          <a:fontRef idx="minor"/>
-        </p:style>
-      </p:sp>
-      <p:sp>
-        <p:nvSpPr>
-          <p:cNvPr id="181" name="CustomShape 7"/>
-          <p:cNvSpPr/>
-          <p:nvPr/>
-        </p:nvSpPr>
-        <p:spPr>
-          <a:xfrm>
-            <a:off x="4394880" y="3383640"/>
-            <a:ext cx="977760" cy="483840"/>
-          </a:xfrm>
-          <a:prstGeom prst="rightArrow">
-            <a:avLst>
-              <a:gd name="adj1" fmla="val 50000"/>
-              <a:gd name="adj2" fmla="val 50000"/>
-            </a:avLst>
-          </a:prstGeom>
-          <a:ln>
-            <a:round/>
-          </a:ln>
-        </p:spPr>
-        <p:style>
-          <a:lnRef idx="2">
-            <a:schemeClr val="accent1">
-              <a:shade val="50000"/>
-            </a:schemeClr>
-          </a:lnRef>
-          <a:fillRef idx="1">
-            <a:schemeClr val="accent1"/>
-          </a:fillRef>
-          <a:effectRef idx="0">
-            <a:schemeClr val="accent1"/>
-          </a:effectRef>
-          <a:fontRef idx="minor"/>
-        </p:style>
-      </p:sp>
-      <p:sp>
-        <p:nvSpPr>
-          <p:cNvPr id="182" name="CustomShape 8"/>
-          <p:cNvSpPr/>
-          <p:nvPr/>
-        </p:nvSpPr>
-        <p:spPr>
-          <a:xfrm>
-            <a:off x="1804680" y="5501880"/>
-            <a:ext cx="1573560" cy="364320"/>
-          </a:xfrm>
-          <a:prstGeom prst="rect">
-            <a:avLst/>
-          </a:prstGeom>
-          <a:noFill/>
-          <a:ln>
-            <a:noFill/>
-          </a:ln>
-        </p:spPr>
-        <p:style>
-          <a:lnRef idx="0"/>
-          <a:fillRef idx="0"/>
-          <a:effectRef idx="0"/>
-          <a:fontRef idx="minor"/>
-        </p:style>
-        <p:txBody>
-          <a:bodyPr wrap="none" lIns="90000" rIns="90000" tIns="45000" bIns="45000"/>
-          <a:p>
-            <a:pPr>
-              <a:lnSpc>
-                <a:spcPct val="100000"/>
-              </a:lnSpc>
-            </a:pPr>
-            <a:r>
-              <a:rPr b="0" lang="en-IN" sz="1800" spc="-1" strike="noStrike">
-                <a:solidFill>
-                  <a:srgbClr val="ffffff"/>
-                </a:solidFill>
-                <a:latin typeface="Arial"/>
-                <a:ea typeface="DejaVu Sans"/>
-              </a:rPr>
-              <a:t>Sample audio</a:t>
-            </a:r>
-            <a:endParaRPr b="0" lang="en-IN" sz="1800" spc="-1" strike="noStrike">
-              <a:latin typeface="Arial"/>
-            </a:endParaRPr>
-          </a:p>
-        </p:txBody>
-      </p:sp>
-      <p:sp>
-        <p:nvSpPr>
-          <p:cNvPr id="183" name="CustomShape 9"/>
-          <p:cNvSpPr/>
-          <p:nvPr/>
-        </p:nvSpPr>
-        <p:spPr>
-          <a:xfrm>
-            <a:off x="6413040" y="5650200"/>
-            <a:ext cx="2085840" cy="364320"/>
-          </a:xfrm>
-          <a:prstGeom prst="rect">
-            <a:avLst/>
-          </a:prstGeom>
-          <a:noFill/>
-          <a:ln>
-            <a:noFill/>
-          </a:ln>
-        </p:spPr>
-        <p:style>
-          <a:lnRef idx="0"/>
-          <a:fillRef idx="0"/>
-          <a:effectRef idx="0"/>
-          <a:fontRef idx="minor"/>
-        </p:style>
-        <p:txBody>
-          <a:bodyPr wrap="none" lIns="90000" rIns="90000" tIns="45000" bIns="45000"/>
-          <a:p>
-            <a:pPr>
-              <a:lnSpc>
-                <a:spcPct val="100000"/>
-              </a:lnSpc>
-            </a:pPr>
-            <a:r>
-              <a:rPr b="0" lang="en-IN" sz="1800" spc="-1" strike="noStrike">
-                <a:solidFill>
-                  <a:srgbClr val="ffffff"/>
-                </a:solidFill>
-                <a:latin typeface="Arial"/>
-                <a:ea typeface="DejaVu Sans"/>
-              </a:rPr>
-              <a:t>Transformed audio</a:t>
-            </a:r>
-            <a:endParaRPr b="0" lang="en-IN" sz="1800" spc="-1" strike="noStrike">
               <a:latin typeface="Arial"/>
             </a:endParaRPr>
           </a:p>
@@ -11764,218 +11333,10 @@
   <p:timing>
     <p:tnLst>
       <p:par>
-        <p:cTn id="7" dur="indefinite" restart="never" nodeType="tmRoot">
+        <p:cTn id="63" dur="indefinite" restart="never" nodeType="tmRoot">
           <p:childTnLst>
             <p:seq>
-              <p:cTn id="8" dur="indefinite" nodeType="mainSeq"/>
-              <p:prevCondLst>
-                <p:cond delay="0" evt="onPrev">
-                  <p:tgtEl>
-                    <p:sldTgt/>
-                  </p:tgtEl>
-                </p:cond>
-              </p:prevCondLst>
-              <p:nextCondLst>
-                <p:cond delay="0" evt="onNext">
-                  <p:tgtEl>
-                    <p:sldTgt/>
-                  </p:tgtEl>
-                </p:cond>
-              </p:nextCondLst>
-            </p:seq>
-            <p:seq>
-              <p:cTn id="9" restart="whenNotActive" nodeType="interactiveSeq" fill="hold">
-                <p:childTnLst>
-                  <p:par>
-                    <p:cTn id="10" fill="hold">
-                      <p:childTnLst>
-                        <p:par>
-                          <p:cTn id="11" fill="hold">
-                            <p:stCondLst>
-                              <p:cond delay="0"/>
-                            </p:stCondLst>
-                            <p:childTnLst>
-                              <p:par>
-                                <p:cTn id="12" nodeType="clickEffect" fill="hold" presetClass="mediacall">
-                                  <p:stCondLst>
-                                    <p:cond delay="0"/>
-                                  </p:stCondLst>
-                                  <p:childTnLst>
-                                    <p:cmd type="call">
-                                      <p:cBhvr>
-                                        <p:cTn id="13" dur="6875" fill="hold"/>
-                                        <p:tgtEl>
-                                          <p:spTgt spid="173"/>
-                                        </p:tgtEl>
-                                      </p:cBhvr>
-                                    </p:cmd>
-                                  </p:childTnLst>
-                                </p:cTn>
-                              </p:par>
-                            </p:childTnLst>
-                          </p:cTn>
-                        </p:par>
-                      </p:childTnLst>
-                    </p:cTn>
-                  </p:par>
-                </p:childTnLst>
-              </p:cTn>
-              <p:prevCondLst>
-                <p:cond delay="0" evt="onPrev">
-                  <p:tgtEl>
-                    <p:sldTgt/>
-                  </p:tgtEl>
-                </p:cond>
-              </p:prevCondLst>
-              <p:nextCondLst>
-                <p:cond delay="0" evt="onNext">
-                  <p:tgtEl>
-                    <p:sldTgt/>
-                  </p:tgtEl>
-                </p:cond>
-              </p:nextCondLst>
-            </p:seq>
-            <p:seq>
-              <p:cTn id="14" restart="whenNotActive" nodeType="interactiveSeq" fill="hold">
-                <p:childTnLst>
-                  <p:par>
-                    <p:cTn id="15" fill="hold">
-                      <p:childTnLst>
-                        <p:par>
-                          <p:cTn id="16" fill="hold">
-                            <p:stCondLst>
-                              <p:cond delay="0"/>
-                            </p:stCondLst>
-                            <p:childTnLst>
-                              <p:par>
-                                <p:cTn id="17" nodeType="clickEffect" fill="hold" presetClass="mediacall">
-                                  <p:stCondLst>
-                                    <p:cond delay="0"/>
-                                  </p:stCondLst>
-                                  <p:childTnLst>
-                                    <p:cmd type="call">
-                                      <p:cBhvr>
-                                        <p:cTn id="18" dur="6875" fill="hold"/>
-                                        <p:tgtEl>
-                                          <p:spTgt spid="174"/>
-                                        </p:tgtEl>
-                                      </p:cBhvr>
-                                    </p:cmd>
-                                  </p:childTnLst>
-                                </p:cTn>
-                              </p:par>
-                            </p:childTnLst>
-                          </p:cTn>
-                        </p:par>
-                      </p:childTnLst>
-                    </p:cTn>
-                  </p:par>
-                </p:childTnLst>
-              </p:cTn>
-              <p:prevCondLst>
-                <p:cond delay="0" evt="onPrev">
-                  <p:tgtEl>
-                    <p:sldTgt/>
-                  </p:tgtEl>
-                </p:cond>
-              </p:prevCondLst>
-              <p:nextCondLst>
-                <p:cond delay="0" evt="onNext">
-                  <p:tgtEl>
-                    <p:sldTgt/>
-                  </p:tgtEl>
-                </p:cond>
-              </p:nextCondLst>
-            </p:seq>
-            <p:seq>
-              <p:cTn id="19" restart="whenNotActive" nodeType="interactiveSeq" fill="hold">
-                <p:childTnLst>
-                  <p:par>
-                    <p:cTn id="20" fill="hold">
-                      <p:childTnLst>
-                        <p:par>
-                          <p:cTn id="21" fill="hold">
-                            <p:stCondLst>
-                              <p:cond delay="0"/>
-                            </p:stCondLst>
-                            <p:childTnLst>
-                              <p:par>
-                                <p:cTn id="22" nodeType="clickEffect" fill="hold" presetClass="mediacall">
-                                  <p:stCondLst>
-                                    <p:cond delay="0"/>
-                                  </p:stCondLst>
-                                  <p:childTnLst>
-                                    <p:cmd type="call">
-                                      <p:cBhvr>
-                                        <p:cTn id="23" dur="6875" fill="hold"/>
-                                        <p:tgtEl>
-                                          <p:spTgt spid="175"/>
-                                        </p:tgtEl>
-                                      </p:cBhvr>
-                                    </p:cmd>
-                                  </p:childTnLst>
-                                </p:cTn>
-                              </p:par>
-                            </p:childTnLst>
-                          </p:cTn>
-                        </p:par>
-                      </p:childTnLst>
-                    </p:cTn>
-                  </p:par>
-                </p:childTnLst>
-              </p:cTn>
-              <p:prevCondLst>
-                <p:cond delay="0" evt="onPrev">
-                  <p:tgtEl>
-                    <p:sldTgt/>
-                  </p:tgtEl>
-                </p:cond>
-              </p:prevCondLst>
-              <p:nextCondLst>
-                <p:cond delay="0" evt="onNext">
-                  <p:tgtEl>
-                    <p:sldTgt/>
-                  </p:tgtEl>
-                </p:cond>
-              </p:nextCondLst>
-            </p:seq>
-            <p:seq>
-              <p:cTn id="24" restart="whenNotActive" nodeType="interactiveSeq" fill="hold">
-                <p:childTnLst>
-                  <p:par>
-                    <p:cTn id="25" fill="hold">
-                      <p:childTnLst>
-                        <p:par>
-                          <p:cTn id="26" fill="hold">
-                            <p:stCondLst>
-                              <p:cond delay="0"/>
-                            </p:stCondLst>
-                            <p:childTnLst>
-                              <p:par>
-                                <p:cTn id="27" nodeType="clickEffect" fill="hold" presetClass="mediacall">
-                                  <p:stCondLst>
-                                    <p:cond delay="0"/>
-                                  </p:stCondLst>
-                                  <p:childTnLst>
-                                    <p:cmd type="call">
-                                      <p:cBhvr>
-                                        <p:cTn id="28" dur="6871" fill="hold"/>
-                                        <p:tgtEl>
-                                          <p:spTgt spid="176"/>
-                                        </p:tgtEl>
-                                      </p:cBhvr>
-                                    </p:cmd>
-                                  </p:childTnLst>
-                                </p:cTn>
-                              </p:par>
-                            </p:childTnLst>
-                          </p:cTn>
-                        </p:par>
-                      </p:childTnLst>
-                    </p:cTn>
-                  </p:par>
-                </p:childTnLst>
-              </p:cTn>
+              <p:cTn id="64" dur="indefinite" nodeType="mainSeq"/>
               <p:prevCondLst>
                 <p:cond delay="0" evt="onPrev">
                   <p:tgtEl>
@@ -11999,7 +11360,7 @@
 </p:sld>
 </file>
 
-<file path=ppt/slides/slide5.xml><?xml version="1.0" encoding="utf-8"?>
+<file path=ppt/slides/slide4.xml><?xml version="1.0" encoding="utf-8"?>
 <p:sld xmlns:a="http://schemas.openxmlformats.org/drawingml/2006/main" xmlns:p="http://schemas.openxmlformats.org/presentationml/2006/main" xmlns:r="http://schemas.openxmlformats.org/officeDocument/2006/relationships" xmlns:p14="http://schemas.microsoft.com/office/powerpoint/2010/main" xmlns:p15="http://schemas.microsoft.com/office/powerpoint/2012/main" xmlns:mc="http://schemas.openxmlformats.org/markup-compatibility/2006">
   <p:cSld>
     <p:spTree>
@@ -12018,14 +11379,14 @@
       </p:grpSpPr>
       <p:sp>
         <p:nvSpPr>
-          <p:cNvPr id="184" name="CustomShape 1"/>
+          <p:cNvPr id="171" name="CustomShape 1"/>
           <p:cNvSpPr/>
           <p:nvPr/>
         </p:nvSpPr>
         <p:spPr>
           <a:xfrm>
             <a:off x="688320" y="1917000"/>
-            <a:ext cx="6613200" cy="1324080"/>
+            <a:ext cx="6611040" cy="1321920"/>
           </a:xfrm>
           <a:prstGeom prst="rect">
             <a:avLst/>
@@ -12069,28 +11430,28 @@
       </p:sp>
       <p:grpSp>
         <p:nvGrpSpPr>
-          <p:cNvPr id="185" name="Group 2"/>
+          <p:cNvPr id="172" name="Group 2"/>
           <p:cNvGrpSpPr/>
           <p:nvPr/>
         </p:nvGrpSpPr>
         <p:grpSpPr>
           <a:xfrm>
             <a:off x="4740480" y="483840"/>
-            <a:ext cx="6057720" cy="5628600"/>
+            <a:ext cx="6055560" cy="5626440"/>
             <a:chOff x="4740480" y="483840"/>
-            <a:chExt cx="6057720" cy="5628600"/>
+            <a:chExt cx="6055560" cy="5626440"/>
           </a:xfrm>
         </p:grpSpPr>
         <p:sp>
           <p:nvSpPr>
-            <p:cNvPr id="186" name="CustomShape 3"/>
+            <p:cNvPr id="173" name="CustomShape 3"/>
             <p:cNvSpPr/>
             <p:nvPr/>
           </p:nvSpPr>
           <p:spPr>
             <a:xfrm>
               <a:off x="6445800" y="5190120"/>
-              <a:ext cx="91800" cy="91800"/>
+              <a:ext cx="89640" cy="89640"/>
             </a:xfrm>
             <a:prstGeom prst="ellipse">
               <a:avLst/>
@@ -12158,14 +11519,14 @@
         </p:sp>
         <p:sp>
           <p:nvSpPr>
-            <p:cNvPr id="187" name="CustomShape 4"/>
+            <p:cNvPr id="174" name="CustomShape 4"/>
             <p:cNvSpPr/>
             <p:nvPr/>
           </p:nvSpPr>
           <p:spPr>
             <a:xfrm>
               <a:off x="6239520" y="5274000"/>
-              <a:ext cx="91800" cy="91800"/>
+              <a:ext cx="89640" cy="89640"/>
             </a:xfrm>
             <a:prstGeom prst="ellipse">
               <a:avLst/>
@@ -12233,14 +11594,14 @@
         </p:sp>
         <p:sp>
           <p:nvSpPr>
-            <p:cNvPr id="188" name="CustomShape 5"/>
+            <p:cNvPr id="175" name="CustomShape 5"/>
             <p:cNvSpPr/>
             <p:nvPr/>
           </p:nvSpPr>
           <p:spPr>
             <a:xfrm>
               <a:off x="6028560" y="5343480"/>
-              <a:ext cx="91800" cy="91800"/>
+              <a:ext cx="89640" cy="89640"/>
             </a:xfrm>
             <a:prstGeom prst="ellipse">
               <a:avLst/>
@@ -12308,14 +11669,14 @@
         </p:sp>
         <p:sp>
           <p:nvSpPr>
-            <p:cNvPr id="189" name="CustomShape 6"/>
+            <p:cNvPr id="176" name="CustomShape 6"/>
             <p:cNvSpPr/>
             <p:nvPr/>
           </p:nvSpPr>
           <p:spPr>
             <a:xfrm>
               <a:off x="5814360" y="5397120"/>
-              <a:ext cx="91800" cy="91800"/>
+              <a:ext cx="89640" cy="89640"/>
             </a:xfrm>
             <a:prstGeom prst="ellipse">
               <a:avLst/>
@@ -12383,14 +11744,14 @@
         </p:sp>
         <p:sp>
           <p:nvSpPr>
-            <p:cNvPr id="190" name="CustomShape 7"/>
+            <p:cNvPr id="177" name="CustomShape 7"/>
             <p:cNvSpPr/>
             <p:nvPr/>
           </p:nvSpPr>
           <p:spPr>
             <a:xfrm>
               <a:off x="7572600" y="4377960"/>
-              <a:ext cx="91800" cy="91800"/>
+              <a:ext cx="89640" cy="89640"/>
             </a:xfrm>
             <a:prstGeom prst="ellipse">
               <a:avLst/>
@@ -12458,14 +11819,14 @@
         </p:sp>
         <p:sp>
           <p:nvSpPr>
-            <p:cNvPr id="191" name="CustomShape 8"/>
+            <p:cNvPr id="178" name="CustomShape 8"/>
             <p:cNvSpPr/>
             <p:nvPr/>
           </p:nvSpPr>
           <p:spPr>
             <a:xfrm>
               <a:off x="7409160" y="4543560"/>
-              <a:ext cx="91800" cy="91800"/>
+              <a:ext cx="89640" cy="89640"/>
             </a:xfrm>
             <a:prstGeom prst="ellipse">
               <a:avLst/>
@@ -12533,14 +11894,14 @@
         </p:sp>
         <p:sp>
           <p:nvSpPr>
-            <p:cNvPr id="192" name="CustomShape 9"/>
+            <p:cNvPr id="179" name="CustomShape 9"/>
             <p:cNvSpPr/>
             <p:nvPr/>
           </p:nvSpPr>
           <p:spPr>
             <a:xfrm>
               <a:off x="8249040" y="3371040"/>
-              <a:ext cx="91800" cy="91800"/>
+              <a:ext cx="89640" cy="89640"/>
             </a:xfrm>
             <a:prstGeom prst="ellipse">
               <a:avLst/>
@@ -12608,14 +11969,14 @@
         </p:sp>
         <p:sp>
           <p:nvSpPr>
-            <p:cNvPr id="193" name="CustomShape 10"/>
+            <p:cNvPr id="180" name="CustomShape 10"/>
             <p:cNvSpPr/>
             <p:nvPr/>
           </p:nvSpPr>
           <p:spPr>
             <a:xfrm>
               <a:off x="8612640" y="2144520"/>
-              <a:ext cx="91800" cy="91800"/>
+              <a:ext cx="89640" cy="89640"/>
             </a:xfrm>
             <a:prstGeom prst="ellipse">
               <a:avLst/>
@@ -12683,14 +12044,14 @@
         </p:sp>
         <p:sp>
           <p:nvSpPr>
-            <p:cNvPr id="194" name="CustomShape 11"/>
+            <p:cNvPr id="181" name="CustomShape 11"/>
             <p:cNvSpPr/>
             <p:nvPr/>
           </p:nvSpPr>
           <p:spPr>
             <a:xfrm>
               <a:off x="8430840" y="693720"/>
-              <a:ext cx="91800" cy="91800"/>
+              <a:ext cx="89640" cy="89640"/>
             </a:xfrm>
             <a:prstGeom prst="ellipse">
               <a:avLst/>
@@ -12758,14 +12119,14 @@
         </p:sp>
         <p:sp>
           <p:nvSpPr>
-            <p:cNvPr id="195" name="CustomShape 12"/>
+            <p:cNvPr id="182" name="CustomShape 12"/>
             <p:cNvSpPr/>
             <p:nvPr/>
           </p:nvSpPr>
           <p:spPr>
             <a:xfrm>
               <a:off x="8566200" y="588960"/>
-              <a:ext cx="91800" cy="91800"/>
+              <a:ext cx="89640" cy="89640"/>
             </a:xfrm>
             <a:prstGeom prst="ellipse">
               <a:avLst/>
@@ -12833,14 +12194,14 @@
         </p:sp>
         <p:sp>
           <p:nvSpPr>
-            <p:cNvPr id="196" name="CustomShape 13"/>
+            <p:cNvPr id="183" name="CustomShape 13"/>
             <p:cNvSpPr/>
             <p:nvPr/>
           </p:nvSpPr>
           <p:spPr>
             <a:xfrm>
               <a:off x="8701920" y="483840"/>
-              <a:ext cx="91800" cy="91800"/>
+              <a:ext cx="89640" cy="89640"/>
             </a:xfrm>
             <a:prstGeom prst="ellipse">
               <a:avLst/>
@@ -12908,14 +12269,14 @@
         </p:sp>
         <p:sp>
           <p:nvSpPr>
-            <p:cNvPr id="197" name="CustomShape 14"/>
+            <p:cNvPr id="184" name="CustomShape 14"/>
             <p:cNvSpPr/>
             <p:nvPr/>
           </p:nvSpPr>
           <p:spPr>
             <a:xfrm>
               <a:off x="8838000" y="588960"/>
-              <a:ext cx="91800" cy="91800"/>
+              <a:ext cx="89640" cy="89640"/>
             </a:xfrm>
             <a:prstGeom prst="ellipse">
               <a:avLst/>
@@ -12983,14 +12344,14 @@
         </p:sp>
         <p:sp>
           <p:nvSpPr>
-            <p:cNvPr id="198" name="CustomShape 15"/>
+            <p:cNvPr id="185" name="CustomShape 15"/>
             <p:cNvSpPr/>
             <p:nvPr/>
           </p:nvSpPr>
           <p:spPr>
             <a:xfrm>
               <a:off x="8973360" y="693720"/>
-              <a:ext cx="91800" cy="91800"/>
+              <a:ext cx="89640" cy="89640"/>
             </a:xfrm>
             <a:prstGeom prst="ellipse">
               <a:avLst/>
@@ -13058,14 +12419,14 @@
         </p:sp>
         <p:sp>
           <p:nvSpPr>
-            <p:cNvPr id="199" name="CustomShape 16"/>
+            <p:cNvPr id="186" name="CustomShape 16"/>
             <p:cNvSpPr/>
             <p:nvPr/>
           </p:nvSpPr>
           <p:spPr>
             <a:xfrm>
               <a:off x="8701920" y="705600"/>
-              <a:ext cx="91800" cy="91800"/>
+              <a:ext cx="89640" cy="89640"/>
             </a:xfrm>
             <a:prstGeom prst="ellipse">
               <a:avLst/>
@@ -13133,14 +12494,14 @@
         </p:sp>
         <p:sp>
           <p:nvSpPr>
-            <p:cNvPr id="200" name="CustomShape 17"/>
+            <p:cNvPr id="187" name="CustomShape 17"/>
             <p:cNvSpPr/>
             <p:nvPr/>
           </p:nvSpPr>
           <p:spPr>
             <a:xfrm>
               <a:off x="8701920" y="927000"/>
-              <a:ext cx="91800" cy="91800"/>
+              <a:ext cx="89640" cy="89640"/>
             </a:xfrm>
             <a:prstGeom prst="ellipse">
               <a:avLst/>
@@ -13208,14 +12569,14 @@
         </p:sp>
         <p:sp>
           <p:nvSpPr>
-            <p:cNvPr id="201" name="CustomShape 18"/>
+            <p:cNvPr id="188" name="CustomShape 18"/>
             <p:cNvSpPr/>
             <p:nvPr/>
           </p:nvSpPr>
           <p:spPr>
             <a:xfrm>
               <a:off x="5296680" y="5575680"/>
-              <a:ext cx="2004840" cy="536760"/>
+              <a:ext cx="2002680" cy="534600"/>
             </a:xfrm>
             <a:prstGeom prst="roundRect">
               <a:avLst>
@@ -13303,14 +12664,14 @@
         </p:sp>
         <p:sp>
           <p:nvSpPr>
-            <p:cNvPr id="202" name="CustomShape 19"/>
+            <p:cNvPr id="189" name="CustomShape 19"/>
             <p:cNvSpPr/>
             <p:nvPr/>
           </p:nvSpPr>
           <p:spPr>
             <a:xfrm>
               <a:off x="4740480" y="5048280"/>
-              <a:ext cx="929160" cy="928800"/>
+              <a:ext cx="927000" cy="926640"/>
             </a:xfrm>
             <a:prstGeom prst="ellipse">
               <a:avLst/>
@@ -13341,14 +12702,14 @@
         </p:sp>
         <p:sp>
           <p:nvSpPr>
-            <p:cNvPr id="203" name="CustomShape 20"/>
+            <p:cNvPr id="190" name="CustomShape 20"/>
             <p:cNvSpPr/>
             <p:nvPr/>
           </p:nvSpPr>
           <p:spPr>
             <a:xfrm>
               <a:off x="7059600" y="4939560"/>
-              <a:ext cx="2004840" cy="536760"/>
+              <a:ext cx="2002680" cy="534600"/>
             </a:xfrm>
             <a:prstGeom prst="roundRect">
               <a:avLst>
@@ -13436,14 +12797,14 @@
         </p:sp>
         <p:sp>
           <p:nvSpPr>
-            <p:cNvPr id="204" name="CustomShape 21"/>
+            <p:cNvPr id="191" name="CustomShape 21"/>
             <p:cNvSpPr/>
             <p:nvPr/>
           </p:nvSpPr>
           <p:spPr>
             <a:xfrm>
               <a:off x="6503400" y="4412520"/>
-              <a:ext cx="929160" cy="928800"/>
+              <a:ext cx="927000" cy="926640"/>
             </a:xfrm>
             <a:prstGeom prst="ellipse">
               <a:avLst/>
@@ -13474,14 +12835,14 @@
         </p:sp>
         <p:sp>
           <p:nvSpPr>
-            <p:cNvPr id="205" name="CustomShape 22"/>
+            <p:cNvPr id="192" name="CustomShape 22"/>
             <p:cNvSpPr/>
             <p:nvPr/>
           </p:nvSpPr>
           <p:spPr>
             <a:xfrm>
               <a:off x="8015760" y="4020840"/>
-              <a:ext cx="2004840" cy="536760"/>
+              <a:ext cx="2002680" cy="534600"/>
             </a:xfrm>
             <a:prstGeom prst="roundRect">
               <a:avLst>
@@ -13569,14 +12930,14 @@
         </p:sp>
         <p:sp>
           <p:nvSpPr>
-            <p:cNvPr id="206" name="CustomShape 23"/>
+            <p:cNvPr id="193" name="CustomShape 23"/>
             <p:cNvSpPr/>
             <p:nvPr/>
           </p:nvSpPr>
           <p:spPr>
             <a:xfrm>
               <a:off x="7459200" y="3493440"/>
-              <a:ext cx="929160" cy="928800"/>
+              <a:ext cx="927000" cy="926640"/>
             </a:xfrm>
             <a:prstGeom prst="ellipse">
               <a:avLst/>
@@ -13607,14 +12968,14 @@
         </p:sp>
         <p:sp>
           <p:nvSpPr>
-            <p:cNvPr id="207" name="CustomShape 24"/>
+            <p:cNvPr id="194" name="CustomShape 24"/>
             <p:cNvSpPr/>
             <p:nvPr/>
           </p:nvSpPr>
           <p:spPr>
             <a:xfrm>
               <a:off x="8515080" y="2839320"/>
-              <a:ext cx="2004840" cy="536760"/>
+              <a:ext cx="2002680" cy="534600"/>
             </a:xfrm>
             <a:prstGeom prst="roundRect">
               <a:avLst>
@@ -13702,14 +13063,14 @@
         </p:sp>
         <p:sp>
           <p:nvSpPr>
-            <p:cNvPr id="208" name="CustomShape 25"/>
+            <p:cNvPr id="195" name="CustomShape 25"/>
             <p:cNvSpPr/>
             <p:nvPr/>
           </p:nvSpPr>
           <p:spPr>
             <a:xfrm>
               <a:off x="7958880" y="2312280"/>
-              <a:ext cx="929160" cy="928800"/>
+              <a:ext cx="927000" cy="926640"/>
             </a:xfrm>
             <a:prstGeom prst="ellipse">
               <a:avLst/>
@@ -13740,14 +13101,14 @@
         </p:sp>
         <p:sp>
           <p:nvSpPr>
-            <p:cNvPr id="209" name="CustomShape 26"/>
+            <p:cNvPr id="196" name="CustomShape 26"/>
             <p:cNvSpPr/>
             <p:nvPr/>
           </p:nvSpPr>
           <p:spPr>
             <a:xfrm>
               <a:off x="8793360" y="1636920"/>
-              <a:ext cx="2004840" cy="536760"/>
+              <a:ext cx="2002680" cy="534600"/>
             </a:xfrm>
             <a:prstGeom prst="roundRect">
               <a:avLst>
@@ -13835,14 +13196,14 @@
         </p:sp>
         <p:sp>
           <p:nvSpPr>
-            <p:cNvPr id="210" name="CustomShape 27"/>
+            <p:cNvPr id="197" name="CustomShape 27"/>
             <p:cNvSpPr/>
             <p:nvPr/>
           </p:nvSpPr>
           <p:spPr>
             <a:xfrm>
               <a:off x="8236800" y="1109880"/>
-              <a:ext cx="929160" cy="928800"/>
+              <a:ext cx="927000" cy="926640"/>
             </a:xfrm>
             <a:prstGeom prst="ellipse">
               <a:avLst/>
@@ -13874,7 +13235,7 @@
       </p:grpSp>
       <p:grpSp>
         <p:nvGrpSpPr>
-          <p:cNvPr id="211" name="Group 28"/>
+          <p:cNvPr id="198" name="Group 28"/>
           <p:cNvGrpSpPr/>
           <p:nvPr/>
         </p:nvGrpSpPr>
@@ -13900,10 +13261,407 @@
   <p:timing>
     <p:tnLst>
       <p:par>
-        <p:cTn id="29" dur="indefinite" restart="never" nodeType="tmRoot">
+        <p:cTn id="7" dur="indefinite" restart="never" nodeType="tmRoot">
           <p:childTnLst>
             <p:seq>
-              <p:cTn id="30" dur="indefinite" nodeType="mainSeq"/>
+              <p:cTn id="8" dur="indefinite" nodeType="mainSeq"/>
+              <p:prevCondLst>
+                <p:cond delay="0" evt="onPrev">
+                  <p:tgtEl>
+                    <p:sldTgt/>
+                  </p:tgtEl>
+                </p:cond>
+              </p:prevCondLst>
+              <p:nextCondLst>
+                <p:cond delay="0" evt="onNext">
+                  <p:tgtEl>
+                    <p:sldTgt/>
+                  </p:tgtEl>
+                </p:cond>
+              </p:nextCondLst>
+            </p:seq>
+          </p:childTnLst>
+        </p:cTn>
+      </p:par>
+    </p:tnLst>
+  </p:timing>
+</p:sld>
+</file>
+
+<file path=ppt/slides/slide5.xml><?xml version="1.0" encoding="utf-8"?>
+<p:sld xmlns:a="http://schemas.openxmlformats.org/drawingml/2006/main" xmlns:p="http://schemas.openxmlformats.org/presentationml/2006/main" xmlns:r="http://schemas.openxmlformats.org/officeDocument/2006/relationships" xmlns:p14="http://schemas.microsoft.com/office/powerpoint/2010/main" xmlns:p15="http://schemas.microsoft.com/office/powerpoint/2012/main" xmlns:mc="http://schemas.openxmlformats.org/markup-compatibility/2006">
+  <p:cSld>
+    <p:spTree>
+      <p:nvGrpSpPr>
+        <p:cNvPr id="1" name=""/>
+        <p:cNvGrpSpPr/>
+        <p:nvPr/>
+      </p:nvGrpSpPr>
+      <p:grpSpPr>
+        <a:xfrm>
+          <a:off x="0" y="0"/>
+          <a:ext cx="0" cy="0"/>
+          <a:chOff x="0" y="0"/>
+          <a:chExt cx="0" cy="0"/>
+        </a:xfrm>
+      </p:grpSpPr>
+      <p:sp>
+        <p:nvSpPr>
+          <p:cNvPr id="199" name="CustomShape 1"/>
+          <p:cNvSpPr/>
+          <p:nvPr/>
+        </p:nvSpPr>
+        <p:spPr>
+          <a:xfrm>
+            <a:off x="845280" y="365760"/>
+            <a:ext cx="10512000" cy="1321920"/>
+          </a:xfrm>
+          <a:prstGeom prst="rect">
+            <a:avLst/>
+          </a:prstGeom>
+          <a:noFill/>
+          <a:ln>
+            <a:noFill/>
+          </a:ln>
+        </p:spPr>
+        <p:style>
+          <a:lnRef idx="0"/>
+          <a:fillRef idx="0"/>
+          <a:effectRef idx="0"/>
+          <a:fontRef idx="minor"/>
+        </p:style>
+        <p:txBody>
+          <a:bodyPr lIns="90000" rIns="90000" tIns="45000" bIns="45000" anchor="ctr"/>
+          <a:p>
+            <a:pPr>
+              <a:lnSpc>
+                <a:spcPct val="90000"/>
+              </a:lnSpc>
+            </a:pPr>
+            <a:r>
+              <a:rPr b="0" lang="en-IN" sz="4400" spc="-1" strike="noStrike">
+                <a:solidFill>
+                  <a:srgbClr val="ffffff"/>
+                </a:solidFill>
+                <a:latin typeface="Times New Roman"/>
+                <a:ea typeface="DejaVu Sans"/>
+              </a:rPr>
+              <a:t>Data Extraction and Loading</a:t>
+            </a:r>
+            <a:endParaRPr b="0" lang="en-IN" sz="4400" spc="-1" strike="noStrike">
+              <a:latin typeface="Arial"/>
+            </a:endParaRPr>
+          </a:p>
+        </p:txBody>
+      </p:sp>
+      <p:sp>
+        <p:nvSpPr>
+          <p:cNvPr id="200" name="CustomShape 2"/>
+          <p:cNvSpPr/>
+          <p:nvPr/>
+        </p:nvSpPr>
+        <p:spPr>
+          <a:xfrm>
+            <a:off x="1308240" y="2912040"/>
+            <a:ext cx="1712520" cy="1558080"/>
+          </a:xfrm>
+          <a:prstGeom prst="ellipse">
+            <a:avLst/>
+          </a:prstGeom>
+          <a:ln>
+            <a:round/>
+          </a:ln>
+        </p:spPr>
+        <p:style>
+          <a:lnRef idx="2">
+            <a:schemeClr val="accent1">
+              <a:shade val="50000"/>
+            </a:schemeClr>
+          </a:lnRef>
+          <a:fillRef idx="1">
+            <a:schemeClr val="accent1"/>
+          </a:fillRef>
+          <a:effectRef idx="0">
+            <a:schemeClr val="accent1"/>
+          </a:effectRef>
+          <a:fontRef idx="minor"/>
+        </p:style>
+        <p:txBody>
+          <a:bodyPr lIns="90000" rIns="90000" tIns="45000" bIns="45000" anchor="ctr"/>
+          <a:p>
+            <a:pPr algn="ctr">
+              <a:lnSpc>
+                <a:spcPct val="100000"/>
+              </a:lnSpc>
+            </a:pPr>
+            <a:r>
+              <a:rPr b="0" lang="en-IN" sz="1800" spc="-1" strike="noStrike">
+                <a:solidFill>
+                  <a:srgbClr val="ffffff"/>
+                </a:solidFill>
+                <a:latin typeface="Candara"/>
+                <a:ea typeface="DejaVu Sans"/>
+              </a:rPr>
+              <a:t>Audio Files</a:t>
+            </a:r>
+            <a:endParaRPr b="0" lang="en-IN" sz="1800" spc="-1" strike="noStrike">
+              <a:latin typeface="Arial"/>
+            </a:endParaRPr>
+          </a:p>
+        </p:txBody>
+      </p:sp>
+      <p:sp>
+        <p:nvSpPr>
+          <p:cNvPr id="201" name="CustomShape 3"/>
+          <p:cNvSpPr/>
+          <p:nvPr/>
+        </p:nvSpPr>
+        <p:spPr>
+          <a:xfrm>
+            <a:off x="4623840" y="2912040"/>
+            <a:ext cx="2387880" cy="1670400"/>
+          </a:xfrm>
+          <a:prstGeom prst="roundRect">
+            <a:avLst>
+              <a:gd name="adj" fmla="val 16667"/>
+            </a:avLst>
+          </a:prstGeom>
+          <a:ln>
+            <a:round/>
+          </a:ln>
+        </p:spPr>
+        <p:style>
+          <a:lnRef idx="2">
+            <a:schemeClr val="accent1">
+              <a:shade val="50000"/>
+            </a:schemeClr>
+          </a:lnRef>
+          <a:fillRef idx="1">
+            <a:schemeClr val="accent1"/>
+          </a:fillRef>
+          <a:effectRef idx="0">
+            <a:schemeClr val="accent1"/>
+          </a:effectRef>
+          <a:fontRef idx="minor"/>
+        </p:style>
+        <p:txBody>
+          <a:bodyPr lIns="90000" rIns="90000" tIns="45000" bIns="45000" anchor="ctr"/>
+          <a:p>
+            <a:pPr algn="ctr">
+              <a:lnSpc>
+                <a:spcPct val="100000"/>
+              </a:lnSpc>
+            </a:pPr>
+            <a:r>
+              <a:rPr b="0" lang="en-IN" sz="1800" spc="-1" strike="noStrike">
+                <a:solidFill>
+                  <a:srgbClr val="ffffff"/>
+                </a:solidFill>
+                <a:latin typeface="Candara"/>
+                <a:ea typeface="DejaVu Sans"/>
+              </a:rPr>
+              <a:t>Scipy Audio Tool</a:t>
+            </a:r>
+            <a:endParaRPr b="0" lang="en-IN" sz="1800" spc="-1" strike="noStrike">
+              <a:latin typeface="Arial"/>
+            </a:endParaRPr>
+          </a:p>
+        </p:txBody>
+      </p:sp>
+      <p:sp>
+        <p:nvSpPr>
+          <p:cNvPr id="202" name="CustomShape 4"/>
+          <p:cNvSpPr/>
+          <p:nvPr/>
+        </p:nvSpPr>
+        <p:spPr>
+          <a:xfrm>
+            <a:off x="7192440" y="3471480"/>
+            <a:ext cx="974880" cy="480960"/>
+          </a:xfrm>
+          <a:prstGeom prst="rightArrow">
+            <a:avLst>
+              <a:gd name="adj1" fmla="val 50000"/>
+              <a:gd name="adj2" fmla="val 50000"/>
+            </a:avLst>
+          </a:prstGeom>
+          <a:ln>
+            <a:round/>
+          </a:ln>
+        </p:spPr>
+        <p:style>
+          <a:lnRef idx="2">
+            <a:schemeClr val="accent1">
+              <a:shade val="50000"/>
+            </a:schemeClr>
+          </a:lnRef>
+          <a:fillRef idx="1">
+            <a:schemeClr val="accent1"/>
+          </a:fillRef>
+          <a:effectRef idx="0">
+            <a:schemeClr val="accent1"/>
+          </a:effectRef>
+          <a:fontRef idx="minor"/>
+        </p:style>
+      </p:sp>
+      <p:sp>
+        <p:nvSpPr>
+          <p:cNvPr id="203" name="CustomShape 5"/>
+          <p:cNvSpPr/>
+          <p:nvPr/>
+        </p:nvSpPr>
+        <p:spPr>
+          <a:xfrm>
+            <a:off x="3258000" y="3506760"/>
+            <a:ext cx="974880" cy="480960"/>
+          </a:xfrm>
+          <a:prstGeom prst="rightArrow">
+            <a:avLst>
+              <a:gd name="adj1" fmla="val 50000"/>
+              <a:gd name="adj2" fmla="val 50000"/>
+            </a:avLst>
+          </a:prstGeom>
+          <a:ln>
+            <a:round/>
+          </a:ln>
+        </p:spPr>
+        <p:style>
+          <a:lnRef idx="2">
+            <a:schemeClr val="accent1">
+              <a:shade val="50000"/>
+            </a:schemeClr>
+          </a:lnRef>
+          <a:fillRef idx="1">
+            <a:schemeClr val="accent1"/>
+          </a:fillRef>
+          <a:effectRef idx="0">
+            <a:schemeClr val="accent1"/>
+          </a:effectRef>
+          <a:fontRef idx="minor"/>
+        </p:style>
+      </p:sp>
+      <p:sp>
+        <p:nvSpPr>
+          <p:cNvPr id="204" name="CustomShape 6"/>
+          <p:cNvSpPr/>
+          <p:nvPr/>
+        </p:nvSpPr>
+        <p:spPr>
+          <a:xfrm>
+            <a:off x="8525160" y="2912040"/>
+            <a:ext cx="1695960" cy="1449360"/>
+          </a:xfrm>
+          <a:prstGeom prst="ellipse">
+            <a:avLst/>
+          </a:prstGeom>
+          <a:ln>
+            <a:round/>
+          </a:ln>
+        </p:spPr>
+        <p:style>
+          <a:lnRef idx="2">
+            <a:schemeClr val="accent1">
+              <a:shade val="50000"/>
+            </a:schemeClr>
+          </a:lnRef>
+          <a:fillRef idx="1">
+            <a:schemeClr val="accent1"/>
+          </a:fillRef>
+          <a:effectRef idx="0">
+            <a:schemeClr val="accent1"/>
+          </a:effectRef>
+          <a:fontRef idx="minor"/>
+        </p:style>
+        <p:txBody>
+          <a:bodyPr lIns="90000" rIns="90000" tIns="45000" bIns="45000" anchor="ctr"/>
+          <a:p>
+            <a:pPr algn="ctr">
+              <a:lnSpc>
+                <a:spcPct val="100000"/>
+              </a:lnSpc>
+            </a:pPr>
+            <a:r>
+              <a:rPr b="0" lang="en-IN" sz="1800" spc="-1" strike="noStrike">
+                <a:solidFill>
+                  <a:srgbClr val="ffffff"/>
+                </a:solidFill>
+                <a:latin typeface="Candara"/>
+                <a:ea typeface="DejaVu Sans"/>
+              </a:rPr>
+              <a:t>Numeric Dataset(Array)</a:t>
+            </a:r>
+            <a:endParaRPr b="0" lang="en-IN" sz="1800" spc="-1" strike="noStrike">
+              <a:latin typeface="Arial"/>
+            </a:endParaRPr>
+          </a:p>
+        </p:txBody>
+      </p:sp>
+      <p:sp>
+        <p:nvSpPr>
+          <p:cNvPr id="205" name="CustomShape 7"/>
+          <p:cNvSpPr/>
+          <p:nvPr/>
+        </p:nvSpPr>
+        <p:spPr>
+          <a:xfrm>
+            <a:off x="1784160" y="2212200"/>
+            <a:ext cx="1381680" cy="452880"/>
+          </a:xfrm>
+          <a:prstGeom prst="rect">
+            <a:avLst/>
+          </a:prstGeom>
+          <a:noFill/>
+          <a:ln>
+            <a:noFill/>
+          </a:ln>
+        </p:spPr>
+        <p:style>
+          <a:lnRef idx="0"/>
+          <a:fillRef idx="0"/>
+          <a:effectRef idx="0"/>
+          <a:fontRef idx="minor"/>
+        </p:style>
+        <p:txBody>
+          <a:bodyPr wrap="none" lIns="90000" rIns="90000" tIns="45000" bIns="45000"/>
+          <a:p>
+            <a:pPr>
+              <a:lnSpc>
+                <a:spcPct val="100000"/>
+              </a:lnSpc>
+            </a:pPr>
+            <a:r>
+              <a:rPr b="0" lang="en-IN" sz="2400" spc="-1" strike="noStrike">
+                <a:solidFill>
+                  <a:srgbClr val="ffffff"/>
+                </a:solidFill>
+                <a:latin typeface="Times New Roman"/>
+                <a:ea typeface="DejaVu Sans"/>
+              </a:rPr>
+              <a:t>Loading:-</a:t>
+            </a:r>
+            <a:endParaRPr b="0" lang="en-IN" sz="2400" spc="-1" strike="noStrike">
+              <a:latin typeface="Arial"/>
+            </a:endParaRPr>
+          </a:p>
+        </p:txBody>
+      </p:sp>
+    </p:spTree>
+  </p:cSld>
+  <mc:AlternateContent>
+    <mc:Choice Requires="p14">
+      <p:transition spd="slow" p14:dur="2000"/>
+    </mc:Choice>
+    <mc:Fallback>
+      <p:transition spd="slow"/>
+    </mc:Fallback>
+  </mc:AlternateContent>
+  <p:timing>
+    <p:tnLst>
+      <p:par>
+        <p:cTn id="9" dur="indefinite" restart="never" nodeType="tmRoot">
+          <p:childTnLst>
+            <p:seq>
+              <p:cTn id="10" dur="indefinite" nodeType="mainSeq"/>
               <p:prevCondLst>
                 <p:cond delay="0" evt="onPrev">
                   <p:tgtEl>
@@ -13946,411 +13704,14 @@
       </p:grpSpPr>
       <p:sp>
         <p:nvSpPr>
-          <p:cNvPr id="212" name="CustomShape 1"/>
+          <p:cNvPr id="206" name="CustomShape 1"/>
           <p:cNvSpPr/>
           <p:nvPr/>
         </p:nvSpPr>
         <p:spPr>
           <a:xfrm>
             <a:off x="845280" y="365760"/>
-            <a:ext cx="10514160" cy="1324080"/>
-          </a:xfrm>
-          <a:prstGeom prst="rect">
-            <a:avLst/>
-          </a:prstGeom>
-          <a:noFill/>
-          <a:ln>
-            <a:noFill/>
-          </a:ln>
-        </p:spPr>
-        <p:style>
-          <a:lnRef idx="0"/>
-          <a:fillRef idx="0"/>
-          <a:effectRef idx="0"/>
-          <a:fontRef idx="minor"/>
-        </p:style>
-        <p:txBody>
-          <a:bodyPr lIns="90000" rIns="90000" tIns="45000" bIns="45000" anchor="ctr"/>
-          <a:p>
-            <a:pPr>
-              <a:lnSpc>
-                <a:spcPct val="90000"/>
-              </a:lnSpc>
-            </a:pPr>
-            <a:r>
-              <a:rPr b="0" lang="en-IN" sz="4400" spc="-1" strike="noStrike">
-                <a:solidFill>
-                  <a:srgbClr val="ffffff"/>
-                </a:solidFill>
-                <a:latin typeface="Times New Roman"/>
-                <a:ea typeface="DejaVu Sans"/>
-              </a:rPr>
-              <a:t>Data Extraction and Loading</a:t>
-            </a:r>
-            <a:endParaRPr b="0" lang="en-IN" sz="4400" spc="-1" strike="noStrike">
-              <a:latin typeface="Arial"/>
-            </a:endParaRPr>
-          </a:p>
-        </p:txBody>
-      </p:sp>
-      <p:sp>
-        <p:nvSpPr>
-          <p:cNvPr id="213" name="CustomShape 2"/>
-          <p:cNvSpPr/>
-          <p:nvPr/>
-        </p:nvSpPr>
-        <p:spPr>
-          <a:xfrm>
-            <a:off x="1308240" y="2912040"/>
-            <a:ext cx="1714680" cy="1560240"/>
-          </a:xfrm>
-          <a:prstGeom prst="ellipse">
-            <a:avLst/>
-          </a:prstGeom>
-          <a:ln>
-            <a:round/>
-          </a:ln>
-        </p:spPr>
-        <p:style>
-          <a:lnRef idx="2">
-            <a:schemeClr val="accent1">
-              <a:shade val="50000"/>
-            </a:schemeClr>
-          </a:lnRef>
-          <a:fillRef idx="1">
-            <a:schemeClr val="accent1"/>
-          </a:fillRef>
-          <a:effectRef idx="0">
-            <a:schemeClr val="accent1"/>
-          </a:effectRef>
-          <a:fontRef idx="minor"/>
-        </p:style>
-        <p:txBody>
-          <a:bodyPr lIns="90000" rIns="90000" tIns="45000" bIns="45000" anchor="ctr"/>
-          <a:p>
-            <a:pPr algn="ctr">
-              <a:lnSpc>
-                <a:spcPct val="100000"/>
-              </a:lnSpc>
-            </a:pPr>
-            <a:r>
-              <a:rPr b="0" lang="en-IN" sz="1800" spc="-1" strike="noStrike">
-                <a:solidFill>
-                  <a:srgbClr val="ffffff"/>
-                </a:solidFill>
-                <a:latin typeface="Candara"/>
-                <a:ea typeface="DejaVu Sans"/>
-              </a:rPr>
-              <a:t>Audio Files</a:t>
-            </a:r>
-            <a:endParaRPr b="0" lang="en-IN" sz="1800" spc="-1" strike="noStrike">
-              <a:latin typeface="Arial"/>
-            </a:endParaRPr>
-          </a:p>
-        </p:txBody>
-      </p:sp>
-      <p:sp>
-        <p:nvSpPr>
-          <p:cNvPr id="214" name="CustomShape 3"/>
-          <p:cNvSpPr/>
-          <p:nvPr/>
-        </p:nvSpPr>
-        <p:spPr>
-          <a:xfrm>
-            <a:off x="4623840" y="2912040"/>
-            <a:ext cx="2390040" cy="1672560"/>
-          </a:xfrm>
-          <a:prstGeom prst="roundRect">
-            <a:avLst>
-              <a:gd name="adj" fmla="val 16667"/>
-            </a:avLst>
-          </a:prstGeom>
-          <a:ln>
-            <a:round/>
-          </a:ln>
-        </p:spPr>
-        <p:style>
-          <a:lnRef idx="2">
-            <a:schemeClr val="accent1">
-              <a:shade val="50000"/>
-            </a:schemeClr>
-          </a:lnRef>
-          <a:fillRef idx="1">
-            <a:schemeClr val="accent1"/>
-          </a:fillRef>
-          <a:effectRef idx="0">
-            <a:schemeClr val="accent1"/>
-          </a:effectRef>
-          <a:fontRef idx="minor"/>
-        </p:style>
-        <p:txBody>
-          <a:bodyPr lIns="90000" rIns="90000" tIns="45000" bIns="45000" anchor="ctr"/>
-          <a:p>
-            <a:pPr algn="ctr">
-              <a:lnSpc>
-                <a:spcPct val="100000"/>
-              </a:lnSpc>
-            </a:pPr>
-            <a:r>
-              <a:rPr b="0" lang="en-IN" sz="1800" spc="-1" strike="noStrike">
-                <a:solidFill>
-                  <a:srgbClr val="ffffff"/>
-                </a:solidFill>
-                <a:latin typeface="Candara"/>
-                <a:ea typeface="DejaVu Sans"/>
-              </a:rPr>
-              <a:t>Scipy Audio Tool</a:t>
-            </a:r>
-            <a:endParaRPr b="0" lang="en-IN" sz="1800" spc="-1" strike="noStrike">
-              <a:latin typeface="Arial"/>
-            </a:endParaRPr>
-          </a:p>
-        </p:txBody>
-      </p:sp>
-      <p:sp>
-        <p:nvSpPr>
-          <p:cNvPr id="215" name="CustomShape 4"/>
-          <p:cNvSpPr/>
-          <p:nvPr/>
-        </p:nvSpPr>
-        <p:spPr>
-          <a:xfrm>
-            <a:off x="7192440" y="3471480"/>
-            <a:ext cx="977040" cy="483120"/>
-          </a:xfrm>
-          <a:prstGeom prst="rightArrow">
-            <a:avLst>
-              <a:gd name="adj1" fmla="val 50000"/>
-              <a:gd name="adj2" fmla="val 50000"/>
-            </a:avLst>
-          </a:prstGeom>
-          <a:ln>
-            <a:round/>
-          </a:ln>
-        </p:spPr>
-        <p:style>
-          <a:lnRef idx="2">
-            <a:schemeClr val="accent1">
-              <a:shade val="50000"/>
-            </a:schemeClr>
-          </a:lnRef>
-          <a:fillRef idx="1">
-            <a:schemeClr val="accent1"/>
-          </a:fillRef>
-          <a:effectRef idx="0">
-            <a:schemeClr val="accent1"/>
-          </a:effectRef>
-          <a:fontRef idx="minor"/>
-        </p:style>
-      </p:sp>
-      <p:sp>
-        <p:nvSpPr>
-          <p:cNvPr id="216" name="CustomShape 5"/>
-          <p:cNvSpPr/>
-          <p:nvPr/>
-        </p:nvSpPr>
-        <p:spPr>
-          <a:xfrm>
-            <a:off x="3258000" y="3506760"/>
-            <a:ext cx="977040" cy="483120"/>
-          </a:xfrm>
-          <a:prstGeom prst="rightArrow">
-            <a:avLst>
-              <a:gd name="adj1" fmla="val 50000"/>
-              <a:gd name="adj2" fmla="val 50000"/>
-            </a:avLst>
-          </a:prstGeom>
-          <a:ln>
-            <a:round/>
-          </a:ln>
-        </p:spPr>
-        <p:style>
-          <a:lnRef idx="2">
-            <a:schemeClr val="accent1">
-              <a:shade val="50000"/>
-            </a:schemeClr>
-          </a:lnRef>
-          <a:fillRef idx="1">
-            <a:schemeClr val="accent1"/>
-          </a:fillRef>
-          <a:effectRef idx="0">
-            <a:schemeClr val="accent1"/>
-          </a:effectRef>
-          <a:fontRef idx="minor"/>
-        </p:style>
-      </p:sp>
-      <p:sp>
-        <p:nvSpPr>
-          <p:cNvPr id="217" name="CustomShape 6"/>
-          <p:cNvSpPr/>
-          <p:nvPr/>
-        </p:nvSpPr>
-        <p:spPr>
-          <a:xfrm>
-            <a:off x="8525160" y="2912040"/>
-            <a:ext cx="1698120" cy="1451520"/>
-          </a:xfrm>
-          <a:prstGeom prst="ellipse">
-            <a:avLst/>
-          </a:prstGeom>
-          <a:ln>
-            <a:round/>
-          </a:ln>
-        </p:spPr>
-        <p:style>
-          <a:lnRef idx="2">
-            <a:schemeClr val="accent1">
-              <a:shade val="50000"/>
-            </a:schemeClr>
-          </a:lnRef>
-          <a:fillRef idx="1">
-            <a:schemeClr val="accent1"/>
-          </a:fillRef>
-          <a:effectRef idx="0">
-            <a:schemeClr val="accent1"/>
-          </a:effectRef>
-          <a:fontRef idx="minor"/>
-        </p:style>
-        <p:txBody>
-          <a:bodyPr lIns="90000" rIns="90000" tIns="45000" bIns="45000" anchor="ctr"/>
-          <a:p>
-            <a:pPr algn="ctr">
-              <a:lnSpc>
-                <a:spcPct val="100000"/>
-              </a:lnSpc>
-            </a:pPr>
-            <a:r>
-              <a:rPr b="0" lang="en-IN" sz="1800" spc="-1" strike="noStrike">
-                <a:solidFill>
-                  <a:srgbClr val="ffffff"/>
-                </a:solidFill>
-                <a:latin typeface="Candara"/>
-                <a:ea typeface="DejaVu Sans"/>
-              </a:rPr>
-              <a:t>Numeric Dataset(Array)</a:t>
-            </a:r>
-            <a:endParaRPr b="0" lang="en-IN" sz="1800" spc="-1" strike="noStrike">
-              <a:latin typeface="Arial"/>
-            </a:endParaRPr>
-          </a:p>
-        </p:txBody>
-      </p:sp>
-      <p:sp>
-        <p:nvSpPr>
-          <p:cNvPr id="218" name="CustomShape 7"/>
-          <p:cNvSpPr/>
-          <p:nvPr/>
-        </p:nvSpPr>
-        <p:spPr>
-          <a:xfrm>
-            <a:off x="1784160" y="2212200"/>
-            <a:ext cx="1383840" cy="455040"/>
-          </a:xfrm>
-          <a:prstGeom prst="rect">
-            <a:avLst/>
-          </a:prstGeom>
-          <a:noFill/>
-          <a:ln>
-            <a:noFill/>
-          </a:ln>
-        </p:spPr>
-        <p:style>
-          <a:lnRef idx="0"/>
-          <a:fillRef idx="0"/>
-          <a:effectRef idx="0"/>
-          <a:fontRef idx="minor"/>
-        </p:style>
-        <p:txBody>
-          <a:bodyPr wrap="none" lIns="90000" rIns="90000" tIns="45000" bIns="45000"/>
-          <a:p>
-            <a:pPr>
-              <a:lnSpc>
-                <a:spcPct val="100000"/>
-              </a:lnSpc>
-            </a:pPr>
-            <a:r>
-              <a:rPr b="0" lang="en-IN" sz="2400" spc="-1" strike="noStrike">
-                <a:solidFill>
-                  <a:srgbClr val="ffffff"/>
-                </a:solidFill>
-                <a:latin typeface="Times New Roman"/>
-                <a:ea typeface="DejaVu Sans"/>
-              </a:rPr>
-              <a:t>Loading:-</a:t>
-            </a:r>
-            <a:endParaRPr b="0" lang="en-IN" sz="2400" spc="-1" strike="noStrike">
-              <a:latin typeface="Arial"/>
-            </a:endParaRPr>
-          </a:p>
-        </p:txBody>
-      </p:sp>
-    </p:spTree>
-  </p:cSld>
-  <mc:AlternateContent>
-    <mc:Choice Requires="p14">
-      <p:transition spd="slow" p14:dur="2000"/>
-    </mc:Choice>
-    <mc:Fallback>
-      <p:transition spd="slow"/>
-    </mc:Fallback>
-  </mc:AlternateContent>
-  <p:timing>
-    <p:tnLst>
-      <p:par>
-        <p:cTn id="31" dur="indefinite" restart="never" nodeType="tmRoot">
-          <p:childTnLst>
-            <p:seq>
-              <p:cTn id="32" dur="indefinite" nodeType="mainSeq"/>
-              <p:prevCondLst>
-                <p:cond delay="0" evt="onPrev">
-                  <p:tgtEl>
-                    <p:sldTgt/>
-                  </p:tgtEl>
-                </p:cond>
-              </p:prevCondLst>
-              <p:nextCondLst>
-                <p:cond delay="0" evt="onNext">
-                  <p:tgtEl>
-                    <p:sldTgt/>
-                  </p:tgtEl>
-                </p:cond>
-              </p:nextCondLst>
-            </p:seq>
-          </p:childTnLst>
-        </p:cTn>
-      </p:par>
-    </p:tnLst>
-  </p:timing>
-</p:sld>
-</file>
-
-<file path=ppt/slides/slide7.xml><?xml version="1.0" encoding="utf-8"?>
-<p:sld xmlns:a="http://schemas.openxmlformats.org/drawingml/2006/main" xmlns:p="http://schemas.openxmlformats.org/presentationml/2006/main" xmlns:r="http://schemas.openxmlformats.org/officeDocument/2006/relationships" xmlns:p14="http://schemas.microsoft.com/office/powerpoint/2010/main" xmlns:p15="http://schemas.microsoft.com/office/powerpoint/2012/main" xmlns:mc="http://schemas.openxmlformats.org/markup-compatibility/2006">
-  <p:cSld>
-    <p:spTree>
-      <p:nvGrpSpPr>
-        <p:cNvPr id="1" name=""/>
-        <p:cNvGrpSpPr/>
-        <p:nvPr/>
-      </p:nvGrpSpPr>
-      <p:grpSpPr>
-        <a:xfrm>
-          <a:off x="0" y="0"/>
-          <a:ext cx="0" cy="0"/>
-          <a:chOff x="0" y="0"/>
-          <a:chExt cx="0" cy="0"/>
-        </a:xfrm>
-      </p:grpSpPr>
-      <p:sp>
-        <p:nvSpPr>
-          <p:cNvPr id="219" name="CustomShape 1"/>
-          <p:cNvSpPr/>
-          <p:nvPr/>
-        </p:nvSpPr>
-        <p:spPr>
-          <a:xfrm>
-            <a:off x="845280" y="365760"/>
-            <a:ext cx="10514160" cy="1324080"/>
+            <a:ext cx="10512000" cy="1321920"/>
           </a:xfrm>
           <a:prstGeom prst="rect">
             <a:avLst/>
@@ -14394,14 +13755,14 @@
         <mc:Choice xmlns:a14="http://schemas.microsoft.com/office/drawing/2010/main" Requires="a14">
           <p:sp>
             <p:nvSpPr>
-              <p:cNvPr id="220" name="Formula 2"/>
+              <p:cNvPr id="207" name="Formula 2"/>
               <p:cNvSpPr txBox="1"/>
               <p:nvPr/>
             </p:nvSpPr>
             <p:spPr>
               <a:xfrm>
-                <a:off x="1296000" y="1889640"/>
-                <a:ext cx="753840" cy="413640"/>
+                <a:off x="1656000" y="2034360"/>
+                <a:ext cx="751680" cy="411480"/>
               </a:xfrm>
               <a:prstGeom prst="rect">
                 <a:avLst/>
@@ -14491,72 +13852,18 @@
         </mc:Choice>
         <mc:Fallback/>
       </mc:AlternateContent>
-      <p:sp>
-        <p:nvSpPr>
-          <p:cNvPr id="221" name="CustomShape 3"/>
-          <p:cNvSpPr/>
-          <p:nvPr/>
-        </p:nvSpPr>
-        <p:spPr>
-          <a:xfrm>
-            <a:off x="1296000" y="1889640"/>
-            <a:ext cx="753840" cy="413640"/>
-          </a:xfrm>
-          <a:prstGeom prst="rect">
-            <a:avLst/>
-          </a:prstGeom>
-          <a:blipFill rotWithShape="0">
-            <a:blip r:embed="rId1"/>
-            <a:stretch>
-              <a:fillRect l="0" t="0" r="-93449" b="-97003"/>
-            </a:stretch>
-          </a:blipFill>
-          <a:ln>
-            <a:noFill/>
-          </a:ln>
-        </p:spPr>
-        <p:style>
-          <a:lnRef idx="0"/>
-          <a:fillRef idx="0"/>
-          <a:effectRef idx="0"/>
-          <a:fontRef idx="minor"/>
-        </p:style>
-        <p:txBody>
-          <a:bodyPr lIns="90000" rIns="90000" tIns="45000" bIns="45000"/>
-          <a:p>
-            <a:pPr>
-              <a:lnSpc>
-                <a:spcPct val="100000"/>
-              </a:lnSpc>
-            </a:pPr>
-            <a:r>
-              <a:rPr b="0" lang="en-IN" sz="1800" spc="-1" strike="noStrike">
-                <a:solidFill>
-                  <a:srgbClr val="000000"/>
-                </a:solidFill>
-                <a:latin typeface="Arial"/>
-                <a:ea typeface="DejaVu Sans"/>
-              </a:rPr>
-              <a:t> </a:t>
-            </a:r>
-            <a:endParaRPr b="0" lang="en-IN" sz="1800" spc="-1" strike="noStrike">
-              <a:latin typeface="Arial"/>
-            </a:endParaRPr>
-          </a:p>
-        </p:txBody>
-      </p:sp>
       <mc:AlternateContent>
         <mc:Choice xmlns:a14="http://schemas.microsoft.com/office/drawing/2010/main" Requires="a14">
           <p:sp>
             <p:nvSpPr>
-              <p:cNvPr id="222" name="Formula 4"/>
+              <p:cNvPr id="208" name="Formula 3"/>
               <p:cNvSpPr txBox="1"/>
               <p:nvPr/>
             </p:nvSpPr>
             <p:spPr>
               <a:xfrm>
-                <a:off x="3088440" y="1879560"/>
-                <a:ext cx="950760" cy="522720"/>
+                <a:off x="3744000" y="1997280"/>
+                <a:ext cx="948600" cy="520560"/>
               </a:xfrm>
               <a:prstGeom prst="rect">
                 <a:avLst/>
@@ -14675,72 +13982,18 @@
         </mc:Choice>
         <mc:Fallback/>
       </mc:AlternateContent>
-      <p:sp>
-        <p:nvSpPr>
-          <p:cNvPr id="223" name="CustomShape 5"/>
-          <p:cNvSpPr/>
-          <p:nvPr/>
-        </p:nvSpPr>
-        <p:spPr>
-          <a:xfrm>
-            <a:off x="3088440" y="1879560"/>
-            <a:ext cx="950760" cy="522720"/>
-          </a:xfrm>
-          <a:prstGeom prst="rect">
-            <a:avLst/>
-          </a:prstGeom>
-          <a:blipFill rotWithShape="0">
-            <a:blip r:embed="rId2"/>
-            <a:stretch>
-              <a:fillRect l="0" t="0" r="-88429" b="-83663"/>
-            </a:stretch>
-          </a:blipFill>
-          <a:ln>
-            <a:noFill/>
-          </a:ln>
-        </p:spPr>
-        <p:style>
-          <a:lnRef idx="0"/>
-          <a:fillRef idx="0"/>
-          <a:effectRef idx="0"/>
-          <a:fontRef idx="minor"/>
-        </p:style>
-        <p:txBody>
-          <a:bodyPr lIns="90000" rIns="90000" tIns="45000" bIns="45000"/>
-          <a:p>
-            <a:pPr>
-              <a:lnSpc>
-                <a:spcPct val="100000"/>
-              </a:lnSpc>
-            </a:pPr>
-            <a:r>
-              <a:rPr b="0" lang="en-IN" sz="1800" spc="-1" strike="noStrike">
-                <a:solidFill>
-                  <a:srgbClr val="000000"/>
-                </a:solidFill>
-                <a:latin typeface="Arial"/>
-                <a:ea typeface="DejaVu Sans"/>
-              </a:rPr>
-              <a:t> </a:t>
-            </a:r>
-            <a:endParaRPr b="0" lang="en-IN" sz="1800" spc="-1" strike="noStrike">
-              <a:latin typeface="Arial"/>
-            </a:endParaRPr>
-          </a:p>
-        </p:txBody>
-      </p:sp>
       <mc:AlternateContent>
         <mc:Choice xmlns:a14="http://schemas.microsoft.com/office/drawing/2010/main" Requires="a14">
           <p:sp>
             <p:nvSpPr>
-              <p:cNvPr id="224" name="Formula 6"/>
+              <p:cNvPr id="209" name="Formula 4"/>
               <p:cNvSpPr txBox="1"/>
               <p:nvPr/>
             </p:nvSpPr>
             <p:spPr>
               <a:xfrm>
-                <a:off x="5540400" y="1728360"/>
-                <a:ext cx="1409400" cy="522720"/>
+                <a:off x="5760000" y="1944000"/>
+                <a:ext cx="1407240" cy="520560"/>
               </a:xfrm>
               <a:prstGeom prst="rect">
                 <a:avLst/>
@@ -14892,129 +14145,14 @@
       </mc:AlternateContent>
       <p:sp>
         <p:nvSpPr>
-          <p:cNvPr id="225" name="CustomShape 7"/>
+          <p:cNvPr id="210" name="CustomShape 5"/>
           <p:cNvSpPr/>
           <p:nvPr/>
         </p:nvSpPr>
         <p:spPr>
           <a:xfrm>
-            <a:off x="5540400" y="1728360"/>
-            <a:ext cx="1409400" cy="522720"/>
-          </a:xfrm>
-          <a:prstGeom prst="rect">
-            <a:avLst/>
-          </a:prstGeom>
-          <a:blipFill rotWithShape="0">
-            <a:blip r:embed="rId3"/>
-            <a:stretch>
-              <a:fillRect l="0" t="0" r="-92621" b="-83663"/>
-            </a:stretch>
-          </a:blipFill>
-          <a:ln>
-            <a:noFill/>
-          </a:ln>
-        </p:spPr>
-        <p:style>
-          <a:lnRef idx="0"/>
-          <a:fillRef idx="0"/>
-          <a:effectRef idx="0"/>
-          <a:fontRef idx="minor"/>
-        </p:style>
-        <p:txBody>
-          <a:bodyPr lIns="90000" rIns="90000" tIns="45000" bIns="45000"/>
-          <a:p>
-            <a:pPr>
-              <a:lnSpc>
-                <a:spcPct val="100000"/>
-              </a:lnSpc>
-            </a:pPr>
-            <a:r>
-              <a:rPr b="0" lang="en-IN" sz="1800" spc="-1" strike="noStrike">
-                <a:solidFill>
-                  <a:srgbClr val="000000"/>
-                </a:solidFill>
-                <a:latin typeface="Arial"/>
-                <a:ea typeface="DejaVu Sans"/>
-              </a:rPr>
-              <a:t> </a:t>
-            </a:r>
-            <a:endParaRPr b="0" lang="en-IN" sz="1800" spc="-1" strike="noStrike">
-              <a:latin typeface="Arial"/>
-            </a:endParaRPr>
-          </a:p>
-        </p:txBody>
-      </p:sp>
-      <p:sp>
-        <p:nvSpPr>
-          <p:cNvPr id="226" name="CustomShape 8"/>
-          <p:cNvSpPr/>
-          <p:nvPr/>
-        </p:nvSpPr>
-        <p:spPr>
-          <a:xfrm>
-            <a:off x="2763000" y="2226240"/>
-            <a:ext cx="378360" cy="345600"/>
-          </a:xfrm>
-          <a:prstGeom prst="rect">
-            <a:avLst/>
-          </a:prstGeom>
-          <a:solidFill>
-            <a:srgbClr val="ffffff"/>
-          </a:solidFill>
-          <a:ln>
-            <a:noFill/>
-          </a:ln>
-        </p:spPr>
-        <p:style>
-          <a:lnRef idx="0"/>
-          <a:fillRef idx="0"/>
-          <a:effectRef idx="0"/>
-          <a:fontRef idx="minor"/>
-        </p:style>
-        <p:txBody>
-          <a:bodyPr lIns="90000" rIns="90000" tIns="45000" bIns="45000"/>
-          <a:p>
-            <a:pPr>
-              <a:lnSpc>
-                <a:spcPct val="100000"/>
-              </a:lnSpc>
-            </a:pPr>
-            <a:r>
-              <a:rPr b="0" lang="en-IN" sz="1800" spc="-1" strike="noStrike">
-                <a:solidFill>
-                  <a:srgbClr val="000000"/>
-                </a:solidFill>
-                <a:latin typeface="Arial"/>
-                <a:ea typeface="DejaVu Sans"/>
-              </a:rPr>
-              <a:t> </a:t>
-            </a:r>
-            <a:r>
-              <a:rPr b="0" lang="en-IN" sz="1800" spc="-1" strike="noStrike">
-                <a:solidFill>
-                  <a:srgbClr val="000000"/>
-                </a:solidFill>
-                <a:latin typeface="Arial"/>
-                <a:ea typeface="DejaVu Sans"/>
-              </a:rPr>
-              <a:t>=</a:t>
-            </a:r>
-            <a:endParaRPr b="0" lang="en-IN" sz="1800" spc="-1" strike="noStrike">
-              <a:latin typeface="Arial"/>
-            </a:endParaRPr>
-          </a:p>
-        </p:txBody>
-      </p:sp>
-      <p:sp>
-        <p:nvSpPr>
-          <p:cNvPr id="227" name="CustomShape 9"/>
-          <p:cNvSpPr/>
-          <p:nvPr/>
-        </p:nvSpPr>
-        <p:spPr>
-          <a:xfrm>
             <a:off x="4963320" y="2117160"/>
-            <a:ext cx="458280" cy="489600"/>
+            <a:ext cx="456120" cy="487440"/>
           </a:xfrm>
           <a:prstGeom prst="rect">
             <a:avLst/>
@@ -15058,14 +14196,14 @@
       </p:sp>
       <p:sp>
         <p:nvSpPr>
-          <p:cNvPr id="228" name="CustomShape 10"/>
+          <p:cNvPr id="211" name="CustomShape 6"/>
           <p:cNvSpPr/>
           <p:nvPr/>
         </p:nvSpPr>
         <p:spPr>
           <a:xfrm>
-            <a:off x="2370600" y="3220200"/>
-            <a:ext cx="314280" cy="345600"/>
+            <a:off x="2781720" y="3038400"/>
+            <a:ext cx="312120" cy="343440"/>
           </a:xfrm>
           <a:prstGeom prst="rect">
             <a:avLst/>
@@ -15111,14 +14249,14 @@
         <mc:Choice xmlns:a14="http://schemas.microsoft.com/office/drawing/2010/main" Requires="a14">
           <p:sp>
             <p:nvSpPr>
-              <p:cNvPr id="229" name="Formula 11"/>
+              <p:cNvPr id="212" name="Formula 7"/>
               <p:cNvSpPr txBox="1"/>
               <p:nvPr/>
             </p:nvSpPr>
             <p:spPr>
               <a:xfrm>
-                <a:off x="2854080" y="2954520"/>
-                <a:ext cx="962280" cy="522720"/>
+                <a:off x="3645720" y="2952000"/>
+                <a:ext cx="960120" cy="520560"/>
               </a:xfrm>
               <a:prstGeom prst="rect">
                 <a:avLst/>
@@ -15250,68 +14388,14 @@
       </mc:AlternateContent>
       <p:sp>
         <p:nvSpPr>
-          <p:cNvPr id="230" name="CustomShape 12"/>
+          <p:cNvPr id="213" name="CustomShape 8"/>
           <p:cNvSpPr/>
           <p:nvPr/>
         </p:nvSpPr>
         <p:spPr>
           <a:xfrm>
-            <a:off x="2854080" y="2954520"/>
-            <a:ext cx="962280" cy="522720"/>
-          </a:xfrm>
-          <a:prstGeom prst="rect">
-            <a:avLst/>
-          </a:prstGeom>
-          <a:blipFill rotWithShape="0">
-            <a:blip r:embed="rId4"/>
-            <a:stretch>
-              <a:fillRect l="0" t="0" r="-96170" b="-82505"/>
-            </a:stretch>
-          </a:blipFill>
-          <a:ln>
-            <a:noFill/>
-          </a:ln>
-        </p:spPr>
-        <p:style>
-          <a:lnRef idx="0"/>
-          <a:fillRef idx="0"/>
-          <a:effectRef idx="0"/>
-          <a:fontRef idx="minor"/>
-        </p:style>
-        <p:txBody>
-          <a:bodyPr lIns="90000" rIns="90000" tIns="45000" bIns="45000"/>
-          <a:p>
-            <a:pPr>
-              <a:lnSpc>
-                <a:spcPct val="100000"/>
-              </a:lnSpc>
-            </a:pPr>
-            <a:r>
-              <a:rPr b="0" lang="en-IN" sz="1800" spc="-1" strike="noStrike">
-                <a:solidFill>
-                  <a:srgbClr val="000000"/>
-                </a:solidFill>
-                <a:latin typeface="Arial"/>
-                <a:ea typeface="DejaVu Sans"/>
-              </a:rPr>
-              <a:t> </a:t>
-            </a:r>
-            <a:endParaRPr b="0" lang="en-IN" sz="1800" spc="-1" strike="noStrike">
-              <a:latin typeface="Arial"/>
-            </a:endParaRPr>
-          </a:p>
-        </p:txBody>
-      </p:sp>
-      <p:sp>
-        <p:nvSpPr>
-          <p:cNvPr id="231" name="CustomShape 13"/>
-          <p:cNvSpPr/>
-          <p:nvPr/>
-        </p:nvSpPr>
-        <p:spPr>
-          <a:xfrm>
-            <a:off x="4963320" y="3295800"/>
-            <a:ext cx="431280" cy="417600"/>
+            <a:off x="4968720" y="3038400"/>
+            <a:ext cx="429120" cy="415440"/>
           </a:xfrm>
           <a:prstGeom prst="rect">
             <a:avLst/>
@@ -15357,14 +14441,14 @@
         <mc:Choice xmlns:a14="http://schemas.microsoft.com/office/drawing/2010/main" Requires="a14">
           <p:sp>
             <p:nvSpPr>
-              <p:cNvPr id="232" name="Formula 14"/>
+              <p:cNvPr id="214" name="Formula 9"/>
               <p:cNvSpPr txBox="1"/>
               <p:nvPr/>
             </p:nvSpPr>
             <p:spPr>
               <a:xfrm>
-                <a:off x="5631480" y="2826000"/>
-                <a:ext cx="1318320" cy="522720"/>
+                <a:off x="5665680" y="2880000"/>
+                <a:ext cx="1316160" cy="520560"/>
               </a:xfrm>
               <a:prstGeom prst="rect">
                 <a:avLst/>
@@ -15515,24 +14599,19 @@
       </mc:AlternateContent>
       <p:sp>
         <p:nvSpPr>
-          <p:cNvPr id="233" name="CustomShape 15"/>
+          <p:cNvPr id="215" name="CustomShape 10"/>
           <p:cNvSpPr/>
           <p:nvPr/>
         </p:nvSpPr>
         <p:spPr>
           <a:xfrm>
-            <a:off x="5631480" y="2826000"/>
-            <a:ext cx="1318320" cy="522720"/>
-          </a:xfrm>
-          <a:prstGeom prst="rect">
-            <a:avLst/>
-          </a:prstGeom>
-          <a:blipFill rotWithShape="0">
-            <a:blip r:embed="rId5"/>
-            <a:stretch>
-              <a:fillRect l="0" t="0" r="-96281" b="-84650"/>
-            </a:stretch>
-          </a:blipFill>
+            <a:off x="5783400" y="3272760"/>
+            <a:ext cx="69120" cy="166320"/>
+          </a:xfrm>
+          <a:prstGeom prst="rect">
+            <a:avLst/>
+          </a:prstGeom>
+          <a:noFill/>
           <a:ln>
             <a:noFill/>
           </a:ln>
@@ -15543,40 +14622,17 @@
           <a:effectRef idx="0"/>
           <a:fontRef idx="minor"/>
         </p:style>
-        <p:txBody>
-          <a:bodyPr lIns="90000" rIns="90000" tIns="45000" bIns="45000"/>
-          <a:p>
-            <a:pPr>
-              <a:lnSpc>
-                <a:spcPct val="100000"/>
-              </a:lnSpc>
-            </a:pPr>
-            <a:r>
-              <a:rPr b="0" lang="en-IN" sz="1800" spc="-1" strike="noStrike">
-                <a:solidFill>
-                  <a:srgbClr val="000000"/>
-                </a:solidFill>
-                <a:latin typeface="Arial"/>
-                <a:ea typeface="DejaVu Sans"/>
-              </a:rPr>
-              <a:t> </a:t>
-            </a:r>
-            <a:endParaRPr b="0" lang="en-IN" sz="1800" spc="-1" strike="noStrike">
-              <a:latin typeface="Arial"/>
-            </a:endParaRPr>
-          </a:p>
-        </p:txBody>
-      </p:sp>
-      <p:sp>
-        <p:nvSpPr>
-          <p:cNvPr id="234" name="CustomShape 16"/>
+      </p:sp>
+      <p:sp>
+        <p:nvSpPr>
+          <p:cNvPr id="216" name="CustomShape 11"/>
           <p:cNvSpPr/>
           <p:nvPr/>
         </p:nvSpPr>
         <p:spPr>
           <a:xfrm>
-            <a:off x="5783400" y="3272760"/>
-            <a:ext cx="71280" cy="168480"/>
+            <a:off x="2016000" y="2520000"/>
+            <a:ext cx="177840" cy="343440"/>
           </a:xfrm>
           <a:prstGeom prst="rect">
             <a:avLst/>
@@ -15595,40 +14651,14 @@
       </p:sp>
       <p:sp>
         <p:nvSpPr>
-          <p:cNvPr id="235" name="CustomShape 17"/>
+          <p:cNvPr id="217" name="CustomShape 12"/>
           <p:cNvSpPr/>
           <p:nvPr/>
         </p:nvSpPr>
         <p:spPr>
           <a:xfrm>
-            <a:off x="2016000" y="2520000"/>
-            <a:ext cx="180000" cy="345600"/>
-          </a:xfrm>
-          <a:prstGeom prst="rect">
-            <a:avLst/>
-          </a:prstGeom>
-          <a:noFill/>
-          <a:ln>
-            <a:noFill/>
-          </a:ln>
-        </p:spPr>
-        <p:style>
-          <a:lnRef idx="0"/>
-          <a:fillRef idx="0"/>
-          <a:effectRef idx="0"/>
-          <a:fontRef idx="minor"/>
-        </p:style>
-      </p:sp>
-      <p:sp>
-        <p:nvSpPr>
-          <p:cNvPr id="236" name="CustomShape 18"/>
-          <p:cNvSpPr/>
-          <p:nvPr/>
-        </p:nvSpPr>
-        <p:spPr>
-          <a:xfrm>
             <a:off x="841680" y="3829680"/>
-            <a:ext cx="1891440" cy="345600"/>
+            <a:ext cx="1889280" cy="343440"/>
           </a:xfrm>
           <a:prstGeom prst="rect">
             <a:avLst/>
@@ -15672,14 +14702,14 @@
       </p:sp>
       <p:sp>
         <p:nvSpPr>
-          <p:cNvPr id="237" name="CustomShape 19"/>
+          <p:cNvPr id="218" name="CustomShape 13"/>
           <p:cNvSpPr/>
           <p:nvPr/>
         </p:nvSpPr>
         <p:spPr>
           <a:xfrm>
             <a:off x="240120" y="4130280"/>
-            <a:ext cx="11951280" cy="2209320"/>
+            <a:ext cx="11949120" cy="2207160"/>
           </a:xfrm>
           <a:prstGeom prst="rect">
             <a:avLst/>
@@ -15698,7 +14728,7 @@
         <p:txBody>
           <a:bodyPr lIns="90000" rIns="90000" tIns="45000" bIns="45000"/>
           <a:p>
-            <a:pPr marL="285840" indent="-285120">
+            <a:pPr marL="285840" indent="-282960">
               <a:lnSpc>
                 <a:spcPct val="100000"/>
               </a:lnSpc>
@@ -15733,7 +14763,7 @@
             </a:endParaRPr>
           </a:p>
           <a:p>
-            <a:pPr marL="285840" indent="-285120">
+            <a:pPr marL="285840" indent="-282960">
               <a:lnSpc>
                 <a:spcPct val="100000"/>
               </a:lnSpc>
@@ -15768,7 +14798,7 @@
             </a:endParaRPr>
           </a:p>
           <a:p>
-            <a:pPr marL="285840" indent="-285120">
+            <a:pPr marL="285840" indent="-282960">
               <a:lnSpc>
                 <a:spcPct val="100000"/>
               </a:lnSpc>
@@ -15803,7 +14833,7 @@
             </a:endParaRPr>
           </a:p>
           <a:p>
-            <a:pPr marL="285840" indent="-285120">
+            <a:pPr marL="285840" indent="-282960">
               <a:lnSpc>
                 <a:spcPct val="100000"/>
               </a:lnSpc>
@@ -15838,7 +14868,7 @@
             </a:endParaRPr>
           </a:p>
           <a:p>
-            <a:pPr marL="285840" indent="-285120">
+            <a:pPr marL="285840" indent="-282960">
               <a:lnSpc>
                 <a:spcPct val="100000"/>
               </a:lnSpc>
@@ -15873,7 +14903,7 @@
             </a:endParaRPr>
           </a:p>
           <a:p>
-            <a:pPr marL="285840" indent="-285120">
+            <a:pPr marL="285840" indent="-282960">
               <a:lnSpc>
                 <a:spcPct val="100000"/>
               </a:lnSpc>
@@ -15908,7 +14938,7 @@
             </a:endParaRPr>
           </a:p>
           <a:p>
-            <a:pPr marL="285840" indent="-285120">
+            <a:pPr marL="285840" indent="-282960">
               <a:lnSpc>
                 <a:spcPct val="100000"/>
               </a:lnSpc>
@@ -15943,7 +14973,7 @@
             </a:endParaRPr>
           </a:p>
           <a:p>
-            <a:pPr marL="285840" indent="-285120">
+            <a:pPr marL="285840" indent="-282960">
               <a:lnSpc>
                 <a:spcPct val="100000"/>
               </a:lnSpc>
@@ -15979,6 +15009,57 @@
           </a:p>
         </p:txBody>
       </p:sp>
+      <p:sp>
+        <p:nvSpPr>
+          <p:cNvPr id="219" name="CustomShape 14"/>
+          <p:cNvSpPr/>
+          <p:nvPr/>
+        </p:nvSpPr>
+        <p:spPr>
+          <a:xfrm flipV="1">
+            <a:off x="2853720" y="2072160"/>
+            <a:ext cx="457200" cy="445320"/>
+          </a:xfrm>
+          <a:prstGeom prst="rect">
+            <a:avLst/>
+          </a:prstGeom>
+          <a:solidFill>
+            <a:srgbClr val="ffffff"/>
+          </a:solidFill>
+          <a:ln>
+            <a:noFill/>
+          </a:ln>
+        </p:spPr>
+        <p:style>
+          <a:lnRef idx="0"/>
+          <a:fillRef idx="0"/>
+          <a:effectRef idx="0"/>
+          <a:fontRef idx="minor"/>
+        </p:style>
+        <p:txBody>
+          <a:bodyPr lIns="90000" rIns="90000" tIns="45000" bIns="45000"/>
+          <a:p>
+            <a:pPr>
+              <a:lnSpc>
+                <a:spcPct val="100000"/>
+              </a:lnSpc>
+            </a:pPr>
+            <a:r>
+              <a:rPr b="0" lang="en-IN" sz="1800" spc="-1" strike="noStrike">
+                <a:solidFill>
+                  <a:srgbClr val="000000"/>
+                </a:solidFill>
+                <a:latin typeface="Arial"/>
+                <a:ea typeface="DejaVu Sans"/>
+              </a:rPr>
+              <a:t>=</a:t>
+            </a:r>
+            <a:endParaRPr b="0" lang="en-IN" sz="1800" spc="-1" strike="noStrike">
+              <a:latin typeface="Arial"/>
+            </a:endParaRPr>
+          </a:p>
+        </p:txBody>
+      </p:sp>
     </p:spTree>
   </p:cSld>
   <mc:AlternateContent>
@@ -15992,10 +15073,394 @@
   <p:timing>
     <p:tnLst>
       <p:par>
-        <p:cTn id="33" dur="indefinite" restart="never" nodeType="tmRoot">
+        <p:cTn id="11" dur="indefinite" restart="never" nodeType="tmRoot">
           <p:childTnLst>
             <p:seq>
-              <p:cTn id="34" dur="indefinite" nodeType="mainSeq"/>
+              <p:cTn id="12" dur="indefinite" nodeType="mainSeq"/>
+              <p:prevCondLst>
+                <p:cond delay="0" evt="onPrev">
+                  <p:tgtEl>
+                    <p:sldTgt/>
+                  </p:tgtEl>
+                </p:cond>
+              </p:prevCondLst>
+              <p:nextCondLst>
+                <p:cond delay="0" evt="onNext">
+                  <p:tgtEl>
+                    <p:sldTgt/>
+                  </p:tgtEl>
+                </p:cond>
+              </p:nextCondLst>
+            </p:seq>
+          </p:childTnLst>
+        </p:cTn>
+      </p:par>
+    </p:tnLst>
+  </p:timing>
+</p:sld>
+</file>
+
+<file path=ppt/slides/slide7.xml><?xml version="1.0" encoding="utf-8"?>
+<p:sld xmlns:a="http://schemas.openxmlformats.org/drawingml/2006/main" xmlns:p="http://schemas.openxmlformats.org/presentationml/2006/main" xmlns:r="http://schemas.openxmlformats.org/officeDocument/2006/relationships" xmlns:p14="http://schemas.microsoft.com/office/powerpoint/2010/main" xmlns:p15="http://schemas.microsoft.com/office/powerpoint/2012/main" xmlns:mc="http://schemas.openxmlformats.org/markup-compatibility/2006">
+  <p:cSld>
+    <p:spTree>
+      <p:nvGrpSpPr>
+        <p:cNvPr id="1" name=""/>
+        <p:cNvGrpSpPr/>
+        <p:nvPr/>
+      </p:nvGrpSpPr>
+      <p:grpSpPr>
+        <a:xfrm>
+          <a:off x="0" y="0"/>
+          <a:ext cx="0" cy="0"/>
+          <a:chOff x="0" y="0"/>
+          <a:chExt cx="0" cy="0"/>
+        </a:xfrm>
+      </p:grpSpPr>
+      <p:sp>
+        <p:nvSpPr>
+          <p:cNvPr id="220" name="CustomShape 1"/>
+          <p:cNvSpPr/>
+          <p:nvPr/>
+        </p:nvSpPr>
+        <p:spPr>
+          <a:xfrm>
+            <a:off x="845280" y="365760"/>
+            <a:ext cx="10512000" cy="1321920"/>
+          </a:xfrm>
+          <a:prstGeom prst="rect">
+            <a:avLst/>
+          </a:prstGeom>
+          <a:noFill/>
+          <a:ln>
+            <a:noFill/>
+          </a:ln>
+        </p:spPr>
+        <p:style>
+          <a:lnRef idx="0"/>
+          <a:fillRef idx="0"/>
+          <a:effectRef idx="0"/>
+          <a:fontRef idx="minor"/>
+        </p:style>
+        <p:txBody>
+          <a:bodyPr lIns="90000" rIns="90000" tIns="45000" bIns="45000" anchor="ctr"/>
+          <a:p>
+            <a:pPr>
+              <a:lnSpc>
+                <a:spcPct val="90000"/>
+              </a:lnSpc>
+            </a:pPr>
+            <a:r>
+              <a:rPr b="0" lang="en-IN" sz="4400" spc="-1" strike="noStrike">
+                <a:solidFill>
+                  <a:srgbClr val="ffffff"/>
+                </a:solidFill>
+                <a:latin typeface="Candara"/>
+                <a:ea typeface="DejaVu Sans"/>
+              </a:rPr>
+              <a:t>Audio Data Transformation</a:t>
+            </a:r>
+            <a:endParaRPr b="0" lang="en-IN" sz="4400" spc="-1" strike="noStrike">
+              <a:latin typeface="Arial"/>
+            </a:endParaRPr>
+          </a:p>
+        </p:txBody>
+      </p:sp>
+      <p:pic>
+        <p:nvPicPr>
+          <p:cNvPr id="221" name="Content Placeholder 4" descr=""/>
+          <p:cNvPicPr/>
+          <p:nvPr/>
+        </p:nvPicPr>
+        <p:blipFill>
+          <a:blip r:embed="rId1"/>
+          <a:stretch/>
+        </p:blipFill>
+        <p:spPr>
+          <a:xfrm>
+            <a:off x="838080" y="3394080"/>
+            <a:ext cx="5177880" cy="2556720"/>
+          </a:xfrm>
+          <a:prstGeom prst="rect">
+            <a:avLst/>
+          </a:prstGeom>
+          <a:ln>
+            <a:noFill/>
+          </a:ln>
+        </p:spPr>
+      </p:pic>
+      <p:pic>
+        <p:nvPicPr>
+          <p:cNvPr id="222" name="Content Placeholder 5" descr=""/>
+          <p:cNvPicPr/>
+          <p:nvPr/>
+        </p:nvPicPr>
+        <p:blipFill>
+          <a:blip r:embed="rId2"/>
+          <a:stretch/>
+        </p:blipFill>
+        <p:spPr>
+          <a:xfrm>
+            <a:off x="6541920" y="3394080"/>
+            <a:ext cx="5177880" cy="2556720"/>
+          </a:xfrm>
+          <a:prstGeom prst="rect">
+            <a:avLst/>
+          </a:prstGeom>
+          <a:ln>
+            <a:noFill/>
+          </a:ln>
+        </p:spPr>
+      </p:pic>
+      <p:sp>
+        <p:nvSpPr>
+          <p:cNvPr id="223" name="CustomShape 2"/>
+          <p:cNvSpPr/>
+          <p:nvPr/>
+        </p:nvSpPr>
+        <p:spPr>
+          <a:xfrm>
+            <a:off x="5791680" y="4431960"/>
+            <a:ext cx="974880" cy="480960"/>
+          </a:xfrm>
+          <a:prstGeom prst="rightArrow">
+            <a:avLst>
+              <a:gd name="adj1" fmla="val 50000"/>
+              <a:gd name="adj2" fmla="val 50000"/>
+            </a:avLst>
+          </a:prstGeom>
+          <a:ln>
+            <a:round/>
+          </a:ln>
+        </p:spPr>
+        <p:style>
+          <a:lnRef idx="2">
+            <a:schemeClr val="accent1">
+              <a:shade val="50000"/>
+            </a:schemeClr>
+          </a:lnRef>
+          <a:fillRef idx="1">
+            <a:schemeClr val="accent1"/>
+          </a:fillRef>
+          <a:effectRef idx="0">
+            <a:schemeClr val="accent1"/>
+          </a:effectRef>
+          <a:fontRef idx="minor"/>
+        </p:style>
+      </p:sp>
+      <p:sp>
+        <p:nvSpPr>
+          <p:cNvPr id="224" name="CustomShape 3"/>
+          <p:cNvSpPr/>
+          <p:nvPr/>
+        </p:nvSpPr>
+        <p:spPr>
+          <a:xfrm flipH="1" flipV="1">
+            <a:off x="2623680" y="2636640"/>
+            <a:ext cx="1104120" cy="1168200"/>
+          </a:xfrm>
+          <a:custGeom>
+            <a:avLst/>
+            <a:gdLst/>
+            <a:ahLst/>
+            <a:rect l="l" t="t" r="r" b="b"/>
+            <a:pathLst>
+              <a:path w="21600" h="21600">
+                <a:moveTo>
+                  <a:pt x="0" y="0"/>
+                </a:moveTo>
+                <a:lnTo>
+                  <a:pt x="21600" y="21600"/>
+                </a:lnTo>
+              </a:path>
+            </a:pathLst>
+          </a:custGeom>
+          <a:noFill/>
+          <a:ln>
+            <a:solidFill>
+              <a:srgbClr val="a90000"/>
+            </a:solidFill>
+            <a:round/>
+            <a:tailEnd len="med" type="triangle" w="med"/>
+          </a:ln>
+        </p:spPr>
+        <p:style>
+          <a:lnRef idx="1">
+            <a:schemeClr val="accent1"/>
+          </a:lnRef>
+          <a:fillRef idx="0">
+            <a:schemeClr val="accent1"/>
+          </a:fillRef>
+          <a:effectRef idx="0">
+            <a:schemeClr val="accent1"/>
+          </a:effectRef>
+          <a:fontRef idx="minor"/>
+        </p:style>
+      </p:sp>
+      <p:sp>
+        <p:nvSpPr>
+          <p:cNvPr id="225" name="CustomShape 4"/>
+          <p:cNvSpPr/>
+          <p:nvPr/>
+        </p:nvSpPr>
+        <p:spPr>
+          <a:xfrm flipV="1">
+            <a:off x="9285840" y="2636640"/>
+            <a:ext cx="949320" cy="1168200"/>
+          </a:xfrm>
+          <a:custGeom>
+            <a:avLst/>
+            <a:gdLst/>
+            <a:ahLst/>
+            <a:rect l="l" t="t" r="r" b="b"/>
+            <a:pathLst>
+              <a:path w="21600" h="21600">
+                <a:moveTo>
+                  <a:pt x="0" y="0"/>
+                </a:moveTo>
+                <a:lnTo>
+                  <a:pt x="21600" y="21600"/>
+                </a:lnTo>
+              </a:path>
+            </a:pathLst>
+          </a:custGeom>
+          <a:noFill/>
+          <a:ln>
+            <a:solidFill>
+              <a:srgbClr val="a90000"/>
+            </a:solidFill>
+            <a:round/>
+            <a:tailEnd len="med" type="triangle" w="med"/>
+          </a:ln>
+        </p:spPr>
+        <p:style>
+          <a:lnRef idx="1">
+            <a:schemeClr val="accent1"/>
+          </a:lnRef>
+          <a:fillRef idx="0">
+            <a:schemeClr val="accent1"/>
+          </a:fillRef>
+          <a:effectRef idx="0">
+            <a:schemeClr val="accent1"/>
+          </a:effectRef>
+          <a:fontRef idx="minor"/>
+        </p:style>
+      </p:sp>
+      <p:sp>
+        <p:nvSpPr>
+          <p:cNvPr id="226" name="CustomShape 5"/>
+          <p:cNvSpPr/>
+          <p:nvPr/>
+        </p:nvSpPr>
+        <p:spPr>
+          <a:xfrm>
+            <a:off x="1369080" y="2475720"/>
+            <a:ext cx="1388160" cy="361440"/>
+          </a:xfrm>
+          <a:prstGeom prst="rect">
+            <a:avLst/>
+          </a:prstGeom>
+          <a:noFill/>
+          <a:ln>
+            <a:noFill/>
+          </a:ln>
+        </p:spPr>
+        <p:style>
+          <a:lnRef idx="0"/>
+          <a:fillRef idx="0"/>
+          <a:effectRef idx="0"/>
+          <a:fontRef idx="minor"/>
+        </p:style>
+        <p:txBody>
+          <a:bodyPr wrap="none" lIns="90000" rIns="90000" tIns="45000" bIns="45000"/>
+          <a:p>
+            <a:pPr>
+              <a:lnSpc>
+                <a:spcPct val="100000"/>
+              </a:lnSpc>
+            </a:pPr>
+            <a:r>
+              <a:rPr b="0" lang="en-IN" sz="1800" spc="-1" strike="noStrike">
+                <a:solidFill>
+                  <a:srgbClr val="ffffff"/>
+                </a:solidFill>
+                <a:latin typeface="Candara"/>
+                <a:ea typeface="DejaVu Sans"/>
+              </a:rPr>
+              <a:t>Input Data</a:t>
+            </a:r>
+            <a:endParaRPr b="0" lang="en-IN" sz="1800" spc="-1" strike="noStrike">
+              <a:latin typeface="Arial"/>
+            </a:endParaRPr>
+          </a:p>
+        </p:txBody>
+      </p:sp>
+      <p:sp>
+        <p:nvSpPr>
+          <p:cNvPr id="227" name="CustomShape 6"/>
+          <p:cNvSpPr/>
+          <p:nvPr/>
+        </p:nvSpPr>
+        <p:spPr>
+          <a:xfrm>
+            <a:off x="10139760" y="2228040"/>
+            <a:ext cx="1590840" cy="361440"/>
+          </a:xfrm>
+          <a:prstGeom prst="rect">
+            <a:avLst/>
+          </a:prstGeom>
+          <a:noFill/>
+          <a:ln>
+            <a:noFill/>
+          </a:ln>
+        </p:spPr>
+        <p:style>
+          <a:lnRef idx="0"/>
+          <a:fillRef idx="0"/>
+          <a:effectRef idx="0"/>
+          <a:fontRef idx="minor"/>
+        </p:style>
+        <p:txBody>
+          <a:bodyPr wrap="none" lIns="90000" rIns="90000" tIns="45000" bIns="45000"/>
+          <a:p>
+            <a:pPr>
+              <a:lnSpc>
+                <a:spcPct val="100000"/>
+              </a:lnSpc>
+            </a:pPr>
+            <a:r>
+              <a:rPr b="0" lang="en-IN" sz="1800" spc="-1" strike="noStrike">
+                <a:solidFill>
+                  <a:srgbClr val="ffffff"/>
+                </a:solidFill>
+                <a:latin typeface="Candara"/>
+                <a:ea typeface="DejaVu Sans"/>
+              </a:rPr>
+              <a:t>Output Data</a:t>
+            </a:r>
+            <a:endParaRPr b="0" lang="en-IN" sz="1800" spc="-1" strike="noStrike">
+              <a:latin typeface="Arial"/>
+            </a:endParaRPr>
+          </a:p>
+        </p:txBody>
+      </p:sp>
+    </p:spTree>
+  </p:cSld>
+  <mc:AlternateContent>
+    <mc:Choice Requires="p14">
+      <p:transition spd="slow" p14:dur="2000"/>
+    </mc:Choice>
+    <mc:Fallback>
+      <p:transition spd="slow"/>
+    </mc:Fallback>
+  </mc:AlternateContent>
+  <p:timing>
+    <p:tnLst>
+      <p:par>
+        <p:cTn id="13" dur="indefinite" restart="never" nodeType="tmRoot">
+          <p:childTnLst>
+            <p:seq>
+              <p:cTn id="14" dur="indefinite" nodeType="mainSeq"/>
               <p:prevCondLst>
                 <p:cond delay="0" evt="onPrev">
                   <p:tgtEl>
@@ -16038,14 +15503,14 @@
       </p:grpSpPr>
       <p:sp>
         <p:nvSpPr>
-          <p:cNvPr id="238" name="CustomShape 1"/>
+          <p:cNvPr id="228" name="CustomShape 1"/>
           <p:cNvSpPr/>
           <p:nvPr/>
         </p:nvSpPr>
         <p:spPr>
           <a:xfrm>
-            <a:off x="845280" y="365760"/>
-            <a:ext cx="10514160" cy="1324080"/>
+            <a:off x="844920" y="391320"/>
+            <a:ext cx="10512000" cy="1321920"/>
           </a:xfrm>
           <a:prstGeom prst="rect">
             <a:avLst/>
@@ -16077,7 +15542,7 @@
                 <a:latin typeface="Candara"/>
                 <a:ea typeface="DejaVu Sans"/>
               </a:rPr>
-              <a:t>Audio Data Transformation</a:t>
+              <a:t>Features Extraction</a:t>
             </a:r>
             <a:endParaRPr b="0" lang="en-IN" sz="4400" spc="-1" strike="noStrike">
               <a:latin typeface="Arial"/>
@@ -16085,68 +15550,19 @@
           </a:p>
         </p:txBody>
       </p:sp>
-      <p:pic>
-        <p:nvPicPr>
-          <p:cNvPr id="239" name="Content Placeholder 4" descr=""/>
-          <p:cNvPicPr/>
-          <p:nvPr/>
-        </p:nvPicPr>
-        <p:blipFill>
-          <a:blip r:embed="rId1"/>
-          <a:stretch/>
-        </p:blipFill>
-        <p:spPr>
-          <a:xfrm>
-            <a:off x="838080" y="3394080"/>
-            <a:ext cx="5180040" cy="2558880"/>
-          </a:xfrm>
-          <a:prstGeom prst="rect">
-            <a:avLst/>
-          </a:prstGeom>
-          <a:ln>
-            <a:noFill/>
-          </a:ln>
-        </p:spPr>
-      </p:pic>
-      <p:pic>
-        <p:nvPicPr>
-          <p:cNvPr id="240" name="Content Placeholder 5" descr=""/>
-          <p:cNvPicPr/>
-          <p:nvPr/>
-        </p:nvPicPr>
-        <p:blipFill>
-          <a:blip r:embed="rId2"/>
-          <a:stretch/>
-        </p:blipFill>
-        <p:spPr>
-          <a:xfrm>
-            <a:off x="6541920" y="3394080"/>
-            <a:ext cx="5180040" cy="2558880"/>
-          </a:xfrm>
-          <a:prstGeom prst="rect">
-            <a:avLst/>
-          </a:prstGeom>
-          <a:ln>
-            <a:noFill/>
-          </a:ln>
-        </p:spPr>
-      </p:pic>
-      <p:sp>
-        <p:nvSpPr>
-          <p:cNvPr id="241" name="CustomShape 2"/>
+      <p:sp>
+        <p:nvSpPr>
+          <p:cNvPr id="229" name="CustomShape 2"/>
           <p:cNvSpPr/>
           <p:nvPr/>
         </p:nvSpPr>
         <p:spPr>
           <a:xfrm>
-            <a:off x="5791680" y="4431960"/>
-            <a:ext cx="977040" cy="483120"/>
-          </a:xfrm>
-          <a:prstGeom prst="rightArrow">
-            <a:avLst>
-              <a:gd name="adj1" fmla="val 50000"/>
-              <a:gd name="adj2" fmla="val 50000"/>
-            </a:avLst>
+            <a:off x="639000" y="1691280"/>
+            <a:ext cx="3859920" cy="4079160"/>
+          </a:xfrm>
+          <a:prstGeom prst="ellipse">
+            <a:avLst/>
           </a:prstGeom>
           <a:ln>
             <a:round/>
@@ -16166,17 +15582,40 @@
           </a:effectRef>
           <a:fontRef idx="minor"/>
         </p:style>
-      </p:sp>
-      <p:sp>
-        <p:nvSpPr>
-          <p:cNvPr id="242" name="CustomShape 3"/>
+        <p:txBody>
+          <a:bodyPr lIns="90000" rIns="90000" tIns="45000" bIns="45000" anchor="ctr"/>
+          <a:p>
+            <a:pPr algn="ctr">
+              <a:lnSpc>
+                <a:spcPct val="100000"/>
+              </a:lnSpc>
+            </a:pPr>
+            <a:r>
+              <a:rPr b="0" lang="en-IN" sz="1800" spc="-1" strike="noStrike">
+                <a:solidFill>
+                  <a:srgbClr val="ffffff"/>
+                </a:solidFill>
+                <a:latin typeface="Candara"/>
+                <a:ea typeface="DejaVu Sans"/>
+              </a:rPr>
+              <a:t>Transformed Audio Data</a:t>
+            </a:r>
+            <a:endParaRPr b="0" lang="en-IN" sz="1800" spc="-1" strike="noStrike">
+              <a:latin typeface="Arial"/>
+            </a:endParaRPr>
+          </a:p>
+        </p:txBody>
+      </p:sp>
+      <p:sp>
+        <p:nvSpPr>
+          <p:cNvPr id="230" name="CustomShape 3"/>
           <p:cNvSpPr/>
           <p:nvPr/>
         </p:nvSpPr>
         <p:spPr>
-          <a:xfrm flipH="1" flipV="1">
-            <a:off x="2625840" y="2638800"/>
-            <a:ext cx="1106280" cy="1170360"/>
+          <a:xfrm flipV="1">
+            <a:off x="4391640" y="2031120"/>
+            <a:ext cx="1528920" cy="975240"/>
           </a:xfrm>
           <a:custGeom>
             <a:avLst/>
@@ -16218,14 +15657,14 @@
       </p:sp>
       <p:sp>
         <p:nvSpPr>
-          <p:cNvPr id="243" name="CustomShape 4"/>
+          <p:cNvPr id="231" name="CustomShape 4"/>
           <p:cNvSpPr/>
           <p:nvPr/>
         </p:nvSpPr>
         <p:spPr>
           <a:xfrm flipV="1">
-            <a:off x="9285840" y="2638800"/>
-            <a:ext cx="951480" cy="1170360"/>
+            <a:off x="4430160" y="2623680"/>
+            <a:ext cx="1726920" cy="588960"/>
           </a:xfrm>
           <a:custGeom>
             <a:avLst/>
@@ -16267,14 +15706,259 @@
       </p:sp>
       <p:sp>
         <p:nvSpPr>
-          <p:cNvPr id="244" name="CustomShape 5"/>
+          <p:cNvPr id="232" name="CustomShape 5"/>
           <p:cNvSpPr/>
           <p:nvPr/>
         </p:nvSpPr>
         <p:spPr>
-          <a:xfrm>
-            <a:off x="1369080" y="2475720"/>
-            <a:ext cx="1390320" cy="363600"/>
+          <a:xfrm flipV="1">
+            <a:off x="4502880" y="3396600"/>
+            <a:ext cx="1894320" cy="99360"/>
+          </a:xfrm>
+          <a:custGeom>
+            <a:avLst/>
+            <a:gdLst/>
+            <a:ahLst/>
+            <a:rect l="l" t="t" r="r" b="b"/>
+            <a:pathLst>
+              <a:path w="21600" h="21600">
+                <a:moveTo>
+                  <a:pt x="0" y="0"/>
+                </a:moveTo>
+                <a:lnTo>
+                  <a:pt x="21600" y="21600"/>
+                </a:lnTo>
+              </a:path>
+            </a:pathLst>
+          </a:custGeom>
+          <a:noFill/>
+          <a:ln>
+            <a:solidFill>
+              <a:srgbClr val="a90000"/>
+            </a:solidFill>
+            <a:round/>
+            <a:tailEnd len="med" type="triangle" w="med"/>
+          </a:ln>
+        </p:spPr>
+        <p:style>
+          <a:lnRef idx="1">
+            <a:schemeClr val="accent1"/>
+          </a:lnRef>
+          <a:fillRef idx="0">
+            <a:schemeClr val="accent1"/>
+          </a:fillRef>
+          <a:effectRef idx="0">
+            <a:schemeClr val="accent1"/>
+          </a:effectRef>
+          <a:fontRef idx="minor"/>
+        </p:style>
+      </p:sp>
+      <p:sp>
+        <p:nvSpPr>
+          <p:cNvPr id="233" name="CustomShape 6"/>
+          <p:cNvSpPr/>
+          <p:nvPr/>
+        </p:nvSpPr>
+        <p:spPr>
+          <a:xfrm>
+            <a:off x="4502880" y="3577680"/>
+            <a:ext cx="1984680" cy="213480"/>
+          </a:xfrm>
+          <a:custGeom>
+            <a:avLst/>
+            <a:gdLst/>
+            <a:ahLst/>
+            <a:rect l="l" t="t" r="r" b="b"/>
+            <a:pathLst>
+              <a:path w="21600" h="21600">
+                <a:moveTo>
+                  <a:pt x="0" y="0"/>
+                </a:moveTo>
+                <a:lnTo>
+                  <a:pt x="21600" y="21600"/>
+                </a:lnTo>
+              </a:path>
+            </a:pathLst>
+          </a:custGeom>
+          <a:noFill/>
+          <a:ln>
+            <a:solidFill>
+              <a:srgbClr val="a90000"/>
+            </a:solidFill>
+            <a:round/>
+            <a:tailEnd len="med" type="triangle" w="med"/>
+          </a:ln>
+        </p:spPr>
+        <p:style>
+          <a:lnRef idx="1">
+            <a:schemeClr val="accent1"/>
+          </a:lnRef>
+          <a:fillRef idx="0">
+            <a:schemeClr val="accent1"/>
+          </a:fillRef>
+          <a:effectRef idx="0">
+            <a:schemeClr val="accent1"/>
+          </a:effectRef>
+          <a:fontRef idx="minor"/>
+        </p:style>
+      </p:sp>
+      <p:sp>
+        <p:nvSpPr>
+          <p:cNvPr id="234" name="CustomShape 7"/>
+          <p:cNvSpPr/>
+          <p:nvPr/>
+        </p:nvSpPr>
+        <p:spPr>
+          <a:xfrm>
+            <a:off x="4391640" y="4339080"/>
+            <a:ext cx="1630800" cy="1325160"/>
+          </a:xfrm>
+          <a:custGeom>
+            <a:avLst/>
+            <a:gdLst/>
+            <a:ahLst/>
+            <a:rect l="l" t="t" r="r" b="b"/>
+            <a:pathLst>
+              <a:path w="21600" h="21600">
+                <a:moveTo>
+                  <a:pt x="0" y="0"/>
+                </a:moveTo>
+                <a:lnTo>
+                  <a:pt x="21600" y="21600"/>
+                </a:lnTo>
+              </a:path>
+            </a:pathLst>
+          </a:custGeom>
+          <a:noFill/>
+          <a:ln>
+            <a:solidFill>
+              <a:srgbClr val="a90000"/>
+            </a:solidFill>
+            <a:round/>
+            <a:tailEnd len="med" type="triangle" w="med"/>
+          </a:ln>
+        </p:spPr>
+        <p:style>
+          <a:lnRef idx="1">
+            <a:schemeClr val="accent1"/>
+          </a:lnRef>
+          <a:fillRef idx="0">
+            <a:schemeClr val="accent1"/>
+          </a:fillRef>
+          <a:effectRef idx="0">
+            <a:schemeClr val="accent1"/>
+          </a:effectRef>
+          <a:fontRef idx="minor"/>
+        </p:style>
+      </p:sp>
+      <p:sp>
+        <p:nvSpPr>
+          <p:cNvPr id="235" name="CustomShape 8"/>
+          <p:cNvSpPr/>
+          <p:nvPr/>
+        </p:nvSpPr>
+        <p:spPr>
+          <a:xfrm>
+            <a:off x="4329000" y="4545360"/>
+            <a:ext cx="1334160" cy="1405440"/>
+          </a:xfrm>
+          <a:custGeom>
+            <a:avLst/>
+            <a:gdLst/>
+            <a:ahLst/>
+            <a:rect l="l" t="t" r="r" b="b"/>
+            <a:pathLst>
+              <a:path w="21600" h="21600">
+                <a:moveTo>
+                  <a:pt x="0" y="0"/>
+                </a:moveTo>
+                <a:lnTo>
+                  <a:pt x="21600" y="21600"/>
+                </a:lnTo>
+              </a:path>
+            </a:pathLst>
+          </a:custGeom>
+          <a:noFill/>
+          <a:ln>
+            <a:solidFill>
+              <a:srgbClr val="a90000"/>
+            </a:solidFill>
+            <a:round/>
+            <a:tailEnd len="med" type="triangle" w="med"/>
+          </a:ln>
+        </p:spPr>
+        <p:style>
+          <a:lnRef idx="1">
+            <a:schemeClr val="accent1"/>
+          </a:lnRef>
+          <a:fillRef idx="0">
+            <a:schemeClr val="accent1"/>
+          </a:fillRef>
+          <a:effectRef idx="0">
+            <a:schemeClr val="accent1"/>
+          </a:effectRef>
+          <a:fontRef idx="minor"/>
+        </p:style>
+      </p:sp>
+      <p:sp>
+        <p:nvSpPr>
+          <p:cNvPr id="236" name="CustomShape 9"/>
+          <p:cNvSpPr/>
+          <p:nvPr/>
+        </p:nvSpPr>
+        <p:spPr>
+          <a:xfrm flipV="1">
+            <a:off x="4262760" y="1437120"/>
+            <a:ext cx="1515960" cy="1265400"/>
+          </a:xfrm>
+          <a:custGeom>
+            <a:avLst/>
+            <a:gdLst/>
+            <a:ahLst/>
+            <a:rect l="l" t="t" r="r" b="b"/>
+            <a:pathLst>
+              <a:path w="21600" h="21600">
+                <a:moveTo>
+                  <a:pt x="0" y="0"/>
+                </a:moveTo>
+                <a:lnTo>
+                  <a:pt x="21600" y="21600"/>
+                </a:lnTo>
+              </a:path>
+            </a:pathLst>
+          </a:custGeom>
+          <a:noFill/>
+          <a:ln>
+            <a:solidFill>
+              <a:srgbClr val="a90000"/>
+            </a:solidFill>
+            <a:round/>
+            <a:tailEnd len="med" type="triangle" w="med"/>
+          </a:ln>
+        </p:spPr>
+        <p:style>
+          <a:lnRef idx="1">
+            <a:schemeClr val="accent1"/>
+          </a:lnRef>
+          <a:fillRef idx="0">
+            <a:schemeClr val="accent1"/>
+          </a:fillRef>
+          <a:effectRef idx="0">
+            <a:schemeClr val="accent1"/>
+          </a:effectRef>
+          <a:fontRef idx="minor"/>
+        </p:style>
+      </p:sp>
+      <p:sp>
+        <p:nvSpPr>
+          <p:cNvPr id="237" name="CustomShape 10"/>
+          <p:cNvSpPr/>
+          <p:nvPr/>
+        </p:nvSpPr>
+        <p:spPr>
+          <a:xfrm>
+            <a:off x="5733360" y="1237680"/>
+            <a:ext cx="581760" cy="361440"/>
           </a:xfrm>
           <a:prstGeom prst="rect">
             <a:avLst/>
@@ -16306,7 +15990,7 @@
                 <a:latin typeface="Candara"/>
                 <a:ea typeface="DejaVu Sans"/>
               </a:rPr>
-              <a:t>Input Data</a:t>
+              <a:t>IQR</a:t>
             </a:r>
             <a:endParaRPr b="0" lang="en-IN" sz="1800" spc="-1" strike="noStrike">
               <a:latin typeface="Arial"/>
@@ -16316,14 +16000,14 @@
       </p:sp>
       <p:sp>
         <p:nvSpPr>
-          <p:cNvPr id="245" name="CustomShape 6"/>
+          <p:cNvPr id="238" name="CustomShape 11"/>
           <p:cNvSpPr/>
           <p:nvPr/>
         </p:nvSpPr>
         <p:spPr>
           <a:xfrm>
-            <a:off x="10139760" y="2228040"/>
-            <a:ext cx="1593000" cy="363600"/>
+            <a:off x="5864040" y="1791720"/>
+            <a:ext cx="1006920" cy="361440"/>
           </a:xfrm>
           <a:prstGeom prst="rect">
             <a:avLst/>
@@ -16355,7 +16039,783 @@
                 <a:latin typeface="Candara"/>
                 <a:ea typeface="DejaVu Sans"/>
               </a:rPr>
-              <a:t>Output Data</a:t>
+              <a:t>Median</a:t>
+            </a:r>
+            <a:endParaRPr b="0" lang="en-IN" sz="1800" spc="-1" strike="noStrike">
+              <a:latin typeface="Arial"/>
+            </a:endParaRPr>
+          </a:p>
+        </p:txBody>
+      </p:sp>
+      <p:sp>
+        <p:nvSpPr>
+          <p:cNvPr id="239" name="CustomShape 12"/>
+          <p:cNvSpPr/>
+          <p:nvPr/>
+        </p:nvSpPr>
+        <p:spPr>
+          <a:xfrm>
+            <a:off x="6020640" y="2435760"/>
+            <a:ext cx="798120" cy="361440"/>
+          </a:xfrm>
+          <a:prstGeom prst="rect">
+            <a:avLst/>
+          </a:prstGeom>
+          <a:noFill/>
+          <a:ln>
+            <a:noFill/>
+          </a:ln>
+        </p:spPr>
+        <p:style>
+          <a:lnRef idx="0"/>
+          <a:fillRef idx="0"/>
+          <a:effectRef idx="0"/>
+          <a:fontRef idx="minor"/>
+        </p:style>
+        <p:txBody>
+          <a:bodyPr wrap="none" lIns="90000" rIns="90000" tIns="45000" bIns="45000"/>
+          <a:p>
+            <a:pPr>
+              <a:lnSpc>
+                <a:spcPct val="100000"/>
+              </a:lnSpc>
+            </a:pPr>
+            <a:r>
+              <a:rPr b="0" lang="en-IN" sz="1800" spc="-1" strike="noStrike">
+                <a:solidFill>
+                  <a:srgbClr val="ffffff"/>
+                </a:solidFill>
+                <a:latin typeface="Candara"/>
+                <a:ea typeface="DejaVu Sans"/>
+              </a:rPr>
+              <a:t>Mode</a:t>
+            </a:r>
+            <a:endParaRPr b="0" lang="en-IN" sz="1800" spc="-1" strike="noStrike">
+              <a:latin typeface="Arial"/>
+            </a:endParaRPr>
+          </a:p>
+        </p:txBody>
+      </p:sp>
+      <p:sp>
+        <p:nvSpPr>
+          <p:cNvPr id="240" name="CustomShape 13"/>
+          <p:cNvSpPr/>
+          <p:nvPr/>
+        </p:nvSpPr>
+        <p:spPr>
+          <a:xfrm>
+            <a:off x="6246720" y="3137400"/>
+            <a:ext cx="2016000" cy="361440"/>
+          </a:xfrm>
+          <a:prstGeom prst="rect">
+            <a:avLst/>
+          </a:prstGeom>
+          <a:noFill/>
+          <a:ln>
+            <a:noFill/>
+          </a:ln>
+        </p:spPr>
+        <p:style>
+          <a:lnRef idx="0"/>
+          <a:fillRef idx="0"/>
+          <a:effectRef idx="0"/>
+          <a:fontRef idx="minor"/>
+        </p:style>
+        <p:txBody>
+          <a:bodyPr wrap="none" lIns="90000" rIns="90000" tIns="45000" bIns="45000"/>
+          <a:p>
+            <a:pPr>
+              <a:lnSpc>
+                <a:spcPct val="100000"/>
+              </a:lnSpc>
+            </a:pPr>
+            <a:r>
+              <a:rPr b="0" lang="en-IN" sz="1800" spc="-1" strike="noStrike">
+                <a:solidFill>
+                  <a:srgbClr val="ffffff"/>
+                </a:solidFill>
+                <a:latin typeface="Candara"/>
+                <a:ea typeface="DejaVu Sans"/>
+              </a:rPr>
+              <a:t>Mean frequency</a:t>
+            </a:r>
+            <a:endParaRPr b="0" lang="en-IN" sz="1800" spc="-1" strike="noStrike">
+              <a:latin typeface="Arial"/>
+            </a:endParaRPr>
+          </a:p>
+        </p:txBody>
+      </p:sp>
+      <p:sp>
+        <p:nvSpPr>
+          <p:cNvPr id="241" name="CustomShape 14"/>
+          <p:cNvSpPr/>
+          <p:nvPr/>
+        </p:nvSpPr>
+        <p:spPr>
+          <a:xfrm>
+            <a:off x="6346080" y="3550680"/>
+            <a:ext cx="1086120" cy="361440"/>
+          </a:xfrm>
+          <a:prstGeom prst="rect">
+            <a:avLst/>
+          </a:prstGeom>
+          <a:noFill/>
+          <a:ln>
+            <a:noFill/>
+          </a:ln>
+        </p:spPr>
+        <p:style>
+          <a:lnRef idx="0"/>
+          <a:fillRef idx="0"/>
+          <a:effectRef idx="0"/>
+          <a:fontRef idx="minor"/>
+        </p:style>
+        <p:txBody>
+          <a:bodyPr wrap="none" lIns="90000" rIns="90000" tIns="45000" bIns="45000"/>
+          <a:p>
+            <a:pPr>
+              <a:lnSpc>
+                <a:spcPct val="100000"/>
+              </a:lnSpc>
+            </a:pPr>
+            <a:r>
+              <a:rPr b="0" lang="en-IN" sz="1800" spc="-1" strike="noStrike">
+                <a:solidFill>
+                  <a:srgbClr val="ffffff"/>
+                </a:solidFill>
+                <a:latin typeface="Candara"/>
+                <a:ea typeface="DejaVu Sans"/>
+              </a:rPr>
+              <a:t>Kurtosis</a:t>
+            </a:r>
+            <a:endParaRPr b="0" lang="en-IN" sz="1800" spc="-1" strike="noStrike">
+              <a:latin typeface="Arial"/>
+            </a:endParaRPr>
+          </a:p>
+        </p:txBody>
+      </p:sp>
+      <p:sp>
+        <p:nvSpPr>
+          <p:cNvPr id="242" name="CustomShape 15"/>
+          <p:cNvSpPr/>
+          <p:nvPr/>
+        </p:nvSpPr>
+        <p:spPr>
+          <a:xfrm>
+            <a:off x="6492240" y="3883320"/>
+            <a:ext cx="941400" cy="361440"/>
+          </a:xfrm>
+          <a:prstGeom prst="rect">
+            <a:avLst/>
+          </a:prstGeom>
+          <a:noFill/>
+          <a:ln>
+            <a:noFill/>
+          </a:ln>
+        </p:spPr>
+        <p:style>
+          <a:lnRef idx="0"/>
+          <a:fillRef idx="0"/>
+          <a:effectRef idx="0"/>
+          <a:fontRef idx="minor"/>
+        </p:style>
+      </p:sp>
+      <p:sp>
+        <p:nvSpPr>
+          <p:cNvPr id="243" name="CustomShape 16"/>
+          <p:cNvSpPr/>
+          <p:nvPr/>
+        </p:nvSpPr>
+        <p:spPr>
+          <a:xfrm>
+            <a:off x="5914800" y="5483520"/>
+            <a:ext cx="1148760" cy="361440"/>
+          </a:xfrm>
+          <a:prstGeom prst="rect">
+            <a:avLst/>
+          </a:prstGeom>
+          <a:noFill/>
+          <a:ln>
+            <a:noFill/>
+          </a:ln>
+        </p:spPr>
+        <p:style>
+          <a:lnRef idx="0"/>
+          <a:fillRef idx="0"/>
+          <a:effectRef idx="0"/>
+          <a:fontRef idx="minor"/>
+        </p:style>
+        <p:txBody>
+          <a:bodyPr wrap="none" lIns="90000" rIns="90000" tIns="45000" bIns="45000"/>
+          <a:p>
+            <a:pPr>
+              <a:lnSpc>
+                <a:spcPct val="100000"/>
+              </a:lnSpc>
+            </a:pPr>
+            <a:r>
+              <a:rPr b="0" lang="en-IN" sz="1800" spc="-1" strike="noStrike">
+                <a:solidFill>
+                  <a:srgbClr val="ffffff"/>
+                </a:solidFill>
+                <a:latin typeface="Candara"/>
+                <a:ea typeface="DejaVu Sans"/>
+              </a:rPr>
+              <a:t>Centroid</a:t>
+            </a:r>
+            <a:endParaRPr b="0" lang="en-IN" sz="1800" spc="-1" strike="noStrike">
+              <a:latin typeface="Arial"/>
+            </a:endParaRPr>
+          </a:p>
+        </p:txBody>
+      </p:sp>
+      <p:sp>
+        <p:nvSpPr>
+          <p:cNvPr id="244" name="CustomShape 17"/>
+          <p:cNvSpPr/>
+          <p:nvPr/>
+        </p:nvSpPr>
+        <p:spPr>
+          <a:xfrm>
+            <a:off x="5603760" y="5787720"/>
+            <a:ext cx="638280" cy="361440"/>
+          </a:xfrm>
+          <a:prstGeom prst="rect">
+            <a:avLst/>
+          </a:prstGeom>
+          <a:noFill/>
+          <a:ln>
+            <a:noFill/>
+          </a:ln>
+        </p:spPr>
+        <p:style>
+          <a:lnRef idx="0"/>
+          <a:fillRef idx="0"/>
+          <a:effectRef idx="0"/>
+          <a:fontRef idx="minor"/>
+        </p:style>
+        <p:txBody>
+          <a:bodyPr wrap="none" lIns="90000" rIns="90000" tIns="45000" bIns="45000"/>
+          <a:p>
+            <a:pPr>
+              <a:lnSpc>
+                <a:spcPct val="100000"/>
+              </a:lnSpc>
+            </a:pPr>
+            <a:r>
+              <a:rPr b="0" lang="en-IN" sz="1800" spc="-1" strike="noStrike">
+                <a:solidFill>
+                  <a:srgbClr val="ffffff"/>
+                </a:solidFill>
+                <a:latin typeface="Candara"/>
+                <a:ea typeface="DejaVu Sans"/>
+              </a:rPr>
+              <a:t>STD</a:t>
+            </a:r>
+            <a:endParaRPr b="0" lang="en-IN" sz="1800" spc="-1" strike="noStrike">
+              <a:latin typeface="Arial"/>
+            </a:endParaRPr>
+          </a:p>
+        </p:txBody>
+      </p:sp>
+      <p:sp>
+        <p:nvSpPr>
+          <p:cNvPr id="245" name="CustomShape 18"/>
+          <p:cNvSpPr/>
+          <p:nvPr/>
+        </p:nvSpPr>
+        <p:spPr>
+          <a:xfrm>
+            <a:off x="5110200" y="6033960"/>
+            <a:ext cx="648720" cy="361440"/>
+          </a:xfrm>
+          <a:prstGeom prst="rect">
+            <a:avLst/>
+          </a:prstGeom>
+          <a:noFill/>
+          <a:ln>
+            <a:noFill/>
+          </a:ln>
+        </p:spPr>
+        <p:style>
+          <a:lnRef idx="0"/>
+          <a:fillRef idx="0"/>
+          <a:effectRef idx="0"/>
+          <a:fontRef idx="minor"/>
+        </p:style>
+      </p:sp>
+      <p:sp>
+        <p:nvSpPr>
+          <p:cNvPr id="246" name="CustomShape 19"/>
+          <p:cNvSpPr/>
+          <p:nvPr/>
+        </p:nvSpPr>
+        <p:spPr>
+          <a:xfrm flipV="1">
+            <a:off x="4501080" y="3004560"/>
+            <a:ext cx="2052000" cy="336600"/>
+          </a:xfrm>
+          <a:custGeom>
+            <a:avLst/>
+            <a:gdLst/>
+            <a:ahLst/>
+            <a:rect l="l" t="t" r="r" b="b"/>
+            <a:pathLst>
+              <a:path w="21600" h="21600">
+                <a:moveTo>
+                  <a:pt x="0" y="0"/>
+                </a:moveTo>
+                <a:lnTo>
+                  <a:pt x="21600" y="21600"/>
+                </a:lnTo>
+              </a:path>
+            </a:pathLst>
+          </a:custGeom>
+          <a:noFill/>
+          <a:ln>
+            <a:solidFill>
+              <a:srgbClr val="a90000"/>
+            </a:solidFill>
+            <a:round/>
+            <a:tailEnd len="med" type="triangle" w="med"/>
+          </a:ln>
+        </p:spPr>
+        <p:style>
+          <a:lnRef idx="1">
+            <a:schemeClr val="accent1"/>
+          </a:lnRef>
+          <a:fillRef idx="0">
+            <a:schemeClr val="accent1"/>
+          </a:fillRef>
+          <a:effectRef idx="0">
+            <a:schemeClr val="accent1"/>
+          </a:effectRef>
+          <a:fontRef idx="minor"/>
+        </p:style>
+      </p:sp>
+      <p:sp>
+        <p:nvSpPr>
+          <p:cNvPr id="247" name="CustomShape 20"/>
+          <p:cNvSpPr/>
+          <p:nvPr/>
+        </p:nvSpPr>
+        <p:spPr>
+          <a:xfrm>
+            <a:off x="6414120" y="2813400"/>
+            <a:ext cx="1296720" cy="361440"/>
+          </a:xfrm>
+          <a:prstGeom prst="rect">
+            <a:avLst/>
+          </a:prstGeom>
+          <a:noFill/>
+          <a:ln>
+            <a:noFill/>
+          </a:ln>
+        </p:spPr>
+        <p:style>
+          <a:lnRef idx="0"/>
+          <a:fillRef idx="0"/>
+          <a:effectRef idx="0"/>
+          <a:fontRef idx="minor"/>
+        </p:style>
+        <p:txBody>
+          <a:bodyPr wrap="none" lIns="90000" rIns="90000" tIns="45000" bIns="45000"/>
+          <a:p>
+            <a:pPr>
+              <a:lnSpc>
+                <a:spcPct val="100000"/>
+              </a:lnSpc>
+            </a:pPr>
+            <a:r>
+              <a:rPr b="0" lang="en-IN" sz="1800" spc="-1" strike="noStrike">
+                <a:solidFill>
+                  <a:srgbClr val="ffffff"/>
+                </a:solidFill>
+                <a:latin typeface="Candara"/>
+                <a:ea typeface="DejaVu Sans"/>
+              </a:rPr>
+              <a:t>Skewness</a:t>
+            </a:r>
+            <a:endParaRPr b="0" lang="en-IN" sz="1800" spc="-1" strike="noStrike">
+              <a:latin typeface="Arial"/>
+            </a:endParaRPr>
+          </a:p>
+        </p:txBody>
+      </p:sp>
+      <p:sp>
+        <p:nvSpPr>
+          <p:cNvPr id="248" name="CustomShape 21"/>
+          <p:cNvSpPr/>
+          <p:nvPr/>
+        </p:nvSpPr>
+        <p:spPr>
+          <a:xfrm>
+            <a:off x="4457520" y="4150800"/>
+            <a:ext cx="1641600" cy="1120680"/>
+          </a:xfrm>
+          <a:custGeom>
+            <a:avLst/>
+            <a:gdLst/>
+            <a:ahLst/>
+            <a:rect l="l" t="t" r="r" b="b"/>
+            <a:pathLst>
+              <a:path w="21600" h="21600">
+                <a:moveTo>
+                  <a:pt x="0" y="0"/>
+                </a:moveTo>
+                <a:lnTo>
+                  <a:pt x="21600" y="21600"/>
+                </a:lnTo>
+              </a:path>
+            </a:pathLst>
+          </a:custGeom>
+          <a:noFill/>
+          <a:ln>
+            <a:solidFill>
+              <a:srgbClr val="a90000"/>
+            </a:solidFill>
+            <a:round/>
+            <a:tailEnd len="med" type="triangle" w="med"/>
+          </a:ln>
+        </p:spPr>
+        <p:style>
+          <a:lnRef idx="1">
+            <a:schemeClr val="accent1"/>
+          </a:lnRef>
+          <a:fillRef idx="0">
+            <a:schemeClr val="accent1"/>
+          </a:fillRef>
+          <a:effectRef idx="0">
+            <a:schemeClr val="accent1"/>
+          </a:effectRef>
+          <a:fontRef idx="minor"/>
+        </p:style>
+      </p:sp>
+      <p:sp>
+        <p:nvSpPr>
+          <p:cNvPr id="249" name="CustomShape 22"/>
+          <p:cNvSpPr/>
+          <p:nvPr/>
+        </p:nvSpPr>
+        <p:spPr>
+          <a:xfrm>
+            <a:off x="5992200" y="5096160"/>
+            <a:ext cx="914040" cy="361440"/>
+          </a:xfrm>
+          <a:prstGeom prst="rect">
+            <a:avLst/>
+          </a:prstGeom>
+          <a:noFill/>
+          <a:ln>
+            <a:noFill/>
+          </a:ln>
+        </p:spPr>
+        <p:style>
+          <a:lnRef idx="0"/>
+          <a:fillRef idx="0"/>
+          <a:effectRef idx="0"/>
+          <a:fontRef idx="minor"/>
+        </p:style>
+        <p:txBody>
+          <a:bodyPr wrap="none" lIns="90000" rIns="90000" tIns="45000" bIns="45000"/>
+          <a:p>
+            <a:pPr>
+              <a:lnSpc>
+                <a:spcPct val="100000"/>
+              </a:lnSpc>
+            </a:pPr>
+            <a:r>
+              <a:rPr b="0" lang="en-IN" sz="1800" spc="-1" strike="noStrike">
+                <a:solidFill>
+                  <a:srgbClr val="ffffff"/>
+                </a:solidFill>
+                <a:latin typeface="Candara"/>
+                <a:ea typeface="DejaVu Sans"/>
+              </a:rPr>
+              <a:t>Sp.ent</a:t>
+            </a:r>
+            <a:endParaRPr b="0" lang="en-IN" sz="1800" spc="-1" strike="noStrike">
+              <a:latin typeface="Arial"/>
+            </a:endParaRPr>
+          </a:p>
+        </p:txBody>
+      </p:sp>
+      <p:sp>
+        <p:nvSpPr>
+          <p:cNvPr id="250" name="CustomShape 23"/>
+          <p:cNvSpPr/>
+          <p:nvPr/>
+        </p:nvSpPr>
+        <p:spPr>
+          <a:xfrm>
+            <a:off x="4473720" y="3978000"/>
+            <a:ext cx="1823040" cy="810360"/>
+          </a:xfrm>
+          <a:custGeom>
+            <a:avLst/>
+            <a:gdLst/>
+            <a:ahLst/>
+            <a:rect l="l" t="t" r="r" b="b"/>
+            <a:pathLst>
+              <a:path w="21600" h="21600">
+                <a:moveTo>
+                  <a:pt x="0" y="0"/>
+                </a:moveTo>
+                <a:lnTo>
+                  <a:pt x="21600" y="21600"/>
+                </a:lnTo>
+              </a:path>
+            </a:pathLst>
+          </a:custGeom>
+          <a:noFill/>
+          <a:ln>
+            <a:solidFill>
+              <a:srgbClr val="a90000"/>
+            </a:solidFill>
+            <a:round/>
+            <a:tailEnd len="med" type="triangle" w="med"/>
+          </a:ln>
+        </p:spPr>
+        <p:style>
+          <a:lnRef idx="1">
+            <a:schemeClr val="accent1"/>
+          </a:lnRef>
+          <a:fillRef idx="0">
+            <a:schemeClr val="accent1"/>
+          </a:fillRef>
+          <a:effectRef idx="0">
+            <a:schemeClr val="accent1"/>
+          </a:effectRef>
+          <a:fontRef idx="minor"/>
+        </p:style>
+      </p:sp>
+      <p:sp>
+        <p:nvSpPr>
+          <p:cNvPr id="251" name="CustomShape 24"/>
+          <p:cNvSpPr/>
+          <p:nvPr/>
+        </p:nvSpPr>
+        <p:spPr>
+          <a:xfrm>
+            <a:off x="6182280" y="4591080"/>
+            <a:ext cx="645840" cy="361440"/>
+          </a:xfrm>
+          <a:prstGeom prst="rect">
+            <a:avLst/>
+          </a:prstGeom>
+          <a:noFill/>
+          <a:ln>
+            <a:noFill/>
+          </a:ln>
+        </p:spPr>
+        <p:style>
+          <a:lnRef idx="0"/>
+          <a:fillRef idx="0"/>
+          <a:effectRef idx="0"/>
+          <a:fontRef idx="minor"/>
+        </p:style>
+        <p:txBody>
+          <a:bodyPr wrap="none" lIns="90000" rIns="90000" tIns="45000" bIns="45000"/>
+          <a:p>
+            <a:pPr>
+              <a:lnSpc>
+                <a:spcPct val="100000"/>
+              </a:lnSpc>
+            </a:pPr>
+            <a:r>
+              <a:rPr b="0" lang="en-IN" sz="1800" spc="-1" strike="noStrike">
+                <a:solidFill>
+                  <a:srgbClr val="ffffff"/>
+                </a:solidFill>
+                <a:latin typeface="Candara"/>
+                <a:ea typeface="DejaVu Sans"/>
+              </a:rPr>
+              <a:t>Q75</a:t>
+            </a:r>
+            <a:endParaRPr b="0" lang="en-IN" sz="1800" spc="-1" strike="noStrike">
+              <a:latin typeface="Arial"/>
+            </a:endParaRPr>
+          </a:p>
+        </p:txBody>
+      </p:sp>
+      <p:sp>
+        <p:nvSpPr>
+          <p:cNvPr id="252" name="CustomShape 25"/>
+          <p:cNvSpPr/>
+          <p:nvPr/>
+        </p:nvSpPr>
+        <p:spPr>
+          <a:xfrm>
+            <a:off x="4502880" y="3732480"/>
+            <a:ext cx="2012400" cy="701640"/>
+          </a:xfrm>
+          <a:custGeom>
+            <a:avLst/>
+            <a:gdLst/>
+            <a:ahLst/>
+            <a:rect l="l" t="t" r="r" b="b"/>
+            <a:pathLst>
+              <a:path w="21600" h="21600">
+                <a:moveTo>
+                  <a:pt x="0" y="0"/>
+                </a:moveTo>
+                <a:lnTo>
+                  <a:pt x="21600" y="21600"/>
+                </a:lnTo>
+              </a:path>
+            </a:pathLst>
+          </a:custGeom>
+          <a:noFill/>
+          <a:ln>
+            <a:solidFill>
+              <a:srgbClr val="a90000"/>
+            </a:solidFill>
+            <a:round/>
+            <a:tailEnd len="med" type="triangle" w="med"/>
+          </a:ln>
+        </p:spPr>
+        <p:style>
+          <a:lnRef idx="1">
+            <a:schemeClr val="accent1"/>
+          </a:lnRef>
+          <a:fillRef idx="0">
+            <a:schemeClr val="accent1"/>
+          </a:fillRef>
+          <a:effectRef idx="0">
+            <a:schemeClr val="accent1"/>
+          </a:effectRef>
+          <a:fontRef idx="minor"/>
+        </p:style>
+      </p:sp>
+      <p:sp>
+        <p:nvSpPr>
+          <p:cNvPr id="253" name="CustomShape 26"/>
+          <p:cNvSpPr/>
+          <p:nvPr/>
+        </p:nvSpPr>
+        <p:spPr>
+          <a:xfrm>
+            <a:off x="6517800" y="4267080"/>
+            <a:ext cx="645840" cy="361440"/>
+          </a:xfrm>
+          <a:prstGeom prst="rect">
+            <a:avLst/>
+          </a:prstGeom>
+          <a:noFill/>
+          <a:ln>
+            <a:noFill/>
+          </a:ln>
+        </p:spPr>
+        <p:style>
+          <a:lnRef idx="0"/>
+          <a:fillRef idx="0"/>
+          <a:effectRef idx="0"/>
+          <a:fontRef idx="minor"/>
+        </p:style>
+        <p:txBody>
+          <a:bodyPr wrap="none" lIns="90000" rIns="90000" tIns="45000" bIns="45000"/>
+          <a:p>
+            <a:pPr>
+              <a:lnSpc>
+                <a:spcPct val="100000"/>
+              </a:lnSpc>
+            </a:pPr>
+            <a:r>
+              <a:rPr b="0" lang="en-IN" sz="1800" spc="-1" strike="noStrike">
+                <a:solidFill>
+                  <a:srgbClr val="ffffff"/>
+                </a:solidFill>
+                <a:latin typeface="Candara"/>
+                <a:ea typeface="DejaVu Sans"/>
+              </a:rPr>
+              <a:t>Q25</a:t>
+            </a:r>
+            <a:endParaRPr b="0" lang="en-IN" sz="1800" spc="-1" strike="noStrike">
+              <a:latin typeface="Arial"/>
+            </a:endParaRPr>
+          </a:p>
+        </p:txBody>
+      </p:sp>
+      <p:sp>
+        <p:nvSpPr>
+          <p:cNvPr id="254" name="CustomShape 27"/>
+          <p:cNvSpPr/>
+          <p:nvPr/>
+        </p:nvSpPr>
+        <p:spPr>
+          <a:xfrm>
+            <a:off x="8506440" y="1237680"/>
+            <a:ext cx="466560" cy="5162040"/>
+          </a:xfrm>
+          <a:prstGeom prst="rightBrace">
+            <a:avLst>
+              <a:gd name="adj1" fmla="val 8333"/>
+              <a:gd name="adj2" fmla="val 50000"/>
+            </a:avLst>
+          </a:prstGeom>
+          <a:noFill/>
+          <a:ln>
+            <a:solidFill>
+              <a:srgbClr val="a90000"/>
+            </a:solidFill>
+            <a:round/>
+          </a:ln>
+        </p:spPr>
+        <p:style>
+          <a:lnRef idx="1">
+            <a:schemeClr val="accent1"/>
+          </a:lnRef>
+          <a:fillRef idx="0">
+            <a:schemeClr val="accent1"/>
+          </a:fillRef>
+          <a:effectRef idx="0">
+            <a:schemeClr val="accent1"/>
+          </a:effectRef>
+          <a:fontRef idx="minor"/>
+        </p:style>
+      </p:sp>
+      <p:sp>
+        <p:nvSpPr>
+          <p:cNvPr id="255" name="CustomShape 28"/>
+          <p:cNvSpPr/>
+          <p:nvPr/>
+        </p:nvSpPr>
+        <p:spPr>
+          <a:xfrm>
+            <a:off x="9259560" y="3636000"/>
+            <a:ext cx="2250720" cy="361440"/>
+          </a:xfrm>
+          <a:prstGeom prst="rect">
+            <a:avLst/>
+          </a:prstGeom>
+          <a:noFill/>
+          <a:ln>
+            <a:noFill/>
+          </a:ln>
+        </p:spPr>
+        <p:style>
+          <a:lnRef idx="0"/>
+          <a:fillRef idx="0"/>
+          <a:effectRef idx="0"/>
+          <a:fontRef idx="minor"/>
+        </p:style>
+        <p:txBody>
+          <a:bodyPr wrap="none" lIns="90000" rIns="90000" tIns="45000" bIns="45000"/>
+          <a:p>
+            <a:pPr>
+              <a:lnSpc>
+                <a:spcPct val="100000"/>
+              </a:lnSpc>
+            </a:pPr>
+            <a:r>
+              <a:rPr b="0" lang="en-IN" sz="1800" spc="-1" strike="noStrike">
+                <a:solidFill>
+                  <a:srgbClr val="ffffff"/>
+                </a:solidFill>
+                <a:latin typeface="Candara"/>
+                <a:ea typeface="DejaVu Sans"/>
+              </a:rPr>
+              <a:t>Extracted Dataset</a:t>
             </a:r>
             <a:endParaRPr b="0" lang="en-IN" sz="1800" spc="-1" strike="noStrike">
               <a:latin typeface="Arial"/>
@@ -16376,10 +16836,10 @@
   <p:timing>
     <p:tnLst>
       <p:par>
-        <p:cTn id="35" dur="indefinite" restart="never" nodeType="tmRoot">
+        <p:cTn id="15" dur="indefinite" restart="never" nodeType="tmRoot">
           <p:childTnLst>
             <p:seq>
-              <p:cTn id="36" dur="indefinite" nodeType="mainSeq"/>
+              <p:cTn id="16" dur="indefinite" nodeType="mainSeq"/>
               <p:prevCondLst>
                 <p:cond delay="0" evt="onPrev">
                   <p:tgtEl>
@@ -16422,14 +16882,14 @@
       </p:grpSpPr>
       <p:sp>
         <p:nvSpPr>
-          <p:cNvPr id="246" name="CustomShape 1"/>
+          <p:cNvPr id="256" name="CustomShape 1"/>
           <p:cNvSpPr/>
           <p:nvPr/>
         </p:nvSpPr>
         <p:spPr>
           <a:xfrm>
-            <a:off x="844920" y="391320"/>
-            <a:ext cx="10514160" cy="1324080"/>
+            <a:off x="845280" y="365760"/>
+            <a:ext cx="10512000" cy="1321920"/>
           </a:xfrm>
           <a:prstGeom prst="rect">
             <a:avLst/>
@@ -16461,7 +16921,7 @@
                 <a:latin typeface="Candara"/>
                 <a:ea typeface="DejaVu Sans"/>
               </a:rPr>
-              <a:t>Features Extraction</a:t>
+              <a:t>Dataset Preprocessing</a:t>
             </a:r>
             <a:endParaRPr b="0" lang="en-IN" sz="4400" spc="-1" strike="noStrike">
               <a:latin typeface="Arial"/>
@@ -16471,17 +16931,21 @@
       </p:sp>
       <p:sp>
         <p:nvSpPr>
-          <p:cNvPr id="247" name="CustomShape 2"/>
+          <p:cNvPr id="257" name="CustomShape 2"/>
           <p:cNvSpPr/>
           <p:nvPr/>
         </p:nvSpPr>
         <p:spPr>
           <a:xfrm>
-            <a:off x="639000" y="1691280"/>
-            <a:ext cx="3862080" cy="4081320"/>
-          </a:xfrm>
-          <a:prstGeom prst="ellipse">
-            <a:avLst/>
+            <a:off x="2859120" y="3915000"/>
+            <a:ext cx="6191280" cy="1774080"/>
+          </a:xfrm>
+          <a:prstGeom prst="leftRightUpArrow">
+            <a:avLst>
+              <a:gd name="adj1" fmla="val 25000"/>
+              <a:gd name="adj2" fmla="val 25000"/>
+              <a:gd name="adj3" fmla="val 25000"/>
+            </a:avLst>
           </a:prstGeom>
           <a:ln>
             <a:round/>
@@ -16501,383 +16965,17 @@
           </a:effectRef>
           <a:fontRef idx="minor"/>
         </p:style>
-        <p:txBody>
-          <a:bodyPr lIns="90000" rIns="90000" tIns="45000" bIns="45000" anchor="ctr"/>
-          <a:p>
-            <a:pPr algn="ctr">
-              <a:lnSpc>
-                <a:spcPct val="100000"/>
-              </a:lnSpc>
-            </a:pPr>
-            <a:r>
-              <a:rPr b="0" lang="en-IN" sz="1800" spc="-1" strike="noStrike">
-                <a:solidFill>
-                  <a:srgbClr val="ffffff"/>
-                </a:solidFill>
-                <a:latin typeface="Candara"/>
-                <a:ea typeface="DejaVu Sans"/>
-              </a:rPr>
-              <a:t>Transformed Audio Data</a:t>
-            </a:r>
-            <a:endParaRPr b="0" lang="en-IN" sz="1800" spc="-1" strike="noStrike">
-              <a:latin typeface="Arial"/>
-            </a:endParaRPr>
-          </a:p>
-        </p:txBody>
-      </p:sp>
-      <p:sp>
-        <p:nvSpPr>
-          <p:cNvPr id="248" name="CustomShape 3"/>
+      </p:sp>
+      <p:sp>
+        <p:nvSpPr>
+          <p:cNvPr id="258" name="CustomShape 3"/>
           <p:cNvSpPr/>
           <p:nvPr/>
         </p:nvSpPr>
         <p:spPr>
-          <a:xfrm flipV="1">
-            <a:off x="4391640" y="2033280"/>
-            <a:ext cx="1531080" cy="977400"/>
-          </a:xfrm>
-          <a:custGeom>
-            <a:avLst/>
-            <a:gdLst/>
-            <a:ahLst/>
-            <a:rect l="l" t="t" r="r" b="b"/>
-            <a:pathLst>
-              <a:path w="21600" h="21600">
-                <a:moveTo>
-                  <a:pt x="0" y="0"/>
-                </a:moveTo>
-                <a:lnTo>
-                  <a:pt x="21600" y="21600"/>
-                </a:lnTo>
-              </a:path>
-            </a:pathLst>
-          </a:custGeom>
-          <a:noFill/>
-          <a:ln>
-            <a:solidFill>
-              <a:srgbClr val="a90000"/>
-            </a:solidFill>
-            <a:round/>
-            <a:tailEnd len="med" type="triangle" w="med"/>
-          </a:ln>
-        </p:spPr>
-        <p:style>
-          <a:lnRef idx="1">
-            <a:schemeClr val="accent1"/>
-          </a:lnRef>
-          <a:fillRef idx="0">
-            <a:schemeClr val="accent1"/>
-          </a:fillRef>
-          <a:effectRef idx="0">
-            <a:schemeClr val="accent1"/>
-          </a:effectRef>
-          <a:fontRef idx="minor"/>
-        </p:style>
-      </p:sp>
-      <p:sp>
-        <p:nvSpPr>
-          <p:cNvPr id="249" name="CustomShape 4"/>
-          <p:cNvSpPr/>
-          <p:nvPr/>
-        </p:nvSpPr>
-        <p:spPr>
-          <a:xfrm flipV="1">
-            <a:off x="4430160" y="2625840"/>
-            <a:ext cx="1729080" cy="591120"/>
-          </a:xfrm>
-          <a:custGeom>
-            <a:avLst/>
-            <a:gdLst/>
-            <a:ahLst/>
-            <a:rect l="l" t="t" r="r" b="b"/>
-            <a:pathLst>
-              <a:path w="21600" h="21600">
-                <a:moveTo>
-                  <a:pt x="0" y="0"/>
-                </a:moveTo>
-                <a:lnTo>
-                  <a:pt x="21600" y="21600"/>
-                </a:lnTo>
-              </a:path>
-            </a:pathLst>
-          </a:custGeom>
-          <a:noFill/>
-          <a:ln>
-            <a:solidFill>
-              <a:srgbClr val="a90000"/>
-            </a:solidFill>
-            <a:round/>
-            <a:tailEnd len="med" type="triangle" w="med"/>
-          </a:ln>
-        </p:spPr>
-        <p:style>
-          <a:lnRef idx="1">
-            <a:schemeClr val="accent1"/>
-          </a:lnRef>
-          <a:fillRef idx="0">
-            <a:schemeClr val="accent1"/>
-          </a:fillRef>
-          <a:effectRef idx="0">
-            <a:schemeClr val="accent1"/>
-          </a:effectRef>
-          <a:fontRef idx="minor"/>
-        </p:style>
-      </p:sp>
-      <p:sp>
-        <p:nvSpPr>
-          <p:cNvPr id="250" name="CustomShape 5"/>
-          <p:cNvSpPr/>
-          <p:nvPr/>
-        </p:nvSpPr>
-        <p:spPr>
-          <a:xfrm flipV="1">
-            <a:off x="4502880" y="3398760"/>
-            <a:ext cx="1896480" cy="101520"/>
-          </a:xfrm>
-          <a:custGeom>
-            <a:avLst/>
-            <a:gdLst/>
-            <a:ahLst/>
-            <a:rect l="l" t="t" r="r" b="b"/>
-            <a:pathLst>
-              <a:path w="21600" h="21600">
-                <a:moveTo>
-                  <a:pt x="0" y="0"/>
-                </a:moveTo>
-                <a:lnTo>
-                  <a:pt x="21600" y="21600"/>
-                </a:lnTo>
-              </a:path>
-            </a:pathLst>
-          </a:custGeom>
-          <a:noFill/>
-          <a:ln>
-            <a:solidFill>
-              <a:srgbClr val="a90000"/>
-            </a:solidFill>
-            <a:round/>
-            <a:tailEnd len="med" type="triangle" w="med"/>
-          </a:ln>
-        </p:spPr>
-        <p:style>
-          <a:lnRef idx="1">
-            <a:schemeClr val="accent1"/>
-          </a:lnRef>
-          <a:fillRef idx="0">
-            <a:schemeClr val="accent1"/>
-          </a:fillRef>
-          <a:effectRef idx="0">
-            <a:schemeClr val="accent1"/>
-          </a:effectRef>
-          <a:fontRef idx="minor"/>
-        </p:style>
-      </p:sp>
-      <p:sp>
-        <p:nvSpPr>
-          <p:cNvPr id="251" name="CustomShape 6"/>
-          <p:cNvSpPr/>
-          <p:nvPr/>
-        </p:nvSpPr>
-        <p:spPr>
-          <a:xfrm>
-            <a:off x="4502880" y="3577680"/>
-            <a:ext cx="1986840" cy="215640"/>
-          </a:xfrm>
-          <a:custGeom>
-            <a:avLst/>
-            <a:gdLst/>
-            <a:ahLst/>
-            <a:rect l="l" t="t" r="r" b="b"/>
-            <a:pathLst>
-              <a:path w="21600" h="21600">
-                <a:moveTo>
-                  <a:pt x="0" y="0"/>
-                </a:moveTo>
-                <a:lnTo>
-                  <a:pt x="21600" y="21600"/>
-                </a:lnTo>
-              </a:path>
-            </a:pathLst>
-          </a:custGeom>
-          <a:noFill/>
-          <a:ln>
-            <a:solidFill>
-              <a:srgbClr val="a90000"/>
-            </a:solidFill>
-            <a:round/>
-            <a:tailEnd len="med" type="triangle" w="med"/>
-          </a:ln>
-        </p:spPr>
-        <p:style>
-          <a:lnRef idx="1">
-            <a:schemeClr val="accent1"/>
-          </a:lnRef>
-          <a:fillRef idx="0">
-            <a:schemeClr val="accent1"/>
-          </a:fillRef>
-          <a:effectRef idx="0">
-            <a:schemeClr val="accent1"/>
-          </a:effectRef>
-          <a:fontRef idx="minor"/>
-        </p:style>
-      </p:sp>
-      <p:sp>
-        <p:nvSpPr>
-          <p:cNvPr id="252" name="CustomShape 7"/>
-          <p:cNvSpPr/>
-          <p:nvPr/>
-        </p:nvSpPr>
-        <p:spPr>
-          <a:xfrm>
-            <a:off x="4391640" y="4339080"/>
-            <a:ext cx="1632960" cy="1327320"/>
-          </a:xfrm>
-          <a:custGeom>
-            <a:avLst/>
-            <a:gdLst/>
-            <a:ahLst/>
-            <a:rect l="l" t="t" r="r" b="b"/>
-            <a:pathLst>
-              <a:path w="21600" h="21600">
-                <a:moveTo>
-                  <a:pt x="0" y="0"/>
-                </a:moveTo>
-                <a:lnTo>
-                  <a:pt x="21600" y="21600"/>
-                </a:lnTo>
-              </a:path>
-            </a:pathLst>
-          </a:custGeom>
-          <a:noFill/>
-          <a:ln>
-            <a:solidFill>
-              <a:srgbClr val="a90000"/>
-            </a:solidFill>
-            <a:round/>
-            <a:tailEnd len="med" type="triangle" w="med"/>
-          </a:ln>
-        </p:spPr>
-        <p:style>
-          <a:lnRef idx="1">
-            <a:schemeClr val="accent1"/>
-          </a:lnRef>
-          <a:fillRef idx="0">
-            <a:schemeClr val="accent1"/>
-          </a:fillRef>
-          <a:effectRef idx="0">
-            <a:schemeClr val="accent1"/>
-          </a:effectRef>
-          <a:fontRef idx="minor"/>
-        </p:style>
-      </p:sp>
-      <p:sp>
-        <p:nvSpPr>
-          <p:cNvPr id="253" name="CustomShape 8"/>
-          <p:cNvSpPr/>
-          <p:nvPr/>
-        </p:nvSpPr>
-        <p:spPr>
-          <a:xfrm>
-            <a:off x="4329000" y="4545360"/>
-            <a:ext cx="1336320" cy="1407600"/>
-          </a:xfrm>
-          <a:custGeom>
-            <a:avLst/>
-            <a:gdLst/>
-            <a:ahLst/>
-            <a:rect l="l" t="t" r="r" b="b"/>
-            <a:pathLst>
-              <a:path w="21600" h="21600">
-                <a:moveTo>
-                  <a:pt x="0" y="0"/>
-                </a:moveTo>
-                <a:lnTo>
-                  <a:pt x="21600" y="21600"/>
-                </a:lnTo>
-              </a:path>
-            </a:pathLst>
-          </a:custGeom>
-          <a:noFill/>
-          <a:ln>
-            <a:solidFill>
-              <a:srgbClr val="a90000"/>
-            </a:solidFill>
-            <a:round/>
-            <a:tailEnd len="med" type="triangle" w="med"/>
-          </a:ln>
-        </p:spPr>
-        <p:style>
-          <a:lnRef idx="1">
-            <a:schemeClr val="accent1"/>
-          </a:lnRef>
-          <a:fillRef idx="0">
-            <a:schemeClr val="accent1"/>
-          </a:fillRef>
-          <a:effectRef idx="0">
-            <a:schemeClr val="accent1"/>
-          </a:effectRef>
-          <a:fontRef idx="minor"/>
-        </p:style>
-      </p:sp>
-      <p:sp>
-        <p:nvSpPr>
-          <p:cNvPr id="254" name="CustomShape 9"/>
-          <p:cNvSpPr/>
-          <p:nvPr/>
-        </p:nvSpPr>
-        <p:spPr>
-          <a:xfrm flipV="1">
-            <a:off x="4262760" y="1439280"/>
-            <a:ext cx="1518120" cy="1267560"/>
-          </a:xfrm>
-          <a:custGeom>
-            <a:avLst/>
-            <a:gdLst/>
-            <a:ahLst/>
-            <a:rect l="l" t="t" r="r" b="b"/>
-            <a:pathLst>
-              <a:path w="21600" h="21600">
-                <a:moveTo>
-                  <a:pt x="0" y="0"/>
-                </a:moveTo>
-                <a:lnTo>
-                  <a:pt x="21600" y="21600"/>
-                </a:lnTo>
-              </a:path>
-            </a:pathLst>
-          </a:custGeom>
-          <a:noFill/>
-          <a:ln>
-            <a:solidFill>
-              <a:srgbClr val="a90000"/>
-            </a:solidFill>
-            <a:round/>
-            <a:tailEnd len="med" type="triangle" w="med"/>
-          </a:ln>
-        </p:spPr>
-        <p:style>
-          <a:lnRef idx="1">
-            <a:schemeClr val="accent1"/>
-          </a:lnRef>
-          <a:fillRef idx="0">
-            <a:schemeClr val="accent1"/>
-          </a:fillRef>
-          <a:effectRef idx="0">
-            <a:schemeClr val="accent1"/>
-          </a:effectRef>
-          <a:fontRef idx="minor"/>
-        </p:style>
-      </p:sp>
-      <p:sp>
-        <p:nvSpPr>
-          <p:cNvPr id="255" name="CustomShape 10"/>
-          <p:cNvSpPr/>
-          <p:nvPr/>
-        </p:nvSpPr>
-        <p:spPr>
-          <a:xfrm>
-            <a:off x="5733360" y="1237680"/>
-            <a:ext cx="583920" cy="363600"/>
+          <a:xfrm>
+            <a:off x="4477320" y="3322800"/>
+            <a:ext cx="2954520" cy="361440"/>
           </a:xfrm>
           <a:prstGeom prst="rect">
             <a:avLst/>
@@ -16909,7 +17007,7 @@
                 <a:latin typeface="Candara"/>
                 <a:ea typeface="DejaVu Sans"/>
               </a:rPr>
-              <a:t>IQR</a:t>
+              <a:t>Taking Care of Nonvalue</a:t>
             </a:r>
             <a:endParaRPr b="0" lang="en-IN" sz="1800" spc="-1" strike="noStrike">
               <a:latin typeface="Arial"/>
@@ -16919,14 +17017,14 @@
       </p:sp>
       <p:sp>
         <p:nvSpPr>
-          <p:cNvPr id="256" name="CustomShape 11"/>
+          <p:cNvPr id="259" name="CustomShape 4"/>
           <p:cNvSpPr/>
           <p:nvPr/>
         </p:nvSpPr>
         <p:spPr>
           <a:xfrm>
-            <a:off x="5864040" y="1791720"/>
-            <a:ext cx="1009080" cy="363600"/>
+            <a:off x="669960" y="5108400"/>
+            <a:ext cx="1919880" cy="361440"/>
           </a:xfrm>
           <a:prstGeom prst="rect">
             <a:avLst/>
@@ -16958,7 +17056,7 @@
                 <a:latin typeface="Candara"/>
                 <a:ea typeface="DejaVu Sans"/>
               </a:rPr>
-              <a:t>Median</a:t>
+              <a:t>Label Encoding</a:t>
             </a:r>
             <a:endParaRPr b="0" lang="en-IN" sz="1800" spc="-1" strike="noStrike">
               <a:latin typeface="Arial"/>
@@ -16968,14 +17066,14 @@
       </p:sp>
       <p:sp>
         <p:nvSpPr>
-          <p:cNvPr id="257" name="CustomShape 12"/>
+          <p:cNvPr id="260" name="CustomShape 5"/>
           <p:cNvSpPr/>
           <p:nvPr/>
         </p:nvSpPr>
         <p:spPr>
           <a:xfrm>
-            <a:off x="6020640" y="2435760"/>
-            <a:ext cx="800280" cy="363600"/>
+            <a:off x="9015840" y="5022720"/>
+            <a:ext cx="3070440" cy="361440"/>
           </a:xfrm>
           <a:prstGeom prst="rect">
             <a:avLst/>
@@ -17007,734 +17105,7 @@
                 <a:latin typeface="Candara"/>
                 <a:ea typeface="DejaVu Sans"/>
               </a:rPr>
-              <a:t>Mode</a:t>
-            </a:r>
-            <a:endParaRPr b="0" lang="en-IN" sz="1800" spc="-1" strike="noStrike">
-              <a:latin typeface="Arial"/>
-            </a:endParaRPr>
-          </a:p>
-        </p:txBody>
-      </p:sp>
-      <p:sp>
-        <p:nvSpPr>
-          <p:cNvPr id="258" name="CustomShape 13"/>
-          <p:cNvSpPr/>
-          <p:nvPr/>
-        </p:nvSpPr>
-        <p:spPr>
-          <a:xfrm>
-            <a:off x="6246720" y="3137400"/>
-            <a:ext cx="2018160" cy="363600"/>
-          </a:xfrm>
-          <a:prstGeom prst="rect">
-            <a:avLst/>
-          </a:prstGeom>
-          <a:noFill/>
-          <a:ln>
-            <a:noFill/>
-          </a:ln>
-        </p:spPr>
-        <p:style>
-          <a:lnRef idx="0"/>
-          <a:fillRef idx="0"/>
-          <a:effectRef idx="0"/>
-          <a:fontRef idx="minor"/>
-        </p:style>
-        <p:txBody>
-          <a:bodyPr wrap="none" lIns="90000" rIns="90000" tIns="45000" bIns="45000"/>
-          <a:p>
-            <a:pPr>
-              <a:lnSpc>
-                <a:spcPct val="100000"/>
-              </a:lnSpc>
-            </a:pPr>
-            <a:r>
-              <a:rPr b="0" lang="en-IN" sz="1800" spc="-1" strike="noStrike">
-                <a:solidFill>
-                  <a:srgbClr val="ffffff"/>
-                </a:solidFill>
-                <a:latin typeface="Candara"/>
-                <a:ea typeface="DejaVu Sans"/>
-              </a:rPr>
-              <a:t>Mean frequency</a:t>
-            </a:r>
-            <a:endParaRPr b="0" lang="en-IN" sz="1800" spc="-1" strike="noStrike">
-              <a:latin typeface="Arial"/>
-            </a:endParaRPr>
-          </a:p>
-        </p:txBody>
-      </p:sp>
-      <p:sp>
-        <p:nvSpPr>
-          <p:cNvPr id="259" name="CustomShape 14"/>
-          <p:cNvSpPr/>
-          <p:nvPr/>
-        </p:nvSpPr>
-        <p:spPr>
-          <a:xfrm>
-            <a:off x="6346080" y="3550680"/>
-            <a:ext cx="1088280" cy="363600"/>
-          </a:xfrm>
-          <a:prstGeom prst="rect">
-            <a:avLst/>
-          </a:prstGeom>
-          <a:noFill/>
-          <a:ln>
-            <a:noFill/>
-          </a:ln>
-        </p:spPr>
-        <p:style>
-          <a:lnRef idx="0"/>
-          <a:fillRef idx="0"/>
-          <a:effectRef idx="0"/>
-          <a:fontRef idx="minor"/>
-        </p:style>
-        <p:txBody>
-          <a:bodyPr wrap="none" lIns="90000" rIns="90000" tIns="45000" bIns="45000"/>
-          <a:p>
-            <a:pPr>
-              <a:lnSpc>
-                <a:spcPct val="100000"/>
-              </a:lnSpc>
-            </a:pPr>
-            <a:r>
-              <a:rPr b="0" lang="en-IN" sz="1800" spc="-1" strike="noStrike">
-                <a:solidFill>
-                  <a:srgbClr val="ffffff"/>
-                </a:solidFill>
-                <a:latin typeface="Candara"/>
-                <a:ea typeface="DejaVu Sans"/>
-              </a:rPr>
-              <a:t>Kurtosis</a:t>
-            </a:r>
-            <a:endParaRPr b="0" lang="en-IN" sz="1800" spc="-1" strike="noStrike">
-              <a:latin typeface="Arial"/>
-            </a:endParaRPr>
-          </a:p>
-        </p:txBody>
-      </p:sp>
-      <p:sp>
-        <p:nvSpPr>
-          <p:cNvPr id="260" name="CustomShape 15"/>
-          <p:cNvSpPr/>
-          <p:nvPr/>
-        </p:nvSpPr>
-        <p:spPr>
-          <a:xfrm>
-            <a:off x="6492240" y="3883320"/>
-            <a:ext cx="943560" cy="363600"/>
-          </a:xfrm>
-          <a:prstGeom prst="rect">
-            <a:avLst/>
-          </a:prstGeom>
-          <a:noFill/>
-          <a:ln>
-            <a:noFill/>
-          </a:ln>
-        </p:spPr>
-        <p:style>
-          <a:lnRef idx="0"/>
-          <a:fillRef idx="0"/>
-          <a:effectRef idx="0"/>
-          <a:fontRef idx="minor"/>
-        </p:style>
-      </p:sp>
-      <p:sp>
-        <p:nvSpPr>
-          <p:cNvPr id="261" name="CustomShape 16"/>
-          <p:cNvSpPr/>
-          <p:nvPr/>
-        </p:nvSpPr>
-        <p:spPr>
-          <a:xfrm>
-            <a:off x="5914800" y="5483520"/>
-            <a:ext cx="1150920" cy="363600"/>
-          </a:xfrm>
-          <a:prstGeom prst="rect">
-            <a:avLst/>
-          </a:prstGeom>
-          <a:noFill/>
-          <a:ln>
-            <a:noFill/>
-          </a:ln>
-        </p:spPr>
-        <p:style>
-          <a:lnRef idx="0"/>
-          <a:fillRef idx="0"/>
-          <a:effectRef idx="0"/>
-          <a:fontRef idx="minor"/>
-        </p:style>
-        <p:txBody>
-          <a:bodyPr wrap="none" lIns="90000" rIns="90000" tIns="45000" bIns="45000"/>
-          <a:p>
-            <a:pPr>
-              <a:lnSpc>
-                <a:spcPct val="100000"/>
-              </a:lnSpc>
-            </a:pPr>
-            <a:r>
-              <a:rPr b="0" lang="en-IN" sz="1800" spc="-1" strike="noStrike">
-                <a:solidFill>
-                  <a:srgbClr val="ffffff"/>
-                </a:solidFill>
-                <a:latin typeface="Candara"/>
-                <a:ea typeface="DejaVu Sans"/>
-              </a:rPr>
-              <a:t>Centroid</a:t>
-            </a:r>
-            <a:endParaRPr b="0" lang="en-IN" sz="1800" spc="-1" strike="noStrike">
-              <a:latin typeface="Arial"/>
-            </a:endParaRPr>
-          </a:p>
-        </p:txBody>
-      </p:sp>
-      <p:sp>
-        <p:nvSpPr>
-          <p:cNvPr id="262" name="CustomShape 17"/>
-          <p:cNvSpPr/>
-          <p:nvPr/>
-        </p:nvSpPr>
-        <p:spPr>
-          <a:xfrm>
-            <a:off x="5603760" y="5787720"/>
-            <a:ext cx="640440" cy="363600"/>
-          </a:xfrm>
-          <a:prstGeom prst="rect">
-            <a:avLst/>
-          </a:prstGeom>
-          <a:noFill/>
-          <a:ln>
-            <a:noFill/>
-          </a:ln>
-        </p:spPr>
-        <p:style>
-          <a:lnRef idx="0"/>
-          <a:fillRef idx="0"/>
-          <a:effectRef idx="0"/>
-          <a:fontRef idx="minor"/>
-        </p:style>
-        <p:txBody>
-          <a:bodyPr wrap="none" lIns="90000" rIns="90000" tIns="45000" bIns="45000"/>
-          <a:p>
-            <a:pPr>
-              <a:lnSpc>
-                <a:spcPct val="100000"/>
-              </a:lnSpc>
-            </a:pPr>
-            <a:r>
-              <a:rPr b="0" lang="en-IN" sz="1800" spc="-1" strike="noStrike">
-                <a:solidFill>
-                  <a:srgbClr val="ffffff"/>
-                </a:solidFill>
-                <a:latin typeface="Candara"/>
-                <a:ea typeface="DejaVu Sans"/>
-              </a:rPr>
-              <a:t>STD</a:t>
-            </a:r>
-            <a:endParaRPr b="0" lang="en-IN" sz="1800" spc="-1" strike="noStrike">
-              <a:latin typeface="Arial"/>
-            </a:endParaRPr>
-          </a:p>
-        </p:txBody>
-      </p:sp>
-      <p:sp>
-        <p:nvSpPr>
-          <p:cNvPr id="263" name="CustomShape 18"/>
-          <p:cNvSpPr/>
-          <p:nvPr/>
-        </p:nvSpPr>
-        <p:spPr>
-          <a:xfrm>
-            <a:off x="5110200" y="6033960"/>
-            <a:ext cx="650880" cy="363600"/>
-          </a:xfrm>
-          <a:prstGeom prst="rect">
-            <a:avLst/>
-          </a:prstGeom>
-          <a:noFill/>
-          <a:ln>
-            <a:noFill/>
-          </a:ln>
-        </p:spPr>
-        <p:style>
-          <a:lnRef idx="0"/>
-          <a:fillRef idx="0"/>
-          <a:effectRef idx="0"/>
-          <a:fontRef idx="minor"/>
-        </p:style>
-      </p:sp>
-      <p:sp>
-        <p:nvSpPr>
-          <p:cNvPr id="264" name="CustomShape 19"/>
-          <p:cNvSpPr/>
-          <p:nvPr/>
-        </p:nvSpPr>
-        <p:spPr>
-          <a:xfrm flipV="1">
-            <a:off x="4501080" y="3006720"/>
-            <a:ext cx="2054160" cy="338760"/>
-          </a:xfrm>
-          <a:custGeom>
-            <a:avLst/>
-            <a:gdLst/>
-            <a:ahLst/>
-            <a:rect l="l" t="t" r="r" b="b"/>
-            <a:pathLst>
-              <a:path w="21600" h="21600">
-                <a:moveTo>
-                  <a:pt x="0" y="0"/>
-                </a:moveTo>
-                <a:lnTo>
-                  <a:pt x="21600" y="21600"/>
-                </a:lnTo>
-              </a:path>
-            </a:pathLst>
-          </a:custGeom>
-          <a:noFill/>
-          <a:ln>
-            <a:solidFill>
-              <a:srgbClr val="a90000"/>
-            </a:solidFill>
-            <a:round/>
-            <a:tailEnd len="med" type="triangle" w="med"/>
-          </a:ln>
-        </p:spPr>
-        <p:style>
-          <a:lnRef idx="1">
-            <a:schemeClr val="accent1"/>
-          </a:lnRef>
-          <a:fillRef idx="0">
-            <a:schemeClr val="accent1"/>
-          </a:fillRef>
-          <a:effectRef idx="0">
-            <a:schemeClr val="accent1"/>
-          </a:effectRef>
-          <a:fontRef idx="minor"/>
-        </p:style>
-      </p:sp>
-      <p:sp>
-        <p:nvSpPr>
-          <p:cNvPr id="265" name="CustomShape 20"/>
-          <p:cNvSpPr/>
-          <p:nvPr/>
-        </p:nvSpPr>
-        <p:spPr>
-          <a:xfrm>
-            <a:off x="6414120" y="2813400"/>
-            <a:ext cx="1298880" cy="363600"/>
-          </a:xfrm>
-          <a:prstGeom prst="rect">
-            <a:avLst/>
-          </a:prstGeom>
-          <a:noFill/>
-          <a:ln>
-            <a:noFill/>
-          </a:ln>
-        </p:spPr>
-        <p:style>
-          <a:lnRef idx="0"/>
-          <a:fillRef idx="0"/>
-          <a:effectRef idx="0"/>
-          <a:fontRef idx="minor"/>
-        </p:style>
-        <p:txBody>
-          <a:bodyPr wrap="none" lIns="90000" rIns="90000" tIns="45000" bIns="45000"/>
-          <a:p>
-            <a:pPr>
-              <a:lnSpc>
-                <a:spcPct val="100000"/>
-              </a:lnSpc>
-            </a:pPr>
-            <a:r>
-              <a:rPr b="0" lang="en-IN" sz="1800" spc="-1" strike="noStrike">
-                <a:solidFill>
-                  <a:srgbClr val="ffffff"/>
-                </a:solidFill>
-                <a:latin typeface="Candara"/>
-                <a:ea typeface="DejaVu Sans"/>
-              </a:rPr>
-              <a:t>Skewness</a:t>
-            </a:r>
-            <a:endParaRPr b="0" lang="en-IN" sz="1800" spc="-1" strike="noStrike">
-              <a:latin typeface="Arial"/>
-            </a:endParaRPr>
-          </a:p>
-        </p:txBody>
-      </p:sp>
-      <p:sp>
-        <p:nvSpPr>
-          <p:cNvPr id="266" name="CustomShape 21"/>
-          <p:cNvSpPr/>
-          <p:nvPr/>
-        </p:nvSpPr>
-        <p:spPr>
-          <a:xfrm>
-            <a:off x="4457520" y="4150800"/>
-            <a:ext cx="1643760" cy="1122840"/>
-          </a:xfrm>
-          <a:custGeom>
-            <a:avLst/>
-            <a:gdLst/>
-            <a:ahLst/>
-            <a:rect l="l" t="t" r="r" b="b"/>
-            <a:pathLst>
-              <a:path w="21600" h="21600">
-                <a:moveTo>
-                  <a:pt x="0" y="0"/>
-                </a:moveTo>
-                <a:lnTo>
-                  <a:pt x="21600" y="21600"/>
-                </a:lnTo>
-              </a:path>
-            </a:pathLst>
-          </a:custGeom>
-          <a:noFill/>
-          <a:ln>
-            <a:solidFill>
-              <a:srgbClr val="a90000"/>
-            </a:solidFill>
-            <a:round/>
-            <a:tailEnd len="med" type="triangle" w="med"/>
-          </a:ln>
-        </p:spPr>
-        <p:style>
-          <a:lnRef idx="1">
-            <a:schemeClr val="accent1"/>
-          </a:lnRef>
-          <a:fillRef idx="0">
-            <a:schemeClr val="accent1"/>
-          </a:fillRef>
-          <a:effectRef idx="0">
-            <a:schemeClr val="accent1"/>
-          </a:effectRef>
-          <a:fontRef idx="minor"/>
-        </p:style>
-      </p:sp>
-      <p:sp>
-        <p:nvSpPr>
-          <p:cNvPr id="267" name="CustomShape 22"/>
-          <p:cNvSpPr/>
-          <p:nvPr/>
-        </p:nvSpPr>
-        <p:spPr>
-          <a:xfrm>
-            <a:off x="5992200" y="5096160"/>
-            <a:ext cx="916200" cy="363600"/>
-          </a:xfrm>
-          <a:prstGeom prst="rect">
-            <a:avLst/>
-          </a:prstGeom>
-          <a:noFill/>
-          <a:ln>
-            <a:noFill/>
-          </a:ln>
-        </p:spPr>
-        <p:style>
-          <a:lnRef idx="0"/>
-          <a:fillRef idx="0"/>
-          <a:effectRef idx="0"/>
-          <a:fontRef idx="minor"/>
-        </p:style>
-        <p:txBody>
-          <a:bodyPr wrap="none" lIns="90000" rIns="90000" tIns="45000" bIns="45000"/>
-          <a:p>
-            <a:pPr>
-              <a:lnSpc>
-                <a:spcPct val="100000"/>
-              </a:lnSpc>
-            </a:pPr>
-            <a:r>
-              <a:rPr b="0" lang="en-IN" sz="1800" spc="-1" strike="noStrike">
-                <a:solidFill>
-                  <a:srgbClr val="ffffff"/>
-                </a:solidFill>
-                <a:latin typeface="Candara"/>
-                <a:ea typeface="DejaVu Sans"/>
-              </a:rPr>
-              <a:t>Sp.ent</a:t>
-            </a:r>
-            <a:endParaRPr b="0" lang="en-IN" sz="1800" spc="-1" strike="noStrike">
-              <a:latin typeface="Arial"/>
-            </a:endParaRPr>
-          </a:p>
-        </p:txBody>
-      </p:sp>
-      <p:sp>
-        <p:nvSpPr>
-          <p:cNvPr id="268" name="CustomShape 23"/>
-          <p:cNvSpPr/>
-          <p:nvPr/>
-        </p:nvSpPr>
-        <p:spPr>
-          <a:xfrm>
-            <a:off x="4473720" y="3978000"/>
-            <a:ext cx="1825200" cy="812520"/>
-          </a:xfrm>
-          <a:custGeom>
-            <a:avLst/>
-            <a:gdLst/>
-            <a:ahLst/>
-            <a:rect l="l" t="t" r="r" b="b"/>
-            <a:pathLst>
-              <a:path w="21600" h="21600">
-                <a:moveTo>
-                  <a:pt x="0" y="0"/>
-                </a:moveTo>
-                <a:lnTo>
-                  <a:pt x="21600" y="21600"/>
-                </a:lnTo>
-              </a:path>
-            </a:pathLst>
-          </a:custGeom>
-          <a:noFill/>
-          <a:ln>
-            <a:solidFill>
-              <a:srgbClr val="a90000"/>
-            </a:solidFill>
-            <a:round/>
-            <a:tailEnd len="med" type="triangle" w="med"/>
-          </a:ln>
-        </p:spPr>
-        <p:style>
-          <a:lnRef idx="1">
-            <a:schemeClr val="accent1"/>
-          </a:lnRef>
-          <a:fillRef idx="0">
-            <a:schemeClr val="accent1"/>
-          </a:fillRef>
-          <a:effectRef idx="0">
-            <a:schemeClr val="accent1"/>
-          </a:effectRef>
-          <a:fontRef idx="minor"/>
-        </p:style>
-      </p:sp>
-      <p:sp>
-        <p:nvSpPr>
-          <p:cNvPr id="269" name="CustomShape 24"/>
-          <p:cNvSpPr/>
-          <p:nvPr/>
-        </p:nvSpPr>
-        <p:spPr>
-          <a:xfrm>
-            <a:off x="6182280" y="4591080"/>
-            <a:ext cx="648000" cy="363600"/>
-          </a:xfrm>
-          <a:prstGeom prst="rect">
-            <a:avLst/>
-          </a:prstGeom>
-          <a:noFill/>
-          <a:ln>
-            <a:noFill/>
-          </a:ln>
-        </p:spPr>
-        <p:style>
-          <a:lnRef idx="0"/>
-          <a:fillRef idx="0"/>
-          <a:effectRef idx="0"/>
-          <a:fontRef idx="minor"/>
-        </p:style>
-        <p:txBody>
-          <a:bodyPr wrap="none" lIns="90000" rIns="90000" tIns="45000" bIns="45000"/>
-          <a:p>
-            <a:pPr>
-              <a:lnSpc>
-                <a:spcPct val="100000"/>
-              </a:lnSpc>
-            </a:pPr>
-            <a:r>
-              <a:rPr b="0" lang="en-IN" sz="1800" spc="-1" strike="noStrike">
-                <a:solidFill>
-                  <a:srgbClr val="ffffff"/>
-                </a:solidFill>
-                <a:latin typeface="Candara"/>
-                <a:ea typeface="DejaVu Sans"/>
-              </a:rPr>
-              <a:t>Q75</a:t>
-            </a:r>
-            <a:endParaRPr b="0" lang="en-IN" sz="1800" spc="-1" strike="noStrike">
-              <a:latin typeface="Arial"/>
-            </a:endParaRPr>
-          </a:p>
-        </p:txBody>
-      </p:sp>
-      <p:sp>
-        <p:nvSpPr>
-          <p:cNvPr id="270" name="CustomShape 25"/>
-          <p:cNvSpPr/>
-          <p:nvPr/>
-        </p:nvSpPr>
-        <p:spPr>
-          <a:xfrm>
-            <a:off x="4502880" y="3732480"/>
-            <a:ext cx="2014560" cy="703800"/>
-          </a:xfrm>
-          <a:custGeom>
-            <a:avLst/>
-            <a:gdLst/>
-            <a:ahLst/>
-            <a:rect l="l" t="t" r="r" b="b"/>
-            <a:pathLst>
-              <a:path w="21600" h="21600">
-                <a:moveTo>
-                  <a:pt x="0" y="0"/>
-                </a:moveTo>
-                <a:lnTo>
-                  <a:pt x="21600" y="21600"/>
-                </a:lnTo>
-              </a:path>
-            </a:pathLst>
-          </a:custGeom>
-          <a:noFill/>
-          <a:ln>
-            <a:solidFill>
-              <a:srgbClr val="a90000"/>
-            </a:solidFill>
-            <a:round/>
-            <a:tailEnd len="med" type="triangle" w="med"/>
-          </a:ln>
-        </p:spPr>
-        <p:style>
-          <a:lnRef idx="1">
-            <a:schemeClr val="accent1"/>
-          </a:lnRef>
-          <a:fillRef idx="0">
-            <a:schemeClr val="accent1"/>
-          </a:fillRef>
-          <a:effectRef idx="0">
-            <a:schemeClr val="accent1"/>
-          </a:effectRef>
-          <a:fontRef idx="minor"/>
-        </p:style>
-      </p:sp>
-      <p:sp>
-        <p:nvSpPr>
-          <p:cNvPr id="271" name="CustomShape 26"/>
-          <p:cNvSpPr/>
-          <p:nvPr/>
-        </p:nvSpPr>
-        <p:spPr>
-          <a:xfrm>
-            <a:off x="6517800" y="4267080"/>
-            <a:ext cx="648000" cy="363600"/>
-          </a:xfrm>
-          <a:prstGeom prst="rect">
-            <a:avLst/>
-          </a:prstGeom>
-          <a:noFill/>
-          <a:ln>
-            <a:noFill/>
-          </a:ln>
-        </p:spPr>
-        <p:style>
-          <a:lnRef idx="0"/>
-          <a:fillRef idx="0"/>
-          <a:effectRef idx="0"/>
-          <a:fontRef idx="minor"/>
-        </p:style>
-        <p:txBody>
-          <a:bodyPr wrap="none" lIns="90000" rIns="90000" tIns="45000" bIns="45000"/>
-          <a:p>
-            <a:pPr>
-              <a:lnSpc>
-                <a:spcPct val="100000"/>
-              </a:lnSpc>
-            </a:pPr>
-            <a:r>
-              <a:rPr b="0" lang="en-IN" sz="1800" spc="-1" strike="noStrike">
-                <a:solidFill>
-                  <a:srgbClr val="ffffff"/>
-                </a:solidFill>
-                <a:latin typeface="Candara"/>
-                <a:ea typeface="DejaVu Sans"/>
-              </a:rPr>
-              <a:t>Q25</a:t>
-            </a:r>
-            <a:endParaRPr b="0" lang="en-IN" sz="1800" spc="-1" strike="noStrike">
-              <a:latin typeface="Arial"/>
-            </a:endParaRPr>
-          </a:p>
-        </p:txBody>
-      </p:sp>
-      <p:sp>
-        <p:nvSpPr>
-          <p:cNvPr id="272" name="CustomShape 27"/>
-          <p:cNvSpPr/>
-          <p:nvPr/>
-        </p:nvSpPr>
-        <p:spPr>
-          <a:xfrm>
-            <a:off x="8506440" y="1237680"/>
-            <a:ext cx="468720" cy="5164200"/>
-          </a:xfrm>
-          <a:prstGeom prst="rightBrace">
-            <a:avLst>
-              <a:gd name="adj1" fmla="val 8333"/>
-              <a:gd name="adj2" fmla="val 50000"/>
-            </a:avLst>
-          </a:prstGeom>
-          <a:noFill/>
-          <a:ln>
-            <a:solidFill>
-              <a:srgbClr val="a90000"/>
-            </a:solidFill>
-            <a:round/>
-          </a:ln>
-        </p:spPr>
-        <p:style>
-          <a:lnRef idx="1">
-            <a:schemeClr val="accent1"/>
-          </a:lnRef>
-          <a:fillRef idx="0">
-            <a:schemeClr val="accent1"/>
-          </a:fillRef>
-          <a:effectRef idx="0">
-            <a:schemeClr val="accent1"/>
-          </a:effectRef>
-          <a:fontRef idx="minor"/>
-        </p:style>
-      </p:sp>
-      <p:sp>
-        <p:nvSpPr>
-          <p:cNvPr id="273" name="CustomShape 28"/>
-          <p:cNvSpPr/>
-          <p:nvPr/>
-        </p:nvSpPr>
-        <p:spPr>
-          <a:xfrm>
-            <a:off x="9259560" y="3636000"/>
-            <a:ext cx="2252880" cy="363600"/>
-          </a:xfrm>
-          <a:prstGeom prst="rect">
-            <a:avLst/>
-          </a:prstGeom>
-          <a:noFill/>
-          <a:ln>
-            <a:noFill/>
-          </a:ln>
-        </p:spPr>
-        <p:style>
-          <a:lnRef idx="0"/>
-          <a:fillRef idx="0"/>
-          <a:effectRef idx="0"/>
-          <a:fontRef idx="minor"/>
-        </p:style>
-        <p:txBody>
-          <a:bodyPr wrap="none" lIns="90000" rIns="90000" tIns="45000" bIns="45000"/>
-          <a:p>
-            <a:pPr>
-              <a:lnSpc>
-                <a:spcPct val="100000"/>
-              </a:lnSpc>
-            </a:pPr>
-            <a:r>
-              <a:rPr b="0" lang="en-IN" sz="1800" spc="-1" strike="noStrike">
-                <a:solidFill>
-                  <a:srgbClr val="ffffff"/>
-                </a:solidFill>
-                <a:latin typeface="Candara"/>
-                <a:ea typeface="DejaVu Sans"/>
-              </a:rPr>
-              <a:t>Extracted Dataset</a:t>
+              <a:t>Feature Scaling(Min Max)</a:t>
             </a:r>
             <a:endParaRPr b="0" lang="en-IN" sz="1800" spc="-1" strike="noStrike">
               <a:latin typeface="Arial"/>
@@ -17755,10 +17126,10 @@
   <p:timing>
     <p:tnLst>
       <p:par>
-        <p:cTn id="37" dur="indefinite" restart="never" nodeType="tmRoot">
+        <p:cTn id="17" dur="indefinite" restart="never" nodeType="tmRoot">
           <p:childTnLst>
             <p:seq>
-              <p:cTn id="38" dur="indefinite" nodeType="mainSeq"/>
+              <p:cTn id="18" dur="indefinite" nodeType="mainSeq"/>
               <p:prevCondLst>
                 <p:cond delay="0" evt="onPrev">
                   <p:tgtEl>

--- a/Gender Detection System using FFT with ANN.pptx
+++ b/Gender Detection System using FFT with ANN.pptx
@@ -6610,7 +6610,7 @@
         <p:spPr>
           <a:xfrm>
             <a:off x="1352520" y="792000"/>
-            <a:ext cx="9301320" cy="575280"/>
+            <a:ext cx="9300960" cy="574920"/>
           </a:xfrm>
           <a:prstGeom prst="rect">
             <a:avLst/>
@@ -6709,7 +6709,7 @@
         <p:spPr>
           <a:xfrm>
             <a:off x="5184000" y="3024000"/>
-            <a:ext cx="1155600" cy="362160"/>
+            <a:ext cx="1155240" cy="361800"/>
           </a:xfrm>
           <a:prstGeom prst="rect">
             <a:avLst/>
@@ -6758,7 +6758,7 @@
         <p:spPr>
           <a:xfrm>
             <a:off x="2338200" y="2198160"/>
-            <a:ext cx="8305920" cy="575280"/>
+            <a:ext cx="8305560" cy="574920"/>
           </a:xfrm>
           <a:prstGeom prst="rect">
             <a:avLst/>
@@ -6784,7 +6784,7 @@
         <p:spPr>
           <a:xfrm>
             <a:off x="1170720" y="4608720"/>
-            <a:ext cx="1131120" cy="362160"/>
+            <a:ext cx="1130760" cy="361800"/>
           </a:xfrm>
           <a:prstGeom prst="rect">
             <a:avLst/>
@@ -6833,7 +6833,7 @@
         <p:spPr>
           <a:xfrm>
             <a:off x="1152000" y="5035680"/>
-            <a:ext cx="4902840" cy="362160"/>
+            <a:ext cx="4902480" cy="361800"/>
           </a:xfrm>
           <a:prstGeom prst="rect">
             <a:avLst/>
@@ -6882,7 +6882,7 @@
         <p:spPr>
           <a:xfrm>
             <a:off x="1073160" y="6048000"/>
-            <a:ext cx="5332680" cy="362160"/>
+            <a:ext cx="5332320" cy="361800"/>
           </a:xfrm>
           <a:prstGeom prst="rect">
             <a:avLst/>
@@ -6931,7 +6931,7 @@
         <p:spPr>
           <a:xfrm>
             <a:off x="1154160" y="5616000"/>
-            <a:ext cx="2661840" cy="344160"/>
+            <a:ext cx="2661480" cy="343800"/>
           </a:xfrm>
           <a:prstGeom prst="rect">
             <a:avLst/>
@@ -6983,8 +6983,8 @@
         </p:blipFill>
         <p:spPr>
           <a:xfrm rot="21550200">
-            <a:off x="5262120" y="1593360"/>
-            <a:ext cx="1581840" cy="1187280"/>
+            <a:off x="5261760" y="1593360"/>
+            <a:ext cx="1581480" cy="1186920"/>
           </a:xfrm>
           <a:prstGeom prst="rect">
             <a:avLst/>
@@ -7003,7 +7003,7 @@
         <p:spPr>
           <a:xfrm>
             <a:off x="1296000" y="3417840"/>
-            <a:ext cx="9141840" cy="540000"/>
+            <a:ext cx="9141480" cy="539640"/>
           </a:xfrm>
           <a:prstGeom prst="rect">
             <a:avLst/>
@@ -7109,7 +7109,7 @@
         <p:spPr>
           <a:xfrm>
             <a:off x="845280" y="365760"/>
-            <a:ext cx="10512000" cy="1321920"/>
+            <a:ext cx="10511640" cy="1321560"/>
           </a:xfrm>
           <a:prstGeom prst="rect">
             <a:avLst/>
@@ -7158,7 +7158,7 @@
         <p:spPr>
           <a:xfrm>
             <a:off x="4546080" y="2227680"/>
-            <a:ext cx="1212480" cy="480960"/>
+            <a:ext cx="1212120" cy="480600"/>
           </a:xfrm>
           <a:prstGeom prst="leftRightArrow">
             <a:avLst>
@@ -7194,7 +7194,7 @@
         <p:spPr>
           <a:xfrm>
             <a:off x="821160" y="2227680"/>
-            <a:ext cx="2383200" cy="361440"/>
+            <a:ext cx="2382840" cy="361080"/>
           </a:xfrm>
           <a:prstGeom prst="rect">
             <a:avLst/>
@@ -7243,7 +7243,7 @@
         <p:spPr>
           <a:xfrm>
             <a:off x="6963120" y="2285640"/>
-            <a:ext cx="1651680" cy="361440"/>
+            <a:ext cx="1651320" cy="361080"/>
           </a:xfrm>
           <a:prstGeom prst="rect">
             <a:avLst/>
@@ -7291,8 +7291,8 @@
         </p:nvSpPr>
         <p:spPr>
           <a:xfrm rot="5400000">
-            <a:off x="7444440" y="3495960"/>
-            <a:ext cx="974880" cy="480960"/>
+            <a:off x="7444800" y="3495960"/>
+            <a:ext cx="974520" cy="480600"/>
           </a:xfrm>
           <a:prstGeom prst="rightArrow">
             <a:avLst>
@@ -7328,7 +7328,7 @@
         <p:spPr>
           <a:xfrm>
             <a:off x="6305400" y="4821480"/>
-            <a:ext cx="3730320" cy="361440"/>
+            <a:ext cx="3729960" cy="361080"/>
           </a:xfrm>
           <a:prstGeom prst="rect">
             <a:avLst/>
@@ -7376,8 +7376,8 @@
         </p:nvSpPr>
         <p:spPr>
           <a:xfrm rot="10800000">
-            <a:off x="11873880" y="8200440"/>
-            <a:ext cx="974880" cy="480960"/>
+            <a:off x="12848760" y="8681400"/>
+            <a:ext cx="974520" cy="480600"/>
           </a:xfrm>
           <a:prstGeom prst="rightArrow">
             <a:avLst>
@@ -7413,7 +7413,7 @@
         <p:spPr>
           <a:xfrm>
             <a:off x="2941200" y="4924800"/>
-            <a:ext cx="1680480" cy="361440"/>
+            <a:ext cx="1680120" cy="361080"/>
           </a:xfrm>
           <a:prstGeom prst="rect">
             <a:avLst/>
@@ -7519,7 +7519,7 @@
         <p:spPr>
           <a:xfrm>
             <a:off x="845280" y="365760"/>
-            <a:ext cx="10512000" cy="1321920"/>
+            <a:ext cx="10511640" cy="1321560"/>
           </a:xfrm>
           <a:prstGeom prst="rect">
             <a:avLst/>
@@ -7572,7 +7572,7 @@
         <p:spPr>
           <a:xfrm>
             <a:off x="2859120" y="2746440"/>
-            <a:ext cx="5521320" cy="2852280"/>
+            <a:ext cx="5520960" cy="2851920"/>
           </a:xfrm>
           <a:prstGeom prst="rect">
             <a:avLst/>
@@ -7591,7 +7591,7 @@
         <p:spPr>
           <a:xfrm>
             <a:off x="1524600" y="2356920"/>
-            <a:ext cx="1640880" cy="361440"/>
+            <a:ext cx="1640520" cy="361080"/>
           </a:xfrm>
           <a:prstGeom prst="rect">
             <a:avLst/>
@@ -7697,7 +7697,7 @@
         <p:spPr>
           <a:xfrm>
             <a:off x="845280" y="365760"/>
-            <a:ext cx="10512000" cy="1321920"/>
+            <a:ext cx="10511640" cy="1321560"/>
           </a:xfrm>
           <a:prstGeom prst="rect">
             <a:avLst/>
@@ -7750,7 +7750,7 @@
         <p:spPr>
           <a:xfrm>
             <a:off x="1790280" y="2066760"/>
-            <a:ext cx="7517520" cy="3879360"/>
+            <a:ext cx="7517160" cy="3879000"/>
           </a:xfrm>
           <a:prstGeom prst="rect">
             <a:avLst/>
@@ -7826,7 +7826,7 @@
         <p:spPr>
           <a:xfrm>
             <a:off x="609480" y="273600"/>
-            <a:ext cx="10969560" cy="1141920"/>
+            <a:ext cx="10969200" cy="1141560"/>
           </a:xfrm>
           <a:prstGeom prst="rect">
             <a:avLst/>
@@ -7879,7 +7879,7 @@
         <p:spPr>
           <a:xfrm>
             <a:off x="1652040" y="1514880"/>
-            <a:ext cx="7229880" cy="4878720"/>
+            <a:ext cx="7229520" cy="4878360"/>
           </a:xfrm>
           <a:prstGeom prst="rect">
             <a:avLst/>
@@ -7959,7 +7959,7 @@
         <p:spPr>
           <a:xfrm>
             <a:off x="1642320" y="447120"/>
-            <a:ext cx="8904240" cy="5960520"/>
+            <a:ext cx="8903880" cy="5960160"/>
           </a:xfrm>
           <a:prstGeom prst="rect">
             <a:avLst/>
@@ -8039,7 +8039,7 @@
         <p:spPr>
           <a:xfrm>
             <a:off x="1594800" y="90000"/>
-            <a:ext cx="8999640" cy="6675120"/>
+            <a:ext cx="8999280" cy="6674760"/>
           </a:xfrm>
           <a:prstGeom prst="rect">
             <a:avLst/>
@@ -8119,7 +8119,7 @@
         <p:spPr>
           <a:xfrm>
             <a:off x="1853280" y="300240"/>
-            <a:ext cx="8373240" cy="6159240"/>
+            <a:ext cx="8372880" cy="6158880"/>
           </a:xfrm>
           <a:prstGeom prst="rect">
             <a:avLst/>
@@ -8199,7 +8199,7 @@
         <p:spPr>
           <a:xfrm>
             <a:off x="1912320" y="313920"/>
-            <a:ext cx="8364240" cy="6268320"/>
+            <a:ext cx="8363880" cy="6267960"/>
           </a:xfrm>
           <a:prstGeom prst="rect">
             <a:avLst/>
@@ -8279,7 +8279,7 @@
         <p:spPr>
           <a:xfrm>
             <a:off x="0" y="1800"/>
-            <a:ext cx="12189240" cy="6851880"/>
+            <a:ext cx="12188880" cy="6851520"/>
           </a:xfrm>
           <a:prstGeom prst="rect">
             <a:avLst/>
@@ -8359,7 +8359,7 @@
         <p:spPr>
           <a:xfrm>
             <a:off x="0" y="1800"/>
-            <a:ext cx="12189240" cy="6851880"/>
+            <a:ext cx="12188880" cy="6851520"/>
           </a:xfrm>
           <a:prstGeom prst="rect">
             <a:avLst/>
@@ -8435,7 +8435,7 @@
         <p:spPr>
           <a:xfrm>
             <a:off x="838080" y="274680"/>
-            <a:ext cx="10814400" cy="1321920"/>
+            <a:ext cx="10814040" cy="1321560"/>
           </a:xfrm>
           <a:prstGeom prst="rect">
             <a:avLst/>
@@ -8506,7 +8506,7 @@
         <p:spPr>
           <a:xfrm>
             <a:off x="701640" y="2647800"/>
-            <a:ext cx="3963240" cy="2767680"/>
+            <a:ext cx="3962880" cy="2767320"/>
           </a:xfrm>
           <a:prstGeom prst="rect">
             <a:avLst/>
@@ -8525,7 +8525,7 @@
         <p:spPr>
           <a:xfrm>
             <a:off x="4885920" y="3903120"/>
-            <a:ext cx="975600" cy="481680"/>
+            <a:ext cx="975240" cy="481320"/>
           </a:xfrm>
           <a:prstGeom prst="rightArrow">
             <a:avLst>
@@ -8561,7 +8561,7 @@
         <p:spPr>
           <a:xfrm>
             <a:off x="6085440" y="3961080"/>
-            <a:ext cx="658800" cy="362160"/>
+            <a:ext cx="658440" cy="361800"/>
           </a:xfrm>
           <a:prstGeom prst="rect">
             <a:avLst/>
@@ -8610,7 +8610,7 @@
         <p:spPr>
           <a:xfrm>
             <a:off x="6750360" y="3903120"/>
-            <a:ext cx="975600" cy="481680"/>
+            <a:ext cx="975240" cy="481320"/>
           </a:xfrm>
           <a:prstGeom prst="rightArrow">
             <a:avLst>
@@ -8645,13 +8645,13 @@
         </p:nvPicPr>
         <p:blipFill>
           <a:blip r:embed="rId2"/>
-          <a:srcRect l="59472" t="0" r="0" b="0"/>
+          <a:srcRect l="59460" t="0" r="0" b="0"/>
           <a:stretch/>
         </p:blipFill>
         <p:spPr>
           <a:xfrm>
             <a:off x="8256960" y="2647800"/>
-            <a:ext cx="3286080" cy="2767680"/>
+            <a:ext cx="3285720" cy="2767320"/>
           </a:xfrm>
           <a:prstGeom prst="rect">
             <a:avLst/>
@@ -8731,7 +8731,7 @@
         <p:spPr>
           <a:xfrm>
             <a:off x="0" y="1800"/>
-            <a:ext cx="12189240" cy="6851880"/>
+            <a:ext cx="12188880" cy="6851520"/>
           </a:xfrm>
           <a:prstGeom prst="rect">
             <a:avLst/>
@@ -8807,7 +8807,7 @@
         <p:spPr>
           <a:xfrm>
             <a:off x="609480" y="273600"/>
-            <a:ext cx="10969560" cy="1141920"/>
+            <a:ext cx="10969200" cy="1141560"/>
           </a:xfrm>
           <a:prstGeom prst="rect">
             <a:avLst/>
@@ -8833,7 +8833,7 @@
         <p:spPr>
           <a:xfrm>
             <a:off x="609480" y="1604520"/>
-            <a:ext cx="10969560" cy="3974400"/>
+            <a:ext cx="10969200" cy="3974040"/>
           </a:xfrm>
           <a:prstGeom prst="rect">
             <a:avLst/>
@@ -8863,7 +8863,7 @@
         <p:spPr>
           <a:xfrm>
             <a:off x="0" y="1800"/>
-            <a:ext cx="12189240" cy="6851880"/>
+            <a:ext cx="12188880" cy="6851520"/>
           </a:xfrm>
           <a:prstGeom prst="rect">
             <a:avLst/>
@@ -8943,7 +8943,7 @@
         <p:spPr>
           <a:xfrm>
             <a:off x="0" y="1800"/>
-            <a:ext cx="12189240" cy="6851880"/>
+            <a:ext cx="12188880" cy="6851520"/>
           </a:xfrm>
           <a:prstGeom prst="rect">
             <a:avLst/>
@@ -9023,7 +9023,7 @@
         <p:spPr>
           <a:xfrm>
             <a:off x="0" y="1800"/>
-            <a:ext cx="12189240" cy="6851880"/>
+            <a:ext cx="12188880" cy="6851520"/>
           </a:xfrm>
           <a:prstGeom prst="rect">
             <a:avLst/>
@@ -9099,7 +9099,7 @@
         <p:spPr>
           <a:xfrm>
             <a:off x="845280" y="365760"/>
-            <a:ext cx="10512000" cy="1321920"/>
+            <a:ext cx="10511640" cy="1321560"/>
           </a:xfrm>
           <a:prstGeom prst="rect">
             <a:avLst/>
@@ -9148,7 +9148,7 @@
         <p:spPr>
           <a:xfrm>
             <a:off x="881280" y="1906200"/>
-            <a:ext cx="1916640" cy="361440"/>
+            <a:ext cx="1916280" cy="361080"/>
           </a:xfrm>
           <a:prstGeom prst="rect">
             <a:avLst/>
@@ -9201,7 +9201,7 @@
         <p:spPr>
           <a:xfrm>
             <a:off x="3024000" y="1584000"/>
-            <a:ext cx="8612280" cy="4385520"/>
+            <a:ext cx="8611920" cy="4385160"/>
           </a:xfrm>
           <a:prstGeom prst="rect">
             <a:avLst/>
@@ -9277,7 +9277,7 @@
         <p:spPr>
           <a:xfrm>
             <a:off x="845280" y="365760"/>
-            <a:ext cx="10512000" cy="1321920"/>
+            <a:ext cx="10511640" cy="1321560"/>
           </a:xfrm>
           <a:prstGeom prst="rect">
             <a:avLst/>
@@ -9330,7 +9330,7 @@
         <p:spPr>
           <a:xfrm>
             <a:off x="845280" y="1506600"/>
-            <a:ext cx="7651440" cy="5085360"/>
+            <a:ext cx="7651080" cy="5085000"/>
           </a:xfrm>
           <a:prstGeom prst="rect">
             <a:avLst/>
@@ -9349,7 +9349,7 @@
         <p:spPr>
           <a:xfrm>
             <a:off x="6853320" y="843840"/>
-            <a:ext cx="3290040" cy="361440"/>
+            <a:ext cx="3289680" cy="361080"/>
           </a:xfrm>
           <a:prstGeom prst="rect">
             <a:avLst/>
@@ -9398,7 +9398,7 @@
         <p:spPr>
           <a:xfrm flipV="1">
             <a:off x="6452280" y="2997000"/>
-            <a:ext cx="2585160" cy="2314440"/>
+            <a:ext cx="2584800" cy="2314080"/>
           </a:xfrm>
           <a:custGeom>
             <a:avLst/>
@@ -9447,7 +9447,7 @@
         <p:spPr>
           <a:xfrm>
             <a:off x="8889840" y="2816280"/>
-            <a:ext cx="2259720" cy="361440"/>
+            <a:ext cx="2259360" cy="361080"/>
           </a:xfrm>
           <a:prstGeom prst="rect">
             <a:avLst/>
@@ -9553,7 +9553,7 @@
         <p:spPr>
           <a:xfrm>
             <a:off x="845280" y="365760"/>
-            <a:ext cx="10512000" cy="1321920"/>
+            <a:ext cx="10511640" cy="1321560"/>
           </a:xfrm>
           <a:prstGeom prst="rect">
             <a:avLst/>
@@ -9606,7 +9606,7 @@
         <p:spPr>
           <a:xfrm>
             <a:off x="1190880" y="2306880"/>
-            <a:ext cx="8258760" cy="4079160"/>
+            <a:ext cx="8258400" cy="4078800"/>
           </a:xfrm>
           <a:prstGeom prst="rect">
             <a:avLst/>
@@ -9624,8 +9624,8 @@
         </p:nvSpPr>
         <p:spPr>
           <a:xfrm flipV="1">
-            <a:off x="3348360" y="2057040"/>
-            <a:ext cx="1425960" cy="1348560"/>
+            <a:off x="3348360" y="2056320"/>
+            <a:ext cx="1425600" cy="1348200"/>
           </a:xfrm>
           <a:custGeom>
             <a:avLst/>
@@ -9674,7 +9674,7 @@
         <p:spPr>
           <a:xfrm flipV="1">
             <a:off x="4662000" y="2121480"/>
-            <a:ext cx="202320" cy="1310040"/>
+            <a:ext cx="201960" cy="1309680"/>
           </a:xfrm>
           <a:custGeom>
             <a:avLst/>
@@ -9723,7 +9723,7 @@
         <p:spPr>
           <a:xfrm>
             <a:off x="4795200" y="1691280"/>
-            <a:ext cx="1154880" cy="361440"/>
+            <a:ext cx="1154520" cy="361080"/>
           </a:xfrm>
           <a:prstGeom prst="rect">
             <a:avLst/>
@@ -9829,7 +9829,7 @@
         <p:spPr>
           <a:xfrm>
             <a:off x="845280" y="365760"/>
-            <a:ext cx="10512000" cy="1321920"/>
+            <a:ext cx="10511640" cy="1321560"/>
           </a:xfrm>
           <a:prstGeom prst="rect">
             <a:avLst/>
@@ -9882,7 +9882,7 @@
         <p:spPr>
           <a:xfrm>
             <a:off x="1004400" y="2663640"/>
-            <a:ext cx="8084160" cy="3993120"/>
+            <a:ext cx="8083800" cy="3992760"/>
           </a:xfrm>
           <a:prstGeom prst="rect">
             <a:avLst/>
@@ -9900,8 +9900,8 @@
         </p:nvSpPr>
         <p:spPr>
           <a:xfrm flipV="1">
-            <a:off x="1609920" y="2250360"/>
-            <a:ext cx="1258560" cy="1026720"/>
+            <a:off x="1609920" y="2249640"/>
+            <a:ext cx="1258200" cy="1026360"/>
           </a:xfrm>
           <a:custGeom>
             <a:avLst/>
@@ -9950,7 +9950,7 @@
         <p:spPr>
           <a:xfrm flipV="1">
             <a:off x="1751400" y="2340360"/>
-            <a:ext cx="1181160" cy="1335960"/>
+            <a:ext cx="1180800" cy="1335600"/>
           </a:xfrm>
           <a:custGeom>
             <a:avLst/>
@@ -9999,7 +9999,7 @@
         <p:spPr>
           <a:xfrm>
             <a:off x="2593440" y="1989360"/>
-            <a:ext cx="3867480" cy="361440"/>
+            <a:ext cx="3867120" cy="361080"/>
           </a:xfrm>
           <a:prstGeom prst="rect">
             <a:avLst/>
@@ -10105,7 +10105,7 @@
         <p:spPr>
           <a:xfrm>
             <a:off x="845280" y="365760"/>
-            <a:ext cx="10512000" cy="1321920"/>
+            <a:ext cx="10511640" cy="1321560"/>
           </a:xfrm>
           <a:prstGeom prst="rect">
             <a:avLst/>
@@ -10158,7 +10158,7 @@
         <p:spPr>
           <a:xfrm>
             <a:off x="1970640" y="1828800"/>
-            <a:ext cx="8947080" cy="4347720"/>
+            <a:ext cx="8946720" cy="4347360"/>
           </a:xfrm>
           <a:prstGeom prst="rect">
             <a:avLst/>
@@ -10177,7 +10177,7 @@
         <p:spPr>
           <a:xfrm flipV="1">
             <a:off x="6632640" y="3344760"/>
-            <a:ext cx="833400" cy="150840"/>
+            <a:ext cx="833040" cy="150480"/>
           </a:xfrm>
           <a:custGeom>
             <a:avLst/>
@@ -10226,7 +10226,7 @@
         <p:spPr>
           <a:xfrm>
             <a:off x="5784480" y="2841840"/>
-            <a:ext cx="4334040" cy="361440"/>
+            <a:ext cx="4333680" cy="361080"/>
           </a:xfrm>
           <a:prstGeom prst="rect">
             <a:avLst/>
@@ -10339,7 +10339,7 @@
         <p:spPr>
           <a:xfrm>
             <a:off x="845280" y="365760"/>
-            <a:ext cx="10512000" cy="1321920"/>
+            <a:ext cx="10511640" cy="1321560"/>
           </a:xfrm>
           <a:prstGeom prst="rect">
             <a:avLst/>
@@ -10398,7 +10398,7 @@
         <p:spPr>
           <a:xfrm>
             <a:off x="669600" y="2820600"/>
-            <a:ext cx="2688120" cy="2057040"/>
+            <a:ext cx="2687760" cy="2056680"/>
           </a:xfrm>
           <a:prstGeom prst="ellipse">
             <a:avLst/>
@@ -10454,7 +10454,7 @@
         <p:spPr>
           <a:xfrm>
             <a:off x="3735000" y="3608640"/>
-            <a:ext cx="974880" cy="480960"/>
+            <a:ext cx="974520" cy="480600"/>
           </a:xfrm>
           <a:prstGeom prst="rightArrow">
             <a:avLst>
@@ -10490,7 +10490,7 @@
         <p:spPr>
           <a:xfrm>
             <a:off x="5188680" y="2820600"/>
-            <a:ext cx="2161800" cy="1941120"/>
+            <a:ext cx="2161440" cy="1940760"/>
           </a:xfrm>
           <a:prstGeom prst="roundRect">
             <a:avLst>
@@ -10548,7 +10548,7 @@
         <p:spPr>
           <a:xfrm>
             <a:off x="7727400" y="3608640"/>
-            <a:ext cx="974880" cy="480960"/>
+            <a:ext cx="974520" cy="480600"/>
           </a:xfrm>
           <a:prstGeom prst="rightArrow">
             <a:avLst>
@@ -10584,7 +10584,7 @@
         <p:spPr>
           <a:xfrm>
             <a:off x="9079200" y="2717280"/>
-            <a:ext cx="2278080" cy="2314440"/>
+            <a:ext cx="2277720" cy="2314080"/>
           </a:xfrm>
           <a:prstGeom prst="ellipse">
             <a:avLst/>
@@ -10701,7 +10701,7 @@
         <p:spPr>
           <a:xfrm>
             <a:off x="2707560" y="2149920"/>
-            <a:ext cx="6293160" cy="3540600"/>
+            <a:ext cx="6292800" cy="3540240"/>
           </a:xfrm>
           <a:prstGeom prst="rect">
             <a:avLst/>
@@ -10720,7 +10720,7 @@
         <p:spPr>
           <a:xfrm>
             <a:off x="1195200" y="1159920"/>
-            <a:ext cx="1458720" cy="575280"/>
+            <a:ext cx="1458360" cy="574920"/>
           </a:xfrm>
           <a:prstGeom prst="rect">
             <a:avLst/>
@@ -10830,7 +10830,7 @@
         <p:spPr>
           <a:xfrm>
             <a:off x="1487520" y="720000"/>
-            <a:ext cx="9312120" cy="5217120"/>
+            <a:ext cx="9311760" cy="5216760"/>
           </a:xfrm>
           <a:prstGeom prst="rect">
             <a:avLst/>
@@ -10848,7 +10848,7 @@
         </p:nvGraphicFramePr>
         <p:xfrm>
           <a:off x="3096000" y="2160"/>
-          <a:ext cx="6118920" cy="1077480"/>
+          <a:ext cx="6118560" cy="1077120"/>
         </p:xfrm>
         <a:graphic>
           <a:graphicData uri="http://schemas.openxmlformats.org/presentationml/2006/ole">
@@ -10867,7 +10867,7 @@
                 <p:spPr>
                   <a:xfrm>
                     <a:off x="3096000" y="2160"/>
-                    <a:ext cx="6118920" cy="1077480"/>
+                    <a:ext cx="6118560" cy="1077120"/>
                   </a:xfrm>
                   <a:prstGeom prst="rect">
                     <a:avLst/>
@@ -10947,7 +10947,7 @@
         <p:spPr>
           <a:xfrm>
             <a:off x="3056760" y="545760"/>
-            <a:ext cx="3025440" cy="575280"/>
+            <a:ext cx="3025080" cy="574920"/>
           </a:xfrm>
           <a:prstGeom prst="rect">
             <a:avLst/>
@@ -10996,7 +10996,7 @@
         <p:spPr>
           <a:xfrm>
             <a:off x="2162880" y="3179880"/>
-            <a:ext cx="6560280" cy="1185120"/>
+            <a:ext cx="6559920" cy="1184760"/>
           </a:xfrm>
           <a:prstGeom prst="rect">
             <a:avLst/>
@@ -11015,7 +11015,7 @@
         <p:txBody>
           <a:bodyPr wrap="none" lIns="90000" rIns="90000" tIns="45000" bIns="45000"/>
           <a:p>
-            <a:pPr marL="285840" indent="-282960">
+            <a:pPr marL="285840" indent="-282600">
               <a:lnSpc>
                 <a:spcPct val="100000"/>
               </a:lnSpc>
@@ -11040,7 +11040,7 @@
             </a:endParaRPr>
           </a:p>
           <a:p>
-            <a:pPr marL="285840" indent="-282960">
+            <a:pPr marL="285840" indent="-282600">
               <a:lnSpc>
                 <a:spcPct val="100000"/>
               </a:lnSpc>
@@ -11065,7 +11065,7 @@
             </a:endParaRPr>
           </a:p>
           <a:p>
-            <a:pPr marL="285840" indent="-282960">
+            <a:pPr marL="285840" indent="-282600">
               <a:lnSpc>
                 <a:spcPct val="100000"/>
               </a:lnSpc>
@@ -11090,7 +11090,7 @@
             </a:endParaRPr>
           </a:p>
           <a:p>
-            <a:pPr marL="285840" indent="-282960">
+            <a:pPr marL="285840" indent="-282600">
               <a:lnSpc>
                 <a:spcPct val="100000"/>
               </a:lnSpc>
@@ -11125,7 +11125,7 @@
         <p:spPr>
           <a:xfrm>
             <a:off x="893880" y="2047320"/>
-            <a:ext cx="6178680" cy="362160"/>
+            <a:ext cx="6178320" cy="361800"/>
           </a:xfrm>
           <a:prstGeom prst="rect">
             <a:avLst/>
@@ -11231,7 +11231,7 @@
         <p:spPr>
           <a:xfrm>
             <a:off x="4009680" y="2967480"/>
-            <a:ext cx="4169880" cy="912240"/>
+            <a:ext cx="4169520" cy="911880"/>
           </a:xfrm>
           <a:prstGeom prst="rect">
             <a:avLst/>
@@ -11280,7 +11280,7 @@
         <p:spPr>
           <a:xfrm>
             <a:off x="3945600" y="2967480"/>
-            <a:ext cx="4297680" cy="912240"/>
+            <a:ext cx="4297320" cy="911880"/>
           </a:xfrm>
           <a:prstGeom prst="rect">
             <a:avLst/>
@@ -11305,7 +11305,7 @@
               </a:lnSpc>
             </a:pPr>
             <a:r>
-              <a:rPr b="1" lang="en-IN" sz="5400" spc="29" strike="noStrike">
+              <a:rPr b="1" lang="en-IN" sz="5400" spc="26" strike="noStrike">
                 <a:solidFill>
                   <a:srgbClr val="fefefd"/>
                 </a:solidFill>
@@ -11386,7 +11386,7 @@
         <p:spPr>
           <a:xfrm>
             <a:off x="688320" y="1917000"/>
-            <a:ext cx="6611040" cy="1321920"/>
+            <a:ext cx="6610680" cy="1321560"/>
           </a:xfrm>
           <a:prstGeom prst="rect">
             <a:avLst/>
@@ -11437,9 +11437,9 @@
         <p:grpSpPr>
           <a:xfrm>
             <a:off x="4740480" y="483840"/>
-            <a:ext cx="6055560" cy="5626440"/>
+            <a:ext cx="6055200" cy="5626080"/>
             <a:chOff x="4740480" y="483840"/>
-            <a:chExt cx="6055560" cy="5626440"/>
+            <a:chExt cx="6055200" cy="5626080"/>
           </a:xfrm>
         </p:grpSpPr>
         <p:sp>
@@ -11451,7 +11451,7 @@
           <p:spPr>
             <a:xfrm>
               <a:off x="6445800" y="5190120"/>
-              <a:ext cx="89640" cy="89640"/>
+              <a:ext cx="89280" cy="89280"/>
             </a:xfrm>
             <a:prstGeom prst="ellipse">
               <a:avLst/>
@@ -11526,7 +11526,7 @@
           <p:spPr>
             <a:xfrm>
               <a:off x="6239520" y="5274000"/>
-              <a:ext cx="89640" cy="89640"/>
+              <a:ext cx="89280" cy="89280"/>
             </a:xfrm>
             <a:prstGeom prst="ellipse">
               <a:avLst/>
@@ -11601,7 +11601,7 @@
           <p:spPr>
             <a:xfrm>
               <a:off x="6028560" y="5343480"/>
-              <a:ext cx="89640" cy="89640"/>
+              <a:ext cx="89280" cy="89280"/>
             </a:xfrm>
             <a:prstGeom prst="ellipse">
               <a:avLst/>
@@ -11676,7 +11676,7 @@
           <p:spPr>
             <a:xfrm>
               <a:off x="5814360" y="5397120"/>
-              <a:ext cx="89640" cy="89640"/>
+              <a:ext cx="89280" cy="89280"/>
             </a:xfrm>
             <a:prstGeom prst="ellipse">
               <a:avLst/>
@@ -11751,7 +11751,7 @@
           <p:spPr>
             <a:xfrm>
               <a:off x="7572600" y="4377960"/>
-              <a:ext cx="89640" cy="89640"/>
+              <a:ext cx="89280" cy="89280"/>
             </a:xfrm>
             <a:prstGeom prst="ellipse">
               <a:avLst/>
@@ -11789,7 +11789,7 @@
                   </a:schemeClr>
                 </a:gs>
               </a:gsLst>
-              <a:lin ang="16200000"/>
+              <a:lin ang="5400000"/>
             </a:gradFill>
             <a:ln>
               <a:solidFill>
@@ -11826,7 +11826,7 @@
           <p:spPr>
             <a:xfrm>
               <a:off x="7409160" y="4543560"/>
-              <a:ext cx="89640" cy="89640"/>
+              <a:ext cx="89280" cy="89280"/>
             </a:xfrm>
             <a:prstGeom prst="ellipse">
               <a:avLst/>
@@ -11901,7 +11901,7 @@
           <p:spPr>
             <a:xfrm>
               <a:off x="8249040" y="3371040"/>
-              <a:ext cx="89640" cy="89640"/>
+              <a:ext cx="89280" cy="89280"/>
             </a:xfrm>
             <a:prstGeom prst="ellipse">
               <a:avLst/>
@@ -11976,7 +11976,7 @@
           <p:spPr>
             <a:xfrm>
               <a:off x="8612640" y="2144520"/>
-              <a:ext cx="89640" cy="89640"/>
+              <a:ext cx="89280" cy="89280"/>
             </a:xfrm>
             <a:prstGeom prst="ellipse">
               <a:avLst/>
@@ -12051,7 +12051,7 @@
           <p:spPr>
             <a:xfrm>
               <a:off x="8430840" y="693720"/>
-              <a:ext cx="89640" cy="89640"/>
+              <a:ext cx="89280" cy="89280"/>
             </a:xfrm>
             <a:prstGeom prst="ellipse">
               <a:avLst/>
@@ -12126,7 +12126,7 @@
           <p:spPr>
             <a:xfrm>
               <a:off x="8566200" y="588960"/>
-              <a:ext cx="89640" cy="89640"/>
+              <a:ext cx="89280" cy="89280"/>
             </a:xfrm>
             <a:prstGeom prst="ellipse">
               <a:avLst/>
@@ -12164,7 +12164,7 @@
                   </a:schemeClr>
                 </a:gs>
               </a:gsLst>
-              <a:lin ang="16200000"/>
+              <a:lin ang="5400000"/>
             </a:gradFill>
             <a:ln>
               <a:solidFill>
@@ -12201,7 +12201,7 @@
           <p:spPr>
             <a:xfrm>
               <a:off x="8701920" y="483840"/>
-              <a:ext cx="89640" cy="89640"/>
+              <a:ext cx="89280" cy="89280"/>
             </a:xfrm>
             <a:prstGeom prst="ellipse">
               <a:avLst/>
@@ -12276,7 +12276,7 @@
           <p:spPr>
             <a:xfrm>
               <a:off x="8838000" y="588960"/>
-              <a:ext cx="89640" cy="89640"/>
+              <a:ext cx="89280" cy="89280"/>
             </a:xfrm>
             <a:prstGeom prst="ellipse">
               <a:avLst/>
@@ -12351,7 +12351,7 @@
           <p:spPr>
             <a:xfrm>
               <a:off x="8973360" y="693720"/>
-              <a:ext cx="89640" cy="89640"/>
+              <a:ext cx="89280" cy="89280"/>
             </a:xfrm>
             <a:prstGeom prst="ellipse">
               <a:avLst/>
@@ -12426,7 +12426,7 @@
           <p:spPr>
             <a:xfrm>
               <a:off x="8701920" y="705600"/>
-              <a:ext cx="89640" cy="89640"/>
+              <a:ext cx="89280" cy="89280"/>
             </a:xfrm>
             <a:prstGeom prst="ellipse">
               <a:avLst/>
@@ -12501,7 +12501,7 @@
           <p:spPr>
             <a:xfrm>
               <a:off x="8701920" y="927000"/>
-              <a:ext cx="89640" cy="89640"/>
+              <a:ext cx="89280" cy="89280"/>
             </a:xfrm>
             <a:prstGeom prst="ellipse">
               <a:avLst/>
@@ -12539,7 +12539,7 @@
                   </a:schemeClr>
                 </a:gs>
               </a:gsLst>
-              <a:lin ang="16200000"/>
+              <a:lin ang="5400000"/>
             </a:gradFill>
             <a:ln>
               <a:solidFill>
@@ -12576,7 +12576,7 @@
           <p:spPr>
             <a:xfrm>
               <a:off x="5296680" y="5575680"/>
-              <a:ext cx="2002680" cy="534600"/>
+              <a:ext cx="2002320" cy="534240"/>
             </a:xfrm>
             <a:prstGeom prst="roundRect">
               <a:avLst>
@@ -12671,7 +12671,7 @@
           <p:spPr>
             <a:xfrm>
               <a:off x="4740480" y="5048280"/>
-              <a:ext cx="927000" cy="926640"/>
+              <a:ext cx="926640" cy="926280"/>
             </a:xfrm>
             <a:prstGeom prst="ellipse">
               <a:avLst/>
@@ -12709,7 +12709,7 @@
           <p:spPr>
             <a:xfrm>
               <a:off x="7059600" y="4939560"/>
-              <a:ext cx="2002680" cy="534600"/>
+              <a:ext cx="2002320" cy="534240"/>
             </a:xfrm>
             <a:prstGeom prst="roundRect">
               <a:avLst>
@@ -12804,7 +12804,7 @@
           <p:spPr>
             <a:xfrm>
               <a:off x="6503400" y="4412520"/>
-              <a:ext cx="927000" cy="926640"/>
+              <a:ext cx="926640" cy="926280"/>
             </a:xfrm>
             <a:prstGeom prst="ellipse">
               <a:avLst/>
@@ -12842,7 +12842,7 @@
           <p:spPr>
             <a:xfrm>
               <a:off x="8015760" y="4020840"/>
-              <a:ext cx="2002680" cy="534600"/>
+              <a:ext cx="2002320" cy="534240"/>
             </a:xfrm>
             <a:prstGeom prst="roundRect">
               <a:avLst>
@@ -12937,7 +12937,7 @@
           <p:spPr>
             <a:xfrm>
               <a:off x="7459200" y="3493440"/>
-              <a:ext cx="927000" cy="926640"/>
+              <a:ext cx="926640" cy="926280"/>
             </a:xfrm>
             <a:prstGeom prst="ellipse">
               <a:avLst/>
@@ -12975,7 +12975,7 @@
           <p:spPr>
             <a:xfrm>
               <a:off x="8515080" y="2839320"/>
-              <a:ext cx="2002680" cy="534600"/>
+              <a:ext cx="2002320" cy="534240"/>
             </a:xfrm>
             <a:prstGeom prst="roundRect">
               <a:avLst>
@@ -13070,7 +13070,7 @@
           <p:spPr>
             <a:xfrm>
               <a:off x="7958880" y="2312280"/>
-              <a:ext cx="927000" cy="926640"/>
+              <a:ext cx="926640" cy="926280"/>
             </a:xfrm>
             <a:prstGeom prst="ellipse">
               <a:avLst/>
@@ -13108,7 +13108,7 @@
           <p:spPr>
             <a:xfrm>
               <a:off x="8793360" y="1636920"/>
-              <a:ext cx="2002680" cy="534600"/>
+              <a:ext cx="2002320" cy="534240"/>
             </a:xfrm>
             <a:prstGeom prst="roundRect">
               <a:avLst>
@@ -13148,7 +13148,7 @@
                   </a:schemeClr>
                 </a:gs>
               </a:gsLst>
-              <a:lin ang="16200000"/>
+              <a:lin ang="5400000"/>
             </a:gradFill>
             <a:ln>
               <a:noFill/>
@@ -13203,7 +13203,7 @@
           <p:spPr>
             <a:xfrm>
               <a:off x="8236800" y="1109880"/>
-              <a:ext cx="927000" cy="926640"/>
+              <a:ext cx="926640" cy="926280"/>
             </a:xfrm>
             <a:prstGeom prst="ellipse">
               <a:avLst/>
@@ -13314,7 +13314,7 @@
         <p:spPr>
           <a:xfrm>
             <a:off x="845280" y="365760"/>
-            <a:ext cx="10512000" cy="1321920"/>
+            <a:ext cx="10511640" cy="1321560"/>
           </a:xfrm>
           <a:prstGeom prst="rect">
             <a:avLst/>
@@ -13363,7 +13363,7 @@
         <p:spPr>
           <a:xfrm>
             <a:off x="1308240" y="2912040"/>
-            <a:ext cx="1712520" cy="1558080"/>
+            <a:ext cx="1712160" cy="1557720"/>
           </a:xfrm>
           <a:prstGeom prst="ellipse">
             <a:avLst/>
@@ -13419,7 +13419,7 @@
         <p:spPr>
           <a:xfrm>
             <a:off x="4623840" y="2912040"/>
-            <a:ext cx="2387880" cy="1670400"/>
+            <a:ext cx="2387520" cy="1670040"/>
           </a:xfrm>
           <a:prstGeom prst="roundRect">
             <a:avLst>
@@ -13477,7 +13477,7 @@
         <p:spPr>
           <a:xfrm>
             <a:off x="7192440" y="3471480"/>
-            <a:ext cx="974880" cy="480960"/>
+            <a:ext cx="974520" cy="480600"/>
           </a:xfrm>
           <a:prstGeom prst="rightArrow">
             <a:avLst>
@@ -13513,7 +13513,7 @@
         <p:spPr>
           <a:xfrm>
             <a:off x="3258000" y="3506760"/>
-            <a:ext cx="974880" cy="480960"/>
+            <a:ext cx="974520" cy="480600"/>
           </a:xfrm>
           <a:prstGeom prst="rightArrow">
             <a:avLst>
@@ -13549,7 +13549,7 @@
         <p:spPr>
           <a:xfrm>
             <a:off x="8525160" y="2912040"/>
-            <a:ext cx="1695960" cy="1449360"/>
+            <a:ext cx="1695600" cy="1449000"/>
           </a:xfrm>
           <a:prstGeom prst="ellipse">
             <a:avLst/>
@@ -13605,7 +13605,7 @@
         <p:spPr>
           <a:xfrm>
             <a:off x="1784160" y="2212200"/>
-            <a:ext cx="1381680" cy="452880"/>
+            <a:ext cx="1381320" cy="452520"/>
           </a:xfrm>
           <a:prstGeom prst="rect">
             <a:avLst/>
@@ -13711,7 +13711,7 @@
         <p:spPr>
           <a:xfrm>
             <a:off x="845280" y="365760"/>
-            <a:ext cx="10512000" cy="1321920"/>
+            <a:ext cx="10511640" cy="1321560"/>
           </a:xfrm>
           <a:prstGeom prst="rect">
             <a:avLst/>
@@ -13762,7 +13762,7 @@
             <p:spPr>
               <a:xfrm>
                 <a:off x="1656000" y="2034360"/>
-                <a:ext cx="751680" cy="411480"/>
+                <a:ext cx="751320" cy="411120"/>
               </a:xfrm>
               <a:prstGeom prst="rect">
                 <a:avLst/>
@@ -13863,7 +13863,7 @@
             <p:spPr>
               <a:xfrm>
                 <a:off x="3744000" y="1997280"/>
-                <a:ext cx="948600" cy="520560"/>
+                <a:ext cx="948240" cy="520200"/>
               </a:xfrm>
               <a:prstGeom prst="rect">
                 <a:avLst/>
@@ -13993,7 +13993,7 @@
             <p:spPr>
               <a:xfrm>
                 <a:off x="5760000" y="1944000"/>
-                <a:ext cx="1407240" cy="520560"/>
+                <a:ext cx="1406880" cy="520200"/>
               </a:xfrm>
               <a:prstGeom prst="rect">
                 <a:avLst/>
@@ -14152,7 +14152,7 @@
         <p:spPr>
           <a:xfrm>
             <a:off x="4963320" y="2117160"/>
-            <a:ext cx="456120" cy="487440"/>
+            <a:ext cx="455760" cy="487080"/>
           </a:xfrm>
           <a:prstGeom prst="rect">
             <a:avLst/>
@@ -14203,7 +14203,7 @@
         <p:spPr>
           <a:xfrm>
             <a:off x="2781720" y="3038400"/>
-            <a:ext cx="312120" cy="343440"/>
+            <a:ext cx="311760" cy="343080"/>
           </a:xfrm>
           <a:prstGeom prst="rect">
             <a:avLst/>
@@ -14256,7 +14256,7 @@
             <p:spPr>
               <a:xfrm>
                 <a:off x="3645720" y="2952000"/>
-                <a:ext cx="960120" cy="520560"/>
+                <a:ext cx="959760" cy="520200"/>
               </a:xfrm>
               <a:prstGeom prst="rect">
                 <a:avLst/>
@@ -14395,7 +14395,7 @@
         <p:spPr>
           <a:xfrm>
             <a:off x="4968720" y="3038400"/>
-            <a:ext cx="429120" cy="415440"/>
+            <a:ext cx="428760" cy="415080"/>
           </a:xfrm>
           <a:prstGeom prst="rect">
             <a:avLst/>
@@ -14448,7 +14448,7 @@
             <p:spPr>
               <a:xfrm>
                 <a:off x="5665680" y="2880000"/>
-                <a:ext cx="1316160" cy="520560"/>
+                <a:ext cx="1315800" cy="520200"/>
               </a:xfrm>
               <a:prstGeom prst="rect">
                 <a:avLst/>
@@ -14606,7 +14606,7 @@
         <p:spPr>
           <a:xfrm>
             <a:off x="5783400" y="3272760"/>
-            <a:ext cx="69120" cy="166320"/>
+            <a:ext cx="68760" cy="165960"/>
           </a:xfrm>
           <a:prstGeom prst="rect">
             <a:avLst/>
@@ -14632,7 +14632,7 @@
         <p:spPr>
           <a:xfrm>
             <a:off x="2016000" y="2520000"/>
-            <a:ext cx="177840" cy="343440"/>
+            <a:ext cx="177480" cy="343080"/>
           </a:xfrm>
           <a:prstGeom prst="rect">
             <a:avLst/>
@@ -14658,7 +14658,7 @@
         <p:spPr>
           <a:xfrm>
             <a:off x="841680" y="3829680"/>
-            <a:ext cx="1889280" cy="343440"/>
+            <a:ext cx="1888920" cy="343080"/>
           </a:xfrm>
           <a:prstGeom prst="rect">
             <a:avLst/>
@@ -14709,7 +14709,7 @@
         <p:spPr>
           <a:xfrm>
             <a:off x="240120" y="4130280"/>
-            <a:ext cx="11949120" cy="2207160"/>
+            <a:ext cx="11948760" cy="2206800"/>
           </a:xfrm>
           <a:prstGeom prst="rect">
             <a:avLst/>
@@ -14728,7 +14728,7 @@
         <p:txBody>
           <a:bodyPr lIns="90000" rIns="90000" tIns="45000" bIns="45000"/>
           <a:p>
-            <a:pPr marL="285840" indent="-282960">
+            <a:pPr marL="285840" indent="-282600">
               <a:lnSpc>
                 <a:spcPct val="100000"/>
               </a:lnSpc>
@@ -14763,7 +14763,7 @@
             </a:endParaRPr>
           </a:p>
           <a:p>
-            <a:pPr marL="285840" indent="-282960">
+            <a:pPr marL="285840" indent="-282600">
               <a:lnSpc>
                 <a:spcPct val="100000"/>
               </a:lnSpc>
@@ -14798,7 +14798,7 @@
             </a:endParaRPr>
           </a:p>
           <a:p>
-            <a:pPr marL="285840" indent="-282960">
+            <a:pPr marL="285840" indent="-282600">
               <a:lnSpc>
                 <a:spcPct val="100000"/>
               </a:lnSpc>
@@ -14833,7 +14833,7 @@
             </a:endParaRPr>
           </a:p>
           <a:p>
-            <a:pPr marL="285840" indent="-282960">
+            <a:pPr marL="285840" indent="-282600">
               <a:lnSpc>
                 <a:spcPct val="100000"/>
               </a:lnSpc>
@@ -14868,7 +14868,7 @@
             </a:endParaRPr>
           </a:p>
           <a:p>
-            <a:pPr marL="285840" indent="-282960">
+            <a:pPr marL="285840" indent="-282600">
               <a:lnSpc>
                 <a:spcPct val="100000"/>
               </a:lnSpc>
@@ -14903,7 +14903,7 @@
             </a:endParaRPr>
           </a:p>
           <a:p>
-            <a:pPr marL="285840" indent="-282960">
+            <a:pPr marL="285840" indent="-282600">
               <a:lnSpc>
                 <a:spcPct val="100000"/>
               </a:lnSpc>
@@ -14938,7 +14938,7 @@
             </a:endParaRPr>
           </a:p>
           <a:p>
-            <a:pPr marL="285840" indent="-282960">
+            <a:pPr marL="285840" indent="-282600">
               <a:lnSpc>
                 <a:spcPct val="100000"/>
               </a:lnSpc>
@@ -14973,7 +14973,7 @@
             </a:endParaRPr>
           </a:p>
           <a:p>
-            <a:pPr marL="285840" indent="-282960">
+            <a:pPr marL="285840" indent="-282600">
               <a:lnSpc>
                 <a:spcPct val="100000"/>
               </a:lnSpc>
@@ -15018,7 +15018,7 @@
         <p:spPr>
           <a:xfrm flipV="1">
             <a:off x="2853720" y="2072160"/>
-            <a:ext cx="457200" cy="445320"/>
+            <a:ext cx="456840" cy="444960"/>
           </a:xfrm>
           <a:prstGeom prst="rect">
             <a:avLst/>
@@ -15126,7 +15126,7 @@
         <p:spPr>
           <a:xfrm>
             <a:off x="845280" y="365760"/>
-            <a:ext cx="10512000" cy="1321920"/>
+            <a:ext cx="10511640" cy="1321560"/>
           </a:xfrm>
           <a:prstGeom prst="rect">
             <a:avLst/>
@@ -15179,7 +15179,7 @@
         <p:spPr>
           <a:xfrm>
             <a:off x="838080" y="3394080"/>
-            <a:ext cx="5177880" cy="2556720"/>
+            <a:ext cx="5177520" cy="2556360"/>
           </a:xfrm>
           <a:prstGeom prst="rect">
             <a:avLst/>
@@ -15202,7 +15202,7 @@
         <p:spPr>
           <a:xfrm>
             <a:off x="6541920" y="3394080"/>
-            <a:ext cx="5177880" cy="2556720"/>
+            <a:ext cx="5177520" cy="2556360"/>
           </a:xfrm>
           <a:prstGeom prst="rect">
             <a:avLst/>
@@ -15221,7 +15221,7 @@
         <p:spPr>
           <a:xfrm>
             <a:off x="5791680" y="4431960"/>
-            <a:ext cx="974880" cy="480960"/>
+            <a:ext cx="974520" cy="480600"/>
           </a:xfrm>
           <a:prstGeom prst="rightArrow">
             <a:avLst>
@@ -15257,7 +15257,7 @@
         <p:spPr>
           <a:xfrm flipH="1" flipV="1">
             <a:off x="2623680" y="2636640"/>
-            <a:ext cx="1104120" cy="1168200"/>
+            <a:ext cx="1103760" cy="1167840"/>
           </a:xfrm>
           <a:custGeom>
             <a:avLst/>
@@ -15306,7 +15306,7 @@
         <p:spPr>
           <a:xfrm flipV="1">
             <a:off x="9285840" y="2636640"/>
-            <a:ext cx="949320" cy="1168200"/>
+            <a:ext cx="948960" cy="1167840"/>
           </a:xfrm>
           <a:custGeom>
             <a:avLst/>
@@ -15355,7 +15355,7 @@
         <p:spPr>
           <a:xfrm>
             <a:off x="1369080" y="2475720"/>
-            <a:ext cx="1388160" cy="361440"/>
+            <a:ext cx="1387800" cy="361080"/>
           </a:xfrm>
           <a:prstGeom prst="rect">
             <a:avLst/>
@@ -15404,7 +15404,7 @@
         <p:spPr>
           <a:xfrm>
             <a:off x="10139760" y="2228040"/>
-            <a:ext cx="1590840" cy="361440"/>
+            <a:ext cx="1590480" cy="361080"/>
           </a:xfrm>
           <a:prstGeom prst="rect">
             <a:avLst/>
@@ -15510,7 +15510,7 @@
         <p:spPr>
           <a:xfrm>
             <a:off x="844920" y="391320"/>
-            <a:ext cx="10512000" cy="1321920"/>
+            <a:ext cx="10511640" cy="1321560"/>
           </a:xfrm>
           <a:prstGeom prst="rect">
             <a:avLst/>
@@ -15559,7 +15559,7 @@
         <p:spPr>
           <a:xfrm>
             <a:off x="639000" y="1691280"/>
-            <a:ext cx="3859920" cy="4079160"/>
+            <a:ext cx="3859560" cy="4078800"/>
           </a:xfrm>
           <a:prstGeom prst="ellipse">
             <a:avLst/>
@@ -15615,7 +15615,7 @@
         <p:spPr>
           <a:xfrm flipV="1">
             <a:off x="4391640" y="2031120"/>
-            <a:ext cx="1528920" cy="975240"/>
+            <a:ext cx="1528560" cy="974880"/>
           </a:xfrm>
           <a:custGeom>
             <a:avLst/>
@@ -15663,8 +15663,8 @@
         </p:nvSpPr>
         <p:spPr>
           <a:xfrm flipV="1">
-            <a:off x="4430160" y="2623680"/>
-            <a:ext cx="1726920" cy="588960"/>
+            <a:off x="4430160" y="2622960"/>
+            <a:ext cx="1726560" cy="588600"/>
           </a:xfrm>
           <a:custGeom>
             <a:avLst/>
@@ -15712,8 +15712,8 @@
         </p:nvSpPr>
         <p:spPr>
           <a:xfrm flipV="1">
-            <a:off x="4502880" y="3396600"/>
-            <a:ext cx="1894320" cy="99360"/>
+            <a:off x="4502880" y="3395880"/>
+            <a:ext cx="1893960" cy="99000"/>
           </a:xfrm>
           <a:custGeom>
             <a:avLst/>
@@ -15762,7 +15762,7 @@
         <p:spPr>
           <a:xfrm>
             <a:off x="4502880" y="3577680"/>
-            <a:ext cx="1984680" cy="213480"/>
+            <a:ext cx="1984320" cy="213120"/>
           </a:xfrm>
           <a:custGeom>
             <a:avLst/>
@@ -15811,7 +15811,7 @@
         <p:spPr>
           <a:xfrm>
             <a:off x="4391640" y="4339080"/>
-            <a:ext cx="1630800" cy="1325160"/>
+            <a:ext cx="1630440" cy="1324800"/>
           </a:xfrm>
           <a:custGeom>
             <a:avLst/>
@@ -15860,7 +15860,7 @@
         <p:spPr>
           <a:xfrm>
             <a:off x="4329000" y="4545360"/>
-            <a:ext cx="1334160" cy="1405440"/>
+            <a:ext cx="1333800" cy="1405080"/>
           </a:xfrm>
           <a:custGeom>
             <a:avLst/>
@@ -15909,7 +15909,7 @@
         <p:spPr>
           <a:xfrm flipV="1">
             <a:off x="4262760" y="1437120"/>
-            <a:ext cx="1515960" cy="1265400"/>
+            <a:ext cx="1515600" cy="1265040"/>
           </a:xfrm>
           <a:custGeom>
             <a:avLst/>
@@ -15958,7 +15958,7 @@
         <p:spPr>
           <a:xfrm>
             <a:off x="5733360" y="1237680"/>
-            <a:ext cx="581760" cy="361440"/>
+            <a:ext cx="581400" cy="361080"/>
           </a:xfrm>
           <a:prstGeom prst="rect">
             <a:avLst/>
@@ -16007,7 +16007,7 @@
         <p:spPr>
           <a:xfrm>
             <a:off x="5864040" y="1791720"/>
-            <a:ext cx="1006920" cy="361440"/>
+            <a:ext cx="1006560" cy="361080"/>
           </a:xfrm>
           <a:prstGeom prst="rect">
             <a:avLst/>
@@ -16056,7 +16056,7 @@
         <p:spPr>
           <a:xfrm>
             <a:off x="6020640" y="2435760"/>
-            <a:ext cx="798120" cy="361440"/>
+            <a:ext cx="797760" cy="361080"/>
           </a:xfrm>
           <a:prstGeom prst="rect">
             <a:avLst/>
@@ -16105,7 +16105,7 @@
         <p:spPr>
           <a:xfrm>
             <a:off x="6246720" y="3137400"/>
-            <a:ext cx="2016000" cy="361440"/>
+            <a:ext cx="2015640" cy="361080"/>
           </a:xfrm>
           <a:prstGeom prst="rect">
             <a:avLst/>
@@ -16154,7 +16154,7 @@
         <p:spPr>
           <a:xfrm>
             <a:off x="6346080" y="3550680"/>
-            <a:ext cx="1086120" cy="361440"/>
+            <a:ext cx="1085760" cy="361080"/>
           </a:xfrm>
           <a:prstGeom prst="rect">
             <a:avLst/>
@@ -16203,7 +16203,7 @@
         <p:spPr>
           <a:xfrm>
             <a:off x="6492240" y="3883320"/>
-            <a:ext cx="941400" cy="361440"/>
+            <a:ext cx="941040" cy="361080"/>
           </a:xfrm>
           <a:prstGeom prst="rect">
             <a:avLst/>
@@ -16229,7 +16229,7 @@
         <p:spPr>
           <a:xfrm>
             <a:off x="5914800" y="5483520"/>
-            <a:ext cx="1148760" cy="361440"/>
+            <a:ext cx="1148400" cy="361080"/>
           </a:xfrm>
           <a:prstGeom prst="rect">
             <a:avLst/>
@@ -16278,7 +16278,7 @@
         <p:spPr>
           <a:xfrm>
             <a:off x="5603760" y="5787720"/>
-            <a:ext cx="638280" cy="361440"/>
+            <a:ext cx="637920" cy="361080"/>
           </a:xfrm>
           <a:prstGeom prst="rect">
             <a:avLst/>
@@ -16327,7 +16327,7 @@
         <p:spPr>
           <a:xfrm>
             <a:off x="5110200" y="6033960"/>
-            <a:ext cx="648720" cy="361440"/>
+            <a:ext cx="648360" cy="361080"/>
           </a:xfrm>
           <a:prstGeom prst="rect">
             <a:avLst/>
@@ -16353,7 +16353,7 @@
         <p:spPr>
           <a:xfrm flipV="1">
             <a:off x="4501080" y="3004560"/>
-            <a:ext cx="2052000" cy="336600"/>
+            <a:ext cx="2051640" cy="336240"/>
           </a:xfrm>
           <a:custGeom>
             <a:avLst/>
@@ -16402,7 +16402,7 @@
         <p:spPr>
           <a:xfrm>
             <a:off x="6414120" y="2813400"/>
-            <a:ext cx="1296720" cy="361440"/>
+            <a:ext cx="1296360" cy="361080"/>
           </a:xfrm>
           <a:prstGeom prst="rect">
             <a:avLst/>
@@ -16451,7 +16451,7 @@
         <p:spPr>
           <a:xfrm>
             <a:off x="4457520" y="4150800"/>
-            <a:ext cx="1641600" cy="1120680"/>
+            <a:ext cx="1641240" cy="1120320"/>
           </a:xfrm>
           <a:custGeom>
             <a:avLst/>
@@ -16500,7 +16500,7 @@
         <p:spPr>
           <a:xfrm>
             <a:off x="5992200" y="5096160"/>
-            <a:ext cx="914040" cy="361440"/>
+            <a:ext cx="913680" cy="361080"/>
           </a:xfrm>
           <a:prstGeom prst="rect">
             <a:avLst/>
@@ -16549,7 +16549,7 @@
         <p:spPr>
           <a:xfrm>
             <a:off x="4473720" y="3978000"/>
-            <a:ext cx="1823040" cy="810360"/>
+            <a:ext cx="1822680" cy="810000"/>
           </a:xfrm>
           <a:custGeom>
             <a:avLst/>
@@ -16598,7 +16598,7 @@
         <p:spPr>
           <a:xfrm>
             <a:off x="6182280" y="4591080"/>
-            <a:ext cx="645840" cy="361440"/>
+            <a:ext cx="645480" cy="361080"/>
           </a:xfrm>
           <a:prstGeom prst="rect">
             <a:avLst/>
@@ -16647,7 +16647,7 @@
         <p:spPr>
           <a:xfrm>
             <a:off x="4502880" y="3732480"/>
-            <a:ext cx="2012400" cy="701640"/>
+            <a:ext cx="2012040" cy="701280"/>
           </a:xfrm>
           <a:custGeom>
             <a:avLst/>
@@ -16696,7 +16696,7 @@
         <p:spPr>
           <a:xfrm>
             <a:off x="6517800" y="4267080"/>
-            <a:ext cx="645840" cy="361440"/>
+            <a:ext cx="645480" cy="361080"/>
           </a:xfrm>
           <a:prstGeom prst="rect">
             <a:avLst/>
@@ -16745,7 +16745,7 @@
         <p:spPr>
           <a:xfrm>
             <a:off x="8506440" y="1237680"/>
-            <a:ext cx="466560" cy="5162040"/>
+            <a:ext cx="466200" cy="5161680"/>
           </a:xfrm>
           <a:prstGeom prst="rightBrace">
             <a:avLst>
@@ -16783,7 +16783,7 @@
         <p:spPr>
           <a:xfrm>
             <a:off x="9259560" y="3636000"/>
-            <a:ext cx="2250720" cy="361440"/>
+            <a:ext cx="2250360" cy="361080"/>
           </a:xfrm>
           <a:prstGeom prst="rect">
             <a:avLst/>
@@ -16889,7 +16889,7 @@
         <p:spPr>
           <a:xfrm>
             <a:off x="845280" y="365760"/>
-            <a:ext cx="10512000" cy="1321920"/>
+            <a:ext cx="10511640" cy="1321560"/>
           </a:xfrm>
           <a:prstGeom prst="rect">
             <a:avLst/>
@@ -16938,7 +16938,7 @@
         <p:spPr>
           <a:xfrm>
             <a:off x="2859120" y="3915000"/>
-            <a:ext cx="6191280" cy="1774080"/>
+            <a:ext cx="6190920" cy="1773720"/>
           </a:xfrm>
           <a:prstGeom prst="leftRightUpArrow">
             <a:avLst>
@@ -16975,7 +16975,7 @@
         <p:spPr>
           <a:xfrm>
             <a:off x="4477320" y="3322800"/>
-            <a:ext cx="2954520" cy="361440"/>
+            <a:ext cx="2954160" cy="361080"/>
           </a:xfrm>
           <a:prstGeom prst="rect">
             <a:avLst/>
@@ -17024,7 +17024,7 @@
         <p:spPr>
           <a:xfrm>
             <a:off x="669960" y="5108400"/>
-            <a:ext cx="1919880" cy="361440"/>
+            <a:ext cx="1919520" cy="361080"/>
           </a:xfrm>
           <a:prstGeom prst="rect">
             <a:avLst/>
@@ -17073,7 +17073,7 @@
         <p:spPr>
           <a:xfrm>
             <a:off x="9015840" y="5022720"/>
-            <a:ext cx="3070440" cy="361440"/>
+            <a:ext cx="3070080" cy="361080"/>
           </a:xfrm>
           <a:prstGeom prst="rect">
             <a:avLst/>
